--- a/Final_Presentation_4.1.pptx
+++ b/Final_Presentation_4.1.pptx
@@ -5,10 +5,10 @@
     <p:sldMasterId id="2147483669" r:id="rId4"/>
   </p:sldMasterIdLst>
   <p:notesMasterIdLst>
-    <p:notesMasterId r:id="rId17"/>
+    <p:notesMasterId r:id="rId16"/>
   </p:notesMasterIdLst>
   <p:handoutMasterIdLst>
-    <p:handoutMasterId r:id="rId18"/>
+    <p:handoutMasterId r:id="rId17"/>
   </p:handoutMasterIdLst>
   <p:sldIdLst>
     <p:sldId id="256" r:id="rId5"/>
@@ -22,7 +22,6 @@
     <p:sldId id="270" r:id="rId13"/>
     <p:sldId id="275" r:id="rId14"/>
     <p:sldId id="267" r:id="rId15"/>
-    <p:sldId id="269" r:id="rId16"/>
   </p:sldIdLst>
   <p:sldSz cx="12192000" cy="6858000"/>
   <p:notesSz cx="6858000" cy="9144000"/>
@@ -7911,7 +7910,7 @@
           <a:p>
             <a:fld id="{2B85766F-5EC0-4797-B4D1-777FCB005B11}" type="datetimeFigureOut">
               <a:rPr lang="en-US" smtClean="0"/>
-              <a:t>10/28/2021</a:t>
+              <a:t>10/29/2021</a:t>
             </a:fld>
             <a:endParaRPr lang="en-US" dirty="0"/>
           </a:p>
@@ -8088,7 +8087,7 @@
           <a:p>
             <a:fld id="{B2B4B5EC-152C-4627-80C0-63B10D5574EF}" type="datetimeFigureOut">
               <a:rPr lang="en-US" smtClean="0"/>
-              <a:t>10/28/2021</a:t>
+              <a:t>10/29/2021</a:t>
             </a:fld>
             <a:endParaRPr lang="en-US" dirty="0"/>
           </a:p>
@@ -8412,7 +8411,7 @@
           <a:noFill/>
           <a:extLst>
             <a:ext uri="{909E8E84-426E-40dd-AFC4-6F175D3DCCD1}">
-              <a14:hiddenFill xmlns="" xmlns:a14="http://schemas.microsoft.com/office/drawing/2010/main">
+              <a14:hiddenFill xmlns:a14="http://schemas.microsoft.com/office/drawing/2010/main" xmlns="">
                 <a:solidFill>
                   <a:srgbClr val="FFFFFF"/>
                 </a:solidFill>
@@ -8471,7 +8470,7 @@
             </a:ln>
             <a:extLst>
               <a:ext uri="{91240B29-F687-4f45-9708-019B960494DF}">
-                <a14:hiddenLine xmlns="" xmlns:a14="http://schemas.microsoft.com/office/drawing/2010/main" w="9525">
+                <a14:hiddenLine xmlns:a14="http://schemas.microsoft.com/office/drawing/2010/main" xmlns="" w="9525">
                   <a:solidFill>
                     <a:srgbClr val="000000"/>
                   </a:solidFill>
@@ -8561,7 +8560,7 @@
             </a:ln>
             <a:extLst>
               <a:ext uri="{91240B29-F687-4f45-9708-019B960494DF}">
-                <a14:hiddenLine xmlns="" xmlns:a14="http://schemas.microsoft.com/office/drawing/2010/main" w="9525">
+                <a14:hiddenLine xmlns:a14="http://schemas.microsoft.com/office/drawing/2010/main" xmlns="" w="9525">
                   <a:solidFill>
                     <a:srgbClr val="000000"/>
                   </a:solidFill>
@@ -8651,7 +8650,7 @@
             </a:ln>
             <a:extLst>
               <a:ext uri="{91240B29-F687-4f45-9708-019B960494DF}">
-                <a14:hiddenLine xmlns="" xmlns:a14="http://schemas.microsoft.com/office/drawing/2010/main" w="9525">
+                <a14:hiddenLine xmlns:a14="http://schemas.microsoft.com/office/drawing/2010/main" xmlns="" w="9525">
                   <a:solidFill>
                     <a:srgbClr val="000000"/>
                   </a:solidFill>
@@ -8685,7 +8684,7 @@
             </a:ln>
             <a:extLst>
               <a:ext uri="{91240B29-F687-4f45-9708-019B960494DF}">
-                <a14:hiddenLine xmlns="" xmlns:a14="http://schemas.microsoft.com/office/drawing/2010/main" w="9525">
+                <a14:hiddenLine xmlns:a14="http://schemas.microsoft.com/office/drawing/2010/main" xmlns="" w="9525">
                   <a:solidFill>
                     <a:srgbClr val="000000"/>
                   </a:solidFill>
@@ -8775,7 +8774,7 @@
             </a:ln>
             <a:extLst>
               <a:ext uri="{91240B29-F687-4f45-9708-019B960494DF}">
-                <a14:hiddenLine xmlns="" xmlns:a14="http://schemas.microsoft.com/office/drawing/2010/main" w="9525">
+                <a14:hiddenLine xmlns:a14="http://schemas.microsoft.com/office/drawing/2010/main" xmlns="" w="9525">
                   <a:solidFill>
                     <a:srgbClr val="000000"/>
                   </a:solidFill>
@@ -8837,7 +8836,7 @@
             </a:ln>
             <a:extLst>
               <a:ext uri="{91240B29-F687-4f45-9708-019B960494DF}">
-                <a14:hiddenLine xmlns="" xmlns:a14="http://schemas.microsoft.com/office/drawing/2010/main" w="9525">
+                <a14:hiddenLine xmlns:a14="http://schemas.microsoft.com/office/drawing/2010/main" xmlns="" w="9525">
                   <a:solidFill>
                     <a:srgbClr val="000000"/>
                   </a:solidFill>
@@ -8899,7 +8898,7 @@
             </a:ln>
             <a:extLst>
               <a:ext uri="{91240B29-F687-4f45-9708-019B960494DF}">
-                <a14:hiddenLine xmlns="" xmlns:a14="http://schemas.microsoft.com/office/drawing/2010/main" w="9525">
+                <a14:hiddenLine xmlns:a14="http://schemas.microsoft.com/office/drawing/2010/main" xmlns="" w="9525">
                   <a:solidFill>
                     <a:srgbClr val="000000"/>
                   </a:solidFill>
@@ -8989,7 +8988,7 @@
             </a:ln>
             <a:extLst>
               <a:ext uri="{91240B29-F687-4f45-9708-019B960494DF}">
-                <a14:hiddenLine xmlns="" xmlns:a14="http://schemas.microsoft.com/office/drawing/2010/main" w="9525">
+                <a14:hiddenLine xmlns:a14="http://schemas.microsoft.com/office/drawing/2010/main" xmlns="" w="9525">
                   <a:solidFill>
                     <a:srgbClr val="000000"/>
                   </a:solidFill>
@@ -9051,7 +9050,7 @@
             </a:ln>
             <a:extLst>
               <a:ext uri="{91240B29-F687-4f45-9708-019B960494DF}">
-                <a14:hiddenLine xmlns="" xmlns:a14="http://schemas.microsoft.com/office/drawing/2010/main" w="9525">
+                <a14:hiddenLine xmlns:a14="http://schemas.microsoft.com/office/drawing/2010/main" xmlns="" w="9525">
                   <a:solidFill>
                     <a:srgbClr val="000000"/>
                   </a:solidFill>
@@ -9113,7 +9112,7 @@
             </a:ln>
             <a:extLst>
               <a:ext uri="{91240B29-F687-4f45-9708-019B960494DF}">
-                <a14:hiddenLine xmlns="" xmlns:a14="http://schemas.microsoft.com/office/drawing/2010/main" w="9525">
+                <a14:hiddenLine xmlns:a14="http://schemas.microsoft.com/office/drawing/2010/main" xmlns="" w="9525">
                   <a:solidFill>
                     <a:srgbClr val="000000"/>
                   </a:solidFill>
@@ -9203,7 +9202,7 @@
             </a:ln>
             <a:extLst>
               <a:ext uri="{91240B29-F687-4f45-9708-019B960494DF}">
-                <a14:hiddenLine xmlns="" xmlns:a14="http://schemas.microsoft.com/office/drawing/2010/main" w="9525">
+                <a14:hiddenLine xmlns:a14="http://schemas.microsoft.com/office/drawing/2010/main" xmlns="" w="9525">
                   <a:solidFill>
                     <a:srgbClr val="000000"/>
                   </a:solidFill>
@@ -9293,7 +9292,7 @@
             </a:ln>
             <a:extLst>
               <a:ext uri="{91240B29-F687-4f45-9708-019B960494DF}">
-                <a14:hiddenLine xmlns="" xmlns:a14="http://schemas.microsoft.com/office/drawing/2010/main" w="9525">
+                <a14:hiddenLine xmlns:a14="http://schemas.microsoft.com/office/drawing/2010/main" xmlns="" w="9525">
                   <a:solidFill>
                     <a:srgbClr val="000000"/>
                   </a:solidFill>
@@ -9355,7 +9354,7 @@
             </a:ln>
             <a:extLst>
               <a:ext uri="{91240B29-F687-4f45-9708-019B960494DF}">
-                <a14:hiddenLine xmlns="" xmlns:a14="http://schemas.microsoft.com/office/drawing/2010/main" w="9525">
+                <a14:hiddenLine xmlns:a14="http://schemas.microsoft.com/office/drawing/2010/main" xmlns="" w="9525">
                   <a:solidFill>
                     <a:srgbClr val="000000"/>
                   </a:solidFill>
@@ -9465,7 +9464,7 @@
             </a:ln>
             <a:extLst>
               <a:ext uri="{91240B29-F687-4f45-9708-019B960494DF}">
-                <a14:hiddenLine xmlns="" xmlns:a14="http://schemas.microsoft.com/office/drawing/2010/main" w="9525">
+                <a14:hiddenLine xmlns:a14="http://schemas.microsoft.com/office/drawing/2010/main" xmlns="" w="9525">
                   <a:solidFill>
                     <a:srgbClr val="000000"/>
                   </a:solidFill>
@@ -9527,7 +9526,7 @@
             </a:ln>
             <a:extLst>
               <a:ext uri="{91240B29-F687-4f45-9708-019B960494DF}">
-                <a14:hiddenLine xmlns="" xmlns:a14="http://schemas.microsoft.com/office/drawing/2010/main" w="9525">
+                <a14:hiddenLine xmlns:a14="http://schemas.microsoft.com/office/drawing/2010/main" xmlns="" w="9525">
                   <a:solidFill>
                     <a:srgbClr val="000000"/>
                   </a:solidFill>
@@ -9617,7 +9616,7 @@
             </a:ln>
             <a:extLst>
               <a:ext uri="{91240B29-F687-4f45-9708-019B960494DF}">
-                <a14:hiddenLine xmlns="" xmlns:a14="http://schemas.microsoft.com/office/drawing/2010/main" w="9525">
+                <a14:hiddenLine xmlns:a14="http://schemas.microsoft.com/office/drawing/2010/main" xmlns="" w="9525">
                   <a:solidFill>
                     <a:srgbClr val="000000"/>
                   </a:solidFill>
@@ -9707,7 +9706,7 @@
             </a:ln>
             <a:extLst>
               <a:ext uri="{91240B29-F687-4f45-9708-019B960494DF}">
-                <a14:hiddenLine xmlns="" xmlns:a14="http://schemas.microsoft.com/office/drawing/2010/main" w="9525">
+                <a14:hiddenLine xmlns:a14="http://schemas.microsoft.com/office/drawing/2010/main" xmlns="" w="9525">
                   <a:solidFill>
                     <a:srgbClr val="000000"/>
                   </a:solidFill>
@@ -9769,7 +9768,7 @@
             </a:ln>
             <a:extLst>
               <a:ext uri="{91240B29-F687-4f45-9708-019B960494DF}">
-                <a14:hiddenLine xmlns="" xmlns:a14="http://schemas.microsoft.com/office/drawing/2010/main" w="9525">
+                <a14:hiddenLine xmlns:a14="http://schemas.microsoft.com/office/drawing/2010/main" xmlns="" w="9525">
                   <a:solidFill>
                     <a:srgbClr val="000000"/>
                   </a:solidFill>
@@ -9859,7 +9858,7 @@
             </a:ln>
             <a:extLst>
               <a:ext uri="{91240B29-F687-4f45-9708-019B960494DF}">
-                <a14:hiddenLine xmlns="" xmlns:a14="http://schemas.microsoft.com/office/drawing/2010/main" w="9525">
+                <a14:hiddenLine xmlns:a14="http://schemas.microsoft.com/office/drawing/2010/main" xmlns="" w="9525">
                   <a:solidFill>
                     <a:srgbClr val="000000"/>
                   </a:solidFill>
@@ -9949,7 +9948,7 @@
             </a:ln>
             <a:extLst>
               <a:ext uri="{91240B29-F687-4f45-9708-019B960494DF}">
-                <a14:hiddenLine xmlns="" xmlns:a14="http://schemas.microsoft.com/office/drawing/2010/main" w="9525">
+                <a14:hiddenLine xmlns:a14="http://schemas.microsoft.com/office/drawing/2010/main" xmlns="" w="9525">
                   <a:solidFill>
                     <a:srgbClr val="000000"/>
                   </a:solidFill>
@@ -10005,7 +10004,7 @@
             </a:ln>
             <a:extLst>
               <a:ext uri="{91240B29-F687-4f45-9708-019B960494DF}">
-                <a14:hiddenLine xmlns="" xmlns:a14="http://schemas.microsoft.com/office/drawing/2010/main" w="9525">
+                <a14:hiddenLine xmlns:a14="http://schemas.microsoft.com/office/drawing/2010/main" xmlns="" w="9525">
                   <a:solidFill>
                     <a:srgbClr val="000000"/>
                   </a:solidFill>
@@ -10095,7 +10094,7 @@
             </a:ln>
             <a:extLst>
               <a:ext uri="{91240B29-F687-4f45-9708-019B960494DF}">
-                <a14:hiddenLine xmlns="" xmlns:a14="http://schemas.microsoft.com/office/drawing/2010/main" w="9525">
+                <a14:hiddenLine xmlns:a14="http://schemas.microsoft.com/office/drawing/2010/main" xmlns="" w="9525">
                   <a:solidFill>
                     <a:srgbClr val="000000"/>
                   </a:solidFill>
@@ -10151,7 +10150,7 @@
             </a:ln>
             <a:extLst>
               <a:ext uri="{91240B29-F687-4f45-9708-019B960494DF}">
-                <a14:hiddenLine xmlns="" xmlns:a14="http://schemas.microsoft.com/office/drawing/2010/main" w="9525">
+                <a14:hiddenLine xmlns:a14="http://schemas.microsoft.com/office/drawing/2010/main" xmlns="" w="9525">
                   <a:solidFill>
                     <a:srgbClr val="000000"/>
                   </a:solidFill>
@@ -10241,7 +10240,7 @@
             </a:ln>
             <a:extLst>
               <a:ext uri="{91240B29-F687-4f45-9708-019B960494DF}">
-                <a14:hiddenLine xmlns="" xmlns:a14="http://schemas.microsoft.com/office/drawing/2010/main" w="9525">
+                <a14:hiddenLine xmlns:a14="http://schemas.microsoft.com/office/drawing/2010/main" xmlns="" w="9525">
                   <a:solidFill>
                     <a:srgbClr val="000000"/>
                   </a:solidFill>
@@ -10309,7 +10308,7 @@
             </a:ln>
             <a:extLst>
               <a:ext uri="{91240B29-F687-4f45-9708-019B960494DF}">
-                <a14:hiddenLine xmlns="" xmlns:a14="http://schemas.microsoft.com/office/drawing/2010/main" w="9525">
+                <a14:hiddenLine xmlns:a14="http://schemas.microsoft.com/office/drawing/2010/main" xmlns="" w="9525">
                   <a:solidFill>
                     <a:srgbClr val="000000"/>
                   </a:solidFill>
@@ -10399,7 +10398,7 @@
             </a:ln>
             <a:extLst>
               <a:ext uri="{91240B29-F687-4f45-9708-019B960494DF}">
-                <a14:hiddenLine xmlns="" xmlns:a14="http://schemas.microsoft.com/office/drawing/2010/main" w="9525">
+                <a14:hiddenLine xmlns:a14="http://schemas.microsoft.com/office/drawing/2010/main" xmlns="" w="9525">
                   <a:solidFill>
                     <a:srgbClr val="000000"/>
                   </a:solidFill>
@@ -10467,7 +10466,7 @@
             </a:ln>
             <a:extLst>
               <a:ext uri="{91240B29-F687-4f45-9708-019B960494DF}">
-                <a14:hiddenLine xmlns="" xmlns:a14="http://schemas.microsoft.com/office/drawing/2010/main" w="9525">
+                <a14:hiddenLine xmlns:a14="http://schemas.microsoft.com/office/drawing/2010/main" xmlns="" w="9525">
                   <a:solidFill>
                     <a:srgbClr val="000000"/>
                   </a:solidFill>
@@ -10557,7 +10556,7 @@
             </a:ln>
             <a:extLst>
               <a:ext uri="{91240B29-F687-4f45-9708-019B960494DF}">
-                <a14:hiddenLine xmlns="" xmlns:a14="http://schemas.microsoft.com/office/drawing/2010/main" w="9525">
+                <a14:hiddenLine xmlns:a14="http://schemas.microsoft.com/office/drawing/2010/main" xmlns="" w="9525">
                   <a:solidFill>
                     <a:srgbClr val="000000"/>
                   </a:solidFill>
@@ -10591,7 +10590,7 @@
             </a:ln>
             <a:extLst>
               <a:ext uri="{91240B29-F687-4f45-9708-019B960494DF}">
-                <a14:hiddenLine xmlns="" xmlns:a14="http://schemas.microsoft.com/office/drawing/2010/main" w="9525">
+                <a14:hiddenLine xmlns:a14="http://schemas.microsoft.com/office/drawing/2010/main" xmlns="" w="9525">
                   <a:solidFill>
                     <a:srgbClr val="000000"/>
                   </a:solidFill>
@@ -10681,7 +10680,7 @@
             </a:ln>
             <a:extLst>
               <a:ext uri="{91240B29-F687-4f45-9708-019B960494DF}">
-                <a14:hiddenLine xmlns="" xmlns:a14="http://schemas.microsoft.com/office/drawing/2010/main" w="9525">
+                <a14:hiddenLine xmlns:a14="http://schemas.microsoft.com/office/drawing/2010/main" xmlns="" w="9525">
                   <a:solidFill>
                     <a:srgbClr val="000000"/>
                   </a:solidFill>
@@ -10743,7 +10742,7 @@
             </a:ln>
             <a:extLst>
               <a:ext uri="{91240B29-F687-4f45-9708-019B960494DF}">
-                <a14:hiddenLine xmlns="" xmlns:a14="http://schemas.microsoft.com/office/drawing/2010/main" w="9525">
+                <a14:hiddenLine xmlns:a14="http://schemas.microsoft.com/office/drawing/2010/main" xmlns="" w="9525">
                   <a:solidFill>
                     <a:srgbClr val="000000"/>
                   </a:solidFill>
@@ -10805,7 +10804,7 @@
             </a:ln>
             <a:extLst>
               <a:ext uri="{91240B29-F687-4f45-9708-019B960494DF}">
-                <a14:hiddenLine xmlns="" xmlns:a14="http://schemas.microsoft.com/office/drawing/2010/main" w="9525">
+                <a14:hiddenLine xmlns:a14="http://schemas.microsoft.com/office/drawing/2010/main" xmlns="" w="9525">
                   <a:solidFill>
                     <a:srgbClr val="000000"/>
                   </a:solidFill>
@@ -10895,7 +10894,7 @@
             </a:ln>
             <a:extLst>
               <a:ext uri="{91240B29-F687-4f45-9708-019B960494DF}">
-                <a14:hiddenLine xmlns="" xmlns:a14="http://schemas.microsoft.com/office/drawing/2010/main" w="9525">
+                <a14:hiddenLine xmlns:a14="http://schemas.microsoft.com/office/drawing/2010/main" xmlns="" w="9525">
                   <a:solidFill>
                     <a:srgbClr val="000000"/>
                   </a:solidFill>
@@ -10963,7 +10962,7 @@
             </a:ln>
             <a:extLst>
               <a:ext uri="{91240B29-F687-4f45-9708-019B960494DF}">
-                <a14:hiddenLine xmlns="" xmlns:a14="http://schemas.microsoft.com/office/drawing/2010/main" w="9525">
+                <a14:hiddenLine xmlns:a14="http://schemas.microsoft.com/office/drawing/2010/main" xmlns="" w="9525">
                   <a:solidFill>
                     <a:srgbClr val="000000"/>
                   </a:solidFill>
@@ -11025,7 +11024,7 @@
             </a:ln>
             <a:extLst>
               <a:ext uri="{91240B29-F687-4f45-9708-019B960494DF}">
-                <a14:hiddenLine xmlns="" xmlns:a14="http://schemas.microsoft.com/office/drawing/2010/main" w="9525">
+                <a14:hiddenLine xmlns:a14="http://schemas.microsoft.com/office/drawing/2010/main" xmlns="" w="9525">
                   <a:solidFill>
                     <a:srgbClr val="000000"/>
                   </a:solidFill>
@@ -11115,7 +11114,7 @@
             </a:ln>
             <a:extLst>
               <a:ext uri="{91240B29-F687-4f45-9708-019B960494DF}">
-                <a14:hiddenLine xmlns="" xmlns:a14="http://schemas.microsoft.com/office/drawing/2010/main" w="9525">
+                <a14:hiddenLine xmlns:a14="http://schemas.microsoft.com/office/drawing/2010/main" xmlns="" w="9525">
                   <a:solidFill>
                     <a:srgbClr val="000000"/>
                   </a:solidFill>
@@ -11177,7 +11176,7 @@
             </a:ln>
             <a:extLst>
               <a:ext uri="{91240B29-F687-4f45-9708-019B960494DF}">
-                <a14:hiddenLine xmlns="" xmlns:a14="http://schemas.microsoft.com/office/drawing/2010/main" w="9525">
+                <a14:hiddenLine xmlns:a14="http://schemas.microsoft.com/office/drawing/2010/main" xmlns="" w="9525">
                   <a:solidFill>
                     <a:srgbClr val="000000"/>
                   </a:solidFill>
@@ -11267,7 +11266,7 @@
             </a:ln>
             <a:extLst>
               <a:ext uri="{91240B29-F687-4f45-9708-019B960494DF}">
-                <a14:hiddenLine xmlns="" xmlns:a14="http://schemas.microsoft.com/office/drawing/2010/main" w="9525">
+                <a14:hiddenLine xmlns:a14="http://schemas.microsoft.com/office/drawing/2010/main" xmlns="" w="9525">
                   <a:solidFill>
                     <a:srgbClr val="000000"/>
                   </a:solidFill>
@@ -11329,7 +11328,7 @@
             </a:ln>
             <a:extLst>
               <a:ext uri="{91240B29-F687-4f45-9708-019B960494DF}">
-                <a14:hiddenLine xmlns="" xmlns:a14="http://schemas.microsoft.com/office/drawing/2010/main" w="9525">
+                <a14:hiddenLine xmlns:a14="http://schemas.microsoft.com/office/drawing/2010/main" xmlns="" w="9525">
                   <a:solidFill>
                     <a:srgbClr val="000000"/>
                   </a:solidFill>
@@ -11419,7 +11418,7 @@
             </a:ln>
             <a:extLst>
               <a:ext uri="{91240B29-F687-4f45-9708-019B960494DF}">
-                <a14:hiddenLine xmlns="" xmlns:a14="http://schemas.microsoft.com/office/drawing/2010/main" w="9525">
+                <a14:hiddenLine xmlns:a14="http://schemas.microsoft.com/office/drawing/2010/main" xmlns="" w="9525">
                   <a:solidFill>
                     <a:srgbClr val="000000"/>
                   </a:solidFill>
@@ -11453,7 +11452,7 @@
             </a:ln>
             <a:extLst>
               <a:ext uri="{91240B29-F687-4f45-9708-019B960494DF}">
-                <a14:hiddenLine xmlns="" xmlns:a14="http://schemas.microsoft.com/office/drawing/2010/main" w="9525">
+                <a14:hiddenLine xmlns:a14="http://schemas.microsoft.com/office/drawing/2010/main" xmlns="" w="9525">
                   <a:solidFill>
                     <a:srgbClr val="000000"/>
                   </a:solidFill>
@@ -11518,7 +11517,7 @@
             </a:ln>
             <a:extLst>
               <a:ext uri="{91240B29-F687-4f45-9708-019B960494DF}">
-                <a14:hiddenLine xmlns="" xmlns:a14="http://schemas.microsoft.com/office/drawing/2010/main" w="9525">
+                <a14:hiddenLine xmlns:a14="http://schemas.microsoft.com/office/drawing/2010/main" xmlns="" w="9525">
                   <a:solidFill>
                     <a:srgbClr val="000000"/>
                   </a:solidFill>
@@ -11608,7 +11607,7 @@
             </a:ln>
             <a:extLst>
               <a:ext uri="{91240B29-F687-4f45-9708-019B960494DF}">
-                <a14:hiddenLine xmlns="" xmlns:a14="http://schemas.microsoft.com/office/drawing/2010/main" w="9525">
+                <a14:hiddenLine xmlns:a14="http://schemas.microsoft.com/office/drawing/2010/main" xmlns="" w="9525">
                   <a:solidFill>
                     <a:srgbClr val="000000"/>
                   </a:solidFill>
@@ -11670,7 +11669,7 @@
             </a:ln>
             <a:extLst>
               <a:ext uri="{91240B29-F687-4f45-9708-019B960494DF}">
-                <a14:hiddenLine xmlns="" xmlns:a14="http://schemas.microsoft.com/office/drawing/2010/main" w="9525">
+                <a14:hiddenLine xmlns:a14="http://schemas.microsoft.com/office/drawing/2010/main" xmlns="" w="9525">
                   <a:solidFill>
                     <a:srgbClr val="000000"/>
                   </a:solidFill>
@@ -11760,7 +11759,7 @@
             </a:ln>
             <a:extLst>
               <a:ext uri="{91240B29-F687-4f45-9708-019B960494DF}">
-                <a14:hiddenLine xmlns="" xmlns:a14="http://schemas.microsoft.com/office/drawing/2010/main" w="9525">
+                <a14:hiddenLine xmlns:a14="http://schemas.microsoft.com/office/drawing/2010/main" xmlns="" w="9525">
                   <a:solidFill>
                     <a:srgbClr val="000000"/>
                   </a:solidFill>
@@ -11850,7 +11849,7 @@
             </a:ln>
             <a:extLst>
               <a:ext uri="{91240B29-F687-4f45-9708-019B960494DF}">
-                <a14:hiddenLine xmlns="" xmlns:a14="http://schemas.microsoft.com/office/drawing/2010/main" w="9525">
+                <a14:hiddenLine xmlns:a14="http://schemas.microsoft.com/office/drawing/2010/main" xmlns="" w="9525">
                   <a:solidFill>
                     <a:srgbClr val="000000"/>
                   </a:solidFill>
@@ -11915,7 +11914,7 @@
             </a:ln>
             <a:extLst>
               <a:ext uri="{91240B29-F687-4f45-9708-019B960494DF}">
-                <a14:hiddenLine xmlns="" xmlns:a14="http://schemas.microsoft.com/office/drawing/2010/main" w="9525">
+                <a14:hiddenLine xmlns:a14="http://schemas.microsoft.com/office/drawing/2010/main" xmlns="" w="9525">
                   <a:solidFill>
                     <a:srgbClr val="000000"/>
                   </a:solidFill>
@@ -11977,7 +11976,7 @@
             </a:ln>
             <a:extLst>
               <a:ext uri="{91240B29-F687-4f45-9708-019B960494DF}">
-                <a14:hiddenLine xmlns="" xmlns:a14="http://schemas.microsoft.com/office/drawing/2010/main" w="9525">
+                <a14:hiddenLine xmlns:a14="http://schemas.microsoft.com/office/drawing/2010/main" xmlns="" w="9525">
                   <a:solidFill>
                     <a:srgbClr val="000000"/>
                   </a:solidFill>
@@ -12067,7 +12066,7 @@
             </a:ln>
             <a:extLst>
               <a:ext uri="{91240B29-F687-4f45-9708-019B960494DF}">
-                <a14:hiddenLine xmlns="" xmlns:a14="http://schemas.microsoft.com/office/drawing/2010/main" w="9525">
+                <a14:hiddenLine xmlns:a14="http://schemas.microsoft.com/office/drawing/2010/main" xmlns="" w="9525">
                   <a:solidFill>
                     <a:srgbClr val="000000"/>
                   </a:solidFill>
@@ -12157,7 +12156,7 @@
             </a:ln>
             <a:extLst>
               <a:ext uri="{91240B29-F687-4f45-9708-019B960494DF}">
-                <a14:hiddenLine xmlns="" xmlns:a14="http://schemas.microsoft.com/office/drawing/2010/main" w="9525">
+                <a14:hiddenLine xmlns:a14="http://schemas.microsoft.com/office/drawing/2010/main" xmlns="" w="9525">
                   <a:solidFill>
                     <a:srgbClr val="000000"/>
                   </a:solidFill>
@@ -12219,7 +12218,7 @@
             </a:ln>
             <a:extLst>
               <a:ext uri="{91240B29-F687-4f45-9708-019B960494DF}">
-                <a14:hiddenLine xmlns="" xmlns:a14="http://schemas.microsoft.com/office/drawing/2010/main" w="9525">
+                <a14:hiddenLine xmlns:a14="http://schemas.microsoft.com/office/drawing/2010/main" xmlns="" w="9525">
                   <a:solidFill>
                     <a:srgbClr val="000000"/>
                   </a:solidFill>
@@ -12339,7 +12338,7 @@
             </a:ln>
             <a:extLst>
               <a:ext uri="{91240B29-F687-4f45-9708-019B960494DF}">
-                <a14:hiddenLine xmlns="" xmlns:a14="http://schemas.microsoft.com/office/drawing/2010/main" w="9525">
+                <a14:hiddenLine xmlns:a14="http://schemas.microsoft.com/office/drawing/2010/main" xmlns="" w="9525">
                   <a:solidFill>
                     <a:srgbClr val="000000"/>
                   </a:solidFill>
@@ -12407,7 +12406,7 @@
             </a:ln>
             <a:extLst>
               <a:ext uri="{91240B29-F687-4f45-9708-019B960494DF}">
-                <a14:hiddenLine xmlns="" xmlns:a14="http://schemas.microsoft.com/office/drawing/2010/main" w="9525">
+                <a14:hiddenLine xmlns:a14="http://schemas.microsoft.com/office/drawing/2010/main" xmlns="" w="9525">
                   <a:solidFill>
                     <a:srgbClr val="000000"/>
                   </a:solidFill>
@@ -12497,7 +12496,7 @@
             </a:ln>
             <a:extLst>
               <a:ext uri="{91240B29-F687-4f45-9708-019B960494DF}">
-                <a14:hiddenLine xmlns="" xmlns:a14="http://schemas.microsoft.com/office/drawing/2010/main" w="9525">
+                <a14:hiddenLine xmlns:a14="http://schemas.microsoft.com/office/drawing/2010/main" xmlns="" w="9525">
                   <a:solidFill>
                     <a:srgbClr val="000000"/>
                   </a:solidFill>
@@ -12637,7 +12636,7 @@
           <a:p>
             <a:fld id="{48A87A34-81AB-432B-8DAE-1953F412C126}" type="datetimeFigureOut">
               <a:rPr lang="en-US" smtClean="0"/>
-              <a:t>10/28/2021</a:t>
+              <a:t>10/29/2021</a:t>
             </a:fld>
             <a:endParaRPr lang="en-US" dirty="0"/>
           </a:p>
@@ -12904,7 +12903,7 @@
           <a:p>
             <a:fld id="{48A87A34-81AB-432B-8DAE-1953F412C126}" type="datetimeFigureOut">
               <a:rPr lang="en-US" smtClean="0"/>
-              <a:t>10/28/2021</a:t>
+              <a:t>10/29/2021</a:t>
             </a:fld>
             <a:endParaRPr lang="en-US" dirty="0"/>
           </a:p>
@@ -13100,7 +13099,7 @@
           <a:p>
             <a:fld id="{48A87A34-81AB-432B-8DAE-1953F412C126}" type="datetimeFigureOut">
               <a:rPr lang="en-US" smtClean="0"/>
-              <a:t>10/28/2021</a:t>
+              <a:t>10/29/2021</a:t>
             </a:fld>
             <a:endParaRPr lang="en-US" dirty="0"/>
           </a:p>
@@ -13363,7 +13362,7 @@
           <a:p>
             <a:fld id="{48A87A34-81AB-432B-8DAE-1953F412C126}" type="datetimeFigureOut">
               <a:rPr lang="en-US" smtClean="0"/>
-              <a:t>10/28/2021</a:t>
+              <a:t>10/29/2021</a:t>
             </a:fld>
             <a:endParaRPr lang="en-US" dirty="0"/>
           </a:p>
@@ -13797,7 +13796,7 @@
           <a:p>
             <a:fld id="{48A87A34-81AB-432B-8DAE-1953F412C126}" type="datetimeFigureOut">
               <a:rPr lang="en-US" smtClean="0"/>
-              <a:t>10/28/2021</a:t>
+              <a:t>10/29/2021</a:t>
             </a:fld>
             <a:endParaRPr lang="en-US" dirty="0"/>
           </a:p>
@@ -14343,7 +14342,7 @@
           <a:p>
             <a:fld id="{48A87A34-81AB-432B-8DAE-1953F412C126}" type="datetimeFigureOut">
               <a:rPr lang="en-US" smtClean="0"/>
-              <a:t>10/28/2021</a:t>
+              <a:t>10/29/2021</a:t>
             </a:fld>
             <a:endParaRPr lang="en-US" dirty="0"/>
           </a:p>
@@ -15063,7 +15062,7 @@
           <a:p>
             <a:fld id="{48A87A34-81AB-432B-8DAE-1953F412C126}" type="datetimeFigureOut">
               <a:rPr lang="en-US" smtClean="0"/>
-              <a:t>10/28/2021</a:t>
+              <a:t>10/29/2021</a:t>
             </a:fld>
             <a:endParaRPr lang="en-US" dirty="0"/>
           </a:p>
@@ -15233,7 +15232,7 @@
           <a:p>
             <a:fld id="{48A87A34-81AB-432B-8DAE-1953F412C126}" type="datetimeFigureOut">
               <a:rPr lang="en-US" smtClean="0"/>
-              <a:t>10/28/2021</a:t>
+              <a:t>10/29/2021</a:t>
             </a:fld>
             <a:endParaRPr lang="en-US" dirty="0"/>
           </a:p>
@@ -15413,7 +15412,7 @@
           <a:p>
             <a:fld id="{48A87A34-81AB-432B-8DAE-1953F412C126}" type="datetimeFigureOut">
               <a:rPr lang="en-US" smtClean="0"/>
-              <a:t>10/28/2021</a:t>
+              <a:t>10/29/2021</a:t>
             </a:fld>
             <a:endParaRPr lang="en-US" dirty="0"/>
           </a:p>
@@ -15583,7 +15582,7 @@
           <a:p>
             <a:fld id="{48A87A34-81AB-432B-8DAE-1953F412C126}" type="datetimeFigureOut">
               <a:rPr lang="en-US" smtClean="0"/>
-              <a:t>10/28/2021</a:t>
+              <a:t>10/29/2021</a:t>
             </a:fld>
             <a:endParaRPr lang="en-US" dirty="0"/>
           </a:p>
@@ -15833,7 +15832,7 @@
           <a:p>
             <a:fld id="{48A87A34-81AB-432B-8DAE-1953F412C126}" type="datetimeFigureOut">
               <a:rPr lang="en-US" smtClean="0"/>
-              <a:t>10/28/2021</a:t>
+              <a:t>10/29/2021</a:t>
             </a:fld>
             <a:endParaRPr lang="en-US" dirty="0"/>
           </a:p>
@@ -16065,7 +16064,7 @@
           <a:p>
             <a:fld id="{48A87A34-81AB-432B-8DAE-1953F412C126}" type="datetimeFigureOut">
               <a:rPr lang="en-US" smtClean="0"/>
-              <a:t>10/28/2021</a:t>
+              <a:t>10/29/2021</a:t>
             </a:fld>
             <a:endParaRPr lang="en-US" dirty="0"/>
           </a:p>
@@ -16446,7 +16445,7 @@
           <a:p>
             <a:fld id="{48A87A34-81AB-432B-8DAE-1953F412C126}" type="datetimeFigureOut">
               <a:rPr lang="en-US" smtClean="0"/>
-              <a:t>10/28/2021</a:t>
+              <a:t>10/29/2021</a:t>
             </a:fld>
             <a:endParaRPr lang="en-US" dirty="0"/>
           </a:p>
@@ -16564,7 +16563,7 @@
           <a:p>
             <a:fld id="{48A87A34-81AB-432B-8DAE-1953F412C126}" type="datetimeFigureOut">
               <a:rPr lang="en-US" smtClean="0"/>
-              <a:t>10/28/2021</a:t>
+              <a:t>10/29/2021</a:t>
             </a:fld>
             <a:endParaRPr lang="en-US" dirty="0"/>
           </a:p>
@@ -16659,7 +16658,7 @@
           <a:p>
             <a:fld id="{48A87A34-81AB-432B-8DAE-1953F412C126}" type="datetimeFigureOut">
               <a:rPr lang="en-US" smtClean="0"/>
-              <a:t>10/28/2021</a:t>
+              <a:t>10/29/2021</a:t>
             </a:fld>
             <a:endParaRPr lang="en-US" dirty="0"/>
           </a:p>
@@ -16908,7 +16907,7 @@
           <a:p>
             <a:fld id="{48A87A34-81AB-432B-8DAE-1953F412C126}" type="datetimeFigureOut">
               <a:rPr lang="en-US" smtClean="0"/>
-              <a:t>10/28/2021</a:t>
+              <a:t>10/29/2021</a:t>
             </a:fld>
             <a:endParaRPr lang="en-US" dirty="0"/>
           </a:p>
@@ -17188,7 +17187,7 @@
           <a:p>
             <a:fld id="{48A87A34-81AB-432B-8DAE-1953F412C126}" type="datetimeFigureOut">
               <a:rPr lang="en-US" smtClean="0"/>
-              <a:t>10/28/2021</a:t>
+              <a:t>10/29/2021</a:t>
             </a:fld>
             <a:endParaRPr lang="en-US" dirty="0"/>
           </a:p>
@@ -17311,7 +17310,7 @@
           <a:noFill/>
           <a:extLst>
             <a:ext uri="{909E8E84-426E-40dd-AFC4-6F175D3DCCD1}">
-              <a14:hiddenFill xmlns="" xmlns:a14="http://schemas.microsoft.com/office/drawing/2010/main">
+              <a14:hiddenFill xmlns:a14="http://schemas.microsoft.com/office/drawing/2010/main" xmlns="">
                 <a:solidFill>
                   <a:srgbClr val="FFFFFF"/>
                 </a:solidFill>
@@ -17385,7 +17384,7 @@
               </a:ln>
               <a:extLst>
                 <a:ext uri="{91240B29-F687-4f45-9708-019B960494DF}">
-                  <a14:hiddenLine xmlns="" xmlns:a14="http://schemas.microsoft.com/office/drawing/2010/main" w="9525">
+                  <a14:hiddenLine xmlns:a14="http://schemas.microsoft.com/office/drawing/2010/main" xmlns="" w="9525">
                     <a:solidFill>
                       <a:srgbClr val="000000"/>
                     </a:solidFill>
@@ -17475,7 +17474,7 @@
               </a:ln>
               <a:extLst>
                 <a:ext uri="{91240B29-F687-4f45-9708-019B960494DF}">
-                  <a14:hiddenLine xmlns="" xmlns:a14="http://schemas.microsoft.com/office/drawing/2010/main" w="9525">
+                  <a14:hiddenLine xmlns:a14="http://schemas.microsoft.com/office/drawing/2010/main" xmlns="" w="9525">
                     <a:solidFill>
                       <a:srgbClr val="000000"/>
                     </a:solidFill>
@@ -17565,7 +17564,7 @@
               </a:ln>
               <a:extLst>
                 <a:ext uri="{91240B29-F687-4f45-9708-019B960494DF}">
-                  <a14:hiddenLine xmlns="" xmlns:a14="http://schemas.microsoft.com/office/drawing/2010/main" w="9525">
+                  <a14:hiddenLine xmlns:a14="http://schemas.microsoft.com/office/drawing/2010/main" xmlns="" w="9525">
                     <a:solidFill>
                       <a:srgbClr val="000000"/>
                     </a:solidFill>
@@ -17627,7 +17626,7 @@
               </a:ln>
               <a:extLst>
                 <a:ext uri="{91240B29-F687-4f45-9708-019B960494DF}">
-                  <a14:hiddenLine xmlns="" xmlns:a14="http://schemas.microsoft.com/office/drawing/2010/main" w="9525">
+                  <a14:hiddenLine xmlns:a14="http://schemas.microsoft.com/office/drawing/2010/main" xmlns="" w="9525">
                     <a:solidFill>
                       <a:srgbClr val="000000"/>
                     </a:solidFill>
@@ -17717,7 +17716,7 @@
               </a:ln>
               <a:extLst>
                 <a:ext uri="{91240B29-F687-4f45-9708-019B960494DF}">
-                  <a14:hiddenLine xmlns="" xmlns:a14="http://schemas.microsoft.com/office/drawing/2010/main" w="9525">
+                  <a14:hiddenLine xmlns:a14="http://schemas.microsoft.com/office/drawing/2010/main" xmlns="" w="9525">
                     <a:solidFill>
                       <a:srgbClr val="000000"/>
                     </a:solidFill>
@@ -17779,7 +17778,7 @@
               </a:ln>
               <a:extLst>
                 <a:ext uri="{91240B29-F687-4f45-9708-019B960494DF}">
-                  <a14:hiddenLine xmlns="" xmlns:a14="http://schemas.microsoft.com/office/drawing/2010/main" w="9525">
+                  <a14:hiddenLine xmlns:a14="http://schemas.microsoft.com/office/drawing/2010/main" xmlns="" w="9525">
                     <a:solidFill>
                       <a:srgbClr val="000000"/>
                     </a:solidFill>
@@ -17841,7 +17840,7 @@
               </a:ln>
               <a:extLst>
                 <a:ext uri="{91240B29-F687-4f45-9708-019B960494DF}">
-                  <a14:hiddenLine xmlns="" xmlns:a14="http://schemas.microsoft.com/office/drawing/2010/main" w="9525">
+                  <a14:hiddenLine xmlns:a14="http://schemas.microsoft.com/office/drawing/2010/main" xmlns="" w="9525">
                     <a:solidFill>
                       <a:srgbClr val="000000"/>
                     </a:solidFill>
@@ -17931,7 +17930,7 @@
               </a:ln>
               <a:extLst>
                 <a:ext uri="{91240B29-F687-4f45-9708-019B960494DF}">
-                  <a14:hiddenLine xmlns="" xmlns:a14="http://schemas.microsoft.com/office/drawing/2010/main" w="9525">
+                  <a14:hiddenLine xmlns:a14="http://schemas.microsoft.com/office/drawing/2010/main" xmlns="" w="9525">
                     <a:solidFill>
                       <a:srgbClr val="000000"/>
                     </a:solidFill>
@@ -18021,7 +18020,7 @@
               </a:ln>
               <a:extLst>
                 <a:ext uri="{91240B29-F687-4f45-9708-019B960494DF}">
-                  <a14:hiddenLine xmlns="" xmlns:a14="http://schemas.microsoft.com/office/drawing/2010/main" w="9525">
+                  <a14:hiddenLine xmlns:a14="http://schemas.microsoft.com/office/drawing/2010/main" xmlns="" w="9525">
                     <a:solidFill>
                       <a:srgbClr val="000000"/>
                     </a:solidFill>
@@ -18083,7 +18082,7 @@
               </a:ln>
               <a:extLst>
                 <a:ext uri="{91240B29-F687-4f45-9708-019B960494DF}">
-                  <a14:hiddenLine xmlns="" xmlns:a14="http://schemas.microsoft.com/office/drawing/2010/main" w="9525">
+                  <a14:hiddenLine xmlns:a14="http://schemas.microsoft.com/office/drawing/2010/main" xmlns="" w="9525">
                     <a:solidFill>
                       <a:srgbClr val="000000"/>
                     </a:solidFill>
@@ -18193,7 +18192,7 @@
               </a:ln>
               <a:extLst>
                 <a:ext uri="{91240B29-F687-4f45-9708-019B960494DF}">
-                  <a14:hiddenLine xmlns="" xmlns:a14="http://schemas.microsoft.com/office/drawing/2010/main" w="9525">
+                  <a14:hiddenLine xmlns:a14="http://schemas.microsoft.com/office/drawing/2010/main" xmlns="" w="9525">
                     <a:solidFill>
                       <a:srgbClr val="000000"/>
                     </a:solidFill>
@@ -18277,7 +18276,7 @@
               </a:ln>
               <a:extLst>
                 <a:ext uri="{91240B29-F687-4f45-9708-019B960494DF}">
-                  <a14:hiddenLine xmlns="" xmlns:a14="http://schemas.microsoft.com/office/drawing/2010/main" w="9525">
+                  <a14:hiddenLine xmlns:a14="http://schemas.microsoft.com/office/drawing/2010/main" xmlns="" w="9525">
                     <a:solidFill>
                       <a:srgbClr val="000000"/>
                     </a:solidFill>
@@ -18339,7 +18338,7 @@
               </a:ln>
               <a:extLst>
                 <a:ext uri="{91240B29-F687-4f45-9708-019B960494DF}">
-                  <a14:hiddenLine xmlns="" xmlns:a14="http://schemas.microsoft.com/office/drawing/2010/main" w="9525">
+                  <a14:hiddenLine xmlns:a14="http://schemas.microsoft.com/office/drawing/2010/main" xmlns="" w="9525">
                     <a:solidFill>
                       <a:srgbClr val="000000"/>
                     </a:solidFill>
@@ -18401,7 +18400,7 @@
               </a:ln>
               <a:extLst>
                 <a:ext uri="{91240B29-F687-4f45-9708-019B960494DF}">
-                  <a14:hiddenLine xmlns="" xmlns:a14="http://schemas.microsoft.com/office/drawing/2010/main" w="9525">
+                  <a14:hiddenLine xmlns:a14="http://schemas.microsoft.com/office/drawing/2010/main" xmlns="" w="9525">
                     <a:solidFill>
                       <a:srgbClr val="000000"/>
                     </a:solidFill>
@@ -18491,7 +18490,7 @@
               </a:ln>
               <a:extLst>
                 <a:ext uri="{91240B29-F687-4f45-9708-019B960494DF}">
-                  <a14:hiddenLine xmlns="" xmlns:a14="http://schemas.microsoft.com/office/drawing/2010/main" w="9525">
+                  <a14:hiddenLine xmlns:a14="http://schemas.microsoft.com/office/drawing/2010/main" xmlns="" w="9525">
                     <a:solidFill>
                       <a:srgbClr val="000000"/>
                     </a:solidFill>
@@ -18525,7 +18524,7 @@
               </a:ln>
               <a:extLst>
                 <a:ext uri="{91240B29-F687-4f45-9708-019B960494DF}">
-                  <a14:hiddenLine xmlns="" xmlns:a14="http://schemas.microsoft.com/office/drawing/2010/main" w="9525">
+                  <a14:hiddenLine xmlns:a14="http://schemas.microsoft.com/office/drawing/2010/main" xmlns="" w="9525">
                     <a:solidFill>
                       <a:srgbClr val="000000"/>
                     </a:solidFill>
@@ -18590,7 +18589,7 @@
               </a:ln>
               <a:extLst>
                 <a:ext uri="{91240B29-F687-4f45-9708-019B960494DF}">
-                  <a14:hiddenLine xmlns="" xmlns:a14="http://schemas.microsoft.com/office/drawing/2010/main" w="9525">
+                  <a14:hiddenLine xmlns:a14="http://schemas.microsoft.com/office/drawing/2010/main" xmlns="" w="9525">
                     <a:solidFill>
                       <a:srgbClr val="000000"/>
                     </a:solidFill>
@@ -18680,7 +18679,7 @@
               </a:ln>
               <a:extLst>
                 <a:ext uri="{91240B29-F687-4f45-9708-019B960494DF}">
-                  <a14:hiddenLine xmlns="" xmlns:a14="http://schemas.microsoft.com/office/drawing/2010/main" w="9525">
+                  <a14:hiddenLine xmlns:a14="http://schemas.microsoft.com/office/drawing/2010/main" xmlns="" w="9525">
                     <a:solidFill>
                       <a:srgbClr val="000000"/>
                     </a:solidFill>
@@ -18742,7 +18741,7 @@
               </a:ln>
               <a:extLst>
                 <a:ext uri="{91240B29-F687-4f45-9708-019B960494DF}">
-                  <a14:hiddenLine xmlns="" xmlns:a14="http://schemas.microsoft.com/office/drawing/2010/main" w="9525">
+                  <a14:hiddenLine xmlns:a14="http://schemas.microsoft.com/office/drawing/2010/main" xmlns="" w="9525">
                     <a:solidFill>
                       <a:srgbClr val="000000"/>
                     </a:solidFill>
@@ -18832,7 +18831,7 @@
               </a:ln>
               <a:extLst>
                 <a:ext uri="{91240B29-F687-4f45-9708-019B960494DF}">
-                  <a14:hiddenLine xmlns="" xmlns:a14="http://schemas.microsoft.com/office/drawing/2010/main" w="9525">
+                  <a14:hiddenLine xmlns:a14="http://schemas.microsoft.com/office/drawing/2010/main" xmlns="" w="9525">
                     <a:solidFill>
                       <a:srgbClr val="000000"/>
                     </a:solidFill>
@@ -18897,7 +18896,7 @@
               </a:ln>
               <a:extLst>
                 <a:ext uri="{91240B29-F687-4f45-9708-019B960494DF}">
-                  <a14:hiddenLine xmlns="" xmlns:a14="http://schemas.microsoft.com/office/drawing/2010/main" w="9525">
+                  <a14:hiddenLine xmlns:a14="http://schemas.microsoft.com/office/drawing/2010/main" xmlns="" w="9525">
                     <a:solidFill>
                       <a:srgbClr val="000000"/>
                     </a:solidFill>
@@ -18959,7 +18958,7 @@
               </a:ln>
               <a:extLst>
                 <a:ext uri="{91240B29-F687-4f45-9708-019B960494DF}">
-                  <a14:hiddenLine xmlns="" xmlns:a14="http://schemas.microsoft.com/office/drawing/2010/main" w="9525">
+                  <a14:hiddenLine xmlns:a14="http://schemas.microsoft.com/office/drawing/2010/main" xmlns="" w="9525">
                     <a:solidFill>
                       <a:srgbClr val="000000"/>
                     </a:solidFill>
@@ -19049,7 +19048,7 @@
               </a:ln>
               <a:extLst>
                 <a:ext uri="{91240B29-F687-4f45-9708-019B960494DF}">
-                  <a14:hiddenLine xmlns="" xmlns:a14="http://schemas.microsoft.com/office/drawing/2010/main" w="9525">
+                  <a14:hiddenLine xmlns:a14="http://schemas.microsoft.com/office/drawing/2010/main" xmlns="" w="9525">
                     <a:solidFill>
                       <a:srgbClr val="000000"/>
                     </a:solidFill>
@@ -19139,7 +19138,7 @@
               </a:ln>
               <a:extLst>
                 <a:ext uri="{91240B29-F687-4f45-9708-019B960494DF}">
-                  <a14:hiddenLine xmlns="" xmlns:a14="http://schemas.microsoft.com/office/drawing/2010/main" w="9525">
+                  <a14:hiddenLine xmlns:a14="http://schemas.microsoft.com/office/drawing/2010/main" xmlns="" w="9525">
                     <a:solidFill>
                       <a:srgbClr val="000000"/>
                     </a:solidFill>
@@ -19204,7 +19203,7 @@
               </a:ln>
               <a:extLst>
                 <a:ext uri="{91240B29-F687-4f45-9708-019B960494DF}">
-                  <a14:hiddenLine xmlns="" xmlns:a14="http://schemas.microsoft.com/office/drawing/2010/main" w="9525">
+                  <a14:hiddenLine xmlns:a14="http://schemas.microsoft.com/office/drawing/2010/main" xmlns="" w="9525">
                     <a:solidFill>
                       <a:srgbClr val="000000"/>
                     </a:solidFill>
@@ -19324,7 +19323,7 @@
               </a:ln>
               <a:extLst>
                 <a:ext uri="{91240B29-F687-4f45-9708-019B960494DF}">
-                  <a14:hiddenLine xmlns="" xmlns:a14="http://schemas.microsoft.com/office/drawing/2010/main" w="9525">
+                  <a14:hiddenLine xmlns:a14="http://schemas.microsoft.com/office/drawing/2010/main" xmlns="" w="9525">
                     <a:solidFill>
                       <a:srgbClr val="000000"/>
                     </a:solidFill>
@@ -19405,7 +19404,7 @@
               </a:ln>
               <a:extLst>
                 <a:ext uri="{91240B29-F687-4f45-9708-019B960494DF}">
-                  <a14:hiddenLine xmlns="" xmlns:a14="http://schemas.microsoft.com/office/drawing/2010/main" w="9525">
+                  <a14:hiddenLine xmlns:a14="http://schemas.microsoft.com/office/drawing/2010/main" xmlns="" w="9525">
                     <a:solidFill>
                       <a:srgbClr val="000000"/>
                     </a:solidFill>
@@ -19520,7 +19519,7 @@
               </a:ln>
               <a:extLst>
                 <a:ext uri="{91240B29-F687-4f45-9708-019B960494DF}">
-                  <a14:hiddenLine xmlns="" xmlns:a14="http://schemas.microsoft.com/office/drawing/2010/main" w="9525">
+                  <a14:hiddenLine xmlns:a14="http://schemas.microsoft.com/office/drawing/2010/main" xmlns="" w="9525">
                     <a:solidFill>
                       <a:srgbClr val="000000"/>
                     </a:solidFill>
@@ -19610,7 +19609,7 @@
               </a:ln>
               <a:extLst>
                 <a:ext uri="{91240B29-F687-4f45-9708-019B960494DF}">
-                  <a14:hiddenLine xmlns="" xmlns:a14="http://schemas.microsoft.com/office/drawing/2010/main" w="9525">
+                  <a14:hiddenLine xmlns:a14="http://schemas.microsoft.com/office/drawing/2010/main" xmlns="" w="9525">
                     <a:solidFill>
                       <a:srgbClr val="000000"/>
                     </a:solidFill>
@@ -19675,7 +19674,7 @@
               </a:ln>
               <a:extLst>
                 <a:ext uri="{91240B29-F687-4f45-9708-019B960494DF}">
-                  <a14:hiddenLine xmlns="" xmlns:a14="http://schemas.microsoft.com/office/drawing/2010/main" w="9525">
+                  <a14:hiddenLine xmlns:a14="http://schemas.microsoft.com/office/drawing/2010/main" xmlns="" w="9525">
                     <a:solidFill>
                       <a:srgbClr val="000000"/>
                     </a:solidFill>
@@ -19765,7 +19764,7 @@
               </a:ln>
               <a:extLst>
                 <a:ext uri="{91240B29-F687-4f45-9708-019B960494DF}">
-                  <a14:hiddenLine xmlns="" xmlns:a14="http://schemas.microsoft.com/office/drawing/2010/main" w="9525">
+                  <a14:hiddenLine xmlns:a14="http://schemas.microsoft.com/office/drawing/2010/main" xmlns="" w="9525">
                     <a:solidFill>
                       <a:srgbClr val="000000"/>
                     </a:solidFill>
@@ -19833,7 +19832,7 @@
               </a:ln>
               <a:extLst>
                 <a:ext uri="{91240B29-F687-4f45-9708-019B960494DF}">
-                  <a14:hiddenLine xmlns="" xmlns:a14="http://schemas.microsoft.com/office/drawing/2010/main" w="9525">
+                  <a14:hiddenLine xmlns:a14="http://schemas.microsoft.com/office/drawing/2010/main" xmlns="" w="9525">
                     <a:solidFill>
                       <a:srgbClr val="000000"/>
                     </a:solidFill>
@@ -19923,7 +19922,7 @@
               </a:ln>
               <a:extLst>
                 <a:ext uri="{91240B29-F687-4f45-9708-019B960494DF}">
-                  <a14:hiddenLine xmlns="" xmlns:a14="http://schemas.microsoft.com/office/drawing/2010/main" w="9525">
+                  <a14:hiddenLine xmlns:a14="http://schemas.microsoft.com/office/drawing/2010/main" xmlns="" w="9525">
                     <a:solidFill>
                       <a:srgbClr val="000000"/>
                     </a:solidFill>
@@ -19991,7 +19990,7 @@
               </a:ln>
               <a:extLst>
                 <a:ext uri="{91240B29-F687-4f45-9708-019B960494DF}">
-                  <a14:hiddenLine xmlns="" xmlns:a14="http://schemas.microsoft.com/office/drawing/2010/main" w="9525">
+                  <a14:hiddenLine xmlns:a14="http://schemas.microsoft.com/office/drawing/2010/main" xmlns="" w="9525">
                     <a:solidFill>
                       <a:srgbClr val="000000"/>
                     </a:solidFill>
@@ -20081,7 +20080,7 @@
               </a:ln>
               <a:extLst>
                 <a:ext uri="{91240B29-F687-4f45-9708-019B960494DF}">
-                  <a14:hiddenLine xmlns="" xmlns:a14="http://schemas.microsoft.com/office/drawing/2010/main" w="9525">
+                  <a14:hiddenLine xmlns:a14="http://schemas.microsoft.com/office/drawing/2010/main" xmlns="" w="9525">
                     <a:solidFill>
                       <a:srgbClr val="000000"/>
                     </a:solidFill>
@@ -20115,7 +20114,7 @@
               </a:ln>
               <a:extLst>
                 <a:ext uri="{91240B29-F687-4f45-9708-019B960494DF}">
-                  <a14:hiddenLine xmlns="" xmlns:a14="http://schemas.microsoft.com/office/drawing/2010/main" w="9525">
+                  <a14:hiddenLine xmlns:a14="http://schemas.microsoft.com/office/drawing/2010/main" xmlns="" w="9525">
                     <a:solidFill>
                       <a:srgbClr val="000000"/>
                     </a:solidFill>
@@ -20256,7 +20255,7 @@
             <a:fld id="{48A87A34-81AB-432B-8DAE-1953F412C126}" type="datetimeFigureOut">
               <a:rPr lang="en-US" smtClean="0"/>
               <a:pPr/>
-              <a:t>10/28/2021</a:t>
+              <a:t>10/29/2021</a:t>
             </a:fld>
             <a:endParaRPr lang="en-US" dirty="0"/>
           </a:p>
@@ -21127,89 +21126,6 @@
 </p:sld>
 </file>
 
-<file path=ppt/slides/slide12.xml><?xml version="1.0" encoding="utf-8"?>
-<p:sld xmlns:a="http://schemas.openxmlformats.org/drawingml/2006/main" xmlns:r="http://schemas.openxmlformats.org/officeDocument/2006/relationships" xmlns:p="http://schemas.openxmlformats.org/presentationml/2006/main">
-  <p:cSld>
-    <p:spTree>
-      <p:nvGrpSpPr>
-        <p:cNvPr id="1" name=""/>
-        <p:cNvGrpSpPr/>
-        <p:nvPr/>
-      </p:nvGrpSpPr>
-      <p:grpSpPr>
-        <a:xfrm>
-          <a:off x="0" y="0"/>
-          <a:ext cx="0" cy="0"/>
-          <a:chOff x="0" y="0"/>
-          <a:chExt cx="0" cy="0"/>
-        </a:xfrm>
-      </p:grpSpPr>
-      <p:sp>
-        <p:nvSpPr>
-          <p:cNvPr id="2" name="Title 1">
-            <a:extLst>
-              <a:ext uri="{FF2B5EF4-FFF2-40B4-BE49-F238E27FC236}">
-                <a16:creationId xmlns:a16="http://schemas.microsoft.com/office/drawing/2014/main" id="{8123DCBC-CEBE-4D23-8253-3E8B8086BD12}"/>
-              </a:ext>
-            </a:extLst>
-          </p:cNvPr>
-          <p:cNvSpPr>
-            <a:spLocks noGrp="1"/>
-          </p:cNvSpPr>
-          <p:nvPr>
-            <p:ph type="title"/>
-          </p:nvPr>
-        </p:nvSpPr>
-        <p:spPr/>
-        <p:txBody>
-          <a:bodyPr/>
-          <a:lstStyle/>
-          <a:p>
-            <a:r>
-              <a:rPr lang="en-US" dirty="0"/>
-              <a:t>BACKUP</a:t>
-            </a:r>
-          </a:p>
-        </p:txBody>
-      </p:sp>
-      <p:sp>
-        <p:nvSpPr>
-          <p:cNvPr id="3" name="Content Placeholder 2">
-            <a:extLst>
-              <a:ext uri="{FF2B5EF4-FFF2-40B4-BE49-F238E27FC236}">
-                <a16:creationId xmlns:a16="http://schemas.microsoft.com/office/drawing/2014/main" id="{E658C7B0-47D9-488A-9CEC-B71B5309B025}"/>
-              </a:ext>
-            </a:extLst>
-          </p:cNvPr>
-          <p:cNvSpPr>
-            <a:spLocks noGrp="1"/>
-          </p:cNvSpPr>
-          <p:nvPr>
-            <p:ph idx="1"/>
-          </p:nvPr>
-        </p:nvSpPr>
-        <p:spPr/>
-        <p:txBody>
-          <a:bodyPr/>
-          <a:lstStyle/>
-          <a:p>
-            <a:endParaRPr lang="en-US"/>
-          </a:p>
-        </p:txBody>
-      </p:sp>
-    </p:spTree>
-    <p:extLst>
-      <p:ext uri="{BB962C8B-B14F-4D97-AF65-F5344CB8AC3E}">
-        <p14:creationId xmlns:p14="http://schemas.microsoft.com/office/powerpoint/2010/main" val="4140908998"/>
-      </p:ext>
-    </p:extLst>
-  </p:cSld>
-  <p:clrMapOvr>
-    <a:masterClrMapping/>
-  </p:clrMapOvr>
-</p:sld>
-</file>
-
 <file path=ppt/slides/slide2.xml><?xml version="1.0" encoding="utf-8"?>
 <p:sld xmlns:a="http://schemas.openxmlformats.org/drawingml/2006/main" xmlns:r="http://schemas.openxmlformats.org/officeDocument/2006/relationships" xmlns:p="http://schemas.openxmlformats.org/presentationml/2006/main">
   <p:cSld>
@@ -21733,7 +21649,7 @@
               </a:lnSpc>
             </a:pPr>
             <a:r>
-              <a:rPr lang="en-US" sz="1500"/>
+              <a:rPr lang="en-US" sz="1500" dirty="0"/>
               <a:t>696 Individual Schools</a:t>
             </a:r>
           </a:p>
@@ -21744,7 +21660,7 @@
               </a:lnSpc>
             </a:pPr>
             <a:r>
-              <a:rPr lang="en-US" sz="1500"/>
+              <a:rPr lang="en-US" sz="1500" dirty="0"/>
               <a:t>50 Features</a:t>
             </a:r>
           </a:p>
@@ -21755,7 +21671,7 @@
               </a:lnSpc>
             </a:pPr>
             <a:r>
-              <a:rPr lang="en-US" sz="1500"/>
+              <a:rPr lang="en-US" sz="1500" dirty="0"/>
               <a:t>Feature Categories</a:t>
             </a:r>
           </a:p>
@@ -21766,15 +21682,15 @@
               </a:lnSpc>
             </a:pPr>
             <a:r>
-              <a:rPr lang="en-US" sz="1500"/>
+              <a:rPr lang="en-US" sz="1500" dirty="0"/>
               <a:t>Median Income by Ethnicity at </a:t>
             </a:r>
             <a:r>
-              <a:rPr lang="en-US" sz="1500" err="1"/>
+              <a:rPr lang="en-US" sz="1500" dirty="0" err="1"/>
               <a:t>Zipcode</a:t>
             </a:r>
             <a:r>
-              <a:rPr lang="en-US" sz="1500"/>
+              <a:rPr lang="en-US" sz="1500" dirty="0"/>
               <a:t> Level</a:t>
             </a:r>
           </a:p>
@@ -21785,15 +21701,15 @@
               </a:lnSpc>
             </a:pPr>
             <a:r>
-              <a:rPr lang="en-US" sz="1500"/>
+              <a:rPr lang="en-US" sz="1500" dirty="0"/>
               <a:t>Family Structure at </a:t>
             </a:r>
             <a:r>
-              <a:rPr lang="en-US" sz="1500" err="1"/>
+              <a:rPr lang="en-US" sz="1500" dirty="0" err="1"/>
               <a:t>Zipcode</a:t>
             </a:r>
             <a:r>
-              <a:rPr lang="en-US" sz="1500"/>
+              <a:rPr lang="en-US" sz="1500" dirty="0"/>
               <a:t> Level</a:t>
             </a:r>
           </a:p>
@@ -21804,15 +21720,15 @@
               </a:lnSpc>
             </a:pPr>
             <a:r>
-              <a:rPr lang="en-US" sz="1500"/>
+              <a:rPr lang="en-US" sz="1500" dirty="0"/>
               <a:t>Educational Attainment Levels at </a:t>
             </a:r>
             <a:r>
-              <a:rPr lang="en-US" sz="1500" err="1"/>
+              <a:rPr lang="en-US" sz="1500" dirty="0" err="1"/>
               <a:t>Zipcode</a:t>
             </a:r>
             <a:r>
-              <a:rPr lang="en-US" sz="1500"/>
+              <a:rPr lang="en-US" sz="1500" dirty="0"/>
               <a:t> Level</a:t>
             </a:r>
           </a:p>
@@ -21823,7 +21739,7 @@
               </a:lnSpc>
             </a:pPr>
             <a:r>
-              <a:rPr lang="en-US" sz="1500"/>
+              <a:rPr lang="en-US" sz="1500" dirty="0"/>
               <a:t>Number of Students at School</a:t>
             </a:r>
           </a:p>
@@ -21834,15 +21750,15 @@
               </a:lnSpc>
             </a:pPr>
             <a:r>
-              <a:rPr lang="en-US" sz="1500"/>
+              <a:rPr lang="en-US" sz="1500" dirty="0"/>
               <a:t>Crime Rates per Population at </a:t>
             </a:r>
             <a:r>
-              <a:rPr lang="en-US" sz="1500" err="1"/>
+              <a:rPr lang="en-US" sz="1500" dirty="0" err="1"/>
               <a:t>Zipcode</a:t>
             </a:r>
             <a:r>
-              <a:rPr lang="en-US" sz="1500"/>
+              <a:rPr lang="en-US" sz="1500" dirty="0"/>
               <a:t> Level</a:t>
             </a:r>
           </a:p>
@@ -21853,15 +21769,15 @@
               </a:lnSpc>
             </a:pPr>
             <a:r>
-              <a:rPr lang="en-US" sz="1500"/>
+              <a:rPr lang="en-US" sz="1500" dirty="0"/>
               <a:t>Population Type by Ethnicity at </a:t>
             </a:r>
             <a:r>
-              <a:rPr lang="en-US" sz="1500" err="1"/>
+              <a:rPr lang="en-US" sz="1500" dirty="0" err="1"/>
               <a:t>Zipcode</a:t>
             </a:r>
             <a:r>
-              <a:rPr lang="en-US" sz="1500"/>
+              <a:rPr lang="en-US" sz="1500" dirty="0"/>
               <a:t> Level</a:t>
             </a:r>
           </a:p>
@@ -21872,7 +21788,7 @@
               </a:lnSpc>
             </a:pPr>
             <a:r>
-              <a:rPr lang="en-US" sz="1500"/>
+              <a:rPr lang="en-US" sz="1500" dirty="0"/>
               <a:t>Target – School Rating 1- 10</a:t>
             </a:r>
           </a:p>
@@ -24560,20 +24476,20 @@
 </file>
 
 <file path=customXml/item2.xml><?xml version="1.0" encoding="utf-8"?>
-<p:properties xmlns:p="http://schemas.microsoft.com/office/2006/metadata/properties" xmlns:xsi="http://www.w3.org/2001/XMLSchema-instance" xmlns:pc="http://schemas.microsoft.com/office/infopath/2007/PartnerControls">
-  <documentManagement>
-    <MediaServiceKeyPoints xmlns="71af3243-3dd4-4a8d-8c0d-dd76da1f02a5" xsi:nil="true"/>
-  </documentManagement>
-</p:properties>
-</file>
-
-<file path=customXml/item3.xml><?xml version="1.0" encoding="utf-8"?>
 <?mso-contentType ?>
 <FormTemplates xmlns="http://schemas.microsoft.com/sharepoint/v3/contenttype/forms">
   <Display>DocumentLibraryForm</Display>
   <Edit>DocumentLibraryForm</Edit>
   <New>DocumentLibraryForm</New>
 </FormTemplates>
+</file>
+
+<file path=customXml/item3.xml><?xml version="1.0" encoding="utf-8"?>
+<p:properties xmlns:p="http://schemas.microsoft.com/office/2006/metadata/properties" xmlns:xsi="http://www.w3.org/2001/XMLSchema-instance" xmlns:pc="http://schemas.microsoft.com/office/infopath/2007/PartnerControls">
+  <documentManagement>
+    <MediaServiceKeyPoints xmlns="71af3243-3dd4-4a8d-8c0d-dd76da1f02a5" xsi:nil="true"/>
+  </documentManagement>
+</p:properties>
 </file>
 
 <file path=customXml/itemProps1.xml><?xml version="1.0" encoding="utf-8"?>
@@ -24596,6 +24512,14 @@
 </file>
 
 <file path=customXml/itemProps2.xml><?xml version="1.0" encoding="utf-8"?>
+<ds:datastoreItem xmlns:ds="http://schemas.openxmlformats.org/officeDocument/2006/customXml" ds:itemID="{B579702B-25C7-40D7-9E29-7686B11A9660}">
+  <ds:schemaRefs>
+    <ds:schemaRef ds:uri="http://schemas.microsoft.com/sharepoint/v3/contenttype/forms"/>
+  </ds:schemaRefs>
+</ds:datastoreItem>
+</file>
+
+<file path=customXml/itemProps3.xml><?xml version="1.0" encoding="utf-8"?>
 <ds:datastoreItem xmlns:ds="http://schemas.openxmlformats.org/officeDocument/2006/customXml" ds:itemID="{E7866CFD-F94E-4AE5-ACEA-86FEC0F48A10}">
   <ds:schemaRefs>
     <ds:schemaRef ds:uri="http://schemas.microsoft.com/office/2006/metadata/properties"/>
@@ -24603,12 +24527,4 @@
     <ds:schemaRef ds:uri="71af3243-3dd4-4a8d-8c0d-dd76da1f02a5"/>
   </ds:schemaRefs>
 </ds:datastoreItem>
-</file>
-
-<file path=customXml/itemProps3.xml><?xml version="1.0" encoding="utf-8"?>
-<ds:datastoreItem xmlns:ds="http://schemas.openxmlformats.org/officeDocument/2006/customXml" ds:itemID="{B579702B-25C7-40D7-9E29-7686B11A9660}">
-  <ds:schemaRefs>
-    <ds:schemaRef ds:uri="http://schemas.microsoft.com/sharepoint/v3/contenttype/forms"/>
-  </ds:schemaRefs>
-</ds:datastoreItem>
 </file>
--- a/Final_Presentation_4.1.pptx
+++ b/Final_Presentation_4.1.pptx
@@ -15,12 +15,12 @@
     <p:sldId id="257" r:id="rId6"/>
     <p:sldId id="259" r:id="rId7"/>
     <p:sldId id="274" r:id="rId8"/>
-    <p:sldId id="261" r:id="rId9"/>
-    <p:sldId id="271" r:id="rId10"/>
-    <p:sldId id="272" r:id="rId11"/>
-    <p:sldId id="273" r:id="rId12"/>
-    <p:sldId id="270" r:id="rId13"/>
-    <p:sldId id="275" r:id="rId14"/>
+    <p:sldId id="271" r:id="rId9"/>
+    <p:sldId id="272" r:id="rId10"/>
+    <p:sldId id="273" r:id="rId11"/>
+    <p:sldId id="270" r:id="rId12"/>
+    <p:sldId id="275" r:id="rId13"/>
+    <p:sldId id="261" r:id="rId14"/>
     <p:sldId id="267" r:id="rId15"/>
   </p:sldIdLst>
   <p:sldSz cx="12192000" cy="6858000"/>
@@ -129,6 +129,88 @@
     </p:ext>
   </p:extLst>
 </p:presentation>
+</file>
+
+<file path=ppt/revisionInfo.xml><?xml version="1.0" encoding="utf-8"?>
+<p1510:revInfo xmlns:a="http://schemas.openxmlformats.org/drawingml/2006/main" xmlns:r="http://schemas.openxmlformats.org/officeDocument/2006/relationships" xmlns:p1510="http://schemas.microsoft.com/office/powerpoint/2015/10/main">
+  <p1510:revLst>
+    <p1510:client id="{BBC10E33-75ED-4024-95F2-63D9941E52A0}" v="2" dt="2021-10-30T00:14:29.955"/>
+  </p1510:revLst>
+</p1510:revInfo>
+</file>
+
+<file path=ppt/changesInfos/changesInfo1.xml><?xml version="1.0" encoding="utf-8"?>
+<pc:chgInfo xmlns:a="http://schemas.openxmlformats.org/drawingml/2006/main" xmlns:r="http://schemas.openxmlformats.org/officeDocument/2006/relationships" xmlns:ac="http://schemas.microsoft.com/office/drawing/2013/main/command" xmlns:pc="http://schemas.microsoft.com/office/powerpoint/2013/main/command">
+  <pc:docChgLst>
+    <pc:chgData name="Amelia Corea" userId="0f927ba03023ffb6" providerId="LiveId" clId="{BBC10E33-75ED-4024-95F2-63D9941E52A0}"/>
+    <pc:docChg chg="custSel modSld sldOrd">
+      <pc:chgData name="Amelia Corea" userId="0f927ba03023ffb6" providerId="LiveId" clId="{BBC10E33-75ED-4024-95F2-63D9941E52A0}" dt="2021-10-30T00:15:03.134" v="100" actId="20577"/>
+      <pc:docMkLst>
+        <pc:docMk/>
+      </pc:docMkLst>
+      <pc:sldChg chg="modSp">
+        <pc:chgData name="Amelia Corea" userId="0f927ba03023ffb6" providerId="LiveId" clId="{BBC10E33-75ED-4024-95F2-63D9941E52A0}" dt="2021-10-30T00:14:29.955" v="49" actId="20577"/>
+        <pc:sldMkLst>
+          <pc:docMk/>
+          <pc:sldMk cId="3253689747" sldId="257"/>
+        </pc:sldMkLst>
+        <pc:graphicFrameChg chg="mod">
+          <ac:chgData name="Amelia Corea" userId="0f927ba03023ffb6" providerId="LiveId" clId="{BBC10E33-75ED-4024-95F2-63D9941E52A0}" dt="2021-10-30T00:14:29.955" v="49" actId="20577"/>
+          <ac:graphicFrameMkLst>
+            <pc:docMk/>
+            <pc:sldMk cId="3253689747" sldId="257"/>
+            <ac:graphicFrameMk id="4" creationId="{8D4F1745-A55E-4835-88EB-BC637121B608}"/>
+          </ac:graphicFrameMkLst>
+        </pc:graphicFrameChg>
+      </pc:sldChg>
+      <pc:sldChg chg="ord">
+        <pc:chgData name="Amelia Corea" userId="0f927ba03023ffb6" providerId="LiveId" clId="{BBC10E33-75ED-4024-95F2-63D9941E52A0}" dt="2021-10-30T00:13:59.606" v="47"/>
+        <pc:sldMkLst>
+          <pc:docMk/>
+          <pc:sldMk cId="1348318116" sldId="261"/>
+        </pc:sldMkLst>
+      </pc:sldChg>
+      <pc:sldChg chg="modSp mod">
+        <pc:chgData name="Amelia Corea" userId="0f927ba03023ffb6" providerId="LiveId" clId="{BBC10E33-75ED-4024-95F2-63D9941E52A0}" dt="2021-10-30T00:08:56.989" v="45" actId="1036"/>
+        <pc:sldMkLst>
+          <pc:docMk/>
+          <pc:sldMk cId="3405949825" sldId="270"/>
+        </pc:sldMkLst>
+        <pc:spChg chg="mod">
+          <ac:chgData name="Amelia Corea" userId="0f927ba03023ffb6" providerId="LiveId" clId="{BBC10E33-75ED-4024-95F2-63D9941E52A0}" dt="2021-10-30T00:08:56.989" v="45" actId="1036"/>
+          <ac:spMkLst>
+            <pc:docMk/>
+            <pc:sldMk cId="3405949825" sldId="270"/>
+            <ac:spMk id="3" creationId="{3899BDF4-B543-46C8-9956-BD9969975109}"/>
+          </ac:spMkLst>
+        </pc:spChg>
+      </pc:sldChg>
+      <pc:sldChg chg="modSp mod">
+        <pc:chgData name="Amelia Corea" userId="0f927ba03023ffb6" providerId="LiveId" clId="{BBC10E33-75ED-4024-95F2-63D9941E52A0}" dt="2021-10-30T00:15:03.134" v="100" actId="20577"/>
+        <pc:sldMkLst>
+          <pc:docMk/>
+          <pc:sldMk cId="3471625273" sldId="274"/>
+        </pc:sldMkLst>
+        <pc:spChg chg="mod">
+          <ac:chgData name="Amelia Corea" userId="0f927ba03023ffb6" providerId="LiveId" clId="{BBC10E33-75ED-4024-95F2-63D9941E52A0}" dt="2021-10-30T00:06:06.068" v="17" actId="20577"/>
+          <ac:spMkLst>
+            <pc:docMk/>
+            <pc:sldMk cId="3471625273" sldId="274"/>
+            <ac:spMk id="2" creationId="{8FD22308-F0CE-4C3C-9792-3E7EA62B07A4}"/>
+          </ac:spMkLst>
+        </pc:spChg>
+        <pc:spChg chg="mod">
+          <ac:chgData name="Amelia Corea" userId="0f927ba03023ffb6" providerId="LiveId" clId="{BBC10E33-75ED-4024-95F2-63D9941E52A0}" dt="2021-10-30T00:15:03.134" v="100" actId="20577"/>
+          <ac:spMkLst>
+            <pc:docMk/>
+            <pc:sldMk cId="3471625273" sldId="274"/>
+            <ac:spMk id="3" creationId="{886AB355-B9AB-4635-A398-84279CCE9B02}"/>
+          </ac:spMkLst>
+        </pc:spChg>
+      </pc:sldChg>
+    </pc:docChg>
+  </pc:docChgLst>
+</pc:chgInfo>
 </file>
 
 <file path=ppt/diagrams/colors1.xml><?xml version="1.0" encoding="utf-8"?>
@@ -1861,7 +1943,7 @@
               <a:ea typeface="Tahoma" panose="020B0604030504040204" pitchFamily="34" charset="0"/>
               <a:cs typeface="Tahoma" panose="020B0604030504040204" pitchFamily="34" charset="0"/>
             </a:rPr>
-            <a:t>To use data collected in project #3 and use it to develop various ML models predicting school ratings as defined by GreatSchools.org</a:t>
+            <a:t>To use data collected in project #3 and use it to develop various ML models predicting school ratings as defined by GreatSchools.org. </a:t>
           </a:r>
         </a:p>
       </dgm:t>
@@ -3979,7 +4061,7 @@
               <a:ea typeface="Tahoma" panose="020B0604030504040204" pitchFamily="34" charset="0"/>
               <a:cs typeface="Tahoma" panose="020B0604030504040204" pitchFamily="34" charset="0"/>
             </a:rPr>
-            <a:t>To use data collected in project #3 and use it to develop various ML models predicting school ratings as defined by GreatSchools.org</a:t>
+            <a:t>To use data collected in project #3 and use it to develop various ML models predicting school ratings as defined by GreatSchools.org. </a:t>
           </a:r>
         </a:p>
       </dsp:txBody>
@@ -8411,7 +8493,7 @@
           <a:noFill/>
           <a:extLst>
             <a:ext uri="{909E8E84-426E-40dd-AFC4-6F175D3DCCD1}">
-              <a14:hiddenFill xmlns:a14="http://schemas.microsoft.com/office/drawing/2010/main" xmlns="">
+              <a14:hiddenFill xmlns="" xmlns:a14="http://schemas.microsoft.com/office/drawing/2010/main">
                 <a:solidFill>
                   <a:srgbClr val="FFFFFF"/>
                 </a:solidFill>
@@ -8470,7 +8552,7 @@
             </a:ln>
             <a:extLst>
               <a:ext uri="{91240B29-F687-4f45-9708-019B960494DF}">
-                <a14:hiddenLine xmlns:a14="http://schemas.microsoft.com/office/drawing/2010/main" xmlns="" w="9525">
+                <a14:hiddenLine xmlns="" xmlns:a14="http://schemas.microsoft.com/office/drawing/2010/main" w="9525">
                   <a:solidFill>
                     <a:srgbClr val="000000"/>
                   </a:solidFill>
@@ -8560,7 +8642,7 @@
             </a:ln>
             <a:extLst>
               <a:ext uri="{91240B29-F687-4f45-9708-019B960494DF}">
-                <a14:hiddenLine xmlns:a14="http://schemas.microsoft.com/office/drawing/2010/main" xmlns="" w="9525">
+                <a14:hiddenLine xmlns="" xmlns:a14="http://schemas.microsoft.com/office/drawing/2010/main" w="9525">
                   <a:solidFill>
                     <a:srgbClr val="000000"/>
                   </a:solidFill>
@@ -8650,7 +8732,7 @@
             </a:ln>
             <a:extLst>
               <a:ext uri="{91240B29-F687-4f45-9708-019B960494DF}">
-                <a14:hiddenLine xmlns:a14="http://schemas.microsoft.com/office/drawing/2010/main" xmlns="" w="9525">
+                <a14:hiddenLine xmlns="" xmlns:a14="http://schemas.microsoft.com/office/drawing/2010/main" w="9525">
                   <a:solidFill>
                     <a:srgbClr val="000000"/>
                   </a:solidFill>
@@ -8684,7 +8766,7 @@
             </a:ln>
             <a:extLst>
               <a:ext uri="{91240B29-F687-4f45-9708-019B960494DF}">
-                <a14:hiddenLine xmlns:a14="http://schemas.microsoft.com/office/drawing/2010/main" xmlns="" w="9525">
+                <a14:hiddenLine xmlns="" xmlns:a14="http://schemas.microsoft.com/office/drawing/2010/main" w="9525">
                   <a:solidFill>
                     <a:srgbClr val="000000"/>
                   </a:solidFill>
@@ -8774,7 +8856,7 @@
             </a:ln>
             <a:extLst>
               <a:ext uri="{91240B29-F687-4f45-9708-019B960494DF}">
-                <a14:hiddenLine xmlns:a14="http://schemas.microsoft.com/office/drawing/2010/main" xmlns="" w="9525">
+                <a14:hiddenLine xmlns="" xmlns:a14="http://schemas.microsoft.com/office/drawing/2010/main" w="9525">
                   <a:solidFill>
                     <a:srgbClr val="000000"/>
                   </a:solidFill>
@@ -8836,7 +8918,7 @@
             </a:ln>
             <a:extLst>
               <a:ext uri="{91240B29-F687-4f45-9708-019B960494DF}">
-                <a14:hiddenLine xmlns:a14="http://schemas.microsoft.com/office/drawing/2010/main" xmlns="" w="9525">
+                <a14:hiddenLine xmlns="" xmlns:a14="http://schemas.microsoft.com/office/drawing/2010/main" w="9525">
                   <a:solidFill>
                     <a:srgbClr val="000000"/>
                   </a:solidFill>
@@ -8898,7 +8980,7 @@
             </a:ln>
             <a:extLst>
               <a:ext uri="{91240B29-F687-4f45-9708-019B960494DF}">
-                <a14:hiddenLine xmlns:a14="http://schemas.microsoft.com/office/drawing/2010/main" xmlns="" w="9525">
+                <a14:hiddenLine xmlns="" xmlns:a14="http://schemas.microsoft.com/office/drawing/2010/main" w="9525">
                   <a:solidFill>
                     <a:srgbClr val="000000"/>
                   </a:solidFill>
@@ -8988,7 +9070,7 @@
             </a:ln>
             <a:extLst>
               <a:ext uri="{91240B29-F687-4f45-9708-019B960494DF}">
-                <a14:hiddenLine xmlns:a14="http://schemas.microsoft.com/office/drawing/2010/main" xmlns="" w="9525">
+                <a14:hiddenLine xmlns="" xmlns:a14="http://schemas.microsoft.com/office/drawing/2010/main" w="9525">
                   <a:solidFill>
                     <a:srgbClr val="000000"/>
                   </a:solidFill>
@@ -9050,7 +9132,7 @@
             </a:ln>
             <a:extLst>
               <a:ext uri="{91240B29-F687-4f45-9708-019B960494DF}">
-                <a14:hiddenLine xmlns:a14="http://schemas.microsoft.com/office/drawing/2010/main" xmlns="" w="9525">
+                <a14:hiddenLine xmlns="" xmlns:a14="http://schemas.microsoft.com/office/drawing/2010/main" w="9525">
                   <a:solidFill>
                     <a:srgbClr val="000000"/>
                   </a:solidFill>
@@ -9112,7 +9194,7 @@
             </a:ln>
             <a:extLst>
               <a:ext uri="{91240B29-F687-4f45-9708-019B960494DF}">
-                <a14:hiddenLine xmlns:a14="http://schemas.microsoft.com/office/drawing/2010/main" xmlns="" w="9525">
+                <a14:hiddenLine xmlns="" xmlns:a14="http://schemas.microsoft.com/office/drawing/2010/main" w="9525">
                   <a:solidFill>
                     <a:srgbClr val="000000"/>
                   </a:solidFill>
@@ -9202,7 +9284,7 @@
             </a:ln>
             <a:extLst>
               <a:ext uri="{91240B29-F687-4f45-9708-019B960494DF}">
-                <a14:hiddenLine xmlns:a14="http://schemas.microsoft.com/office/drawing/2010/main" xmlns="" w="9525">
+                <a14:hiddenLine xmlns="" xmlns:a14="http://schemas.microsoft.com/office/drawing/2010/main" w="9525">
                   <a:solidFill>
                     <a:srgbClr val="000000"/>
                   </a:solidFill>
@@ -9292,7 +9374,7 @@
             </a:ln>
             <a:extLst>
               <a:ext uri="{91240B29-F687-4f45-9708-019B960494DF}">
-                <a14:hiddenLine xmlns:a14="http://schemas.microsoft.com/office/drawing/2010/main" xmlns="" w="9525">
+                <a14:hiddenLine xmlns="" xmlns:a14="http://schemas.microsoft.com/office/drawing/2010/main" w="9525">
                   <a:solidFill>
                     <a:srgbClr val="000000"/>
                   </a:solidFill>
@@ -9354,7 +9436,7 @@
             </a:ln>
             <a:extLst>
               <a:ext uri="{91240B29-F687-4f45-9708-019B960494DF}">
-                <a14:hiddenLine xmlns:a14="http://schemas.microsoft.com/office/drawing/2010/main" xmlns="" w="9525">
+                <a14:hiddenLine xmlns="" xmlns:a14="http://schemas.microsoft.com/office/drawing/2010/main" w="9525">
                   <a:solidFill>
                     <a:srgbClr val="000000"/>
                   </a:solidFill>
@@ -9464,7 +9546,7 @@
             </a:ln>
             <a:extLst>
               <a:ext uri="{91240B29-F687-4f45-9708-019B960494DF}">
-                <a14:hiddenLine xmlns:a14="http://schemas.microsoft.com/office/drawing/2010/main" xmlns="" w="9525">
+                <a14:hiddenLine xmlns="" xmlns:a14="http://schemas.microsoft.com/office/drawing/2010/main" w="9525">
                   <a:solidFill>
                     <a:srgbClr val="000000"/>
                   </a:solidFill>
@@ -9526,7 +9608,7 @@
             </a:ln>
             <a:extLst>
               <a:ext uri="{91240B29-F687-4f45-9708-019B960494DF}">
-                <a14:hiddenLine xmlns:a14="http://schemas.microsoft.com/office/drawing/2010/main" xmlns="" w="9525">
+                <a14:hiddenLine xmlns="" xmlns:a14="http://schemas.microsoft.com/office/drawing/2010/main" w="9525">
                   <a:solidFill>
                     <a:srgbClr val="000000"/>
                   </a:solidFill>
@@ -9616,7 +9698,7 @@
             </a:ln>
             <a:extLst>
               <a:ext uri="{91240B29-F687-4f45-9708-019B960494DF}">
-                <a14:hiddenLine xmlns:a14="http://schemas.microsoft.com/office/drawing/2010/main" xmlns="" w="9525">
+                <a14:hiddenLine xmlns="" xmlns:a14="http://schemas.microsoft.com/office/drawing/2010/main" w="9525">
                   <a:solidFill>
                     <a:srgbClr val="000000"/>
                   </a:solidFill>
@@ -9706,7 +9788,7 @@
             </a:ln>
             <a:extLst>
               <a:ext uri="{91240B29-F687-4f45-9708-019B960494DF}">
-                <a14:hiddenLine xmlns:a14="http://schemas.microsoft.com/office/drawing/2010/main" xmlns="" w="9525">
+                <a14:hiddenLine xmlns="" xmlns:a14="http://schemas.microsoft.com/office/drawing/2010/main" w="9525">
                   <a:solidFill>
                     <a:srgbClr val="000000"/>
                   </a:solidFill>
@@ -9768,7 +9850,7 @@
             </a:ln>
             <a:extLst>
               <a:ext uri="{91240B29-F687-4f45-9708-019B960494DF}">
-                <a14:hiddenLine xmlns:a14="http://schemas.microsoft.com/office/drawing/2010/main" xmlns="" w="9525">
+                <a14:hiddenLine xmlns="" xmlns:a14="http://schemas.microsoft.com/office/drawing/2010/main" w="9525">
                   <a:solidFill>
                     <a:srgbClr val="000000"/>
                   </a:solidFill>
@@ -9858,7 +9940,7 @@
             </a:ln>
             <a:extLst>
               <a:ext uri="{91240B29-F687-4f45-9708-019B960494DF}">
-                <a14:hiddenLine xmlns:a14="http://schemas.microsoft.com/office/drawing/2010/main" xmlns="" w="9525">
+                <a14:hiddenLine xmlns="" xmlns:a14="http://schemas.microsoft.com/office/drawing/2010/main" w="9525">
                   <a:solidFill>
                     <a:srgbClr val="000000"/>
                   </a:solidFill>
@@ -9948,7 +10030,7 @@
             </a:ln>
             <a:extLst>
               <a:ext uri="{91240B29-F687-4f45-9708-019B960494DF}">
-                <a14:hiddenLine xmlns:a14="http://schemas.microsoft.com/office/drawing/2010/main" xmlns="" w="9525">
+                <a14:hiddenLine xmlns="" xmlns:a14="http://schemas.microsoft.com/office/drawing/2010/main" w="9525">
                   <a:solidFill>
                     <a:srgbClr val="000000"/>
                   </a:solidFill>
@@ -10004,7 +10086,7 @@
             </a:ln>
             <a:extLst>
               <a:ext uri="{91240B29-F687-4f45-9708-019B960494DF}">
-                <a14:hiddenLine xmlns:a14="http://schemas.microsoft.com/office/drawing/2010/main" xmlns="" w="9525">
+                <a14:hiddenLine xmlns="" xmlns:a14="http://schemas.microsoft.com/office/drawing/2010/main" w="9525">
                   <a:solidFill>
                     <a:srgbClr val="000000"/>
                   </a:solidFill>
@@ -10094,7 +10176,7 @@
             </a:ln>
             <a:extLst>
               <a:ext uri="{91240B29-F687-4f45-9708-019B960494DF}">
-                <a14:hiddenLine xmlns:a14="http://schemas.microsoft.com/office/drawing/2010/main" xmlns="" w="9525">
+                <a14:hiddenLine xmlns="" xmlns:a14="http://schemas.microsoft.com/office/drawing/2010/main" w="9525">
                   <a:solidFill>
                     <a:srgbClr val="000000"/>
                   </a:solidFill>
@@ -10150,7 +10232,7 @@
             </a:ln>
             <a:extLst>
               <a:ext uri="{91240B29-F687-4f45-9708-019B960494DF}">
-                <a14:hiddenLine xmlns:a14="http://schemas.microsoft.com/office/drawing/2010/main" xmlns="" w="9525">
+                <a14:hiddenLine xmlns="" xmlns:a14="http://schemas.microsoft.com/office/drawing/2010/main" w="9525">
                   <a:solidFill>
                     <a:srgbClr val="000000"/>
                   </a:solidFill>
@@ -10240,7 +10322,7 @@
             </a:ln>
             <a:extLst>
               <a:ext uri="{91240B29-F687-4f45-9708-019B960494DF}">
-                <a14:hiddenLine xmlns:a14="http://schemas.microsoft.com/office/drawing/2010/main" xmlns="" w="9525">
+                <a14:hiddenLine xmlns="" xmlns:a14="http://schemas.microsoft.com/office/drawing/2010/main" w="9525">
                   <a:solidFill>
                     <a:srgbClr val="000000"/>
                   </a:solidFill>
@@ -10308,7 +10390,7 @@
             </a:ln>
             <a:extLst>
               <a:ext uri="{91240B29-F687-4f45-9708-019B960494DF}">
-                <a14:hiddenLine xmlns:a14="http://schemas.microsoft.com/office/drawing/2010/main" xmlns="" w="9525">
+                <a14:hiddenLine xmlns="" xmlns:a14="http://schemas.microsoft.com/office/drawing/2010/main" w="9525">
                   <a:solidFill>
                     <a:srgbClr val="000000"/>
                   </a:solidFill>
@@ -10398,7 +10480,7 @@
             </a:ln>
             <a:extLst>
               <a:ext uri="{91240B29-F687-4f45-9708-019B960494DF}">
-                <a14:hiddenLine xmlns:a14="http://schemas.microsoft.com/office/drawing/2010/main" xmlns="" w="9525">
+                <a14:hiddenLine xmlns="" xmlns:a14="http://schemas.microsoft.com/office/drawing/2010/main" w="9525">
                   <a:solidFill>
                     <a:srgbClr val="000000"/>
                   </a:solidFill>
@@ -10466,7 +10548,7 @@
             </a:ln>
             <a:extLst>
               <a:ext uri="{91240B29-F687-4f45-9708-019B960494DF}">
-                <a14:hiddenLine xmlns:a14="http://schemas.microsoft.com/office/drawing/2010/main" xmlns="" w="9525">
+                <a14:hiddenLine xmlns="" xmlns:a14="http://schemas.microsoft.com/office/drawing/2010/main" w="9525">
                   <a:solidFill>
                     <a:srgbClr val="000000"/>
                   </a:solidFill>
@@ -10556,7 +10638,7 @@
             </a:ln>
             <a:extLst>
               <a:ext uri="{91240B29-F687-4f45-9708-019B960494DF}">
-                <a14:hiddenLine xmlns:a14="http://schemas.microsoft.com/office/drawing/2010/main" xmlns="" w="9525">
+                <a14:hiddenLine xmlns="" xmlns:a14="http://schemas.microsoft.com/office/drawing/2010/main" w="9525">
                   <a:solidFill>
                     <a:srgbClr val="000000"/>
                   </a:solidFill>
@@ -10590,7 +10672,7 @@
             </a:ln>
             <a:extLst>
               <a:ext uri="{91240B29-F687-4f45-9708-019B960494DF}">
-                <a14:hiddenLine xmlns:a14="http://schemas.microsoft.com/office/drawing/2010/main" xmlns="" w="9525">
+                <a14:hiddenLine xmlns="" xmlns:a14="http://schemas.microsoft.com/office/drawing/2010/main" w="9525">
                   <a:solidFill>
                     <a:srgbClr val="000000"/>
                   </a:solidFill>
@@ -10680,7 +10762,7 @@
             </a:ln>
             <a:extLst>
               <a:ext uri="{91240B29-F687-4f45-9708-019B960494DF}">
-                <a14:hiddenLine xmlns:a14="http://schemas.microsoft.com/office/drawing/2010/main" xmlns="" w="9525">
+                <a14:hiddenLine xmlns="" xmlns:a14="http://schemas.microsoft.com/office/drawing/2010/main" w="9525">
                   <a:solidFill>
                     <a:srgbClr val="000000"/>
                   </a:solidFill>
@@ -10742,7 +10824,7 @@
             </a:ln>
             <a:extLst>
               <a:ext uri="{91240B29-F687-4f45-9708-019B960494DF}">
-                <a14:hiddenLine xmlns:a14="http://schemas.microsoft.com/office/drawing/2010/main" xmlns="" w="9525">
+                <a14:hiddenLine xmlns="" xmlns:a14="http://schemas.microsoft.com/office/drawing/2010/main" w="9525">
                   <a:solidFill>
                     <a:srgbClr val="000000"/>
                   </a:solidFill>
@@ -10804,7 +10886,7 @@
             </a:ln>
             <a:extLst>
               <a:ext uri="{91240B29-F687-4f45-9708-019B960494DF}">
-                <a14:hiddenLine xmlns:a14="http://schemas.microsoft.com/office/drawing/2010/main" xmlns="" w="9525">
+                <a14:hiddenLine xmlns="" xmlns:a14="http://schemas.microsoft.com/office/drawing/2010/main" w="9525">
                   <a:solidFill>
                     <a:srgbClr val="000000"/>
                   </a:solidFill>
@@ -10894,7 +10976,7 @@
             </a:ln>
             <a:extLst>
               <a:ext uri="{91240B29-F687-4f45-9708-019B960494DF}">
-                <a14:hiddenLine xmlns:a14="http://schemas.microsoft.com/office/drawing/2010/main" xmlns="" w="9525">
+                <a14:hiddenLine xmlns="" xmlns:a14="http://schemas.microsoft.com/office/drawing/2010/main" w="9525">
                   <a:solidFill>
                     <a:srgbClr val="000000"/>
                   </a:solidFill>
@@ -10962,7 +11044,7 @@
             </a:ln>
             <a:extLst>
               <a:ext uri="{91240B29-F687-4f45-9708-019B960494DF}">
-                <a14:hiddenLine xmlns:a14="http://schemas.microsoft.com/office/drawing/2010/main" xmlns="" w="9525">
+                <a14:hiddenLine xmlns="" xmlns:a14="http://schemas.microsoft.com/office/drawing/2010/main" w="9525">
                   <a:solidFill>
                     <a:srgbClr val="000000"/>
                   </a:solidFill>
@@ -11024,7 +11106,7 @@
             </a:ln>
             <a:extLst>
               <a:ext uri="{91240B29-F687-4f45-9708-019B960494DF}">
-                <a14:hiddenLine xmlns:a14="http://schemas.microsoft.com/office/drawing/2010/main" xmlns="" w="9525">
+                <a14:hiddenLine xmlns="" xmlns:a14="http://schemas.microsoft.com/office/drawing/2010/main" w="9525">
                   <a:solidFill>
                     <a:srgbClr val="000000"/>
                   </a:solidFill>
@@ -11114,7 +11196,7 @@
             </a:ln>
             <a:extLst>
               <a:ext uri="{91240B29-F687-4f45-9708-019B960494DF}">
-                <a14:hiddenLine xmlns:a14="http://schemas.microsoft.com/office/drawing/2010/main" xmlns="" w="9525">
+                <a14:hiddenLine xmlns="" xmlns:a14="http://schemas.microsoft.com/office/drawing/2010/main" w="9525">
                   <a:solidFill>
                     <a:srgbClr val="000000"/>
                   </a:solidFill>
@@ -11176,7 +11258,7 @@
             </a:ln>
             <a:extLst>
               <a:ext uri="{91240B29-F687-4f45-9708-019B960494DF}">
-                <a14:hiddenLine xmlns:a14="http://schemas.microsoft.com/office/drawing/2010/main" xmlns="" w="9525">
+                <a14:hiddenLine xmlns="" xmlns:a14="http://schemas.microsoft.com/office/drawing/2010/main" w="9525">
                   <a:solidFill>
                     <a:srgbClr val="000000"/>
                   </a:solidFill>
@@ -11266,7 +11348,7 @@
             </a:ln>
             <a:extLst>
               <a:ext uri="{91240B29-F687-4f45-9708-019B960494DF}">
-                <a14:hiddenLine xmlns:a14="http://schemas.microsoft.com/office/drawing/2010/main" xmlns="" w="9525">
+                <a14:hiddenLine xmlns="" xmlns:a14="http://schemas.microsoft.com/office/drawing/2010/main" w="9525">
                   <a:solidFill>
                     <a:srgbClr val="000000"/>
                   </a:solidFill>
@@ -11328,7 +11410,7 @@
             </a:ln>
             <a:extLst>
               <a:ext uri="{91240B29-F687-4f45-9708-019B960494DF}">
-                <a14:hiddenLine xmlns:a14="http://schemas.microsoft.com/office/drawing/2010/main" xmlns="" w="9525">
+                <a14:hiddenLine xmlns="" xmlns:a14="http://schemas.microsoft.com/office/drawing/2010/main" w="9525">
                   <a:solidFill>
                     <a:srgbClr val="000000"/>
                   </a:solidFill>
@@ -11418,7 +11500,7 @@
             </a:ln>
             <a:extLst>
               <a:ext uri="{91240B29-F687-4f45-9708-019B960494DF}">
-                <a14:hiddenLine xmlns:a14="http://schemas.microsoft.com/office/drawing/2010/main" xmlns="" w="9525">
+                <a14:hiddenLine xmlns="" xmlns:a14="http://schemas.microsoft.com/office/drawing/2010/main" w="9525">
                   <a:solidFill>
                     <a:srgbClr val="000000"/>
                   </a:solidFill>
@@ -11452,7 +11534,7 @@
             </a:ln>
             <a:extLst>
               <a:ext uri="{91240B29-F687-4f45-9708-019B960494DF}">
-                <a14:hiddenLine xmlns:a14="http://schemas.microsoft.com/office/drawing/2010/main" xmlns="" w="9525">
+                <a14:hiddenLine xmlns="" xmlns:a14="http://schemas.microsoft.com/office/drawing/2010/main" w="9525">
                   <a:solidFill>
                     <a:srgbClr val="000000"/>
                   </a:solidFill>
@@ -11517,7 +11599,7 @@
             </a:ln>
             <a:extLst>
               <a:ext uri="{91240B29-F687-4f45-9708-019B960494DF}">
-                <a14:hiddenLine xmlns:a14="http://schemas.microsoft.com/office/drawing/2010/main" xmlns="" w="9525">
+                <a14:hiddenLine xmlns="" xmlns:a14="http://schemas.microsoft.com/office/drawing/2010/main" w="9525">
                   <a:solidFill>
                     <a:srgbClr val="000000"/>
                   </a:solidFill>
@@ -11607,7 +11689,7 @@
             </a:ln>
             <a:extLst>
               <a:ext uri="{91240B29-F687-4f45-9708-019B960494DF}">
-                <a14:hiddenLine xmlns:a14="http://schemas.microsoft.com/office/drawing/2010/main" xmlns="" w="9525">
+                <a14:hiddenLine xmlns="" xmlns:a14="http://schemas.microsoft.com/office/drawing/2010/main" w="9525">
                   <a:solidFill>
                     <a:srgbClr val="000000"/>
                   </a:solidFill>
@@ -11669,7 +11751,7 @@
             </a:ln>
             <a:extLst>
               <a:ext uri="{91240B29-F687-4f45-9708-019B960494DF}">
-                <a14:hiddenLine xmlns:a14="http://schemas.microsoft.com/office/drawing/2010/main" xmlns="" w="9525">
+                <a14:hiddenLine xmlns="" xmlns:a14="http://schemas.microsoft.com/office/drawing/2010/main" w="9525">
                   <a:solidFill>
                     <a:srgbClr val="000000"/>
                   </a:solidFill>
@@ -11759,7 +11841,7 @@
             </a:ln>
             <a:extLst>
               <a:ext uri="{91240B29-F687-4f45-9708-019B960494DF}">
-                <a14:hiddenLine xmlns:a14="http://schemas.microsoft.com/office/drawing/2010/main" xmlns="" w="9525">
+                <a14:hiddenLine xmlns="" xmlns:a14="http://schemas.microsoft.com/office/drawing/2010/main" w="9525">
                   <a:solidFill>
                     <a:srgbClr val="000000"/>
                   </a:solidFill>
@@ -11849,7 +11931,7 @@
             </a:ln>
             <a:extLst>
               <a:ext uri="{91240B29-F687-4f45-9708-019B960494DF}">
-                <a14:hiddenLine xmlns:a14="http://schemas.microsoft.com/office/drawing/2010/main" xmlns="" w="9525">
+                <a14:hiddenLine xmlns="" xmlns:a14="http://schemas.microsoft.com/office/drawing/2010/main" w="9525">
                   <a:solidFill>
                     <a:srgbClr val="000000"/>
                   </a:solidFill>
@@ -11914,7 +11996,7 @@
             </a:ln>
             <a:extLst>
               <a:ext uri="{91240B29-F687-4f45-9708-019B960494DF}">
-                <a14:hiddenLine xmlns:a14="http://schemas.microsoft.com/office/drawing/2010/main" xmlns="" w="9525">
+                <a14:hiddenLine xmlns="" xmlns:a14="http://schemas.microsoft.com/office/drawing/2010/main" w="9525">
                   <a:solidFill>
                     <a:srgbClr val="000000"/>
                   </a:solidFill>
@@ -11976,7 +12058,7 @@
             </a:ln>
             <a:extLst>
               <a:ext uri="{91240B29-F687-4f45-9708-019B960494DF}">
-                <a14:hiddenLine xmlns:a14="http://schemas.microsoft.com/office/drawing/2010/main" xmlns="" w="9525">
+                <a14:hiddenLine xmlns="" xmlns:a14="http://schemas.microsoft.com/office/drawing/2010/main" w="9525">
                   <a:solidFill>
                     <a:srgbClr val="000000"/>
                   </a:solidFill>
@@ -12066,7 +12148,7 @@
             </a:ln>
             <a:extLst>
               <a:ext uri="{91240B29-F687-4f45-9708-019B960494DF}">
-                <a14:hiddenLine xmlns:a14="http://schemas.microsoft.com/office/drawing/2010/main" xmlns="" w="9525">
+                <a14:hiddenLine xmlns="" xmlns:a14="http://schemas.microsoft.com/office/drawing/2010/main" w="9525">
                   <a:solidFill>
                     <a:srgbClr val="000000"/>
                   </a:solidFill>
@@ -12156,7 +12238,7 @@
             </a:ln>
             <a:extLst>
               <a:ext uri="{91240B29-F687-4f45-9708-019B960494DF}">
-                <a14:hiddenLine xmlns:a14="http://schemas.microsoft.com/office/drawing/2010/main" xmlns="" w="9525">
+                <a14:hiddenLine xmlns="" xmlns:a14="http://schemas.microsoft.com/office/drawing/2010/main" w="9525">
                   <a:solidFill>
                     <a:srgbClr val="000000"/>
                   </a:solidFill>
@@ -12218,7 +12300,7 @@
             </a:ln>
             <a:extLst>
               <a:ext uri="{91240B29-F687-4f45-9708-019B960494DF}">
-                <a14:hiddenLine xmlns:a14="http://schemas.microsoft.com/office/drawing/2010/main" xmlns="" w="9525">
+                <a14:hiddenLine xmlns="" xmlns:a14="http://schemas.microsoft.com/office/drawing/2010/main" w="9525">
                   <a:solidFill>
                     <a:srgbClr val="000000"/>
                   </a:solidFill>
@@ -12338,7 +12420,7 @@
             </a:ln>
             <a:extLst>
               <a:ext uri="{91240B29-F687-4f45-9708-019B960494DF}">
-                <a14:hiddenLine xmlns:a14="http://schemas.microsoft.com/office/drawing/2010/main" xmlns="" w="9525">
+                <a14:hiddenLine xmlns="" xmlns:a14="http://schemas.microsoft.com/office/drawing/2010/main" w="9525">
                   <a:solidFill>
                     <a:srgbClr val="000000"/>
                   </a:solidFill>
@@ -12406,7 +12488,7 @@
             </a:ln>
             <a:extLst>
               <a:ext uri="{91240B29-F687-4f45-9708-019B960494DF}">
-                <a14:hiddenLine xmlns:a14="http://schemas.microsoft.com/office/drawing/2010/main" xmlns="" w="9525">
+                <a14:hiddenLine xmlns="" xmlns:a14="http://schemas.microsoft.com/office/drawing/2010/main" w="9525">
                   <a:solidFill>
                     <a:srgbClr val="000000"/>
                   </a:solidFill>
@@ -12496,7 +12578,7 @@
             </a:ln>
             <a:extLst>
               <a:ext uri="{91240B29-F687-4f45-9708-019B960494DF}">
-                <a14:hiddenLine xmlns:a14="http://schemas.microsoft.com/office/drawing/2010/main" xmlns="" w="9525">
+                <a14:hiddenLine xmlns="" xmlns:a14="http://schemas.microsoft.com/office/drawing/2010/main" w="9525">
                   <a:solidFill>
                     <a:srgbClr val="000000"/>
                   </a:solidFill>
@@ -17310,7 +17392,7 @@
           <a:noFill/>
           <a:extLst>
             <a:ext uri="{909E8E84-426E-40dd-AFC4-6F175D3DCCD1}">
-              <a14:hiddenFill xmlns:a14="http://schemas.microsoft.com/office/drawing/2010/main" xmlns="">
+              <a14:hiddenFill xmlns="" xmlns:a14="http://schemas.microsoft.com/office/drawing/2010/main">
                 <a:solidFill>
                   <a:srgbClr val="FFFFFF"/>
                 </a:solidFill>
@@ -17384,7 +17466,7 @@
               </a:ln>
               <a:extLst>
                 <a:ext uri="{91240B29-F687-4f45-9708-019B960494DF}">
-                  <a14:hiddenLine xmlns:a14="http://schemas.microsoft.com/office/drawing/2010/main" xmlns="" w="9525">
+                  <a14:hiddenLine xmlns="" xmlns:a14="http://schemas.microsoft.com/office/drawing/2010/main" w="9525">
                     <a:solidFill>
                       <a:srgbClr val="000000"/>
                     </a:solidFill>
@@ -17474,7 +17556,7 @@
               </a:ln>
               <a:extLst>
                 <a:ext uri="{91240B29-F687-4f45-9708-019B960494DF}">
-                  <a14:hiddenLine xmlns:a14="http://schemas.microsoft.com/office/drawing/2010/main" xmlns="" w="9525">
+                  <a14:hiddenLine xmlns="" xmlns:a14="http://schemas.microsoft.com/office/drawing/2010/main" w="9525">
                     <a:solidFill>
                       <a:srgbClr val="000000"/>
                     </a:solidFill>
@@ -17564,7 +17646,7 @@
               </a:ln>
               <a:extLst>
                 <a:ext uri="{91240B29-F687-4f45-9708-019B960494DF}">
-                  <a14:hiddenLine xmlns:a14="http://schemas.microsoft.com/office/drawing/2010/main" xmlns="" w="9525">
+                  <a14:hiddenLine xmlns="" xmlns:a14="http://schemas.microsoft.com/office/drawing/2010/main" w="9525">
                     <a:solidFill>
                       <a:srgbClr val="000000"/>
                     </a:solidFill>
@@ -17626,7 +17708,7 @@
               </a:ln>
               <a:extLst>
                 <a:ext uri="{91240B29-F687-4f45-9708-019B960494DF}">
-                  <a14:hiddenLine xmlns:a14="http://schemas.microsoft.com/office/drawing/2010/main" xmlns="" w="9525">
+                  <a14:hiddenLine xmlns="" xmlns:a14="http://schemas.microsoft.com/office/drawing/2010/main" w="9525">
                     <a:solidFill>
                       <a:srgbClr val="000000"/>
                     </a:solidFill>
@@ -17716,7 +17798,7 @@
               </a:ln>
               <a:extLst>
                 <a:ext uri="{91240B29-F687-4f45-9708-019B960494DF}">
-                  <a14:hiddenLine xmlns:a14="http://schemas.microsoft.com/office/drawing/2010/main" xmlns="" w="9525">
+                  <a14:hiddenLine xmlns="" xmlns:a14="http://schemas.microsoft.com/office/drawing/2010/main" w="9525">
                     <a:solidFill>
                       <a:srgbClr val="000000"/>
                     </a:solidFill>
@@ -17778,7 +17860,7 @@
               </a:ln>
               <a:extLst>
                 <a:ext uri="{91240B29-F687-4f45-9708-019B960494DF}">
-                  <a14:hiddenLine xmlns:a14="http://schemas.microsoft.com/office/drawing/2010/main" xmlns="" w="9525">
+                  <a14:hiddenLine xmlns="" xmlns:a14="http://schemas.microsoft.com/office/drawing/2010/main" w="9525">
                     <a:solidFill>
                       <a:srgbClr val="000000"/>
                     </a:solidFill>
@@ -17840,7 +17922,7 @@
               </a:ln>
               <a:extLst>
                 <a:ext uri="{91240B29-F687-4f45-9708-019B960494DF}">
-                  <a14:hiddenLine xmlns:a14="http://schemas.microsoft.com/office/drawing/2010/main" xmlns="" w="9525">
+                  <a14:hiddenLine xmlns="" xmlns:a14="http://schemas.microsoft.com/office/drawing/2010/main" w="9525">
                     <a:solidFill>
                       <a:srgbClr val="000000"/>
                     </a:solidFill>
@@ -17930,7 +18012,7 @@
               </a:ln>
               <a:extLst>
                 <a:ext uri="{91240B29-F687-4f45-9708-019B960494DF}">
-                  <a14:hiddenLine xmlns:a14="http://schemas.microsoft.com/office/drawing/2010/main" xmlns="" w="9525">
+                  <a14:hiddenLine xmlns="" xmlns:a14="http://schemas.microsoft.com/office/drawing/2010/main" w="9525">
                     <a:solidFill>
                       <a:srgbClr val="000000"/>
                     </a:solidFill>
@@ -18020,7 +18102,7 @@
               </a:ln>
               <a:extLst>
                 <a:ext uri="{91240B29-F687-4f45-9708-019B960494DF}">
-                  <a14:hiddenLine xmlns:a14="http://schemas.microsoft.com/office/drawing/2010/main" xmlns="" w="9525">
+                  <a14:hiddenLine xmlns="" xmlns:a14="http://schemas.microsoft.com/office/drawing/2010/main" w="9525">
                     <a:solidFill>
                       <a:srgbClr val="000000"/>
                     </a:solidFill>
@@ -18082,7 +18164,7 @@
               </a:ln>
               <a:extLst>
                 <a:ext uri="{91240B29-F687-4f45-9708-019B960494DF}">
-                  <a14:hiddenLine xmlns:a14="http://schemas.microsoft.com/office/drawing/2010/main" xmlns="" w="9525">
+                  <a14:hiddenLine xmlns="" xmlns:a14="http://schemas.microsoft.com/office/drawing/2010/main" w="9525">
                     <a:solidFill>
                       <a:srgbClr val="000000"/>
                     </a:solidFill>
@@ -18192,7 +18274,7 @@
               </a:ln>
               <a:extLst>
                 <a:ext uri="{91240B29-F687-4f45-9708-019B960494DF}">
-                  <a14:hiddenLine xmlns:a14="http://schemas.microsoft.com/office/drawing/2010/main" xmlns="" w="9525">
+                  <a14:hiddenLine xmlns="" xmlns:a14="http://schemas.microsoft.com/office/drawing/2010/main" w="9525">
                     <a:solidFill>
                       <a:srgbClr val="000000"/>
                     </a:solidFill>
@@ -18276,7 +18358,7 @@
               </a:ln>
               <a:extLst>
                 <a:ext uri="{91240B29-F687-4f45-9708-019B960494DF}">
-                  <a14:hiddenLine xmlns:a14="http://schemas.microsoft.com/office/drawing/2010/main" xmlns="" w="9525">
+                  <a14:hiddenLine xmlns="" xmlns:a14="http://schemas.microsoft.com/office/drawing/2010/main" w="9525">
                     <a:solidFill>
                       <a:srgbClr val="000000"/>
                     </a:solidFill>
@@ -18338,7 +18420,7 @@
               </a:ln>
               <a:extLst>
                 <a:ext uri="{91240B29-F687-4f45-9708-019B960494DF}">
-                  <a14:hiddenLine xmlns:a14="http://schemas.microsoft.com/office/drawing/2010/main" xmlns="" w="9525">
+                  <a14:hiddenLine xmlns="" xmlns:a14="http://schemas.microsoft.com/office/drawing/2010/main" w="9525">
                     <a:solidFill>
                       <a:srgbClr val="000000"/>
                     </a:solidFill>
@@ -18400,7 +18482,7 @@
               </a:ln>
               <a:extLst>
                 <a:ext uri="{91240B29-F687-4f45-9708-019B960494DF}">
-                  <a14:hiddenLine xmlns:a14="http://schemas.microsoft.com/office/drawing/2010/main" xmlns="" w="9525">
+                  <a14:hiddenLine xmlns="" xmlns:a14="http://schemas.microsoft.com/office/drawing/2010/main" w="9525">
                     <a:solidFill>
                       <a:srgbClr val="000000"/>
                     </a:solidFill>
@@ -18490,7 +18572,7 @@
               </a:ln>
               <a:extLst>
                 <a:ext uri="{91240B29-F687-4f45-9708-019B960494DF}">
-                  <a14:hiddenLine xmlns:a14="http://schemas.microsoft.com/office/drawing/2010/main" xmlns="" w="9525">
+                  <a14:hiddenLine xmlns="" xmlns:a14="http://schemas.microsoft.com/office/drawing/2010/main" w="9525">
                     <a:solidFill>
                       <a:srgbClr val="000000"/>
                     </a:solidFill>
@@ -18524,7 +18606,7 @@
               </a:ln>
               <a:extLst>
                 <a:ext uri="{91240B29-F687-4f45-9708-019B960494DF}">
-                  <a14:hiddenLine xmlns:a14="http://schemas.microsoft.com/office/drawing/2010/main" xmlns="" w="9525">
+                  <a14:hiddenLine xmlns="" xmlns:a14="http://schemas.microsoft.com/office/drawing/2010/main" w="9525">
                     <a:solidFill>
                       <a:srgbClr val="000000"/>
                     </a:solidFill>
@@ -18589,7 +18671,7 @@
               </a:ln>
               <a:extLst>
                 <a:ext uri="{91240B29-F687-4f45-9708-019B960494DF}">
-                  <a14:hiddenLine xmlns:a14="http://schemas.microsoft.com/office/drawing/2010/main" xmlns="" w="9525">
+                  <a14:hiddenLine xmlns="" xmlns:a14="http://schemas.microsoft.com/office/drawing/2010/main" w="9525">
                     <a:solidFill>
                       <a:srgbClr val="000000"/>
                     </a:solidFill>
@@ -18679,7 +18761,7 @@
               </a:ln>
               <a:extLst>
                 <a:ext uri="{91240B29-F687-4f45-9708-019B960494DF}">
-                  <a14:hiddenLine xmlns:a14="http://schemas.microsoft.com/office/drawing/2010/main" xmlns="" w="9525">
+                  <a14:hiddenLine xmlns="" xmlns:a14="http://schemas.microsoft.com/office/drawing/2010/main" w="9525">
                     <a:solidFill>
                       <a:srgbClr val="000000"/>
                     </a:solidFill>
@@ -18741,7 +18823,7 @@
               </a:ln>
               <a:extLst>
                 <a:ext uri="{91240B29-F687-4f45-9708-019B960494DF}">
-                  <a14:hiddenLine xmlns:a14="http://schemas.microsoft.com/office/drawing/2010/main" xmlns="" w="9525">
+                  <a14:hiddenLine xmlns="" xmlns:a14="http://schemas.microsoft.com/office/drawing/2010/main" w="9525">
                     <a:solidFill>
                       <a:srgbClr val="000000"/>
                     </a:solidFill>
@@ -18831,7 +18913,7 @@
               </a:ln>
               <a:extLst>
                 <a:ext uri="{91240B29-F687-4f45-9708-019B960494DF}">
-                  <a14:hiddenLine xmlns:a14="http://schemas.microsoft.com/office/drawing/2010/main" xmlns="" w="9525">
+                  <a14:hiddenLine xmlns="" xmlns:a14="http://schemas.microsoft.com/office/drawing/2010/main" w="9525">
                     <a:solidFill>
                       <a:srgbClr val="000000"/>
                     </a:solidFill>
@@ -18896,7 +18978,7 @@
               </a:ln>
               <a:extLst>
                 <a:ext uri="{91240B29-F687-4f45-9708-019B960494DF}">
-                  <a14:hiddenLine xmlns:a14="http://schemas.microsoft.com/office/drawing/2010/main" xmlns="" w="9525">
+                  <a14:hiddenLine xmlns="" xmlns:a14="http://schemas.microsoft.com/office/drawing/2010/main" w="9525">
                     <a:solidFill>
                       <a:srgbClr val="000000"/>
                     </a:solidFill>
@@ -18958,7 +19040,7 @@
               </a:ln>
               <a:extLst>
                 <a:ext uri="{91240B29-F687-4f45-9708-019B960494DF}">
-                  <a14:hiddenLine xmlns:a14="http://schemas.microsoft.com/office/drawing/2010/main" xmlns="" w="9525">
+                  <a14:hiddenLine xmlns="" xmlns:a14="http://schemas.microsoft.com/office/drawing/2010/main" w="9525">
                     <a:solidFill>
                       <a:srgbClr val="000000"/>
                     </a:solidFill>
@@ -19048,7 +19130,7 @@
               </a:ln>
               <a:extLst>
                 <a:ext uri="{91240B29-F687-4f45-9708-019B960494DF}">
-                  <a14:hiddenLine xmlns:a14="http://schemas.microsoft.com/office/drawing/2010/main" xmlns="" w="9525">
+                  <a14:hiddenLine xmlns="" xmlns:a14="http://schemas.microsoft.com/office/drawing/2010/main" w="9525">
                     <a:solidFill>
                       <a:srgbClr val="000000"/>
                     </a:solidFill>
@@ -19138,7 +19220,7 @@
               </a:ln>
               <a:extLst>
                 <a:ext uri="{91240B29-F687-4f45-9708-019B960494DF}">
-                  <a14:hiddenLine xmlns:a14="http://schemas.microsoft.com/office/drawing/2010/main" xmlns="" w="9525">
+                  <a14:hiddenLine xmlns="" xmlns:a14="http://schemas.microsoft.com/office/drawing/2010/main" w="9525">
                     <a:solidFill>
                       <a:srgbClr val="000000"/>
                     </a:solidFill>
@@ -19203,7 +19285,7 @@
               </a:ln>
               <a:extLst>
                 <a:ext uri="{91240B29-F687-4f45-9708-019B960494DF}">
-                  <a14:hiddenLine xmlns:a14="http://schemas.microsoft.com/office/drawing/2010/main" xmlns="" w="9525">
+                  <a14:hiddenLine xmlns="" xmlns:a14="http://schemas.microsoft.com/office/drawing/2010/main" w="9525">
                     <a:solidFill>
                       <a:srgbClr val="000000"/>
                     </a:solidFill>
@@ -19323,7 +19405,7 @@
               </a:ln>
               <a:extLst>
                 <a:ext uri="{91240B29-F687-4f45-9708-019B960494DF}">
-                  <a14:hiddenLine xmlns:a14="http://schemas.microsoft.com/office/drawing/2010/main" xmlns="" w="9525">
+                  <a14:hiddenLine xmlns="" xmlns:a14="http://schemas.microsoft.com/office/drawing/2010/main" w="9525">
                     <a:solidFill>
                       <a:srgbClr val="000000"/>
                     </a:solidFill>
@@ -19404,7 +19486,7 @@
               </a:ln>
               <a:extLst>
                 <a:ext uri="{91240B29-F687-4f45-9708-019B960494DF}">
-                  <a14:hiddenLine xmlns:a14="http://schemas.microsoft.com/office/drawing/2010/main" xmlns="" w="9525">
+                  <a14:hiddenLine xmlns="" xmlns:a14="http://schemas.microsoft.com/office/drawing/2010/main" w="9525">
                     <a:solidFill>
                       <a:srgbClr val="000000"/>
                     </a:solidFill>
@@ -19519,7 +19601,7 @@
               </a:ln>
               <a:extLst>
                 <a:ext uri="{91240B29-F687-4f45-9708-019B960494DF}">
-                  <a14:hiddenLine xmlns:a14="http://schemas.microsoft.com/office/drawing/2010/main" xmlns="" w="9525">
+                  <a14:hiddenLine xmlns="" xmlns:a14="http://schemas.microsoft.com/office/drawing/2010/main" w="9525">
                     <a:solidFill>
                       <a:srgbClr val="000000"/>
                     </a:solidFill>
@@ -19609,7 +19691,7 @@
               </a:ln>
               <a:extLst>
                 <a:ext uri="{91240B29-F687-4f45-9708-019B960494DF}">
-                  <a14:hiddenLine xmlns:a14="http://schemas.microsoft.com/office/drawing/2010/main" xmlns="" w="9525">
+                  <a14:hiddenLine xmlns="" xmlns:a14="http://schemas.microsoft.com/office/drawing/2010/main" w="9525">
                     <a:solidFill>
                       <a:srgbClr val="000000"/>
                     </a:solidFill>
@@ -19674,7 +19756,7 @@
               </a:ln>
               <a:extLst>
                 <a:ext uri="{91240B29-F687-4f45-9708-019B960494DF}">
-                  <a14:hiddenLine xmlns:a14="http://schemas.microsoft.com/office/drawing/2010/main" xmlns="" w="9525">
+                  <a14:hiddenLine xmlns="" xmlns:a14="http://schemas.microsoft.com/office/drawing/2010/main" w="9525">
                     <a:solidFill>
                       <a:srgbClr val="000000"/>
                     </a:solidFill>
@@ -19764,7 +19846,7 @@
               </a:ln>
               <a:extLst>
                 <a:ext uri="{91240B29-F687-4f45-9708-019B960494DF}">
-                  <a14:hiddenLine xmlns:a14="http://schemas.microsoft.com/office/drawing/2010/main" xmlns="" w="9525">
+                  <a14:hiddenLine xmlns="" xmlns:a14="http://schemas.microsoft.com/office/drawing/2010/main" w="9525">
                     <a:solidFill>
                       <a:srgbClr val="000000"/>
                     </a:solidFill>
@@ -19832,7 +19914,7 @@
               </a:ln>
               <a:extLst>
                 <a:ext uri="{91240B29-F687-4f45-9708-019B960494DF}">
-                  <a14:hiddenLine xmlns:a14="http://schemas.microsoft.com/office/drawing/2010/main" xmlns="" w="9525">
+                  <a14:hiddenLine xmlns="" xmlns:a14="http://schemas.microsoft.com/office/drawing/2010/main" w="9525">
                     <a:solidFill>
                       <a:srgbClr val="000000"/>
                     </a:solidFill>
@@ -19922,7 +20004,7 @@
               </a:ln>
               <a:extLst>
                 <a:ext uri="{91240B29-F687-4f45-9708-019B960494DF}">
-                  <a14:hiddenLine xmlns:a14="http://schemas.microsoft.com/office/drawing/2010/main" xmlns="" w="9525">
+                  <a14:hiddenLine xmlns="" xmlns:a14="http://schemas.microsoft.com/office/drawing/2010/main" w="9525">
                     <a:solidFill>
                       <a:srgbClr val="000000"/>
                     </a:solidFill>
@@ -19990,7 +20072,7 @@
               </a:ln>
               <a:extLst>
                 <a:ext uri="{91240B29-F687-4f45-9708-019B960494DF}">
-                  <a14:hiddenLine xmlns:a14="http://schemas.microsoft.com/office/drawing/2010/main" xmlns="" w="9525">
+                  <a14:hiddenLine xmlns="" xmlns:a14="http://schemas.microsoft.com/office/drawing/2010/main" w="9525">
                     <a:solidFill>
                       <a:srgbClr val="000000"/>
                     </a:solidFill>
@@ -20080,7 +20162,7 @@
               </a:ln>
               <a:extLst>
                 <a:ext uri="{91240B29-F687-4f45-9708-019B960494DF}">
-                  <a14:hiddenLine xmlns:a14="http://schemas.microsoft.com/office/drawing/2010/main" xmlns="" w="9525">
+                  <a14:hiddenLine xmlns="" xmlns:a14="http://schemas.microsoft.com/office/drawing/2010/main" w="9525">
                     <a:solidFill>
                       <a:srgbClr val="000000"/>
                     </a:solidFill>
@@ -20114,7 +20196,7 @@
               </a:ln>
               <a:extLst>
                 <a:ext uri="{91240B29-F687-4f45-9708-019B960494DF}">
-                  <a14:hiddenLine xmlns:a14="http://schemas.microsoft.com/office/drawing/2010/main" xmlns="" w="9525">
+                  <a14:hiddenLine xmlns="" xmlns:a14="http://schemas.microsoft.com/office/drawing/2010/main" w="9525">
                     <a:solidFill>
                       <a:srgbClr val="000000"/>
                     </a:solidFill>
@@ -20841,1025 +20923,6 @@
           <p:cNvPr id="2" name="Title 1">
             <a:extLst>
               <a:ext uri="{FF2B5EF4-FFF2-40B4-BE49-F238E27FC236}">
-                <a16:creationId xmlns:a16="http://schemas.microsoft.com/office/drawing/2014/main" id="{A55F60E1-6EDC-479E-9C40-F2CD01CE8DB0}"/>
-              </a:ext>
-            </a:extLst>
-          </p:cNvPr>
-          <p:cNvSpPr>
-            <a:spLocks noGrp="1"/>
-          </p:cNvSpPr>
-          <p:nvPr>
-            <p:ph type="title"/>
-          </p:nvPr>
-        </p:nvSpPr>
-        <p:spPr/>
-        <p:txBody>
-          <a:bodyPr/>
-          <a:lstStyle/>
-          <a:p>
-            <a:r>
-              <a:rPr lang="en-US" dirty="0"/>
-              <a:t>K-Means Clustering with PCA </a:t>
-            </a:r>
-          </a:p>
-        </p:txBody>
-      </p:sp>
-      <p:sp>
-        <p:nvSpPr>
-          <p:cNvPr id="3" name="Content Placeholder 2">
-            <a:extLst>
-              <a:ext uri="{FF2B5EF4-FFF2-40B4-BE49-F238E27FC236}">
-                <a16:creationId xmlns:a16="http://schemas.microsoft.com/office/drawing/2014/main" id="{0D9C9E10-64F4-4A32-8EC6-7385D9754649}"/>
-              </a:ext>
-            </a:extLst>
-          </p:cNvPr>
-          <p:cNvSpPr>
-            <a:spLocks noGrp="1"/>
-          </p:cNvSpPr>
-          <p:nvPr>
-            <p:ph sz="half" idx="1"/>
-          </p:nvPr>
-        </p:nvSpPr>
-        <p:spPr/>
-        <p:txBody>
-          <a:bodyPr>
-            <a:normAutofit fontScale="92500" lnSpcReduction="10000"/>
-          </a:bodyPr>
-          <a:lstStyle/>
-          <a:p>
-            <a:r>
-              <a:rPr lang="en-US" dirty="0"/>
-              <a:t>The schools broke into 3 clusters while explaining ~ 55% of the model variance, using PCA.  </a:t>
-            </a:r>
-          </a:p>
-          <a:p>
-            <a:r>
-              <a:rPr lang="en-US" dirty="0"/>
-              <a:t>Could be Good, Bad, Medium?</a:t>
-            </a:r>
-          </a:p>
-          <a:p>
-            <a:r>
-              <a:rPr lang="en-US" dirty="0"/>
-              <a:t>Clusters are well defined based on 3-D graphic.</a:t>
-            </a:r>
-          </a:p>
-          <a:p>
-            <a:r>
-              <a:rPr lang="en-US" dirty="0"/>
-              <a:t>Using socio-economic data solves more than half the equation!</a:t>
-            </a:r>
-          </a:p>
-        </p:txBody>
-      </p:sp>
-      <p:pic>
-        <p:nvPicPr>
-          <p:cNvPr id="6" name="Picture 5">
-            <a:extLst>
-              <a:ext uri="{FF2B5EF4-FFF2-40B4-BE49-F238E27FC236}">
-                <a16:creationId xmlns:a16="http://schemas.microsoft.com/office/drawing/2014/main" id="{027BC0D0-AF8B-44FB-874B-F21A41245363}"/>
-              </a:ext>
-            </a:extLst>
-          </p:cNvPr>
-          <p:cNvPicPr>
-            <a:picLocks noChangeAspect="1"/>
-          </p:cNvPicPr>
-          <p:nvPr/>
-        </p:nvPicPr>
-        <p:blipFill>
-          <a:blip r:embed="rId2"/>
-          <a:stretch>
-            <a:fillRect/>
-          </a:stretch>
-        </p:blipFill>
-        <p:spPr>
-          <a:xfrm>
-            <a:off x="6427185" y="2527577"/>
-            <a:ext cx="5527563" cy="3222774"/>
-          </a:xfrm>
-          <a:prstGeom prst="rect">
-            <a:avLst/>
-          </a:prstGeom>
-        </p:spPr>
-      </p:pic>
-    </p:spTree>
-    <p:extLst>
-      <p:ext uri="{BB962C8B-B14F-4D97-AF65-F5344CB8AC3E}">
-        <p14:creationId xmlns:p14="http://schemas.microsoft.com/office/powerpoint/2010/main" val="82620141"/>
-      </p:ext>
-    </p:extLst>
-  </p:cSld>
-  <p:clrMapOvr>
-    <a:masterClrMapping/>
-  </p:clrMapOvr>
-</p:sld>
-</file>
-
-<file path=ppt/slides/slide11.xml><?xml version="1.0" encoding="utf-8"?>
-<p:sld xmlns:a="http://schemas.openxmlformats.org/drawingml/2006/main" xmlns:r="http://schemas.openxmlformats.org/officeDocument/2006/relationships" xmlns:p="http://schemas.openxmlformats.org/presentationml/2006/main">
-  <p:cSld>
-    <p:spTree>
-      <p:nvGrpSpPr>
-        <p:cNvPr id="1" name=""/>
-        <p:cNvGrpSpPr/>
-        <p:nvPr/>
-      </p:nvGrpSpPr>
-      <p:grpSpPr>
-        <a:xfrm>
-          <a:off x="0" y="0"/>
-          <a:ext cx="0" cy="0"/>
-          <a:chOff x="0" y="0"/>
-          <a:chExt cx="0" cy="0"/>
-        </a:xfrm>
-      </p:grpSpPr>
-      <p:sp>
-        <p:nvSpPr>
-          <p:cNvPr id="2" name="Title 1">
-            <a:extLst>
-              <a:ext uri="{FF2B5EF4-FFF2-40B4-BE49-F238E27FC236}">
-                <a16:creationId xmlns:a16="http://schemas.microsoft.com/office/drawing/2014/main" id="{34DB6CE4-2B13-4715-B5B2-615A55922CA1}"/>
-              </a:ext>
-            </a:extLst>
-          </p:cNvPr>
-          <p:cNvSpPr>
-            <a:spLocks noGrp="1"/>
-          </p:cNvSpPr>
-          <p:nvPr>
-            <p:ph type="title"/>
-          </p:nvPr>
-        </p:nvSpPr>
-        <p:spPr>
-          <a:xfrm>
-            <a:off x="1141413" y="202879"/>
-            <a:ext cx="9905998" cy="1478570"/>
-          </a:xfrm>
-        </p:spPr>
-        <p:txBody>
-          <a:bodyPr>
-            <a:normAutofit/>
-          </a:bodyPr>
-          <a:lstStyle/>
-          <a:p>
-            <a:r>
-              <a:rPr lang="en-US" sz="4400" dirty="0">
-                <a:latin typeface="Rockwell" panose="02060603020205020403" pitchFamily="18" charset="0"/>
-              </a:rPr>
-              <a:t>Take Away</a:t>
-            </a:r>
-          </a:p>
-        </p:txBody>
-      </p:sp>
-      <p:sp>
-        <p:nvSpPr>
-          <p:cNvPr id="3" name="Content Placeholder 2">
-            <a:extLst>
-              <a:ext uri="{FF2B5EF4-FFF2-40B4-BE49-F238E27FC236}">
-                <a16:creationId xmlns:a16="http://schemas.microsoft.com/office/drawing/2014/main" id="{143F5361-68C0-4BF5-80C8-F1E7BF92B2DB}"/>
-              </a:ext>
-            </a:extLst>
-          </p:cNvPr>
-          <p:cNvSpPr>
-            <a:spLocks noGrp="1"/>
-          </p:cNvSpPr>
-          <p:nvPr>
-            <p:ph idx="1"/>
-          </p:nvPr>
-        </p:nvSpPr>
-        <p:spPr>
-          <a:xfrm>
-            <a:off x="1141413" y="1473632"/>
-            <a:ext cx="4194158" cy="3984488"/>
-          </a:xfrm>
-        </p:spPr>
-        <p:txBody>
-          <a:bodyPr>
-            <a:normAutofit fontScale="85000" lnSpcReduction="20000"/>
-          </a:bodyPr>
-          <a:lstStyle/>
-          <a:p>
-            <a:pPr marL="0" indent="0">
-              <a:buNone/>
-            </a:pPr>
-            <a:endParaRPr lang="en-US" sz="2000" dirty="0">
-              <a:latin typeface="Tahoma" panose="020B0604030504040204" pitchFamily="34" charset="0"/>
-              <a:ea typeface="Tahoma" panose="020B0604030504040204" pitchFamily="34" charset="0"/>
-              <a:cs typeface="Tahoma" panose="020B0604030504040204" pitchFamily="34" charset="0"/>
-            </a:endParaRPr>
-          </a:p>
-          <a:p>
-            <a:r>
-              <a:rPr lang="en-US" sz="2000" dirty="0">
-                <a:latin typeface="Tahoma" panose="020B0604030504040204" pitchFamily="34" charset="0"/>
-                <a:ea typeface="Tahoma" panose="020B0604030504040204" pitchFamily="34" charset="0"/>
-                <a:cs typeface="Tahoma" panose="020B0604030504040204" pitchFamily="34" charset="0"/>
-              </a:rPr>
-              <a:t>We created several models that can predict a schools performance rating +/- 1 point ~66% of the time, using just demographic data. </a:t>
-            </a:r>
-          </a:p>
-          <a:p>
-            <a:r>
-              <a:rPr lang="en-US" sz="2000" dirty="0">
-                <a:latin typeface="Tahoma" panose="020B0604030504040204" pitchFamily="34" charset="0"/>
-                <a:ea typeface="Tahoma" panose="020B0604030504040204" pitchFamily="34" charset="0"/>
-                <a:cs typeface="Tahoma" panose="020B0604030504040204" pitchFamily="34" charset="0"/>
-              </a:rPr>
-              <a:t>This should make us question how our education dollars and programs are being spent and administered.  </a:t>
-            </a:r>
-          </a:p>
-          <a:p>
-            <a:r>
-              <a:rPr lang="en-US" sz="2000" dirty="0">
-                <a:latin typeface="Tahoma" panose="020B0604030504040204" pitchFamily="34" charset="0"/>
-                <a:ea typeface="Tahoma" panose="020B0604030504040204" pitchFamily="34" charset="0"/>
-                <a:cs typeface="Tahoma" panose="020B0604030504040204" pitchFamily="34" charset="0"/>
-              </a:rPr>
-              <a:t>This should also make us study outliers to our models to see where “breakaway schools are achieving better outcomes than the demographics would suggest.   </a:t>
-            </a:r>
-          </a:p>
-          <a:p>
-            <a:endParaRPr lang="en-US" sz="2000" dirty="0">
-              <a:latin typeface="Tahoma" panose="020B0604030504040204" pitchFamily="34" charset="0"/>
-              <a:ea typeface="Tahoma" panose="020B0604030504040204" pitchFamily="34" charset="0"/>
-              <a:cs typeface="Tahoma" panose="020B0604030504040204" pitchFamily="34" charset="0"/>
-            </a:endParaRPr>
-          </a:p>
-          <a:p>
-            <a:pPr marL="457200" lvl="1" indent="0">
-              <a:buNone/>
-            </a:pPr>
-            <a:endParaRPr lang="en-US" sz="1800" dirty="0">
-              <a:latin typeface="Tahoma" panose="020B0604030504040204" pitchFamily="34" charset="0"/>
-              <a:ea typeface="Tahoma" panose="020B0604030504040204" pitchFamily="34" charset="0"/>
-              <a:cs typeface="Tahoma" panose="020B0604030504040204" pitchFamily="34" charset="0"/>
-            </a:endParaRPr>
-          </a:p>
-          <a:p>
-            <a:pPr marL="457200" lvl="1" indent="0">
-              <a:buNone/>
-            </a:pPr>
-            <a:endParaRPr lang="en-US" sz="1800" dirty="0">
-              <a:latin typeface="Tahoma" panose="020B0604030504040204" pitchFamily="34" charset="0"/>
-              <a:ea typeface="Tahoma" panose="020B0604030504040204" pitchFamily="34" charset="0"/>
-              <a:cs typeface="Tahoma" panose="020B0604030504040204" pitchFamily="34" charset="0"/>
-            </a:endParaRPr>
-          </a:p>
-          <a:p>
-            <a:pPr lvl="2"/>
-            <a:endParaRPr lang="en-US" sz="1600" dirty="0">
-              <a:latin typeface="Tahoma" panose="020B0604030504040204" pitchFamily="34" charset="0"/>
-              <a:ea typeface="Tahoma" panose="020B0604030504040204" pitchFamily="34" charset="0"/>
-              <a:cs typeface="Tahoma" panose="020B0604030504040204" pitchFamily="34" charset="0"/>
-            </a:endParaRPr>
-          </a:p>
-        </p:txBody>
-      </p:sp>
-    </p:spTree>
-    <p:extLst>
-      <p:ext uri="{BB962C8B-B14F-4D97-AF65-F5344CB8AC3E}">
-        <p14:creationId xmlns:p14="http://schemas.microsoft.com/office/powerpoint/2010/main" val="192885746"/>
-      </p:ext>
-    </p:extLst>
-  </p:cSld>
-  <p:clrMapOvr>
-    <a:masterClrMapping/>
-  </p:clrMapOvr>
-</p:sld>
-</file>
-
-<file path=ppt/slides/slide2.xml><?xml version="1.0" encoding="utf-8"?>
-<p:sld xmlns:a="http://schemas.openxmlformats.org/drawingml/2006/main" xmlns:r="http://schemas.openxmlformats.org/officeDocument/2006/relationships" xmlns:p="http://schemas.openxmlformats.org/presentationml/2006/main">
-  <p:cSld>
-    <p:spTree>
-      <p:nvGrpSpPr>
-        <p:cNvPr id="1" name=""/>
-        <p:cNvGrpSpPr/>
-        <p:nvPr/>
-      </p:nvGrpSpPr>
-      <p:grpSpPr>
-        <a:xfrm>
-          <a:off x="0" y="0"/>
-          <a:ext cx="0" cy="0"/>
-          <a:chOff x="0" y="0"/>
-          <a:chExt cx="0" cy="0"/>
-        </a:xfrm>
-      </p:grpSpPr>
-      <p:sp>
-        <p:nvSpPr>
-          <p:cNvPr id="2" name="Title 1">
-            <a:extLst>
-              <a:ext uri="{FF2B5EF4-FFF2-40B4-BE49-F238E27FC236}">
-                <a16:creationId xmlns:a16="http://schemas.microsoft.com/office/drawing/2014/main" id="{34DB6CE4-2B13-4715-B5B2-615A55922CA1}"/>
-              </a:ext>
-            </a:extLst>
-          </p:cNvPr>
-          <p:cNvSpPr>
-            <a:spLocks noGrp="1"/>
-          </p:cNvSpPr>
-          <p:nvPr>
-            <p:ph type="title"/>
-          </p:nvPr>
-        </p:nvSpPr>
-        <p:spPr>
-          <a:xfrm>
-            <a:off x="1141415" y="273378"/>
-            <a:ext cx="9905998" cy="1478570"/>
-          </a:xfrm>
-        </p:spPr>
-        <p:txBody>
-          <a:bodyPr>
-            <a:normAutofit/>
-          </a:bodyPr>
-          <a:lstStyle/>
-          <a:p>
-            <a:r>
-              <a:rPr lang="en-US" sz="4400" dirty="0">
-                <a:latin typeface="Rockwell" panose="02060603020205020403" pitchFamily="18" charset="0"/>
-              </a:rPr>
-              <a:t>The Problem</a:t>
-            </a:r>
-          </a:p>
-        </p:txBody>
-      </p:sp>
-      <p:graphicFrame>
-        <p:nvGraphicFramePr>
-          <p:cNvPr id="4" name="Content Placeholder 3">
-            <a:extLst>
-              <a:ext uri="{FF2B5EF4-FFF2-40B4-BE49-F238E27FC236}">
-                <a16:creationId xmlns:a16="http://schemas.microsoft.com/office/drawing/2014/main" id="{8D4F1745-A55E-4835-88EB-BC637121B608}"/>
-              </a:ext>
-              <a:ext uri="{C183D7F6-B498-43B3-948B-1728B52AA6E4}">
-                <adec:decorative xmlns:adec="http://schemas.microsoft.com/office/drawing/2017/decorative" val="1"/>
-              </a:ext>
-            </a:extLst>
-          </p:cNvPr>
-          <p:cNvGraphicFramePr>
-            <a:graphicFrameLocks noGrp="1"/>
-          </p:cNvGraphicFramePr>
-          <p:nvPr>
-            <p:ph idx="1"/>
-            <p:extLst>
-              <p:ext uri="{D42A27DB-BD31-4B8C-83A1-F6EECF244321}">
-                <p14:modId xmlns:p14="http://schemas.microsoft.com/office/powerpoint/2010/main" val="3235262457"/>
-              </p:ext>
-            </p:extLst>
-          </p:nvPr>
-        </p:nvGraphicFramePr>
-        <p:xfrm>
-          <a:off x="1141413" y="2249488"/>
-          <a:ext cx="10024334" cy="3916420"/>
-        </p:xfrm>
-        <a:graphic>
-          <a:graphicData uri="http://schemas.openxmlformats.org/drawingml/2006/diagram">
-            <dgm:relIds xmlns:dgm="http://schemas.openxmlformats.org/drawingml/2006/diagram" xmlns:r="http://schemas.openxmlformats.org/officeDocument/2006/relationships" r:dm="rId2" r:lo="rId3" r:qs="rId4" r:cs="rId5"/>
-          </a:graphicData>
-        </a:graphic>
-      </p:graphicFrame>
-    </p:spTree>
-    <p:extLst>
-      <p:ext uri="{BB962C8B-B14F-4D97-AF65-F5344CB8AC3E}">
-        <p14:creationId xmlns:p14="http://schemas.microsoft.com/office/powerpoint/2010/main" val="3253689747"/>
-      </p:ext>
-    </p:extLst>
-  </p:cSld>
-  <p:clrMapOvr>
-    <a:masterClrMapping/>
-  </p:clrMapOvr>
-</p:sld>
-</file>
-
-<file path=ppt/slides/slide3.xml><?xml version="1.0" encoding="utf-8"?>
-<p:sld xmlns:a="http://schemas.openxmlformats.org/drawingml/2006/main" xmlns:r="http://schemas.openxmlformats.org/officeDocument/2006/relationships" xmlns:p="http://schemas.openxmlformats.org/presentationml/2006/main">
-  <p:cSld>
-    <p:spTree>
-      <p:nvGrpSpPr>
-        <p:cNvPr id="1" name=""/>
-        <p:cNvGrpSpPr/>
-        <p:nvPr/>
-      </p:nvGrpSpPr>
-      <p:grpSpPr>
-        <a:xfrm>
-          <a:off x="0" y="0"/>
-          <a:ext cx="0" cy="0"/>
-          <a:chOff x="0" y="0"/>
-          <a:chExt cx="0" cy="0"/>
-        </a:xfrm>
-      </p:grpSpPr>
-      <p:sp>
-        <p:nvSpPr>
-          <p:cNvPr id="2" name="Title 1">
-            <a:extLst>
-              <a:ext uri="{FF2B5EF4-FFF2-40B4-BE49-F238E27FC236}">
-                <a16:creationId xmlns:a16="http://schemas.microsoft.com/office/drawing/2014/main" id="{34DB6CE4-2B13-4715-B5B2-615A55922CA1}"/>
-              </a:ext>
-            </a:extLst>
-          </p:cNvPr>
-          <p:cNvSpPr>
-            <a:spLocks noGrp="1"/>
-          </p:cNvSpPr>
-          <p:nvPr>
-            <p:ph type="title"/>
-          </p:nvPr>
-        </p:nvSpPr>
-        <p:spPr/>
-        <p:txBody>
-          <a:bodyPr>
-            <a:normAutofit/>
-          </a:bodyPr>
-          <a:lstStyle/>
-          <a:p>
-            <a:r>
-              <a:rPr lang="en-US" sz="4400" dirty="0">
-                <a:latin typeface="Rockwell" panose="02060603020205020403" pitchFamily="18" charset="0"/>
-              </a:rPr>
-              <a:t>Data Gathering and Cleanup Process Flow</a:t>
-            </a:r>
-          </a:p>
-        </p:txBody>
-      </p:sp>
-      <p:graphicFrame>
-        <p:nvGraphicFramePr>
-          <p:cNvPr id="4" name="Content Placeholder 3">
-            <a:extLst>
-              <a:ext uri="{FF2B5EF4-FFF2-40B4-BE49-F238E27FC236}">
-                <a16:creationId xmlns:a16="http://schemas.microsoft.com/office/drawing/2014/main" id="{242FA989-6B7C-488C-85ED-CB8D01BA3254}"/>
-              </a:ext>
-              <a:ext uri="{C183D7F6-B498-43B3-948B-1728B52AA6E4}">
-                <adec:decorative xmlns:adec="http://schemas.microsoft.com/office/drawing/2017/decorative" val="1"/>
-              </a:ext>
-            </a:extLst>
-          </p:cNvPr>
-          <p:cNvGraphicFramePr>
-            <a:graphicFrameLocks noGrp="1"/>
-          </p:cNvGraphicFramePr>
-          <p:nvPr>
-            <p:ph idx="1"/>
-            <p:extLst>
-              <p:ext uri="{D42A27DB-BD31-4B8C-83A1-F6EECF244321}">
-                <p14:modId xmlns:p14="http://schemas.microsoft.com/office/powerpoint/2010/main" val="270069748"/>
-              </p:ext>
-            </p:extLst>
-          </p:nvPr>
-        </p:nvGraphicFramePr>
-        <p:xfrm>
-          <a:off x="477061" y="1871331"/>
-          <a:ext cx="11314446" cy="4492256"/>
-        </p:xfrm>
-        <a:graphic>
-          <a:graphicData uri="http://schemas.openxmlformats.org/drawingml/2006/diagram">
-            <dgm:relIds xmlns:dgm="http://schemas.openxmlformats.org/drawingml/2006/diagram" xmlns:r="http://schemas.openxmlformats.org/officeDocument/2006/relationships" r:dm="rId2" r:lo="rId3" r:qs="rId4" r:cs="rId5"/>
-          </a:graphicData>
-        </a:graphic>
-      </p:graphicFrame>
-      <p:pic>
-        <p:nvPicPr>
-          <p:cNvPr id="5" name="Picture 4">
-            <a:extLst>
-              <a:ext uri="{FF2B5EF4-FFF2-40B4-BE49-F238E27FC236}">
-                <a16:creationId xmlns:a16="http://schemas.microsoft.com/office/drawing/2014/main" id="{C650E17F-E6FF-49F3-A01E-E20B94CE0601}"/>
-              </a:ext>
-            </a:extLst>
-          </p:cNvPr>
-          <p:cNvPicPr>
-            <a:picLocks noChangeAspect="1"/>
-          </p:cNvPicPr>
-          <p:nvPr/>
-        </p:nvPicPr>
-        <p:blipFill>
-          <a:blip r:embed="rId7"/>
-          <a:stretch>
-            <a:fillRect/>
-          </a:stretch>
-        </p:blipFill>
-        <p:spPr>
-          <a:xfrm>
-            <a:off x="841559" y="4607053"/>
-            <a:ext cx="1083285" cy="620908"/>
-          </a:xfrm>
-          <a:prstGeom prst="rect">
-            <a:avLst/>
-          </a:prstGeom>
-        </p:spPr>
-      </p:pic>
-      <p:pic>
-        <p:nvPicPr>
-          <p:cNvPr id="6" name="Picture 5">
-            <a:extLst>
-              <a:ext uri="{FF2B5EF4-FFF2-40B4-BE49-F238E27FC236}">
-                <a16:creationId xmlns:a16="http://schemas.microsoft.com/office/drawing/2014/main" id="{15AB790F-4AC4-44A1-A958-66C21A9FA65D}"/>
-              </a:ext>
-            </a:extLst>
-          </p:cNvPr>
-          <p:cNvPicPr>
-            <a:picLocks noChangeAspect="1"/>
-          </p:cNvPicPr>
-          <p:nvPr/>
-        </p:nvPicPr>
-        <p:blipFill>
-          <a:blip r:embed="rId8"/>
-          <a:stretch>
-            <a:fillRect/>
-          </a:stretch>
-        </p:blipFill>
-        <p:spPr>
-          <a:xfrm>
-            <a:off x="2389855" y="4607053"/>
-            <a:ext cx="1204131" cy="598665"/>
-          </a:xfrm>
-          <a:prstGeom prst="rect">
-            <a:avLst/>
-          </a:prstGeom>
-        </p:spPr>
-      </p:pic>
-      <p:pic>
-        <p:nvPicPr>
-          <p:cNvPr id="7" name="Picture 6">
-            <a:extLst>
-              <a:ext uri="{FF2B5EF4-FFF2-40B4-BE49-F238E27FC236}">
-                <a16:creationId xmlns:a16="http://schemas.microsoft.com/office/drawing/2014/main" id="{E3AA3D3B-E315-4FB9-87CA-8EF22E1DD04A}"/>
-              </a:ext>
-            </a:extLst>
-          </p:cNvPr>
-          <p:cNvPicPr>
-            <a:picLocks noChangeAspect="1"/>
-          </p:cNvPicPr>
-          <p:nvPr/>
-        </p:nvPicPr>
-        <p:blipFill>
-          <a:blip r:embed="rId9"/>
-          <a:stretch>
-            <a:fillRect/>
-          </a:stretch>
-        </p:blipFill>
-        <p:spPr>
-          <a:xfrm>
-            <a:off x="789722" y="5388410"/>
-            <a:ext cx="1683127" cy="683110"/>
-          </a:xfrm>
-          <a:prstGeom prst="rect">
-            <a:avLst/>
-          </a:prstGeom>
-        </p:spPr>
-      </p:pic>
-      <p:pic>
-        <p:nvPicPr>
-          <p:cNvPr id="8" name="Picture 7">
-            <a:extLst>
-              <a:ext uri="{FF2B5EF4-FFF2-40B4-BE49-F238E27FC236}">
-                <a16:creationId xmlns:a16="http://schemas.microsoft.com/office/drawing/2014/main" id="{9E087F72-A53F-4C79-B3EB-BE0C5BD16E29}"/>
-              </a:ext>
-            </a:extLst>
-          </p:cNvPr>
-          <p:cNvPicPr>
-            <a:picLocks noChangeAspect="1"/>
-          </p:cNvPicPr>
-          <p:nvPr/>
-        </p:nvPicPr>
-        <p:blipFill>
-          <a:blip r:embed="rId10"/>
-          <a:stretch>
-            <a:fillRect/>
-          </a:stretch>
-        </p:blipFill>
-        <p:spPr>
-          <a:xfrm>
-            <a:off x="2714259" y="5388410"/>
-            <a:ext cx="943342" cy="634411"/>
-          </a:xfrm>
-          <a:prstGeom prst="rect">
-            <a:avLst/>
-          </a:prstGeom>
-        </p:spPr>
-      </p:pic>
-      <p:pic>
-        <p:nvPicPr>
-          <p:cNvPr id="9" name="Picture 8">
-            <a:extLst>
-              <a:ext uri="{FF2B5EF4-FFF2-40B4-BE49-F238E27FC236}">
-                <a16:creationId xmlns:a16="http://schemas.microsoft.com/office/drawing/2014/main" id="{518CEFAD-8CE1-4E3C-A056-4AF455E0B44B}"/>
-              </a:ext>
-            </a:extLst>
-          </p:cNvPr>
-          <p:cNvPicPr>
-            <a:picLocks noChangeAspect="1"/>
-          </p:cNvPicPr>
-          <p:nvPr/>
-        </p:nvPicPr>
-        <p:blipFill>
-          <a:blip r:embed="rId11"/>
-          <a:stretch>
-            <a:fillRect/>
-          </a:stretch>
-        </p:blipFill>
-        <p:spPr>
-          <a:xfrm>
-            <a:off x="4799378" y="4560666"/>
-            <a:ext cx="977168" cy="1021402"/>
-          </a:xfrm>
-          <a:prstGeom prst="rect">
-            <a:avLst/>
-          </a:prstGeom>
-        </p:spPr>
-      </p:pic>
-      <p:pic>
-        <p:nvPicPr>
-          <p:cNvPr id="10" name="Picture 9">
-            <a:extLst>
-              <a:ext uri="{FF2B5EF4-FFF2-40B4-BE49-F238E27FC236}">
-                <a16:creationId xmlns:a16="http://schemas.microsoft.com/office/drawing/2014/main" id="{9907404F-0F14-438B-8B43-0AF26D2F3AAF}"/>
-              </a:ext>
-            </a:extLst>
-          </p:cNvPr>
-          <p:cNvPicPr>
-            <a:picLocks noChangeAspect="1"/>
-          </p:cNvPicPr>
-          <p:nvPr/>
-        </p:nvPicPr>
-        <p:blipFill>
-          <a:blip r:embed="rId12"/>
-          <a:stretch>
-            <a:fillRect/>
-          </a:stretch>
-        </p:blipFill>
-        <p:spPr>
-          <a:xfrm>
-            <a:off x="6364043" y="4560666"/>
-            <a:ext cx="1030034" cy="1021402"/>
-          </a:xfrm>
-          <a:prstGeom prst="rect">
-            <a:avLst/>
-          </a:prstGeom>
-        </p:spPr>
-      </p:pic>
-      <p:pic>
-        <p:nvPicPr>
-          <p:cNvPr id="11" name="Picture 10">
-            <a:extLst>
-              <a:ext uri="{FF2B5EF4-FFF2-40B4-BE49-F238E27FC236}">
-                <a16:creationId xmlns:a16="http://schemas.microsoft.com/office/drawing/2014/main" id="{2EEE8A41-05C6-461A-8626-B0BEF875487D}"/>
-              </a:ext>
-            </a:extLst>
-          </p:cNvPr>
-          <p:cNvPicPr>
-            <a:picLocks noChangeAspect="1"/>
-          </p:cNvPicPr>
-          <p:nvPr/>
-        </p:nvPicPr>
-        <p:blipFill>
-          <a:blip r:embed="rId13"/>
-          <a:stretch>
-            <a:fillRect/>
-          </a:stretch>
-        </p:blipFill>
-        <p:spPr>
-          <a:xfrm>
-            <a:off x="10534961" y="3030510"/>
-            <a:ext cx="1096876" cy="1086949"/>
-          </a:xfrm>
-          <a:prstGeom prst="rect">
-            <a:avLst/>
-          </a:prstGeom>
-        </p:spPr>
-      </p:pic>
-      <p:pic>
-        <p:nvPicPr>
-          <p:cNvPr id="12" name="Picture 11">
-            <a:extLst>
-              <a:ext uri="{FF2B5EF4-FFF2-40B4-BE49-F238E27FC236}">
-                <a16:creationId xmlns:a16="http://schemas.microsoft.com/office/drawing/2014/main" id="{947F42D7-F1C1-4413-AB29-FF615A693E4F}"/>
-              </a:ext>
-            </a:extLst>
-          </p:cNvPr>
-          <p:cNvPicPr>
-            <a:picLocks noChangeAspect="1"/>
-          </p:cNvPicPr>
-          <p:nvPr/>
-        </p:nvPicPr>
-        <p:blipFill>
-          <a:blip r:embed="rId14"/>
-          <a:stretch>
-            <a:fillRect/>
-          </a:stretch>
-        </p:blipFill>
-        <p:spPr>
-          <a:xfrm>
-            <a:off x="10534961" y="4738777"/>
-            <a:ext cx="1096876" cy="1093383"/>
-          </a:xfrm>
-          <a:prstGeom prst="rect">
-            <a:avLst/>
-          </a:prstGeom>
-        </p:spPr>
-      </p:pic>
-    </p:spTree>
-    <p:extLst>
-      <p:ext uri="{BB962C8B-B14F-4D97-AF65-F5344CB8AC3E}">
-        <p14:creationId xmlns:p14="http://schemas.microsoft.com/office/powerpoint/2010/main" val="1193417028"/>
-      </p:ext>
-    </p:extLst>
-  </p:cSld>
-  <p:clrMapOvr>
-    <a:masterClrMapping/>
-  </p:clrMapOvr>
-</p:sld>
-</file>
-
-<file path=ppt/slides/slide4.xml><?xml version="1.0" encoding="utf-8"?>
-<p:sld xmlns:a="http://schemas.openxmlformats.org/drawingml/2006/main" xmlns:r="http://schemas.openxmlformats.org/officeDocument/2006/relationships" xmlns:p="http://schemas.openxmlformats.org/presentationml/2006/main">
-  <p:cSld>
-    <p:spTree>
-      <p:nvGrpSpPr>
-        <p:cNvPr id="1" name=""/>
-        <p:cNvGrpSpPr/>
-        <p:nvPr/>
-      </p:nvGrpSpPr>
-      <p:grpSpPr>
-        <a:xfrm>
-          <a:off x="0" y="0"/>
-          <a:ext cx="0" cy="0"/>
-          <a:chOff x="0" y="0"/>
-          <a:chExt cx="0" cy="0"/>
-        </a:xfrm>
-      </p:grpSpPr>
-      <p:sp>
-        <p:nvSpPr>
-          <p:cNvPr id="2" name="Title 1">
-            <a:extLst>
-              <a:ext uri="{FF2B5EF4-FFF2-40B4-BE49-F238E27FC236}">
-                <a16:creationId xmlns:a16="http://schemas.microsoft.com/office/drawing/2014/main" id="{8FD22308-F0CE-4C3C-9792-3E7EA62B07A4}"/>
-              </a:ext>
-            </a:extLst>
-          </p:cNvPr>
-          <p:cNvSpPr>
-            <a:spLocks noGrp="1"/>
-          </p:cNvSpPr>
-          <p:nvPr>
-            <p:ph type="title"/>
-          </p:nvPr>
-        </p:nvSpPr>
-        <p:spPr>
-          <a:xfrm>
-            <a:off x="1141413" y="618518"/>
-            <a:ext cx="9905998" cy="1478570"/>
-          </a:xfrm>
-        </p:spPr>
-        <p:txBody>
-          <a:bodyPr anchor="ctr">
-            <a:normAutofit/>
-          </a:bodyPr>
-          <a:lstStyle/>
-          <a:p>
-            <a:r>
-              <a:rPr lang="en-US" dirty="0"/>
-              <a:t>Composition of ML Dataset		</a:t>
-            </a:r>
-          </a:p>
-        </p:txBody>
-      </p:sp>
-      <p:sp>
-        <p:nvSpPr>
-          <p:cNvPr id="3" name="Content Placeholder 2">
-            <a:extLst>
-              <a:ext uri="{FF2B5EF4-FFF2-40B4-BE49-F238E27FC236}">
-                <a16:creationId xmlns:a16="http://schemas.microsoft.com/office/drawing/2014/main" id="{886AB355-B9AB-4635-A398-84279CCE9B02}"/>
-              </a:ext>
-            </a:extLst>
-          </p:cNvPr>
-          <p:cNvSpPr>
-            <a:spLocks noGrp="1"/>
-          </p:cNvSpPr>
-          <p:nvPr>
-            <p:ph sz="half" idx="1"/>
-          </p:nvPr>
-        </p:nvSpPr>
-        <p:spPr>
-          <a:xfrm>
-            <a:off x="1141410" y="2249486"/>
-            <a:ext cx="4878389" cy="3541714"/>
-          </a:xfrm>
-        </p:spPr>
-        <p:txBody>
-          <a:bodyPr>
-            <a:normAutofit/>
-          </a:bodyPr>
-          <a:lstStyle/>
-          <a:p>
-            <a:pPr>
-              <a:lnSpc>
-                <a:spcPct val="110000"/>
-              </a:lnSpc>
-            </a:pPr>
-            <a:r>
-              <a:rPr lang="en-US" sz="1500" dirty="0"/>
-              <a:t>696 Individual Schools</a:t>
-            </a:r>
-          </a:p>
-          <a:p>
-            <a:pPr>
-              <a:lnSpc>
-                <a:spcPct val="110000"/>
-              </a:lnSpc>
-            </a:pPr>
-            <a:r>
-              <a:rPr lang="en-US" sz="1500" dirty="0"/>
-              <a:t>50 Features</a:t>
-            </a:r>
-          </a:p>
-          <a:p>
-            <a:pPr>
-              <a:lnSpc>
-                <a:spcPct val="110000"/>
-              </a:lnSpc>
-            </a:pPr>
-            <a:r>
-              <a:rPr lang="en-US" sz="1500" dirty="0"/>
-              <a:t>Feature Categories</a:t>
-            </a:r>
-          </a:p>
-          <a:p>
-            <a:pPr lvl="1">
-              <a:lnSpc>
-                <a:spcPct val="110000"/>
-              </a:lnSpc>
-            </a:pPr>
-            <a:r>
-              <a:rPr lang="en-US" sz="1500" dirty="0"/>
-              <a:t>Median Income by Ethnicity at </a:t>
-            </a:r>
-            <a:r>
-              <a:rPr lang="en-US" sz="1500" dirty="0" err="1"/>
-              <a:t>Zipcode</a:t>
-            </a:r>
-            <a:r>
-              <a:rPr lang="en-US" sz="1500" dirty="0"/>
-              <a:t> Level</a:t>
-            </a:r>
-          </a:p>
-          <a:p>
-            <a:pPr lvl="1">
-              <a:lnSpc>
-                <a:spcPct val="110000"/>
-              </a:lnSpc>
-            </a:pPr>
-            <a:r>
-              <a:rPr lang="en-US" sz="1500" dirty="0"/>
-              <a:t>Family Structure at </a:t>
-            </a:r>
-            <a:r>
-              <a:rPr lang="en-US" sz="1500" dirty="0" err="1"/>
-              <a:t>Zipcode</a:t>
-            </a:r>
-            <a:r>
-              <a:rPr lang="en-US" sz="1500" dirty="0"/>
-              <a:t> Level</a:t>
-            </a:r>
-          </a:p>
-          <a:p>
-            <a:pPr lvl="1">
-              <a:lnSpc>
-                <a:spcPct val="110000"/>
-              </a:lnSpc>
-            </a:pPr>
-            <a:r>
-              <a:rPr lang="en-US" sz="1500" dirty="0"/>
-              <a:t>Educational Attainment Levels at </a:t>
-            </a:r>
-            <a:r>
-              <a:rPr lang="en-US" sz="1500" dirty="0" err="1"/>
-              <a:t>Zipcode</a:t>
-            </a:r>
-            <a:r>
-              <a:rPr lang="en-US" sz="1500" dirty="0"/>
-              <a:t> Level</a:t>
-            </a:r>
-          </a:p>
-          <a:p>
-            <a:pPr lvl="1">
-              <a:lnSpc>
-                <a:spcPct val="110000"/>
-              </a:lnSpc>
-            </a:pPr>
-            <a:r>
-              <a:rPr lang="en-US" sz="1500" dirty="0"/>
-              <a:t>Number of Students at School</a:t>
-            </a:r>
-          </a:p>
-          <a:p>
-            <a:pPr lvl="1">
-              <a:lnSpc>
-                <a:spcPct val="110000"/>
-              </a:lnSpc>
-            </a:pPr>
-            <a:r>
-              <a:rPr lang="en-US" sz="1500" dirty="0"/>
-              <a:t>Crime Rates per Population at </a:t>
-            </a:r>
-            <a:r>
-              <a:rPr lang="en-US" sz="1500" dirty="0" err="1"/>
-              <a:t>Zipcode</a:t>
-            </a:r>
-            <a:r>
-              <a:rPr lang="en-US" sz="1500" dirty="0"/>
-              <a:t> Level</a:t>
-            </a:r>
-          </a:p>
-          <a:p>
-            <a:pPr lvl="1">
-              <a:lnSpc>
-                <a:spcPct val="110000"/>
-              </a:lnSpc>
-            </a:pPr>
-            <a:r>
-              <a:rPr lang="en-US" sz="1500" dirty="0"/>
-              <a:t>Population Type by Ethnicity at </a:t>
-            </a:r>
-            <a:r>
-              <a:rPr lang="en-US" sz="1500" dirty="0" err="1"/>
-              <a:t>Zipcode</a:t>
-            </a:r>
-            <a:r>
-              <a:rPr lang="en-US" sz="1500" dirty="0"/>
-              <a:t> Level</a:t>
-            </a:r>
-          </a:p>
-          <a:p>
-            <a:pPr>
-              <a:lnSpc>
-                <a:spcPct val="110000"/>
-              </a:lnSpc>
-            </a:pPr>
-            <a:r>
-              <a:rPr lang="en-US" sz="1500" dirty="0"/>
-              <a:t>Target – School Rating 1- 10</a:t>
-            </a:r>
-          </a:p>
-        </p:txBody>
-      </p:sp>
-      <p:pic>
-        <p:nvPicPr>
-          <p:cNvPr id="5" name="Picture 4">
-            <a:extLst>
-              <a:ext uri="{FF2B5EF4-FFF2-40B4-BE49-F238E27FC236}">
-                <a16:creationId xmlns:a16="http://schemas.microsoft.com/office/drawing/2014/main" id="{87A3513A-A896-46E3-9660-DF5723B50574}"/>
-              </a:ext>
-            </a:extLst>
-          </p:cNvPr>
-          <p:cNvPicPr>
-            <a:picLocks noChangeAspect="1"/>
-          </p:cNvPicPr>
-          <p:nvPr/>
-        </p:nvPicPr>
-        <p:blipFill>
-          <a:blip r:embed="rId2"/>
-          <a:stretch>
-            <a:fillRect/>
-          </a:stretch>
-        </p:blipFill>
-        <p:spPr>
-          <a:xfrm>
-            <a:off x="6172200" y="2685754"/>
-            <a:ext cx="4875211" cy="2669177"/>
-          </a:xfrm>
-          <a:prstGeom prst="rect">
-            <a:avLst/>
-          </a:prstGeom>
-          <a:noFill/>
-        </p:spPr>
-      </p:pic>
-    </p:spTree>
-    <p:extLst>
-      <p:ext uri="{BB962C8B-B14F-4D97-AF65-F5344CB8AC3E}">
-        <p14:creationId xmlns:p14="http://schemas.microsoft.com/office/powerpoint/2010/main" val="3471625273"/>
-      </p:ext>
-    </p:extLst>
-  </p:cSld>
-  <p:clrMapOvr>
-    <a:masterClrMapping/>
-  </p:clrMapOvr>
-</p:sld>
-</file>
-
-<file path=ppt/slides/slide5.xml><?xml version="1.0" encoding="utf-8"?>
-<p:sld xmlns:a="http://schemas.openxmlformats.org/drawingml/2006/main" xmlns:r="http://schemas.openxmlformats.org/officeDocument/2006/relationships" xmlns:p="http://schemas.openxmlformats.org/presentationml/2006/main">
-  <p:cSld>
-    <p:spTree>
-      <p:nvGrpSpPr>
-        <p:cNvPr id="1" name=""/>
-        <p:cNvGrpSpPr/>
-        <p:nvPr/>
-      </p:nvGrpSpPr>
-      <p:grpSpPr>
-        <a:xfrm>
-          <a:off x="0" y="0"/>
-          <a:ext cx="0" cy="0"/>
-          <a:chOff x="0" y="0"/>
-          <a:chExt cx="0" cy="0"/>
-        </a:xfrm>
-      </p:grpSpPr>
-      <p:sp>
-        <p:nvSpPr>
-          <p:cNvPr id="2" name="Title 1">
-            <a:extLst>
-              <a:ext uri="{FF2B5EF4-FFF2-40B4-BE49-F238E27FC236}">
                 <a16:creationId xmlns:a16="http://schemas.microsoft.com/office/drawing/2014/main" id="{34DB6CE4-2B13-4715-B5B2-615A55922CA1}"/>
               </a:ext>
             </a:extLst>
@@ -22417,7 +21480,901 @@
 </p:sld>
 </file>
 
-<file path=ppt/slides/slide6.xml><?xml version="1.0" encoding="utf-8"?>
+<file path=ppt/slides/slide11.xml><?xml version="1.0" encoding="utf-8"?>
+<p:sld xmlns:a="http://schemas.openxmlformats.org/drawingml/2006/main" xmlns:r="http://schemas.openxmlformats.org/officeDocument/2006/relationships" xmlns:p="http://schemas.openxmlformats.org/presentationml/2006/main">
+  <p:cSld>
+    <p:spTree>
+      <p:nvGrpSpPr>
+        <p:cNvPr id="1" name=""/>
+        <p:cNvGrpSpPr/>
+        <p:nvPr/>
+      </p:nvGrpSpPr>
+      <p:grpSpPr>
+        <a:xfrm>
+          <a:off x="0" y="0"/>
+          <a:ext cx="0" cy="0"/>
+          <a:chOff x="0" y="0"/>
+          <a:chExt cx="0" cy="0"/>
+        </a:xfrm>
+      </p:grpSpPr>
+      <p:sp>
+        <p:nvSpPr>
+          <p:cNvPr id="2" name="Title 1">
+            <a:extLst>
+              <a:ext uri="{FF2B5EF4-FFF2-40B4-BE49-F238E27FC236}">
+                <a16:creationId xmlns:a16="http://schemas.microsoft.com/office/drawing/2014/main" id="{34DB6CE4-2B13-4715-B5B2-615A55922CA1}"/>
+              </a:ext>
+            </a:extLst>
+          </p:cNvPr>
+          <p:cNvSpPr>
+            <a:spLocks noGrp="1"/>
+          </p:cNvSpPr>
+          <p:nvPr>
+            <p:ph type="title"/>
+          </p:nvPr>
+        </p:nvSpPr>
+        <p:spPr>
+          <a:xfrm>
+            <a:off x="1141413" y="202879"/>
+            <a:ext cx="9905998" cy="1478570"/>
+          </a:xfrm>
+        </p:spPr>
+        <p:txBody>
+          <a:bodyPr>
+            <a:normAutofit/>
+          </a:bodyPr>
+          <a:lstStyle/>
+          <a:p>
+            <a:r>
+              <a:rPr lang="en-US" sz="4400" dirty="0">
+                <a:latin typeface="Rockwell" panose="02060603020205020403" pitchFamily="18" charset="0"/>
+              </a:rPr>
+              <a:t>Take Away</a:t>
+            </a:r>
+          </a:p>
+        </p:txBody>
+      </p:sp>
+      <p:sp>
+        <p:nvSpPr>
+          <p:cNvPr id="3" name="Content Placeholder 2">
+            <a:extLst>
+              <a:ext uri="{FF2B5EF4-FFF2-40B4-BE49-F238E27FC236}">
+                <a16:creationId xmlns:a16="http://schemas.microsoft.com/office/drawing/2014/main" id="{143F5361-68C0-4BF5-80C8-F1E7BF92B2DB}"/>
+              </a:ext>
+            </a:extLst>
+          </p:cNvPr>
+          <p:cNvSpPr>
+            <a:spLocks noGrp="1"/>
+          </p:cNvSpPr>
+          <p:nvPr>
+            <p:ph idx="1"/>
+          </p:nvPr>
+        </p:nvSpPr>
+        <p:spPr>
+          <a:xfrm>
+            <a:off x="1141413" y="1473632"/>
+            <a:ext cx="4194158" cy="3984488"/>
+          </a:xfrm>
+        </p:spPr>
+        <p:txBody>
+          <a:bodyPr>
+            <a:normAutofit fontScale="85000" lnSpcReduction="20000"/>
+          </a:bodyPr>
+          <a:lstStyle/>
+          <a:p>
+            <a:pPr marL="0" indent="0">
+              <a:buNone/>
+            </a:pPr>
+            <a:endParaRPr lang="en-US" sz="2000" dirty="0">
+              <a:latin typeface="Tahoma" panose="020B0604030504040204" pitchFamily="34" charset="0"/>
+              <a:ea typeface="Tahoma" panose="020B0604030504040204" pitchFamily="34" charset="0"/>
+              <a:cs typeface="Tahoma" panose="020B0604030504040204" pitchFamily="34" charset="0"/>
+            </a:endParaRPr>
+          </a:p>
+          <a:p>
+            <a:r>
+              <a:rPr lang="en-US" sz="2000" dirty="0">
+                <a:latin typeface="Tahoma" panose="020B0604030504040204" pitchFamily="34" charset="0"/>
+                <a:ea typeface="Tahoma" panose="020B0604030504040204" pitchFamily="34" charset="0"/>
+                <a:cs typeface="Tahoma" panose="020B0604030504040204" pitchFamily="34" charset="0"/>
+              </a:rPr>
+              <a:t>We created several models that can predict a schools performance rating +/- 1 point ~66% of the time, using just demographic data. </a:t>
+            </a:r>
+          </a:p>
+          <a:p>
+            <a:r>
+              <a:rPr lang="en-US" sz="2000" dirty="0">
+                <a:latin typeface="Tahoma" panose="020B0604030504040204" pitchFamily="34" charset="0"/>
+                <a:ea typeface="Tahoma" panose="020B0604030504040204" pitchFamily="34" charset="0"/>
+                <a:cs typeface="Tahoma" panose="020B0604030504040204" pitchFamily="34" charset="0"/>
+              </a:rPr>
+              <a:t>This should make us question how our education dollars and programs are being spent and administered.  </a:t>
+            </a:r>
+          </a:p>
+          <a:p>
+            <a:r>
+              <a:rPr lang="en-US" sz="2000" dirty="0">
+                <a:latin typeface="Tahoma" panose="020B0604030504040204" pitchFamily="34" charset="0"/>
+                <a:ea typeface="Tahoma" panose="020B0604030504040204" pitchFamily="34" charset="0"/>
+                <a:cs typeface="Tahoma" panose="020B0604030504040204" pitchFamily="34" charset="0"/>
+              </a:rPr>
+              <a:t>This should also make us study outliers to our models to see where “breakaway schools are achieving better outcomes than the demographics would suggest.   </a:t>
+            </a:r>
+          </a:p>
+          <a:p>
+            <a:endParaRPr lang="en-US" sz="2000" dirty="0">
+              <a:latin typeface="Tahoma" panose="020B0604030504040204" pitchFamily="34" charset="0"/>
+              <a:ea typeface="Tahoma" panose="020B0604030504040204" pitchFamily="34" charset="0"/>
+              <a:cs typeface="Tahoma" panose="020B0604030504040204" pitchFamily="34" charset="0"/>
+            </a:endParaRPr>
+          </a:p>
+          <a:p>
+            <a:pPr marL="457200" lvl="1" indent="0">
+              <a:buNone/>
+            </a:pPr>
+            <a:endParaRPr lang="en-US" sz="1800" dirty="0">
+              <a:latin typeface="Tahoma" panose="020B0604030504040204" pitchFamily="34" charset="0"/>
+              <a:ea typeface="Tahoma" panose="020B0604030504040204" pitchFamily="34" charset="0"/>
+              <a:cs typeface="Tahoma" panose="020B0604030504040204" pitchFamily="34" charset="0"/>
+            </a:endParaRPr>
+          </a:p>
+          <a:p>
+            <a:pPr marL="457200" lvl="1" indent="0">
+              <a:buNone/>
+            </a:pPr>
+            <a:endParaRPr lang="en-US" sz="1800" dirty="0">
+              <a:latin typeface="Tahoma" panose="020B0604030504040204" pitchFamily="34" charset="0"/>
+              <a:ea typeface="Tahoma" panose="020B0604030504040204" pitchFamily="34" charset="0"/>
+              <a:cs typeface="Tahoma" panose="020B0604030504040204" pitchFamily="34" charset="0"/>
+            </a:endParaRPr>
+          </a:p>
+          <a:p>
+            <a:pPr lvl="2"/>
+            <a:endParaRPr lang="en-US" sz="1600" dirty="0">
+              <a:latin typeface="Tahoma" panose="020B0604030504040204" pitchFamily="34" charset="0"/>
+              <a:ea typeface="Tahoma" panose="020B0604030504040204" pitchFamily="34" charset="0"/>
+              <a:cs typeface="Tahoma" panose="020B0604030504040204" pitchFamily="34" charset="0"/>
+            </a:endParaRPr>
+          </a:p>
+        </p:txBody>
+      </p:sp>
+    </p:spTree>
+    <p:extLst>
+      <p:ext uri="{BB962C8B-B14F-4D97-AF65-F5344CB8AC3E}">
+        <p14:creationId xmlns:p14="http://schemas.microsoft.com/office/powerpoint/2010/main" val="192885746"/>
+      </p:ext>
+    </p:extLst>
+  </p:cSld>
+  <p:clrMapOvr>
+    <a:masterClrMapping/>
+  </p:clrMapOvr>
+</p:sld>
+</file>
+
+<file path=ppt/slides/slide2.xml><?xml version="1.0" encoding="utf-8"?>
+<p:sld xmlns:a="http://schemas.openxmlformats.org/drawingml/2006/main" xmlns:r="http://schemas.openxmlformats.org/officeDocument/2006/relationships" xmlns:p="http://schemas.openxmlformats.org/presentationml/2006/main">
+  <p:cSld>
+    <p:spTree>
+      <p:nvGrpSpPr>
+        <p:cNvPr id="1" name=""/>
+        <p:cNvGrpSpPr/>
+        <p:nvPr/>
+      </p:nvGrpSpPr>
+      <p:grpSpPr>
+        <a:xfrm>
+          <a:off x="0" y="0"/>
+          <a:ext cx="0" cy="0"/>
+          <a:chOff x="0" y="0"/>
+          <a:chExt cx="0" cy="0"/>
+        </a:xfrm>
+      </p:grpSpPr>
+      <p:sp>
+        <p:nvSpPr>
+          <p:cNvPr id="2" name="Title 1">
+            <a:extLst>
+              <a:ext uri="{FF2B5EF4-FFF2-40B4-BE49-F238E27FC236}">
+                <a16:creationId xmlns:a16="http://schemas.microsoft.com/office/drawing/2014/main" id="{34DB6CE4-2B13-4715-B5B2-615A55922CA1}"/>
+              </a:ext>
+            </a:extLst>
+          </p:cNvPr>
+          <p:cNvSpPr>
+            <a:spLocks noGrp="1"/>
+          </p:cNvSpPr>
+          <p:nvPr>
+            <p:ph type="title"/>
+          </p:nvPr>
+        </p:nvSpPr>
+        <p:spPr>
+          <a:xfrm>
+            <a:off x="1141415" y="273378"/>
+            <a:ext cx="9905998" cy="1478570"/>
+          </a:xfrm>
+        </p:spPr>
+        <p:txBody>
+          <a:bodyPr>
+            <a:normAutofit/>
+          </a:bodyPr>
+          <a:lstStyle/>
+          <a:p>
+            <a:r>
+              <a:rPr lang="en-US" sz="4400" dirty="0">
+                <a:latin typeface="Rockwell" panose="02060603020205020403" pitchFamily="18" charset="0"/>
+              </a:rPr>
+              <a:t>The Problem</a:t>
+            </a:r>
+          </a:p>
+        </p:txBody>
+      </p:sp>
+      <p:graphicFrame>
+        <p:nvGraphicFramePr>
+          <p:cNvPr id="4" name="Content Placeholder 3">
+            <a:extLst>
+              <a:ext uri="{FF2B5EF4-FFF2-40B4-BE49-F238E27FC236}">
+                <a16:creationId xmlns:a16="http://schemas.microsoft.com/office/drawing/2014/main" id="{8D4F1745-A55E-4835-88EB-BC637121B608}"/>
+              </a:ext>
+              <a:ext uri="{C183D7F6-B498-43B3-948B-1728B52AA6E4}">
+                <adec:decorative xmlns:adec="http://schemas.microsoft.com/office/drawing/2017/decorative" val="1"/>
+              </a:ext>
+            </a:extLst>
+          </p:cNvPr>
+          <p:cNvGraphicFramePr>
+            <a:graphicFrameLocks noGrp="1"/>
+          </p:cNvGraphicFramePr>
+          <p:nvPr>
+            <p:ph idx="1"/>
+            <p:extLst>
+              <p:ext uri="{D42A27DB-BD31-4B8C-83A1-F6EECF244321}">
+                <p14:modId xmlns:p14="http://schemas.microsoft.com/office/powerpoint/2010/main" val="2918373030"/>
+              </p:ext>
+            </p:extLst>
+          </p:nvPr>
+        </p:nvGraphicFramePr>
+        <p:xfrm>
+          <a:off x="1141413" y="2249488"/>
+          <a:ext cx="10024334" cy="3916420"/>
+        </p:xfrm>
+        <a:graphic>
+          <a:graphicData uri="http://schemas.openxmlformats.org/drawingml/2006/diagram">
+            <dgm:relIds xmlns:dgm="http://schemas.openxmlformats.org/drawingml/2006/diagram" xmlns:r="http://schemas.openxmlformats.org/officeDocument/2006/relationships" r:dm="rId2" r:lo="rId3" r:qs="rId4" r:cs="rId5"/>
+          </a:graphicData>
+        </a:graphic>
+      </p:graphicFrame>
+    </p:spTree>
+    <p:extLst>
+      <p:ext uri="{BB962C8B-B14F-4D97-AF65-F5344CB8AC3E}">
+        <p14:creationId xmlns:p14="http://schemas.microsoft.com/office/powerpoint/2010/main" val="3253689747"/>
+      </p:ext>
+    </p:extLst>
+  </p:cSld>
+  <p:clrMapOvr>
+    <a:masterClrMapping/>
+  </p:clrMapOvr>
+</p:sld>
+</file>
+
+<file path=ppt/slides/slide3.xml><?xml version="1.0" encoding="utf-8"?>
+<p:sld xmlns:a="http://schemas.openxmlformats.org/drawingml/2006/main" xmlns:r="http://schemas.openxmlformats.org/officeDocument/2006/relationships" xmlns:p="http://schemas.openxmlformats.org/presentationml/2006/main">
+  <p:cSld>
+    <p:spTree>
+      <p:nvGrpSpPr>
+        <p:cNvPr id="1" name=""/>
+        <p:cNvGrpSpPr/>
+        <p:nvPr/>
+      </p:nvGrpSpPr>
+      <p:grpSpPr>
+        <a:xfrm>
+          <a:off x="0" y="0"/>
+          <a:ext cx="0" cy="0"/>
+          <a:chOff x="0" y="0"/>
+          <a:chExt cx="0" cy="0"/>
+        </a:xfrm>
+      </p:grpSpPr>
+      <p:sp>
+        <p:nvSpPr>
+          <p:cNvPr id="2" name="Title 1">
+            <a:extLst>
+              <a:ext uri="{FF2B5EF4-FFF2-40B4-BE49-F238E27FC236}">
+                <a16:creationId xmlns:a16="http://schemas.microsoft.com/office/drawing/2014/main" id="{34DB6CE4-2B13-4715-B5B2-615A55922CA1}"/>
+              </a:ext>
+            </a:extLst>
+          </p:cNvPr>
+          <p:cNvSpPr>
+            <a:spLocks noGrp="1"/>
+          </p:cNvSpPr>
+          <p:nvPr>
+            <p:ph type="title"/>
+          </p:nvPr>
+        </p:nvSpPr>
+        <p:spPr/>
+        <p:txBody>
+          <a:bodyPr>
+            <a:normAutofit/>
+          </a:bodyPr>
+          <a:lstStyle/>
+          <a:p>
+            <a:r>
+              <a:rPr lang="en-US" sz="4400" dirty="0">
+                <a:latin typeface="Rockwell" panose="02060603020205020403" pitchFamily="18" charset="0"/>
+              </a:rPr>
+              <a:t>Data Gathering and Cleanup Process Flow</a:t>
+            </a:r>
+          </a:p>
+        </p:txBody>
+      </p:sp>
+      <p:graphicFrame>
+        <p:nvGraphicFramePr>
+          <p:cNvPr id="4" name="Content Placeholder 3">
+            <a:extLst>
+              <a:ext uri="{FF2B5EF4-FFF2-40B4-BE49-F238E27FC236}">
+                <a16:creationId xmlns:a16="http://schemas.microsoft.com/office/drawing/2014/main" id="{242FA989-6B7C-488C-85ED-CB8D01BA3254}"/>
+              </a:ext>
+              <a:ext uri="{C183D7F6-B498-43B3-948B-1728B52AA6E4}">
+                <adec:decorative xmlns:adec="http://schemas.microsoft.com/office/drawing/2017/decorative" val="1"/>
+              </a:ext>
+            </a:extLst>
+          </p:cNvPr>
+          <p:cNvGraphicFramePr>
+            <a:graphicFrameLocks noGrp="1"/>
+          </p:cNvGraphicFramePr>
+          <p:nvPr>
+            <p:ph idx="1"/>
+            <p:extLst>
+              <p:ext uri="{D42A27DB-BD31-4B8C-83A1-F6EECF244321}">
+                <p14:modId xmlns:p14="http://schemas.microsoft.com/office/powerpoint/2010/main" val="270069748"/>
+              </p:ext>
+            </p:extLst>
+          </p:nvPr>
+        </p:nvGraphicFramePr>
+        <p:xfrm>
+          <a:off x="477061" y="1871331"/>
+          <a:ext cx="11314446" cy="4492256"/>
+        </p:xfrm>
+        <a:graphic>
+          <a:graphicData uri="http://schemas.openxmlformats.org/drawingml/2006/diagram">
+            <dgm:relIds xmlns:dgm="http://schemas.openxmlformats.org/drawingml/2006/diagram" xmlns:r="http://schemas.openxmlformats.org/officeDocument/2006/relationships" r:dm="rId2" r:lo="rId3" r:qs="rId4" r:cs="rId5"/>
+          </a:graphicData>
+        </a:graphic>
+      </p:graphicFrame>
+      <p:pic>
+        <p:nvPicPr>
+          <p:cNvPr id="5" name="Picture 4">
+            <a:extLst>
+              <a:ext uri="{FF2B5EF4-FFF2-40B4-BE49-F238E27FC236}">
+                <a16:creationId xmlns:a16="http://schemas.microsoft.com/office/drawing/2014/main" id="{C650E17F-E6FF-49F3-A01E-E20B94CE0601}"/>
+              </a:ext>
+            </a:extLst>
+          </p:cNvPr>
+          <p:cNvPicPr>
+            <a:picLocks noChangeAspect="1"/>
+          </p:cNvPicPr>
+          <p:nvPr/>
+        </p:nvPicPr>
+        <p:blipFill>
+          <a:blip r:embed="rId7"/>
+          <a:stretch>
+            <a:fillRect/>
+          </a:stretch>
+        </p:blipFill>
+        <p:spPr>
+          <a:xfrm>
+            <a:off x="841559" y="4607053"/>
+            <a:ext cx="1083285" cy="620908"/>
+          </a:xfrm>
+          <a:prstGeom prst="rect">
+            <a:avLst/>
+          </a:prstGeom>
+        </p:spPr>
+      </p:pic>
+      <p:pic>
+        <p:nvPicPr>
+          <p:cNvPr id="6" name="Picture 5">
+            <a:extLst>
+              <a:ext uri="{FF2B5EF4-FFF2-40B4-BE49-F238E27FC236}">
+                <a16:creationId xmlns:a16="http://schemas.microsoft.com/office/drawing/2014/main" id="{15AB790F-4AC4-44A1-A958-66C21A9FA65D}"/>
+              </a:ext>
+            </a:extLst>
+          </p:cNvPr>
+          <p:cNvPicPr>
+            <a:picLocks noChangeAspect="1"/>
+          </p:cNvPicPr>
+          <p:nvPr/>
+        </p:nvPicPr>
+        <p:blipFill>
+          <a:blip r:embed="rId8"/>
+          <a:stretch>
+            <a:fillRect/>
+          </a:stretch>
+        </p:blipFill>
+        <p:spPr>
+          <a:xfrm>
+            <a:off x="2389855" y="4607053"/>
+            <a:ext cx="1204131" cy="598665"/>
+          </a:xfrm>
+          <a:prstGeom prst="rect">
+            <a:avLst/>
+          </a:prstGeom>
+        </p:spPr>
+      </p:pic>
+      <p:pic>
+        <p:nvPicPr>
+          <p:cNvPr id="7" name="Picture 6">
+            <a:extLst>
+              <a:ext uri="{FF2B5EF4-FFF2-40B4-BE49-F238E27FC236}">
+                <a16:creationId xmlns:a16="http://schemas.microsoft.com/office/drawing/2014/main" id="{E3AA3D3B-E315-4FB9-87CA-8EF22E1DD04A}"/>
+              </a:ext>
+            </a:extLst>
+          </p:cNvPr>
+          <p:cNvPicPr>
+            <a:picLocks noChangeAspect="1"/>
+          </p:cNvPicPr>
+          <p:nvPr/>
+        </p:nvPicPr>
+        <p:blipFill>
+          <a:blip r:embed="rId9"/>
+          <a:stretch>
+            <a:fillRect/>
+          </a:stretch>
+        </p:blipFill>
+        <p:spPr>
+          <a:xfrm>
+            <a:off x="789722" y="5388410"/>
+            <a:ext cx="1683127" cy="683110"/>
+          </a:xfrm>
+          <a:prstGeom prst="rect">
+            <a:avLst/>
+          </a:prstGeom>
+        </p:spPr>
+      </p:pic>
+      <p:pic>
+        <p:nvPicPr>
+          <p:cNvPr id="8" name="Picture 7">
+            <a:extLst>
+              <a:ext uri="{FF2B5EF4-FFF2-40B4-BE49-F238E27FC236}">
+                <a16:creationId xmlns:a16="http://schemas.microsoft.com/office/drawing/2014/main" id="{9E087F72-A53F-4C79-B3EB-BE0C5BD16E29}"/>
+              </a:ext>
+            </a:extLst>
+          </p:cNvPr>
+          <p:cNvPicPr>
+            <a:picLocks noChangeAspect="1"/>
+          </p:cNvPicPr>
+          <p:nvPr/>
+        </p:nvPicPr>
+        <p:blipFill>
+          <a:blip r:embed="rId10"/>
+          <a:stretch>
+            <a:fillRect/>
+          </a:stretch>
+        </p:blipFill>
+        <p:spPr>
+          <a:xfrm>
+            <a:off x="2714259" y="5388410"/>
+            <a:ext cx="943342" cy="634411"/>
+          </a:xfrm>
+          <a:prstGeom prst="rect">
+            <a:avLst/>
+          </a:prstGeom>
+        </p:spPr>
+      </p:pic>
+      <p:pic>
+        <p:nvPicPr>
+          <p:cNvPr id="9" name="Picture 8">
+            <a:extLst>
+              <a:ext uri="{FF2B5EF4-FFF2-40B4-BE49-F238E27FC236}">
+                <a16:creationId xmlns:a16="http://schemas.microsoft.com/office/drawing/2014/main" id="{518CEFAD-8CE1-4E3C-A056-4AF455E0B44B}"/>
+              </a:ext>
+            </a:extLst>
+          </p:cNvPr>
+          <p:cNvPicPr>
+            <a:picLocks noChangeAspect="1"/>
+          </p:cNvPicPr>
+          <p:nvPr/>
+        </p:nvPicPr>
+        <p:blipFill>
+          <a:blip r:embed="rId11"/>
+          <a:stretch>
+            <a:fillRect/>
+          </a:stretch>
+        </p:blipFill>
+        <p:spPr>
+          <a:xfrm>
+            <a:off x="4799378" y="4560666"/>
+            <a:ext cx="977168" cy="1021402"/>
+          </a:xfrm>
+          <a:prstGeom prst="rect">
+            <a:avLst/>
+          </a:prstGeom>
+        </p:spPr>
+      </p:pic>
+      <p:pic>
+        <p:nvPicPr>
+          <p:cNvPr id="10" name="Picture 9">
+            <a:extLst>
+              <a:ext uri="{FF2B5EF4-FFF2-40B4-BE49-F238E27FC236}">
+                <a16:creationId xmlns:a16="http://schemas.microsoft.com/office/drawing/2014/main" id="{9907404F-0F14-438B-8B43-0AF26D2F3AAF}"/>
+              </a:ext>
+            </a:extLst>
+          </p:cNvPr>
+          <p:cNvPicPr>
+            <a:picLocks noChangeAspect="1"/>
+          </p:cNvPicPr>
+          <p:nvPr/>
+        </p:nvPicPr>
+        <p:blipFill>
+          <a:blip r:embed="rId12"/>
+          <a:stretch>
+            <a:fillRect/>
+          </a:stretch>
+        </p:blipFill>
+        <p:spPr>
+          <a:xfrm>
+            <a:off x="6364043" y="4560666"/>
+            <a:ext cx="1030034" cy="1021402"/>
+          </a:xfrm>
+          <a:prstGeom prst="rect">
+            <a:avLst/>
+          </a:prstGeom>
+        </p:spPr>
+      </p:pic>
+      <p:pic>
+        <p:nvPicPr>
+          <p:cNvPr id="11" name="Picture 10">
+            <a:extLst>
+              <a:ext uri="{FF2B5EF4-FFF2-40B4-BE49-F238E27FC236}">
+                <a16:creationId xmlns:a16="http://schemas.microsoft.com/office/drawing/2014/main" id="{2EEE8A41-05C6-461A-8626-B0BEF875487D}"/>
+              </a:ext>
+            </a:extLst>
+          </p:cNvPr>
+          <p:cNvPicPr>
+            <a:picLocks noChangeAspect="1"/>
+          </p:cNvPicPr>
+          <p:nvPr/>
+        </p:nvPicPr>
+        <p:blipFill>
+          <a:blip r:embed="rId13"/>
+          <a:stretch>
+            <a:fillRect/>
+          </a:stretch>
+        </p:blipFill>
+        <p:spPr>
+          <a:xfrm>
+            <a:off x="10534961" y="3030510"/>
+            <a:ext cx="1096876" cy="1086949"/>
+          </a:xfrm>
+          <a:prstGeom prst="rect">
+            <a:avLst/>
+          </a:prstGeom>
+        </p:spPr>
+      </p:pic>
+      <p:pic>
+        <p:nvPicPr>
+          <p:cNvPr id="12" name="Picture 11">
+            <a:extLst>
+              <a:ext uri="{FF2B5EF4-FFF2-40B4-BE49-F238E27FC236}">
+                <a16:creationId xmlns:a16="http://schemas.microsoft.com/office/drawing/2014/main" id="{947F42D7-F1C1-4413-AB29-FF615A693E4F}"/>
+              </a:ext>
+            </a:extLst>
+          </p:cNvPr>
+          <p:cNvPicPr>
+            <a:picLocks noChangeAspect="1"/>
+          </p:cNvPicPr>
+          <p:nvPr/>
+        </p:nvPicPr>
+        <p:blipFill>
+          <a:blip r:embed="rId14"/>
+          <a:stretch>
+            <a:fillRect/>
+          </a:stretch>
+        </p:blipFill>
+        <p:spPr>
+          <a:xfrm>
+            <a:off x="10534961" y="4738777"/>
+            <a:ext cx="1096876" cy="1093383"/>
+          </a:xfrm>
+          <a:prstGeom prst="rect">
+            <a:avLst/>
+          </a:prstGeom>
+        </p:spPr>
+      </p:pic>
+    </p:spTree>
+    <p:extLst>
+      <p:ext uri="{BB962C8B-B14F-4D97-AF65-F5344CB8AC3E}">
+        <p14:creationId xmlns:p14="http://schemas.microsoft.com/office/powerpoint/2010/main" val="1193417028"/>
+      </p:ext>
+    </p:extLst>
+  </p:cSld>
+  <p:clrMapOvr>
+    <a:masterClrMapping/>
+  </p:clrMapOvr>
+</p:sld>
+</file>
+
+<file path=ppt/slides/slide4.xml><?xml version="1.0" encoding="utf-8"?>
+<p:sld xmlns:a="http://schemas.openxmlformats.org/drawingml/2006/main" xmlns:r="http://schemas.openxmlformats.org/officeDocument/2006/relationships" xmlns:p="http://schemas.openxmlformats.org/presentationml/2006/main">
+  <p:cSld>
+    <p:spTree>
+      <p:nvGrpSpPr>
+        <p:cNvPr id="1" name=""/>
+        <p:cNvGrpSpPr/>
+        <p:nvPr/>
+      </p:nvGrpSpPr>
+      <p:grpSpPr>
+        <a:xfrm>
+          <a:off x="0" y="0"/>
+          <a:ext cx="0" cy="0"/>
+          <a:chOff x="0" y="0"/>
+          <a:chExt cx="0" cy="0"/>
+        </a:xfrm>
+      </p:grpSpPr>
+      <p:sp>
+        <p:nvSpPr>
+          <p:cNvPr id="2" name="Title 1">
+            <a:extLst>
+              <a:ext uri="{FF2B5EF4-FFF2-40B4-BE49-F238E27FC236}">
+                <a16:creationId xmlns:a16="http://schemas.microsoft.com/office/drawing/2014/main" id="{8FD22308-F0CE-4C3C-9792-3E7EA62B07A4}"/>
+              </a:ext>
+            </a:extLst>
+          </p:cNvPr>
+          <p:cNvSpPr>
+            <a:spLocks noGrp="1"/>
+          </p:cNvSpPr>
+          <p:nvPr>
+            <p:ph type="title"/>
+          </p:nvPr>
+        </p:nvSpPr>
+        <p:spPr>
+          <a:xfrm>
+            <a:off x="1141413" y="618518"/>
+            <a:ext cx="9905998" cy="1478570"/>
+          </a:xfrm>
+        </p:spPr>
+        <p:txBody>
+          <a:bodyPr anchor="ctr">
+            <a:normAutofit/>
+          </a:bodyPr>
+          <a:lstStyle/>
+          <a:p>
+            <a:r>
+              <a:rPr lang="en-US" sz="4000" dirty="0">
+                <a:latin typeface="Rockwell" panose="02060603020205020403" pitchFamily="18" charset="0"/>
+              </a:rPr>
+              <a:t>Composition of Machine Learning Dataset</a:t>
+            </a:r>
+            <a:r>
+              <a:rPr lang="en-US" dirty="0"/>
+              <a:t>		</a:t>
+            </a:r>
+          </a:p>
+        </p:txBody>
+      </p:sp>
+      <p:sp>
+        <p:nvSpPr>
+          <p:cNvPr id="3" name="Content Placeholder 2">
+            <a:extLst>
+              <a:ext uri="{FF2B5EF4-FFF2-40B4-BE49-F238E27FC236}">
+                <a16:creationId xmlns:a16="http://schemas.microsoft.com/office/drawing/2014/main" id="{886AB355-B9AB-4635-A398-84279CCE9B02}"/>
+              </a:ext>
+            </a:extLst>
+          </p:cNvPr>
+          <p:cNvSpPr>
+            <a:spLocks noGrp="1"/>
+          </p:cNvSpPr>
+          <p:nvPr>
+            <p:ph sz="half" idx="1"/>
+          </p:nvPr>
+        </p:nvSpPr>
+        <p:spPr>
+          <a:xfrm>
+            <a:off x="1141410" y="2249486"/>
+            <a:ext cx="4878389" cy="3541714"/>
+          </a:xfrm>
+        </p:spPr>
+        <p:txBody>
+          <a:bodyPr>
+            <a:normAutofit/>
+          </a:bodyPr>
+          <a:lstStyle/>
+          <a:p>
+            <a:pPr>
+              <a:lnSpc>
+                <a:spcPct val="110000"/>
+              </a:lnSpc>
+            </a:pPr>
+            <a:r>
+              <a:rPr lang="en-US" sz="1500" dirty="0"/>
+              <a:t>696 Individual Schools</a:t>
+            </a:r>
+          </a:p>
+          <a:p>
+            <a:pPr>
+              <a:lnSpc>
+                <a:spcPct val="110000"/>
+              </a:lnSpc>
+            </a:pPr>
+            <a:r>
+              <a:rPr lang="en-US" sz="1500" dirty="0"/>
+              <a:t>50 Features</a:t>
+            </a:r>
+          </a:p>
+          <a:p>
+            <a:pPr>
+              <a:lnSpc>
+                <a:spcPct val="110000"/>
+              </a:lnSpc>
+            </a:pPr>
+            <a:r>
+              <a:rPr lang="en-US" sz="1500" dirty="0"/>
+              <a:t>Feature Categories</a:t>
+            </a:r>
+          </a:p>
+          <a:p>
+            <a:pPr lvl="1">
+              <a:lnSpc>
+                <a:spcPct val="110000"/>
+              </a:lnSpc>
+            </a:pPr>
+            <a:r>
+              <a:rPr lang="en-US" sz="1500" dirty="0"/>
+              <a:t>Median Income by Ethnicity at </a:t>
+            </a:r>
+            <a:r>
+              <a:rPr lang="en-US" sz="1500" dirty="0" err="1"/>
+              <a:t>Zipcode</a:t>
+            </a:r>
+            <a:r>
+              <a:rPr lang="en-US" sz="1500" dirty="0"/>
+              <a:t> Level</a:t>
+            </a:r>
+          </a:p>
+          <a:p>
+            <a:pPr lvl="1">
+              <a:lnSpc>
+                <a:spcPct val="110000"/>
+              </a:lnSpc>
+            </a:pPr>
+            <a:r>
+              <a:rPr lang="en-US" sz="1500" dirty="0"/>
+              <a:t>Family Structure at </a:t>
+            </a:r>
+            <a:r>
+              <a:rPr lang="en-US" sz="1500" dirty="0" err="1"/>
+              <a:t>Zipcode</a:t>
+            </a:r>
+            <a:r>
+              <a:rPr lang="en-US" sz="1500" dirty="0"/>
+              <a:t> Level</a:t>
+            </a:r>
+          </a:p>
+          <a:p>
+            <a:pPr lvl="1">
+              <a:lnSpc>
+                <a:spcPct val="110000"/>
+              </a:lnSpc>
+            </a:pPr>
+            <a:r>
+              <a:rPr lang="en-US" sz="1500" dirty="0"/>
+              <a:t>Educational Attainment Levels at </a:t>
+            </a:r>
+            <a:r>
+              <a:rPr lang="en-US" sz="1500" dirty="0" err="1"/>
+              <a:t>Zipcode</a:t>
+            </a:r>
+            <a:r>
+              <a:rPr lang="en-US" sz="1500" dirty="0"/>
+              <a:t> Level</a:t>
+            </a:r>
+          </a:p>
+          <a:p>
+            <a:pPr lvl="1">
+              <a:lnSpc>
+                <a:spcPct val="110000"/>
+              </a:lnSpc>
+            </a:pPr>
+            <a:r>
+              <a:rPr lang="en-US" sz="1500" dirty="0"/>
+              <a:t>Number of Students at School</a:t>
+            </a:r>
+          </a:p>
+          <a:p>
+            <a:pPr lvl="1">
+              <a:lnSpc>
+                <a:spcPct val="110000"/>
+              </a:lnSpc>
+            </a:pPr>
+            <a:r>
+              <a:rPr lang="en-US" sz="1500" dirty="0"/>
+              <a:t>Crime Rates per Population at </a:t>
+            </a:r>
+            <a:r>
+              <a:rPr lang="en-US" sz="1500" dirty="0" err="1"/>
+              <a:t>Zipcode</a:t>
+            </a:r>
+            <a:r>
+              <a:rPr lang="en-US" sz="1500" dirty="0"/>
+              <a:t> Level</a:t>
+            </a:r>
+          </a:p>
+          <a:p>
+            <a:pPr lvl="1">
+              <a:lnSpc>
+                <a:spcPct val="110000"/>
+              </a:lnSpc>
+            </a:pPr>
+            <a:r>
+              <a:rPr lang="en-US" sz="1500" dirty="0"/>
+              <a:t>Population Type by Ethnicity at </a:t>
+            </a:r>
+            <a:r>
+              <a:rPr lang="en-US" sz="1500" dirty="0" err="1"/>
+              <a:t>Zipcode</a:t>
+            </a:r>
+            <a:r>
+              <a:rPr lang="en-US" sz="1500" dirty="0"/>
+              <a:t> Level</a:t>
+            </a:r>
+          </a:p>
+          <a:p>
+            <a:pPr>
+              <a:lnSpc>
+                <a:spcPct val="110000"/>
+              </a:lnSpc>
+            </a:pPr>
+            <a:r>
+              <a:rPr lang="en-US" sz="1500" dirty="0"/>
+              <a:t>Target – School Rating </a:t>
+            </a:r>
+            <a:r>
+              <a:rPr lang="en-US" sz="1500"/>
+              <a:t>1- 10</a:t>
+            </a:r>
+            <a:endParaRPr lang="en-US" sz="1500" dirty="0"/>
+          </a:p>
+        </p:txBody>
+      </p:sp>
+      <p:pic>
+        <p:nvPicPr>
+          <p:cNvPr id="5" name="Picture 4">
+            <a:extLst>
+              <a:ext uri="{FF2B5EF4-FFF2-40B4-BE49-F238E27FC236}">
+                <a16:creationId xmlns:a16="http://schemas.microsoft.com/office/drawing/2014/main" id="{87A3513A-A896-46E3-9660-DF5723B50574}"/>
+              </a:ext>
+            </a:extLst>
+          </p:cNvPr>
+          <p:cNvPicPr>
+            <a:picLocks noChangeAspect="1"/>
+          </p:cNvPicPr>
+          <p:nvPr/>
+        </p:nvPicPr>
+        <p:blipFill>
+          <a:blip r:embed="rId2"/>
+          <a:stretch>
+            <a:fillRect/>
+          </a:stretch>
+        </p:blipFill>
+        <p:spPr>
+          <a:xfrm>
+            <a:off x="6172200" y="2685754"/>
+            <a:ext cx="4875211" cy="2669177"/>
+          </a:xfrm>
+          <a:prstGeom prst="rect">
+            <a:avLst/>
+          </a:prstGeom>
+          <a:noFill/>
+        </p:spPr>
+      </p:pic>
+    </p:spTree>
+    <p:extLst>
+      <p:ext uri="{BB962C8B-B14F-4D97-AF65-F5344CB8AC3E}">
+        <p14:creationId xmlns:p14="http://schemas.microsoft.com/office/powerpoint/2010/main" val="3471625273"/>
+      </p:ext>
+    </p:extLst>
+  </p:cSld>
+  <p:clrMapOvr>
+    <a:masterClrMapping/>
+  </p:clrMapOvr>
+</p:sld>
+</file>
+
+<file path=ppt/slides/slide5.xml><?xml version="1.0" encoding="utf-8"?>
 <p:sld xmlns:a="http://schemas.openxmlformats.org/drawingml/2006/main" xmlns:r="http://schemas.openxmlformats.org/officeDocument/2006/relationships" xmlns:p="http://schemas.openxmlformats.org/presentationml/2006/main">
   <p:cSld>
     <p:spTree>
@@ -22611,7 +22568,7 @@
 </p:sld>
 </file>
 
-<file path=ppt/slides/slide7.xml><?xml version="1.0" encoding="utf-8"?>
+<file path=ppt/slides/slide6.xml><?xml version="1.0" encoding="utf-8"?>
 <p:sld xmlns:a="http://schemas.openxmlformats.org/drawingml/2006/main" xmlns:r="http://schemas.openxmlformats.org/officeDocument/2006/relationships" xmlns:p="http://schemas.openxmlformats.org/presentationml/2006/main">
   <p:cSld>
     <p:spTree>
@@ -22840,7 +22797,7 @@
 </p:sld>
 </file>
 
-<file path=ppt/slides/slide8.xml><?xml version="1.0" encoding="utf-8"?>
+<file path=ppt/slides/slide7.xml><?xml version="1.0" encoding="utf-8"?>
 <p:sld xmlns:a="http://schemas.openxmlformats.org/drawingml/2006/main" xmlns:r="http://schemas.openxmlformats.org/officeDocument/2006/relationships" xmlns:p="http://schemas.openxmlformats.org/presentationml/2006/main">
   <p:cSld>
     <p:spTree>
@@ -23219,7 +23176,7 @@
 </p:sld>
 </file>
 
-<file path=ppt/slides/slide9.xml><?xml version="1.0" encoding="utf-8"?>
+<file path=ppt/slides/slide8.xml><?xml version="1.0" encoding="utf-8"?>
 <p:sld xmlns:a="http://schemas.openxmlformats.org/drawingml/2006/main" xmlns:r="http://schemas.openxmlformats.org/officeDocument/2006/relationships" xmlns:p="http://schemas.openxmlformats.org/presentationml/2006/main">
   <p:cSld>
     <p:spTree>
@@ -23286,13 +23243,13 @@
         </p:nvSpPr>
         <p:spPr>
           <a:xfrm>
-            <a:off x="1141413" y="2249487"/>
+            <a:off x="1141413" y="1778972"/>
             <a:ext cx="4854942" cy="3541714"/>
           </a:xfrm>
         </p:spPr>
         <p:txBody>
           <a:bodyPr>
-            <a:normAutofit/>
+            <a:noAutofit/>
           </a:bodyPr>
           <a:lstStyle/>
           <a:p>
@@ -23304,71 +23261,71 @@
           <a:p>
             <a:pPr lvl="1"/>
             <a:r>
-              <a:rPr lang="en-US" sz="1200" dirty="0"/>
+              <a:rPr lang="en-US" sz="1400" dirty="0"/>
               <a:t>Violent Crime per Capita</a:t>
             </a:r>
           </a:p>
           <a:p>
             <a:pPr lvl="1"/>
             <a:r>
-              <a:rPr lang="en-US" sz="1200" dirty="0"/>
+              <a:rPr lang="en-US" sz="1400" dirty="0"/>
               <a:t>Substance Abuse per Capita</a:t>
             </a:r>
           </a:p>
           <a:p>
             <a:pPr lvl="1"/>
             <a:r>
-              <a:rPr lang="en-US" sz="1200" dirty="0"/>
+              <a:rPr lang="en-US" sz="1400" dirty="0"/>
               <a:t>Median Income </a:t>
             </a:r>
           </a:p>
           <a:p>
             <a:pPr lvl="1"/>
             <a:r>
-              <a:rPr lang="en-US" sz="1200" dirty="0"/>
+              <a:rPr lang="en-US" sz="1400" dirty="0"/>
               <a:t>% Head of Household Married</a:t>
             </a:r>
           </a:p>
           <a:p>
             <a:pPr lvl="1"/>
             <a:r>
-              <a:rPr lang="en-US" sz="1200" dirty="0"/>
+              <a:rPr lang="en-US" sz="1400" dirty="0"/>
               <a:t>% of Over 25 Year </a:t>
             </a:r>
             <a:r>
-              <a:rPr lang="en-US" sz="1200" dirty="0" err="1"/>
+              <a:rPr lang="en-US" sz="1400" dirty="0" err="1"/>
               <a:t>Olds</a:t>
             </a:r>
             <a:r>
-              <a:rPr lang="en-US" sz="1200" dirty="0"/>
+              <a:rPr lang="en-US" sz="1400" dirty="0"/>
               <a:t> with at Least a High School Diploma</a:t>
             </a:r>
           </a:p>
           <a:p>
             <a:pPr lvl="1"/>
             <a:r>
-              <a:rPr lang="en-US" sz="1200" dirty="0"/>
+              <a:rPr lang="en-US" sz="1400" dirty="0"/>
               <a:t>% of Population White</a:t>
             </a:r>
           </a:p>
           <a:p>
             <a:pPr lvl="1"/>
             <a:r>
-              <a:rPr lang="en-US" sz="1200" dirty="0"/>
+              <a:rPr lang="en-US" sz="1400" dirty="0"/>
               <a:t>% of Population Mixed Race</a:t>
             </a:r>
           </a:p>
           <a:p>
             <a:pPr lvl="1"/>
             <a:r>
-              <a:rPr lang="en-US" sz="1200" dirty="0"/>
+              <a:rPr lang="en-US" sz="1400" dirty="0"/>
               <a:t>% of Population Hispanic</a:t>
             </a:r>
           </a:p>
           <a:p>
             <a:pPr lvl="1"/>
             <a:r>
-              <a:rPr lang="en-US" sz="1200" dirty="0"/>
+              <a:rPr lang="en-US" sz="1400" dirty="0"/>
               <a:t>% of Population Asian</a:t>
             </a:r>
           </a:p>
@@ -23414,6 +23371,142 @@
     <p:extLst>
       <p:ext uri="{BB962C8B-B14F-4D97-AF65-F5344CB8AC3E}">
         <p14:creationId xmlns:p14="http://schemas.microsoft.com/office/powerpoint/2010/main" val="3405949825"/>
+      </p:ext>
+    </p:extLst>
+  </p:cSld>
+  <p:clrMapOvr>
+    <a:masterClrMapping/>
+  </p:clrMapOvr>
+</p:sld>
+</file>
+
+<file path=ppt/slides/slide9.xml><?xml version="1.0" encoding="utf-8"?>
+<p:sld xmlns:a="http://schemas.openxmlformats.org/drawingml/2006/main" xmlns:r="http://schemas.openxmlformats.org/officeDocument/2006/relationships" xmlns:p="http://schemas.openxmlformats.org/presentationml/2006/main">
+  <p:cSld>
+    <p:spTree>
+      <p:nvGrpSpPr>
+        <p:cNvPr id="1" name=""/>
+        <p:cNvGrpSpPr/>
+        <p:nvPr/>
+      </p:nvGrpSpPr>
+      <p:grpSpPr>
+        <a:xfrm>
+          <a:off x="0" y="0"/>
+          <a:ext cx="0" cy="0"/>
+          <a:chOff x="0" y="0"/>
+          <a:chExt cx="0" cy="0"/>
+        </a:xfrm>
+      </p:grpSpPr>
+      <p:sp>
+        <p:nvSpPr>
+          <p:cNvPr id="2" name="Title 1">
+            <a:extLst>
+              <a:ext uri="{FF2B5EF4-FFF2-40B4-BE49-F238E27FC236}">
+                <a16:creationId xmlns:a16="http://schemas.microsoft.com/office/drawing/2014/main" id="{A55F60E1-6EDC-479E-9C40-F2CD01CE8DB0}"/>
+              </a:ext>
+            </a:extLst>
+          </p:cNvPr>
+          <p:cNvSpPr>
+            <a:spLocks noGrp="1"/>
+          </p:cNvSpPr>
+          <p:nvPr>
+            <p:ph type="title"/>
+          </p:nvPr>
+        </p:nvSpPr>
+        <p:spPr/>
+        <p:txBody>
+          <a:bodyPr/>
+          <a:lstStyle/>
+          <a:p>
+            <a:r>
+              <a:rPr lang="en-US" dirty="0"/>
+              <a:t>K-Means Clustering with PCA </a:t>
+            </a:r>
+          </a:p>
+        </p:txBody>
+      </p:sp>
+      <p:sp>
+        <p:nvSpPr>
+          <p:cNvPr id="3" name="Content Placeholder 2">
+            <a:extLst>
+              <a:ext uri="{FF2B5EF4-FFF2-40B4-BE49-F238E27FC236}">
+                <a16:creationId xmlns:a16="http://schemas.microsoft.com/office/drawing/2014/main" id="{0D9C9E10-64F4-4A32-8EC6-7385D9754649}"/>
+              </a:ext>
+            </a:extLst>
+          </p:cNvPr>
+          <p:cNvSpPr>
+            <a:spLocks noGrp="1"/>
+          </p:cNvSpPr>
+          <p:nvPr>
+            <p:ph sz="half" idx="1"/>
+          </p:nvPr>
+        </p:nvSpPr>
+        <p:spPr/>
+        <p:txBody>
+          <a:bodyPr>
+            <a:normAutofit fontScale="92500" lnSpcReduction="10000"/>
+          </a:bodyPr>
+          <a:lstStyle/>
+          <a:p>
+            <a:r>
+              <a:rPr lang="en-US" dirty="0"/>
+              <a:t>The schools broke into 3 clusters while explaining ~ 55% of the model variance, using PCA.  </a:t>
+            </a:r>
+          </a:p>
+          <a:p>
+            <a:r>
+              <a:rPr lang="en-US" dirty="0"/>
+              <a:t>Could be Good, Bad, Medium?</a:t>
+            </a:r>
+          </a:p>
+          <a:p>
+            <a:r>
+              <a:rPr lang="en-US" dirty="0"/>
+              <a:t>Clusters are well defined based on 3-D graphic.</a:t>
+            </a:r>
+          </a:p>
+          <a:p>
+            <a:r>
+              <a:rPr lang="en-US" dirty="0"/>
+              <a:t>Using socio-economic data solves more than half the equation!</a:t>
+            </a:r>
+          </a:p>
+        </p:txBody>
+      </p:sp>
+      <p:pic>
+        <p:nvPicPr>
+          <p:cNvPr id="6" name="Picture 5">
+            <a:extLst>
+              <a:ext uri="{FF2B5EF4-FFF2-40B4-BE49-F238E27FC236}">
+                <a16:creationId xmlns:a16="http://schemas.microsoft.com/office/drawing/2014/main" id="{027BC0D0-AF8B-44FB-874B-F21A41245363}"/>
+              </a:ext>
+            </a:extLst>
+          </p:cNvPr>
+          <p:cNvPicPr>
+            <a:picLocks noChangeAspect="1"/>
+          </p:cNvPicPr>
+          <p:nvPr/>
+        </p:nvPicPr>
+        <p:blipFill>
+          <a:blip r:embed="rId2"/>
+          <a:stretch>
+            <a:fillRect/>
+          </a:stretch>
+        </p:blipFill>
+        <p:spPr>
+          <a:xfrm>
+            <a:off x="6427185" y="2527577"/>
+            <a:ext cx="5527563" cy="3222774"/>
+          </a:xfrm>
+          <a:prstGeom prst="rect">
+            <a:avLst/>
+          </a:prstGeom>
+        </p:spPr>
+      </p:pic>
+    </p:spTree>
+    <p:extLst>
+      <p:ext uri="{BB962C8B-B14F-4D97-AF65-F5344CB8AC3E}">
+        <p14:creationId xmlns:p14="http://schemas.microsoft.com/office/powerpoint/2010/main" val="82620141"/>
       </p:ext>
     </p:extLst>
   </p:cSld>
@@ -24265,6 +24358,15 @@
 </file>
 
 <file path=customXml/item1.xml><?xml version="1.0" encoding="utf-8"?>
+<?mso-contentType ?>
+<FormTemplates xmlns="http://schemas.microsoft.com/sharepoint/v3/contenttype/forms">
+  <Display>DocumentLibraryForm</Display>
+  <Edit>DocumentLibraryForm</Edit>
+  <New>DocumentLibraryForm</New>
+</FormTemplates>
+</file>
+
+<file path=customXml/item2.xml><?xml version="1.0" encoding="utf-8"?>
 <ct:contentTypeSchema xmlns:ct="http://schemas.microsoft.com/office/2006/metadata/contentType" xmlns:ma="http://schemas.microsoft.com/office/2006/metadata/properties/metaAttributes" ct:_="" ma:_="" ma:contentTypeName="Document" ma:contentTypeID="0x01010079F111ED35F8CC479449609E8A0923A6" ma:contentTypeVersion="11" ma:contentTypeDescription="Create a new document." ma:contentTypeScope="" ma:versionID="96291512c1ee715ab617f4c07df79fc1">
   <xsd:schema xmlns:xsd="http://www.w3.org/2001/XMLSchema" xmlns:xs="http://www.w3.org/2001/XMLSchema" xmlns:p="http://schemas.microsoft.com/office/2006/metadata/properties" xmlns:ns2="71af3243-3dd4-4a8d-8c0d-dd76da1f02a5" xmlns:ns3="16c05727-aa75-4e4a-9b5f-8a80a1165891" targetNamespace="http://schemas.microsoft.com/office/2006/metadata/properties" ma:root="true" ma:fieldsID="8256c27c40ca5c40ce1cf6c44f0205df" ns2:_="" ns3:_="">
     <xsd:import namespace="71af3243-3dd4-4a8d-8c0d-dd76da1f02a5"/>
@@ -24475,15 +24577,6 @@
 </ct:contentTypeSchema>
 </file>
 
-<file path=customXml/item2.xml><?xml version="1.0" encoding="utf-8"?>
-<?mso-contentType ?>
-<FormTemplates xmlns="http://schemas.microsoft.com/sharepoint/v3/contenttype/forms">
-  <Display>DocumentLibraryForm</Display>
-  <Edit>DocumentLibraryForm</Edit>
-  <New>DocumentLibraryForm</New>
-</FormTemplates>
-</file>
-
 <file path=customXml/item3.xml><?xml version="1.0" encoding="utf-8"?>
 <p:properties xmlns:p="http://schemas.microsoft.com/office/2006/metadata/properties" xmlns:xsi="http://www.w3.org/2001/XMLSchema-instance" xmlns:pc="http://schemas.microsoft.com/office/infopath/2007/PartnerControls">
   <documentManagement>
@@ -24493,6 +24586,14 @@
 </file>
 
 <file path=customXml/itemProps1.xml><?xml version="1.0" encoding="utf-8"?>
+<ds:datastoreItem xmlns:ds="http://schemas.openxmlformats.org/officeDocument/2006/customXml" ds:itemID="{B579702B-25C7-40D7-9E29-7686B11A9660}">
+  <ds:schemaRefs>
+    <ds:schemaRef ds:uri="http://schemas.microsoft.com/sharepoint/v3/contenttype/forms"/>
+  </ds:schemaRefs>
+</ds:datastoreItem>
+</file>
+
+<file path=customXml/itemProps2.xml><?xml version="1.0" encoding="utf-8"?>
 <ds:datastoreItem xmlns:ds="http://schemas.openxmlformats.org/officeDocument/2006/customXml" ds:itemID="{A7C0B241-13E5-418D-8920-D23491E2D2C0}">
   <ds:schemaRefs>
     <ds:schemaRef ds:uri="http://schemas.microsoft.com/office/2006/metadata/contentType"/>
@@ -24511,14 +24612,6 @@
 </ds:datastoreItem>
 </file>
 
-<file path=customXml/itemProps2.xml><?xml version="1.0" encoding="utf-8"?>
-<ds:datastoreItem xmlns:ds="http://schemas.openxmlformats.org/officeDocument/2006/customXml" ds:itemID="{B579702B-25C7-40D7-9E29-7686B11A9660}">
-  <ds:schemaRefs>
-    <ds:schemaRef ds:uri="http://schemas.microsoft.com/sharepoint/v3/contenttype/forms"/>
-  </ds:schemaRefs>
-</ds:datastoreItem>
-</file>
-
 <file path=customXml/itemProps3.xml><?xml version="1.0" encoding="utf-8"?>
 <ds:datastoreItem xmlns:ds="http://schemas.openxmlformats.org/officeDocument/2006/customXml" ds:itemID="{E7866CFD-F94E-4AE5-ACEA-86FEC0F48A10}">
   <ds:schemaRefs>

--- a/Final_Presentation_4.1.pptx
+++ b/Final_Presentation_4.1.pptx
@@ -18,8 +18,8 @@
     <p:sldId id="271" r:id="rId9"/>
     <p:sldId id="272" r:id="rId10"/>
     <p:sldId id="273" r:id="rId11"/>
-    <p:sldId id="270" r:id="rId12"/>
-    <p:sldId id="275" r:id="rId13"/>
+    <p:sldId id="275" r:id="rId12"/>
+    <p:sldId id="270" r:id="rId13"/>
     <p:sldId id="261" r:id="rId14"/>
     <p:sldId id="267" r:id="rId15"/>
   </p:sldIdLst>
@@ -8493,7 +8493,7 @@
           <a:noFill/>
           <a:extLst>
             <a:ext uri="{909E8E84-426E-40dd-AFC4-6F175D3DCCD1}">
-              <a14:hiddenFill xmlns="" xmlns:a14="http://schemas.microsoft.com/office/drawing/2010/main">
+              <a14:hiddenFill xmlns:a14="http://schemas.microsoft.com/office/drawing/2010/main" xmlns="">
                 <a:solidFill>
                   <a:srgbClr val="FFFFFF"/>
                 </a:solidFill>
@@ -8552,7 +8552,7 @@
             </a:ln>
             <a:extLst>
               <a:ext uri="{91240B29-F687-4f45-9708-019B960494DF}">
-                <a14:hiddenLine xmlns="" xmlns:a14="http://schemas.microsoft.com/office/drawing/2010/main" w="9525">
+                <a14:hiddenLine xmlns:a14="http://schemas.microsoft.com/office/drawing/2010/main" xmlns="" w="9525">
                   <a:solidFill>
                     <a:srgbClr val="000000"/>
                   </a:solidFill>
@@ -8642,7 +8642,7 @@
             </a:ln>
             <a:extLst>
               <a:ext uri="{91240B29-F687-4f45-9708-019B960494DF}">
-                <a14:hiddenLine xmlns="" xmlns:a14="http://schemas.microsoft.com/office/drawing/2010/main" w="9525">
+                <a14:hiddenLine xmlns:a14="http://schemas.microsoft.com/office/drawing/2010/main" xmlns="" w="9525">
                   <a:solidFill>
                     <a:srgbClr val="000000"/>
                   </a:solidFill>
@@ -8732,7 +8732,7 @@
             </a:ln>
             <a:extLst>
               <a:ext uri="{91240B29-F687-4f45-9708-019B960494DF}">
-                <a14:hiddenLine xmlns="" xmlns:a14="http://schemas.microsoft.com/office/drawing/2010/main" w="9525">
+                <a14:hiddenLine xmlns:a14="http://schemas.microsoft.com/office/drawing/2010/main" xmlns="" w="9525">
                   <a:solidFill>
                     <a:srgbClr val="000000"/>
                   </a:solidFill>
@@ -8766,7 +8766,7 @@
             </a:ln>
             <a:extLst>
               <a:ext uri="{91240B29-F687-4f45-9708-019B960494DF}">
-                <a14:hiddenLine xmlns="" xmlns:a14="http://schemas.microsoft.com/office/drawing/2010/main" w="9525">
+                <a14:hiddenLine xmlns:a14="http://schemas.microsoft.com/office/drawing/2010/main" xmlns="" w="9525">
                   <a:solidFill>
                     <a:srgbClr val="000000"/>
                   </a:solidFill>
@@ -8856,7 +8856,7 @@
             </a:ln>
             <a:extLst>
               <a:ext uri="{91240B29-F687-4f45-9708-019B960494DF}">
-                <a14:hiddenLine xmlns="" xmlns:a14="http://schemas.microsoft.com/office/drawing/2010/main" w="9525">
+                <a14:hiddenLine xmlns:a14="http://schemas.microsoft.com/office/drawing/2010/main" xmlns="" w="9525">
                   <a:solidFill>
                     <a:srgbClr val="000000"/>
                   </a:solidFill>
@@ -8918,7 +8918,7 @@
             </a:ln>
             <a:extLst>
               <a:ext uri="{91240B29-F687-4f45-9708-019B960494DF}">
-                <a14:hiddenLine xmlns="" xmlns:a14="http://schemas.microsoft.com/office/drawing/2010/main" w="9525">
+                <a14:hiddenLine xmlns:a14="http://schemas.microsoft.com/office/drawing/2010/main" xmlns="" w="9525">
                   <a:solidFill>
                     <a:srgbClr val="000000"/>
                   </a:solidFill>
@@ -8980,7 +8980,7 @@
             </a:ln>
             <a:extLst>
               <a:ext uri="{91240B29-F687-4f45-9708-019B960494DF}">
-                <a14:hiddenLine xmlns="" xmlns:a14="http://schemas.microsoft.com/office/drawing/2010/main" w="9525">
+                <a14:hiddenLine xmlns:a14="http://schemas.microsoft.com/office/drawing/2010/main" xmlns="" w="9525">
                   <a:solidFill>
                     <a:srgbClr val="000000"/>
                   </a:solidFill>
@@ -9070,7 +9070,7 @@
             </a:ln>
             <a:extLst>
               <a:ext uri="{91240B29-F687-4f45-9708-019B960494DF}">
-                <a14:hiddenLine xmlns="" xmlns:a14="http://schemas.microsoft.com/office/drawing/2010/main" w="9525">
+                <a14:hiddenLine xmlns:a14="http://schemas.microsoft.com/office/drawing/2010/main" xmlns="" w="9525">
                   <a:solidFill>
                     <a:srgbClr val="000000"/>
                   </a:solidFill>
@@ -9132,7 +9132,7 @@
             </a:ln>
             <a:extLst>
               <a:ext uri="{91240B29-F687-4f45-9708-019B960494DF}">
-                <a14:hiddenLine xmlns="" xmlns:a14="http://schemas.microsoft.com/office/drawing/2010/main" w="9525">
+                <a14:hiddenLine xmlns:a14="http://schemas.microsoft.com/office/drawing/2010/main" xmlns="" w="9525">
                   <a:solidFill>
                     <a:srgbClr val="000000"/>
                   </a:solidFill>
@@ -9194,7 +9194,7 @@
             </a:ln>
             <a:extLst>
               <a:ext uri="{91240B29-F687-4f45-9708-019B960494DF}">
-                <a14:hiddenLine xmlns="" xmlns:a14="http://schemas.microsoft.com/office/drawing/2010/main" w="9525">
+                <a14:hiddenLine xmlns:a14="http://schemas.microsoft.com/office/drawing/2010/main" xmlns="" w="9525">
                   <a:solidFill>
                     <a:srgbClr val="000000"/>
                   </a:solidFill>
@@ -9284,7 +9284,7 @@
             </a:ln>
             <a:extLst>
               <a:ext uri="{91240B29-F687-4f45-9708-019B960494DF}">
-                <a14:hiddenLine xmlns="" xmlns:a14="http://schemas.microsoft.com/office/drawing/2010/main" w="9525">
+                <a14:hiddenLine xmlns:a14="http://schemas.microsoft.com/office/drawing/2010/main" xmlns="" w="9525">
                   <a:solidFill>
                     <a:srgbClr val="000000"/>
                   </a:solidFill>
@@ -9374,7 +9374,7 @@
             </a:ln>
             <a:extLst>
               <a:ext uri="{91240B29-F687-4f45-9708-019B960494DF}">
-                <a14:hiddenLine xmlns="" xmlns:a14="http://schemas.microsoft.com/office/drawing/2010/main" w="9525">
+                <a14:hiddenLine xmlns:a14="http://schemas.microsoft.com/office/drawing/2010/main" xmlns="" w="9525">
                   <a:solidFill>
                     <a:srgbClr val="000000"/>
                   </a:solidFill>
@@ -9436,7 +9436,7 @@
             </a:ln>
             <a:extLst>
               <a:ext uri="{91240B29-F687-4f45-9708-019B960494DF}">
-                <a14:hiddenLine xmlns="" xmlns:a14="http://schemas.microsoft.com/office/drawing/2010/main" w="9525">
+                <a14:hiddenLine xmlns:a14="http://schemas.microsoft.com/office/drawing/2010/main" xmlns="" w="9525">
                   <a:solidFill>
                     <a:srgbClr val="000000"/>
                   </a:solidFill>
@@ -9546,7 +9546,7 @@
             </a:ln>
             <a:extLst>
               <a:ext uri="{91240B29-F687-4f45-9708-019B960494DF}">
-                <a14:hiddenLine xmlns="" xmlns:a14="http://schemas.microsoft.com/office/drawing/2010/main" w="9525">
+                <a14:hiddenLine xmlns:a14="http://schemas.microsoft.com/office/drawing/2010/main" xmlns="" w="9525">
                   <a:solidFill>
                     <a:srgbClr val="000000"/>
                   </a:solidFill>
@@ -9608,7 +9608,7 @@
             </a:ln>
             <a:extLst>
               <a:ext uri="{91240B29-F687-4f45-9708-019B960494DF}">
-                <a14:hiddenLine xmlns="" xmlns:a14="http://schemas.microsoft.com/office/drawing/2010/main" w="9525">
+                <a14:hiddenLine xmlns:a14="http://schemas.microsoft.com/office/drawing/2010/main" xmlns="" w="9525">
                   <a:solidFill>
                     <a:srgbClr val="000000"/>
                   </a:solidFill>
@@ -9698,7 +9698,7 @@
             </a:ln>
             <a:extLst>
               <a:ext uri="{91240B29-F687-4f45-9708-019B960494DF}">
-                <a14:hiddenLine xmlns="" xmlns:a14="http://schemas.microsoft.com/office/drawing/2010/main" w="9525">
+                <a14:hiddenLine xmlns:a14="http://schemas.microsoft.com/office/drawing/2010/main" xmlns="" w="9525">
                   <a:solidFill>
                     <a:srgbClr val="000000"/>
                   </a:solidFill>
@@ -9788,7 +9788,7 @@
             </a:ln>
             <a:extLst>
               <a:ext uri="{91240B29-F687-4f45-9708-019B960494DF}">
-                <a14:hiddenLine xmlns="" xmlns:a14="http://schemas.microsoft.com/office/drawing/2010/main" w="9525">
+                <a14:hiddenLine xmlns:a14="http://schemas.microsoft.com/office/drawing/2010/main" xmlns="" w="9525">
                   <a:solidFill>
                     <a:srgbClr val="000000"/>
                   </a:solidFill>
@@ -9850,7 +9850,7 @@
             </a:ln>
             <a:extLst>
               <a:ext uri="{91240B29-F687-4f45-9708-019B960494DF}">
-                <a14:hiddenLine xmlns="" xmlns:a14="http://schemas.microsoft.com/office/drawing/2010/main" w="9525">
+                <a14:hiddenLine xmlns:a14="http://schemas.microsoft.com/office/drawing/2010/main" xmlns="" w="9525">
                   <a:solidFill>
                     <a:srgbClr val="000000"/>
                   </a:solidFill>
@@ -9940,7 +9940,7 @@
             </a:ln>
             <a:extLst>
               <a:ext uri="{91240B29-F687-4f45-9708-019B960494DF}">
-                <a14:hiddenLine xmlns="" xmlns:a14="http://schemas.microsoft.com/office/drawing/2010/main" w="9525">
+                <a14:hiddenLine xmlns:a14="http://schemas.microsoft.com/office/drawing/2010/main" xmlns="" w="9525">
                   <a:solidFill>
                     <a:srgbClr val="000000"/>
                   </a:solidFill>
@@ -10030,7 +10030,7 @@
             </a:ln>
             <a:extLst>
               <a:ext uri="{91240B29-F687-4f45-9708-019B960494DF}">
-                <a14:hiddenLine xmlns="" xmlns:a14="http://schemas.microsoft.com/office/drawing/2010/main" w="9525">
+                <a14:hiddenLine xmlns:a14="http://schemas.microsoft.com/office/drawing/2010/main" xmlns="" w="9525">
                   <a:solidFill>
                     <a:srgbClr val="000000"/>
                   </a:solidFill>
@@ -10086,7 +10086,7 @@
             </a:ln>
             <a:extLst>
               <a:ext uri="{91240B29-F687-4f45-9708-019B960494DF}">
-                <a14:hiddenLine xmlns="" xmlns:a14="http://schemas.microsoft.com/office/drawing/2010/main" w="9525">
+                <a14:hiddenLine xmlns:a14="http://schemas.microsoft.com/office/drawing/2010/main" xmlns="" w="9525">
                   <a:solidFill>
                     <a:srgbClr val="000000"/>
                   </a:solidFill>
@@ -10176,7 +10176,7 @@
             </a:ln>
             <a:extLst>
               <a:ext uri="{91240B29-F687-4f45-9708-019B960494DF}">
-                <a14:hiddenLine xmlns="" xmlns:a14="http://schemas.microsoft.com/office/drawing/2010/main" w="9525">
+                <a14:hiddenLine xmlns:a14="http://schemas.microsoft.com/office/drawing/2010/main" xmlns="" w="9525">
                   <a:solidFill>
                     <a:srgbClr val="000000"/>
                   </a:solidFill>
@@ -10232,7 +10232,7 @@
             </a:ln>
             <a:extLst>
               <a:ext uri="{91240B29-F687-4f45-9708-019B960494DF}">
-                <a14:hiddenLine xmlns="" xmlns:a14="http://schemas.microsoft.com/office/drawing/2010/main" w="9525">
+                <a14:hiddenLine xmlns:a14="http://schemas.microsoft.com/office/drawing/2010/main" xmlns="" w="9525">
                   <a:solidFill>
                     <a:srgbClr val="000000"/>
                   </a:solidFill>
@@ -10322,7 +10322,7 @@
             </a:ln>
             <a:extLst>
               <a:ext uri="{91240B29-F687-4f45-9708-019B960494DF}">
-                <a14:hiddenLine xmlns="" xmlns:a14="http://schemas.microsoft.com/office/drawing/2010/main" w="9525">
+                <a14:hiddenLine xmlns:a14="http://schemas.microsoft.com/office/drawing/2010/main" xmlns="" w="9525">
                   <a:solidFill>
                     <a:srgbClr val="000000"/>
                   </a:solidFill>
@@ -10390,7 +10390,7 @@
             </a:ln>
             <a:extLst>
               <a:ext uri="{91240B29-F687-4f45-9708-019B960494DF}">
-                <a14:hiddenLine xmlns="" xmlns:a14="http://schemas.microsoft.com/office/drawing/2010/main" w="9525">
+                <a14:hiddenLine xmlns:a14="http://schemas.microsoft.com/office/drawing/2010/main" xmlns="" w="9525">
                   <a:solidFill>
                     <a:srgbClr val="000000"/>
                   </a:solidFill>
@@ -10480,7 +10480,7 @@
             </a:ln>
             <a:extLst>
               <a:ext uri="{91240B29-F687-4f45-9708-019B960494DF}">
-                <a14:hiddenLine xmlns="" xmlns:a14="http://schemas.microsoft.com/office/drawing/2010/main" w="9525">
+                <a14:hiddenLine xmlns:a14="http://schemas.microsoft.com/office/drawing/2010/main" xmlns="" w="9525">
                   <a:solidFill>
                     <a:srgbClr val="000000"/>
                   </a:solidFill>
@@ -10548,7 +10548,7 @@
             </a:ln>
             <a:extLst>
               <a:ext uri="{91240B29-F687-4f45-9708-019B960494DF}">
-                <a14:hiddenLine xmlns="" xmlns:a14="http://schemas.microsoft.com/office/drawing/2010/main" w="9525">
+                <a14:hiddenLine xmlns:a14="http://schemas.microsoft.com/office/drawing/2010/main" xmlns="" w="9525">
                   <a:solidFill>
                     <a:srgbClr val="000000"/>
                   </a:solidFill>
@@ -10638,7 +10638,7 @@
             </a:ln>
             <a:extLst>
               <a:ext uri="{91240B29-F687-4f45-9708-019B960494DF}">
-                <a14:hiddenLine xmlns="" xmlns:a14="http://schemas.microsoft.com/office/drawing/2010/main" w="9525">
+                <a14:hiddenLine xmlns:a14="http://schemas.microsoft.com/office/drawing/2010/main" xmlns="" w="9525">
                   <a:solidFill>
                     <a:srgbClr val="000000"/>
                   </a:solidFill>
@@ -10672,7 +10672,7 @@
             </a:ln>
             <a:extLst>
               <a:ext uri="{91240B29-F687-4f45-9708-019B960494DF}">
-                <a14:hiddenLine xmlns="" xmlns:a14="http://schemas.microsoft.com/office/drawing/2010/main" w="9525">
+                <a14:hiddenLine xmlns:a14="http://schemas.microsoft.com/office/drawing/2010/main" xmlns="" w="9525">
                   <a:solidFill>
                     <a:srgbClr val="000000"/>
                   </a:solidFill>
@@ -10762,7 +10762,7 @@
             </a:ln>
             <a:extLst>
               <a:ext uri="{91240B29-F687-4f45-9708-019B960494DF}">
-                <a14:hiddenLine xmlns="" xmlns:a14="http://schemas.microsoft.com/office/drawing/2010/main" w="9525">
+                <a14:hiddenLine xmlns:a14="http://schemas.microsoft.com/office/drawing/2010/main" xmlns="" w="9525">
                   <a:solidFill>
                     <a:srgbClr val="000000"/>
                   </a:solidFill>
@@ -10824,7 +10824,7 @@
             </a:ln>
             <a:extLst>
               <a:ext uri="{91240B29-F687-4f45-9708-019B960494DF}">
-                <a14:hiddenLine xmlns="" xmlns:a14="http://schemas.microsoft.com/office/drawing/2010/main" w="9525">
+                <a14:hiddenLine xmlns:a14="http://schemas.microsoft.com/office/drawing/2010/main" xmlns="" w="9525">
                   <a:solidFill>
                     <a:srgbClr val="000000"/>
                   </a:solidFill>
@@ -10886,7 +10886,7 @@
             </a:ln>
             <a:extLst>
               <a:ext uri="{91240B29-F687-4f45-9708-019B960494DF}">
-                <a14:hiddenLine xmlns="" xmlns:a14="http://schemas.microsoft.com/office/drawing/2010/main" w="9525">
+                <a14:hiddenLine xmlns:a14="http://schemas.microsoft.com/office/drawing/2010/main" xmlns="" w="9525">
                   <a:solidFill>
                     <a:srgbClr val="000000"/>
                   </a:solidFill>
@@ -10976,7 +10976,7 @@
             </a:ln>
             <a:extLst>
               <a:ext uri="{91240B29-F687-4f45-9708-019B960494DF}">
-                <a14:hiddenLine xmlns="" xmlns:a14="http://schemas.microsoft.com/office/drawing/2010/main" w="9525">
+                <a14:hiddenLine xmlns:a14="http://schemas.microsoft.com/office/drawing/2010/main" xmlns="" w="9525">
                   <a:solidFill>
                     <a:srgbClr val="000000"/>
                   </a:solidFill>
@@ -11044,7 +11044,7 @@
             </a:ln>
             <a:extLst>
               <a:ext uri="{91240B29-F687-4f45-9708-019B960494DF}">
-                <a14:hiddenLine xmlns="" xmlns:a14="http://schemas.microsoft.com/office/drawing/2010/main" w="9525">
+                <a14:hiddenLine xmlns:a14="http://schemas.microsoft.com/office/drawing/2010/main" xmlns="" w="9525">
                   <a:solidFill>
                     <a:srgbClr val="000000"/>
                   </a:solidFill>
@@ -11106,7 +11106,7 @@
             </a:ln>
             <a:extLst>
               <a:ext uri="{91240B29-F687-4f45-9708-019B960494DF}">
-                <a14:hiddenLine xmlns="" xmlns:a14="http://schemas.microsoft.com/office/drawing/2010/main" w="9525">
+                <a14:hiddenLine xmlns:a14="http://schemas.microsoft.com/office/drawing/2010/main" xmlns="" w="9525">
                   <a:solidFill>
                     <a:srgbClr val="000000"/>
                   </a:solidFill>
@@ -11196,7 +11196,7 @@
             </a:ln>
             <a:extLst>
               <a:ext uri="{91240B29-F687-4f45-9708-019B960494DF}">
-                <a14:hiddenLine xmlns="" xmlns:a14="http://schemas.microsoft.com/office/drawing/2010/main" w="9525">
+                <a14:hiddenLine xmlns:a14="http://schemas.microsoft.com/office/drawing/2010/main" xmlns="" w="9525">
                   <a:solidFill>
                     <a:srgbClr val="000000"/>
                   </a:solidFill>
@@ -11258,7 +11258,7 @@
             </a:ln>
             <a:extLst>
               <a:ext uri="{91240B29-F687-4f45-9708-019B960494DF}">
-                <a14:hiddenLine xmlns="" xmlns:a14="http://schemas.microsoft.com/office/drawing/2010/main" w="9525">
+                <a14:hiddenLine xmlns:a14="http://schemas.microsoft.com/office/drawing/2010/main" xmlns="" w="9525">
                   <a:solidFill>
                     <a:srgbClr val="000000"/>
                   </a:solidFill>
@@ -11348,7 +11348,7 @@
             </a:ln>
             <a:extLst>
               <a:ext uri="{91240B29-F687-4f45-9708-019B960494DF}">
-                <a14:hiddenLine xmlns="" xmlns:a14="http://schemas.microsoft.com/office/drawing/2010/main" w="9525">
+                <a14:hiddenLine xmlns:a14="http://schemas.microsoft.com/office/drawing/2010/main" xmlns="" w="9525">
                   <a:solidFill>
                     <a:srgbClr val="000000"/>
                   </a:solidFill>
@@ -11410,7 +11410,7 @@
             </a:ln>
             <a:extLst>
               <a:ext uri="{91240B29-F687-4f45-9708-019B960494DF}">
-                <a14:hiddenLine xmlns="" xmlns:a14="http://schemas.microsoft.com/office/drawing/2010/main" w="9525">
+                <a14:hiddenLine xmlns:a14="http://schemas.microsoft.com/office/drawing/2010/main" xmlns="" w="9525">
                   <a:solidFill>
                     <a:srgbClr val="000000"/>
                   </a:solidFill>
@@ -11500,7 +11500,7 @@
             </a:ln>
             <a:extLst>
               <a:ext uri="{91240B29-F687-4f45-9708-019B960494DF}">
-                <a14:hiddenLine xmlns="" xmlns:a14="http://schemas.microsoft.com/office/drawing/2010/main" w="9525">
+                <a14:hiddenLine xmlns:a14="http://schemas.microsoft.com/office/drawing/2010/main" xmlns="" w="9525">
                   <a:solidFill>
                     <a:srgbClr val="000000"/>
                   </a:solidFill>
@@ -11534,7 +11534,7 @@
             </a:ln>
             <a:extLst>
               <a:ext uri="{91240B29-F687-4f45-9708-019B960494DF}">
-                <a14:hiddenLine xmlns="" xmlns:a14="http://schemas.microsoft.com/office/drawing/2010/main" w="9525">
+                <a14:hiddenLine xmlns:a14="http://schemas.microsoft.com/office/drawing/2010/main" xmlns="" w="9525">
                   <a:solidFill>
                     <a:srgbClr val="000000"/>
                   </a:solidFill>
@@ -11599,7 +11599,7 @@
             </a:ln>
             <a:extLst>
               <a:ext uri="{91240B29-F687-4f45-9708-019B960494DF}">
-                <a14:hiddenLine xmlns="" xmlns:a14="http://schemas.microsoft.com/office/drawing/2010/main" w="9525">
+                <a14:hiddenLine xmlns:a14="http://schemas.microsoft.com/office/drawing/2010/main" xmlns="" w="9525">
                   <a:solidFill>
                     <a:srgbClr val="000000"/>
                   </a:solidFill>
@@ -11689,7 +11689,7 @@
             </a:ln>
             <a:extLst>
               <a:ext uri="{91240B29-F687-4f45-9708-019B960494DF}">
-                <a14:hiddenLine xmlns="" xmlns:a14="http://schemas.microsoft.com/office/drawing/2010/main" w="9525">
+                <a14:hiddenLine xmlns:a14="http://schemas.microsoft.com/office/drawing/2010/main" xmlns="" w="9525">
                   <a:solidFill>
                     <a:srgbClr val="000000"/>
                   </a:solidFill>
@@ -11751,7 +11751,7 @@
             </a:ln>
             <a:extLst>
               <a:ext uri="{91240B29-F687-4f45-9708-019B960494DF}">
-                <a14:hiddenLine xmlns="" xmlns:a14="http://schemas.microsoft.com/office/drawing/2010/main" w="9525">
+                <a14:hiddenLine xmlns:a14="http://schemas.microsoft.com/office/drawing/2010/main" xmlns="" w="9525">
                   <a:solidFill>
                     <a:srgbClr val="000000"/>
                   </a:solidFill>
@@ -11841,7 +11841,7 @@
             </a:ln>
             <a:extLst>
               <a:ext uri="{91240B29-F687-4f45-9708-019B960494DF}">
-                <a14:hiddenLine xmlns="" xmlns:a14="http://schemas.microsoft.com/office/drawing/2010/main" w="9525">
+                <a14:hiddenLine xmlns:a14="http://schemas.microsoft.com/office/drawing/2010/main" xmlns="" w="9525">
                   <a:solidFill>
                     <a:srgbClr val="000000"/>
                   </a:solidFill>
@@ -11931,7 +11931,7 @@
             </a:ln>
             <a:extLst>
               <a:ext uri="{91240B29-F687-4f45-9708-019B960494DF}">
-                <a14:hiddenLine xmlns="" xmlns:a14="http://schemas.microsoft.com/office/drawing/2010/main" w="9525">
+                <a14:hiddenLine xmlns:a14="http://schemas.microsoft.com/office/drawing/2010/main" xmlns="" w="9525">
                   <a:solidFill>
                     <a:srgbClr val="000000"/>
                   </a:solidFill>
@@ -11996,7 +11996,7 @@
             </a:ln>
             <a:extLst>
               <a:ext uri="{91240B29-F687-4f45-9708-019B960494DF}">
-                <a14:hiddenLine xmlns="" xmlns:a14="http://schemas.microsoft.com/office/drawing/2010/main" w="9525">
+                <a14:hiddenLine xmlns:a14="http://schemas.microsoft.com/office/drawing/2010/main" xmlns="" w="9525">
                   <a:solidFill>
                     <a:srgbClr val="000000"/>
                   </a:solidFill>
@@ -12058,7 +12058,7 @@
             </a:ln>
             <a:extLst>
               <a:ext uri="{91240B29-F687-4f45-9708-019B960494DF}">
-                <a14:hiddenLine xmlns="" xmlns:a14="http://schemas.microsoft.com/office/drawing/2010/main" w="9525">
+                <a14:hiddenLine xmlns:a14="http://schemas.microsoft.com/office/drawing/2010/main" xmlns="" w="9525">
                   <a:solidFill>
                     <a:srgbClr val="000000"/>
                   </a:solidFill>
@@ -12148,7 +12148,7 @@
             </a:ln>
             <a:extLst>
               <a:ext uri="{91240B29-F687-4f45-9708-019B960494DF}">
-                <a14:hiddenLine xmlns="" xmlns:a14="http://schemas.microsoft.com/office/drawing/2010/main" w="9525">
+                <a14:hiddenLine xmlns:a14="http://schemas.microsoft.com/office/drawing/2010/main" xmlns="" w="9525">
                   <a:solidFill>
                     <a:srgbClr val="000000"/>
                   </a:solidFill>
@@ -12238,7 +12238,7 @@
             </a:ln>
             <a:extLst>
               <a:ext uri="{91240B29-F687-4f45-9708-019B960494DF}">
-                <a14:hiddenLine xmlns="" xmlns:a14="http://schemas.microsoft.com/office/drawing/2010/main" w="9525">
+                <a14:hiddenLine xmlns:a14="http://schemas.microsoft.com/office/drawing/2010/main" xmlns="" w="9525">
                   <a:solidFill>
                     <a:srgbClr val="000000"/>
                   </a:solidFill>
@@ -12300,7 +12300,7 @@
             </a:ln>
             <a:extLst>
               <a:ext uri="{91240B29-F687-4f45-9708-019B960494DF}">
-                <a14:hiddenLine xmlns="" xmlns:a14="http://schemas.microsoft.com/office/drawing/2010/main" w="9525">
+                <a14:hiddenLine xmlns:a14="http://schemas.microsoft.com/office/drawing/2010/main" xmlns="" w="9525">
                   <a:solidFill>
                     <a:srgbClr val="000000"/>
                   </a:solidFill>
@@ -12420,7 +12420,7 @@
             </a:ln>
             <a:extLst>
               <a:ext uri="{91240B29-F687-4f45-9708-019B960494DF}">
-                <a14:hiddenLine xmlns="" xmlns:a14="http://schemas.microsoft.com/office/drawing/2010/main" w="9525">
+                <a14:hiddenLine xmlns:a14="http://schemas.microsoft.com/office/drawing/2010/main" xmlns="" w="9525">
                   <a:solidFill>
                     <a:srgbClr val="000000"/>
                   </a:solidFill>
@@ -12488,7 +12488,7 @@
             </a:ln>
             <a:extLst>
               <a:ext uri="{91240B29-F687-4f45-9708-019B960494DF}">
-                <a14:hiddenLine xmlns="" xmlns:a14="http://schemas.microsoft.com/office/drawing/2010/main" w="9525">
+                <a14:hiddenLine xmlns:a14="http://schemas.microsoft.com/office/drawing/2010/main" xmlns="" w="9525">
                   <a:solidFill>
                     <a:srgbClr val="000000"/>
                   </a:solidFill>
@@ -12578,7 +12578,7 @@
             </a:ln>
             <a:extLst>
               <a:ext uri="{91240B29-F687-4f45-9708-019B960494DF}">
-                <a14:hiddenLine xmlns="" xmlns:a14="http://schemas.microsoft.com/office/drawing/2010/main" w="9525">
+                <a14:hiddenLine xmlns:a14="http://schemas.microsoft.com/office/drawing/2010/main" xmlns="" w="9525">
                   <a:solidFill>
                     <a:srgbClr val="000000"/>
                   </a:solidFill>
@@ -17392,7 +17392,7 @@
           <a:noFill/>
           <a:extLst>
             <a:ext uri="{909E8E84-426E-40dd-AFC4-6F175D3DCCD1}">
-              <a14:hiddenFill xmlns="" xmlns:a14="http://schemas.microsoft.com/office/drawing/2010/main">
+              <a14:hiddenFill xmlns:a14="http://schemas.microsoft.com/office/drawing/2010/main" xmlns="">
                 <a:solidFill>
                   <a:srgbClr val="FFFFFF"/>
                 </a:solidFill>
@@ -17466,7 +17466,7 @@
               </a:ln>
               <a:extLst>
                 <a:ext uri="{91240B29-F687-4f45-9708-019B960494DF}">
-                  <a14:hiddenLine xmlns="" xmlns:a14="http://schemas.microsoft.com/office/drawing/2010/main" w="9525">
+                  <a14:hiddenLine xmlns:a14="http://schemas.microsoft.com/office/drawing/2010/main" xmlns="" w="9525">
                     <a:solidFill>
                       <a:srgbClr val="000000"/>
                     </a:solidFill>
@@ -17556,7 +17556,7 @@
               </a:ln>
               <a:extLst>
                 <a:ext uri="{91240B29-F687-4f45-9708-019B960494DF}">
-                  <a14:hiddenLine xmlns="" xmlns:a14="http://schemas.microsoft.com/office/drawing/2010/main" w="9525">
+                  <a14:hiddenLine xmlns:a14="http://schemas.microsoft.com/office/drawing/2010/main" xmlns="" w="9525">
                     <a:solidFill>
                       <a:srgbClr val="000000"/>
                     </a:solidFill>
@@ -17646,7 +17646,7 @@
               </a:ln>
               <a:extLst>
                 <a:ext uri="{91240B29-F687-4f45-9708-019B960494DF}">
-                  <a14:hiddenLine xmlns="" xmlns:a14="http://schemas.microsoft.com/office/drawing/2010/main" w="9525">
+                  <a14:hiddenLine xmlns:a14="http://schemas.microsoft.com/office/drawing/2010/main" xmlns="" w="9525">
                     <a:solidFill>
                       <a:srgbClr val="000000"/>
                     </a:solidFill>
@@ -17708,7 +17708,7 @@
               </a:ln>
               <a:extLst>
                 <a:ext uri="{91240B29-F687-4f45-9708-019B960494DF}">
-                  <a14:hiddenLine xmlns="" xmlns:a14="http://schemas.microsoft.com/office/drawing/2010/main" w="9525">
+                  <a14:hiddenLine xmlns:a14="http://schemas.microsoft.com/office/drawing/2010/main" xmlns="" w="9525">
                     <a:solidFill>
                       <a:srgbClr val="000000"/>
                     </a:solidFill>
@@ -17798,7 +17798,7 @@
               </a:ln>
               <a:extLst>
                 <a:ext uri="{91240B29-F687-4f45-9708-019B960494DF}">
-                  <a14:hiddenLine xmlns="" xmlns:a14="http://schemas.microsoft.com/office/drawing/2010/main" w="9525">
+                  <a14:hiddenLine xmlns:a14="http://schemas.microsoft.com/office/drawing/2010/main" xmlns="" w="9525">
                     <a:solidFill>
                       <a:srgbClr val="000000"/>
                     </a:solidFill>
@@ -17860,7 +17860,7 @@
               </a:ln>
               <a:extLst>
                 <a:ext uri="{91240B29-F687-4f45-9708-019B960494DF}">
-                  <a14:hiddenLine xmlns="" xmlns:a14="http://schemas.microsoft.com/office/drawing/2010/main" w="9525">
+                  <a14:hiddenLine xmlns:a14="http://schemas.microsoft.com/office/drawing/2010/main" xmlns="" w="9525">
                     <a:solidFill>
                       <a:srgbClr val="000000"/>
                     </a:solidFill>
@@ -17922,7 +17922,7 @@
               </a:ln>
               <a:extLst>
                 <a:ext uri="{91240B29-F687-4f45-9708-019B960494DF}">
-                  <a14:hiddenLine xmlns="" xmlns:a14="http://schemas.microsoft.com/office/drawing/2010/main" w="9525">
+                  <a14:hiddenLine xmlns:a14="http://schemas.microsoft.com/office/drawing/2010/main" xmlns="" w="9525">
                     <a:solidFill>
                       <a:srgbClr val="000000"/>
                     </a:solidFill>
@@ -18012,7 +18012,7 @@
               </a:ln>
               <a:extLst>
                 <a:ext uri="{91240B29-F687-4f45-9708-019B960494DF}">
-                  <a14:hiddenLine xmlns="" xmlns:a14="http://schemas.microsoft.com/office/drawing/2010/main" w="9525">
+                  <a14:hiddenLine xmlns:a14="http://schemas.microsoft.com/office/drawing/2010/main" xmlns="" w="9525">
                     <a:solidFill>
                       <a:srgbClr val="000000"/>
                     </a:solidFill>
@@ -18102,7 +18102,7 @@
               </a:ln>
               <a:extLst>
                 <a:ext uri="{91240B29-F687-4f45-9708-019B960494DF}">
-                  <a14:hiddenLine xmlns="" xmlns:a14="http://schemas.microsoft.com/office/drawing/2010/main" w="9525">
+                  <a14:hiddenLine xmlns:a14="http://schemas.microsoft.com/office/drawing/2010/main" xmlns="" w="9525">
                     <a:solidFill>
                       <a:srgbClr val="000000"/>
                     </a:solidFill>
@@ -18164,7 +18164,7 @@
               </a:ln>
               <a:extLst>
                 <a:ext uri="{91240B29-F687-4f45-9708-019B960494DF}">
-                  <a14:hiddenLine xmlns="" xmlns:a14="http://schemas.microsoft.com/office/drawing/2010/main" w="9525">
+                  <a14:hiddenLine xmlns:a14="http://schemas.microsoft.com/office/drawing/2010/main" xmlns="" w="9525">
                     <a:solidFill>
                       <a:srgbClr val="000000"/>
                     </a:solidFill>
@@ -18274,7 +18274,7 @@
               </a:ln>
               <a:extLst>
                 <a:ext uri="{91240B29-F687-4f45-9708-019B960494DF}">
-                  <a14:hiddenLine xmlns="" xmlns:a14="http://schemas.microsoft.com/office/drawing/2010/main" w="9525">
+                  <a14:hiddenLine xmlns:a14="http://schemas.microsoft.com/office/drawing/2010/main" xmlns="" w="9525">
                     <a:solidFill>
                       <a:srgbClr val="000000"/>
                     </a:solidFill>
@@ -18358,7 +18358,7 @@
               </a:ln>
               <a:extLst>
                 <a:ext uri="{91240B29-F687-4f45-9708-019B960494DF}">
-                  <a14:hiddenLine xmlns="" xmlns:a14="http://schemas.microsoft.com/office/drawing/2010/main" w="9525">
+                  <a14:hiddenLine xmlns:a14="http://schemas.microsoft.com/office/drawing/2010/main" xmlns="" w="9525">
                     <a:solidFill>
                       <a:srgbClr val="000000"/>
                     </a:solidFill>
@@ -18420,7 +18420,7 @@
               </a:ln>
               <a:extLst>
                 <a:ext uri="{91240B29-F687-4f45-9708-019B960494DF}">
-                  <a14:hiddenLine xmlns="" xmlns:a14="http://schemas.microsoft.com/office/drawing/2010/main" w="9525">
+                  <a14:hiddenLine xmlns:a14="http://schemas.microsoft.com/office/drawing/2010/main" xmlns="" w="9525">
                     <a:solidFill>
                       <a:srgbClr val="000000"/>
                     </a:solidFill>
@@ -18482,7 +18482,7 @@
               </a:ln>
               <a:extLst>
                 <a:ext uri="{91240B29-F687-4f45-9708-019B960494DF}">
-                  <a14:hiddenLine xmlns="" xmlns:a14="http://schemas.microsoft.com/office/drawing/2010/main" w="9525">
+                  <a14:hiddenLine xmlns:a14="http://schemas.microsoft.com/office/drawing/2010/main" xmlns="" w="9525">
                     <a:solidFill>
                       <a:srgbClr val="000000"/>
                     </a:solidFill>
@@ -18572,7 +18572,7 @@
               </a:ln>
               <a:extLst>
                 <a:ext uri="{91240B29-F687-4f45-9708-019B960494DF}">
-                  <a14:hiddenLine xmlns="" xmlns:a14="http://schemas.microsoft.com/office/drawing/2010/main" w="9525">
+                  <a14:hiddenLine xmlns:a14="http://schemas.microsoft.com/office/drawing/2010/main" xmlns="" w="9525">
                     <a:solidFill>
                       <a:srgbClr val="000000"/>
                     </a:solidFill>
@@ -18606,7 +18606,7 @@
               </a:ln>
               <a:extLst>
                 <a:ext uri="{91240B29-F687-4f45-9708-019B960494DF}">
-                  <a14:hiddenLine xmlns="" xmlns:a14="http://schemas.microsoft.com/office/drawing/2010/main" w="9525">
+                  <a14:hiddenLine xmlns:a14="http://schemas.microsoft.com/office/drawing/2010/main" xmlns="" w="9525">
                     <a:solidFill>
                       <a:srgbClr val="000000"/>
                     </a:solidFill>
@@ -18671,7 +18671,7 @@
               </a:ln>
               <a:extLst>
                 <a:ext uri="{91240B29-F687-4f45-9708-019B960494DF}">
-                  <a14:hiddenLine xmlns="" xmlns:a14="http://schemas.microsoft.com/office/drawing/2010/main" w="9525">
+                  <a14:hiddenLine xmlns:a14="http://schemas.microsoft.com/office/drawing/2010/main" xmlns="" w="9525">
                     <a:solidFill>
                       <a:srgbClr val="000000"/>
                     </a:solidFill>
@@ -18761,7 +18761,7 @@
               </a:ln>
               <a:extLst>
                 <a:ext uri="{91240B29-F687-4f45-9708-019B960494DF}">
-                  <a14:hiddenLine xmlns="" xmlns:a14="http://schemas.microsoft.com/office/drawing/2010/main" w="9525">
+                  <a14:hiddenLine xmlns:a14="http://schemas.microsoft.com/office/drawing/2010/main" xmlns="" w="9525">
                     <a:solidFill>
                       <a:srgbClr val="000000"/>
                     </a:solidFill>
@@ -18823,7 +18823,7 @@
               </a:ln>
               <a:extLst>
                 <a:ext uri="{91240B29-F687-4f45-9708-019B960494DF}">
-                  <a14:hiddenLine xmlns="" xmlns:a14="http://schemas.microsoft.com/office/drawing/2010/main" w="9525">
+                  <a14:hiddenLine xmlns:a14="http://schemas.microsoft.com/office/drawing/2010/main" xmlns="" w="9525">
                     <a:solidFill>
                       <a:srgbClr val="000000"/>
                     </a:solidFill>
@@ -18913,7 +18913,7 @@
               </a:ln>
               <a:extLst>
                 <a:ext uri="{91240B29-F687-4f45-9708-019B960494DF}">
-                  <a14:hiddenLine xmlns="" xmlns:a14="http://schemas.microsoft.com/office/drawing/2010/main" w="9525">
+                  <a14:hiddenLine xmlns:a14="http://schemas.microsoft.com/office/drawing/2010/main" xmlns="" w="9525">
                     <a:solidFill>
                       <a:srgbClr val="000000"/>
                     </a:solidFill>
@@ -18978,7 +18978,7 @@
               </a:ln>
               <a:extLst>
                 <a:ext uri="{91240B29-F687-4f45-9708-019B960494DF}">
-                  <a14:hiddenLine xmlns="" xmlns:a14="http://schemas.microsoft.com/office/drawing/2010/main" w="9525">
+                  <a14:hiddenLine xmlns:a14="http://schemas.microsoft.com/office/drawing/2010/main" xmlns="" w="9525">
                     <a:solidFill>
                       <a:srgbClr val="000000"/>
                     </a:solidFill>
@@ -19040,7 +19040,7 @@
               </a:ln>
               <a:extLst>
                 <a:ext uri="{91240B29-F687-4f45-9708-019B960494DF}">
-                  <a14:hiddenLine xmlns="" xmlns:a14="http://schemas.microsoft.com/office/drawing/2010/main" w="9525">
+                  <a14:hiddenLine xmlns:a14="http://schemas.microsoft.com/office/drawing/2010/main" xmlns="" w="9525">
                     <a:solidFill>
                       <a:srgbClr val="000000"/>
                     </a:solidFill>
@@ -19130,7 +19130,7 @@
               </a:ln>
               <a:extLst>
                 <a:ext uri="{91240B29-F687-4f45-9708-019B960494DF}">
-                  <a14:hiddenLine xmlns="" xmlns:a14="http://schemas.microsoft.com/office/drawing/2010/main" w="9525">
+                  <a14:hiddenLine xmlns:a14="http://schemas.microsoft.com/office/drawing/2010/main" xmlns="" w="9525">
                     <a:solidFill>
                       <a:srgbClr val="000000"/>
                     </a:solidFill>
@@ -19220,7 +19220,7 @@
               </a:ln>
               <a:extLst>
                 <a:ext uri="{91240B29-F687-4f45-9708-019B960494DF}">
-                  <a14:hiddenLine xmlns="" xmlns:a14="http://schemas.microsoft.com/office/drawing/2010/main" w="9525">
+                  <a14:hiddenLine xmlns:a14="http://schemas.microsoft.com/office/drawing/2010/main" xmlns="" w="9525">
                     <a:solidFill>
                       <a:srgbClr val="000000"/>
                     </a:solidFill>
@@ -19285,7 +19285,7 @@
               </a:ln>
               <a:extLst>
                 <a:ext uri="{91240B29-F687-4f45-9708-019B960494DF}">
-                  <a14:hiddenLine xmlns="" xmlns:a14="http://schemas.microsoft.com/office/drawing/2010/main" w="9525">
+                  <a14:hiddenLine xmlns:a14="http://schemas.microsoft.com/office/drawing/2010/main" xmlns="" w="9525">
                     <a:solidFill>
                       <a:srgbClr val="000000"/>
                     </a:solidFill>
@@ -19405,7 +19405,7 @@
               </a:ln>
               <a:extLst>
                 <a:ext uri="{91240B29-F687-4f45-9708-019B960494DF}">
-                  <a14:hiddenLine xmlns="" xmlns:a14="http://schemas.microsoft.com/office/drawing/2010/main" w="9525">
+                  <a14:hiddenLine xmlns:a14="http://schemas.microsoft.com/office/drawing/2010/main" xmlns="" w="9525">
                     <a:solidFill>
                       <a:srgbClr val="000000"/>
                     </a:solidFill>
@@ -19486,7 +19486,7 @@
               </a:ln>
               <a:extLst>
                 <a:ext uri="{91240B29-F687-4f45-9708-019B960494DF}">
-                  <a14:hiddenLine xmlns="" xmlns:a14="http://schemas.microsoft.com/office/drawing/2010/main" w="9525">
+                  <a14:hiddenLine xmlns:a14="http://schemas.microsoft.com/office/drawing/2010/main" xmlns="" w="9525">
                     <a:solidFill>
                       <a:srgbClr val="000000"/>
                     </a:solidFill>
@@ -19601,7 +19601,7 @@
               </a:ln>
               <a:extLst>
                 <a:ext uri="{91240B29-F687-4f45-9708-019B960494DF}">
-                  <a14:hiddenLine xmlns="" xmlns:a14="http://schemas.microsoft.com/office/drawing/2010/main" w="9525">
+                  <a14:hiddenLine xmlns:a14="http://schemas.microsoft.com/office/drawing/2010/main" xmlns="" w="9525">
                     <a:solidFill>
                       <a:srgbClr val="000000"/>
                     </a:solidFill>
@@ -19691,7 +19691,7 @@
               </a:ln>
               <a:extLst>
                 <a:ext uri="{91240B29-F687-4f45-9708-019B960494DF}">
-                  <a14:hiddenLine xmlns="" xmlns:a14="http://schemas.microsoft.com/office/drawing/2010/main" w="9525">
+                  <a14:hiddenLine xmlns:a14="http://schemas.microsoft.com/office/drawing/2010/main" xmlns="" w="9525">
                     <a:solidFill>
                       <a:srgbClr val="000000"/>
                     </a:solidFill>
@@ -19756,7 +19756,7 @@
               </a:ln>
               <a:extLst>
                 <a:ext uri="{91240B29-F687-4f45-9708-019B960494DF}">
-                  <a14:hiddenLine xmlns="" xmlns:a14="http://schemas.microsoft.com/office/drawing/2010/main" w="9525">
+                  <a14:hiddenLine xmlns:a14="http://schemas.microsoft.com/office/drawing/2010/main" xmlns="" w="9525">
                     <a:solidFill>
                       <a:srgbClr val="000000"/>
                     </a:solidFill>
@@ -19846,7 +19846,7 @@
               </a:ln>
               <a:extLst>
                 <a:ext uri="{91240B29-F687-4f45-9708-019B960494DF}">
-                  <a14:hiddenLine xmlns="" xmlns:a14="http://schemas.microsoft.com/office/drawing/2010/main" w="9525">
+                  <a14:hiddenLine xmlns:a14="http://schemas.microsoft.com/office/drawing/2010/main" xmlns="" w="9525">
                     <a:solidFill>
                       <a:srgbClr val="000000"/>
                     </a:solidFill>
@@ -19914,7 +19914,7 @@
               </a:ln>
               <a:extLst>
                 <a:ext uri="{91240B29-F687-4f45-9708-019B960494DF}">
-                  <a14:hiddenLine xmlns="" xmlns:a14="http://schemas.microsoft.com/office/drawing/2010/main" w="9525">
+                  <a14:hiddenLine xmlns:a14="http://schemas.microsoft.com/office/drawing/2010/main" xmlns="" w="9525">
                     <a:solidFill>
                       <a:srgbClr val="000000"/>
                     </a:solidFill>
@@ -20004,7 +20004,7 @@
               </a:ln>
               <a:extLst>
                 <a:ext uri="{91240B29-F687-4f45-9708-019B960494DF}">
-                  <a14:hiddenLine xmlns="" xmlns:a14="http://schemas.microsoft.com/office/drawing/2010/main" w="9525">
+                  <a14:hiddenLine xmlns:a14="http://schemas.microsoft.com/office/drawing/2010/main" xmlns="" w="9525">
                     <a:solidFill>
                       <a:srgbClr val="000000"/>
                     </a:solidFill>
@@ -20072,7 +20072,7 @@
               </a:ln>
               <a:extLst>
                 <a:ext uri="{91240B29-F687-4f45-9708-019B960494DF}">
-                  <a14:hiddenLine xmlns="" xmlns:a14="http://schemas.microsoft.com/office/drawing/2010/main" w="9525">
+                  <a14:hiddenLine xmlns:a14="http://schemas.microsoft.com/office/drawing/2010/main" xmlns="" w="9525">
                     <a:solidFill>
                       <a:srgbClr val="000000"/>
                     </a:solidFill>
@@ -20162,7 +20162,7 @@
               </a:ln>
               <a:extLst>
                 <a:ext uri="{91240B29-F687-4f45-9708-019B960494DF}">
-                  <a14:hiddenLine xmlns="" xmlns:a14="http://schemas.microsoft.com/office/drawing/2010/main" w="9525">
+                  <a14:hiddenLine xmlns:a14="http://schemas.microsoft.com/office/drawing/2010/main" xmlns="" w="9525">
                     <a:solidFill>
                       <a:srgbClr val="000000"/>
                     </a:solidFill>
@@ -20196,7 +20196,7 @@
               </a:ln>
               <a:extLst>
                 <a:ext uri="{91240B29-F687-4f45-9708-019B960494DF}">
-                  <a14:hiddenLine xmlns="" xmlns:a14="http://schemas.microsoft.com/office/drawing/2010/main" w="9525">
+                  <a14:hiddenLine xmlns:a14="http://schemas.microsoft.com/office/drawing/2010/main" xmlns="" w="9525">
                     <a:solidFill>
                       <a:srgbClr val="000000"/>
                     </a:solidFill>
@@ -23198,6 +23198,142 @@
           <p:cNvPr id="2" name="Title 1">
             <a:extLst>
               <a:ext uri="{FF2B5EF4-FFF2-40B4-BE49-F238E27FC236}">
+                <a16:creationId xmlns:a16="http://schemas.microsoft.com/office/drawing/2014/main" id="{A55F60E1-6EDC-479E-9C40-F2CD01CE8DB0}"/>
+              </a:ext>
+            </a:extLst>
+          </p:cNvPr>
+          <p:cNvSpPr>
+            <a:spLocks noGrp="1"/>
+          </p:cNvSpPr>
+          <p:nvPr>
+            <p:ph type="title"/>
+          </p:nvPr>
+        </p:nvSpPr>
+        <p:spPr/>
+        <p:txBody>
+          <a:bodyPr/>
+          <a:lstStyle/>
+          <a:p>
+            <a:r>
+              <a:rPr lang="en-US" dirty="0"/>
+              <a:t>K-Means Clustering with PCA </a:t>
+            </a:r>
+          </a:p>
+        </p:txBody>
+      </p:sp>
+      <p:sp>
+        <p:nvSpPr>
+          <p:cNvPr id="3" name="Content Placeholder 2">
+            <a:extLst>
+              <a:ext uri="{FF2B5EF4-FFF2-40B4-BE49-F238E27FC236}">
+                <a16:creationId xmlns:a16="http://schemas.microsoft.com/office/drawing/2014/main" id="{0D9C9E10-64F4-4A32-8EC6-7385D9754649}"/>
+              </a:ext>
+            </a:extLst>
+          </p:cNvPr>
+          <p:cNvSpPr>
+            <a:spLocks noGrp="1"/>
+          </p:cNvSpPr>
+          <p:nvPr>
+            <p:ph sz="half" idx="1"/>
+          </p:nvPr>
+        </p:nvSpPr>
+        <p:spPr/>
+        <p:txBody>
+          <a:bodyPr>
+            <a:normAutofit fontScale="92500" lnSpcReduction="10000"/>
+          </a:bodyPr>
+          <a:lstStyle/>
+          <a:p>
+            <a:r>
+              <a:rPr lang="en-US" dirty="0"/>
+              <a:t>The schools broke into 3 clusters while explaining ~ 55% of the model variance, using PCA.  </a:t>
+            </a:r>
+          </a:p>
+          <a:p>
+            <a:r>
+              <a:rPr lang="en-US" dirty="0"/>
+              <a:t>Could be Good, Bad, Medium?</a:t>
+            </a:r>
+          </a:p>
+          <a:p>
+            <a:r>
+              <a:rPr lang="en-US" dirty="0"/>
+              <a:t>Clusters are well defined based on 3-D graphic.</a:t>
+            </a:r>
+          </a:p>
+          <a:p>
+            <a:r>
+              <a:rPr lang="en-US" dirty="0"/>
+              <a:t>Using socio-economic data solves more than half the equation!</a:t>
+            </a:r>
+          </a:p>
+        </p:txBody>
+      </p:sp>
+      <p:pic>
+        <p:nvPicPr>
+          <p:cNvPr id="6" name="Picture 5">
+            <a:extLst>
+              <a:ext uri="{FF2B5EF4-FFF2-40B4-BE49-F238E27FC236}">
+                <a16:creationId xmlns:a16="http://schemas.microsoft.com/office/drawing/2014/main" id="{027BC0D0-AF8B-44FB-874B-F21A41245363}"/>
+              </a:ext>
+            </a:extLst>
+          </p:cNvPr>
+          <p:cNvPicPr>
+            <a:picLocks noChangeAspect="1"/>
+          </p:cNvPicPr>
+          <p:nvPr/>
+        </p:nvPicPr>
+        <p:blipFill>
+          <a:blip r:embed="rId2"/>
+          <a:stretch>
+            <a:fillRect/>
+          </a:stretch>
+        </p:blipFill>
+        <p:spPr>
+          <a:xfrm>
+            <a:off x="6427185" y="2527577"/>
+            <a:ext cx="5527563" cy="3222774"/>
+          </a:xfrm>
+          <a:prstGeom prst="rect">
+            <a:avLst/>
+          </a:prstGeom>
+        </p:spPr>
+      </p:pic>
+    </p:spTree>
+    <p:extLst>
+      <p:ext uri="{BB962C8B-B14F-4D97-AF65-F5344CB8AC3E}">
+        <p14:creationId xmlns:p14="http://schemas.microsoft.com/office/powerpoint/2010/main" val="82620141"/>
+      </p:ext>
+    </p:extLst>
+  </p:cSld>
+  <p:clrMapOvr>
+    <a:masterClrMapping/>
+  </p:clrMapOvr>
+</p:sld>
+</file>
+
+<file path=ppt/slides/slide9.xml><?xml version="1.0" encoding="utf-8"?>
+<p:sld xmlns:a="http://schemas.openxmlformats.org/drawingml/2006/main" xmlns:r="http://schemas.openxmlformats.org/officeDocument/2006/relationships" xmlns:p="http://schemas.openxmlformats.org/presentationml/2006/main">
+  <p:cSld>
+    <p:spTree>
+      <p:nvGrpSpPr>
+        <p:cNvPr id="1" name=""/>
+        <p:cNvGrpSpPr/>
+        <p:nvPr/>
+      </p:nvGrpSpPr>
+      <p:grpSpPr>
+        <a:xfrm>
+          <a:off x="0" y="0"/>
+          <a:ext cx="0" cy="0"/>
+          <a:chOff x="0" y="0"/>
+          <a:chExt cx="0" cy="0"/>
+        </a:xfrm>
+      </p:grpSpPr>
+      <p:sp>
+        <p:nvSpPr>
+          <p:cNvPr id="2" name="Title 1">
+            <a:extLst>
+              <a:ext uri="{FF2B5EF4-FFF2-40B4-BE49-F238E27FC236}">
                 <a16:creationId xmlns:a16="http://schemas.microsoft.com/office/drawing/2014/main" id="{50F0DA21-CC99-4C3A-A5AB-D57045F893EA}"/>
               </a:ext>
             </a:extLst>
@@ -23371,142 +23507,6 @@
     <p:extLst>
       <p:ext uri="{BB962C8B-B14F-4D97-AF65-F5344CB8AC3E}">
         <p14:creationId xmlns:p14="http://schemas.microsoft.com/office/powerpoint/2010/main" val="3405949825"/>
-      </p:ext>
-    </p:extLst>
-  </p:cSld>
-  <p:clrMapOvr>
-    <a:masterClrMapping/>
-  </p:clrMapOvr>
-</p:sld>
-</file>
-
-<file path=ppt/slides/slide9.xml><?xml version="1.0" encoding="utf-8"?>
-<p:sld xmlns:a="http://schemas.openxmlformats.org/drawingml/2006/main" xmlns:r="http://schemas.openxmlformats.org/officeDocument/2006/relationships" xmlns:p="http://schemas.openxmlformats.org/presentationml/2006/main">
-  <p:cSld>
-    <p:spTree>
-      <p:nvGrpSpPr>
-        <p:cNvPr id="1" name=""/>
-        <p:cNvGrpSpPr/>
-        <p:nvPr/>
-      </p:nvGrpSpPr>
-      <p:grpSpPr>
-        <a:xfrm>
-          <a:off x="0" y="0"/>
-          <a:ext cx="0" cy="0"/>
-          <a:chOff x="0" y="0"/>
-          <a:chExt cx="0" cy="0"/>
-        </a:xfrm>
-      </p:grpSpPr>
-      <p:sp>
-        <p:nvSpPr>
-          <p:cNvPr id="2" name="Title 1">
-            <a:extLst>
-              <a:ext uri="{FF2B5EF4-FFF2-40B4-BE49-F238E27FC236}">
-                <a16:creationId xmlns:a16="http://schemas.microsoft.com/office/drawing/2014/main" id="{A55F60E1-6EDC-479E-9C40-F2CD01CE8DB0}"/>
-              </a:ext>
-            </a:extLst>
-          </p:cNvPr>
-          <p:cNvSpPr>
-            <a:spLocks noGrp="1"/>
-          </p:cNvSpPr>
-          <p:nvPr>
-            <p:ph type="title"/>
-          </p:nvPr>
-        </p:nvSpPr>
-        <p:spPr/>
-        <p:txBody>
-          <a:bodyPr/>
-          <a:lstStyle/>
-          <a:p>
-            <a:r>
-              <a:rPr lang="en-US" dirty="0"/>
-              <a:t>K-Means Clustering with PCA </a:t>
-            </a:r>
-          </a:p>
-        </p:txBody>
-      </p:sp>
-      <p:sp>
-        <p:nvSpPr>
-          <p:cNvPr id="3" name="Content Placeholder 2">
-            <a:extLst>
-              <a:ext uri="{FF2B5EF4-FFF2-40B4-BE49-F238E27FC236}">
-                <a16:creationId xmlns:a16="http://schemas.microsoft.com/office/drawing/2014/main" id="{0D9C9E10-64F4-4A32-8EC6-7385D9754649}"/>
-              </a:ext>
-            </a:extLst>
-          </p:cNvPr>
-          <p:cNvSpPr>
-            <a:spLocks noGrp="1"/>
-          </p:cNvSpPr>
-          <p:nvPr>
-            <p:ph sz="half" idx="1"/>
-          </p:nvPr>
-        </p:nvSpPr>
-        <p:spPr/>
-        <p:txBody>
-          <a:bodyPr>
-            <a:normAutofit fontScale="92500" lnSpcReduction="10000"/>
-          </a:bodyPr>
-          <a:lstStyle/>
-          <a:p>
-            <a:r>
-              <a:rPr lang="en-US" dirty="0"/>
-              <a:t>The schools broke into 3 clusters while explaining ~ 55% of the model variance, using PCA.  </a:t>
-            </a:r>
-          </a:p>
-          <a:p>
-            <a:r>
-              <a:rPr lang="en-US" dirty="0"/>
-              <a:t>Could be Good, Bad, Medium?</a:t>
-            </a:r>
-          </a:p>
-          <a:p>
-            <a:r>
-              <a:rPr lang="en-US" dirty="0"/>
-              <a:t>Clusters are well defined based on 3-D graphic.</a:t>
-            </a:r>
-          </a:p>
-          <a:p>
-            <a:r>
-              <a:rPr lang="en-US" dirty="0"/>
-              <a:t>Using socio-economic data solves more than half the equation!</a:t>
-            </a:r>
-          </a:p>
-        </p:txBody>
-      </p:sp>
-      <p:pic>
-        <p:nvPicPr>
-          <p:cNvPr id="6" name="Picture 5">
-            <a:extLst>
-              <a:ext uri="{FF2B5EF4-FFF2-40B4-BE49-F238E27FC236}">
-                <a16:creationId xmlns:a16="http://schemas.microsoft.com/office/drawing/2014/main" id="{027BC0D0-AF8B-44FB-874B-F21A41245363}"/>
-              </a:ext>
-            </a:extLst>
-          </p:cNvPr>
-          <p:cNvPicPr>
-            <a:picLocks noChangeAspect="1"/>
-          </p:cNvPicPr>
-          <p:nvPr/>
-        </p:nvPicPr>
-        <p:blipFill>
-          <a:blip r:embed="rId2"/>
-          <a:stretch>
-            <a:fillRect/>
-          </a:stretch>
-        </p:blipFill>
-        <p:spPr>
-          <a:xfrm>
-            <a:off x="6427185" y="2527577"/>
-            <a:ext cx="5527563" cy="3222774"/>
-          </a:xfrm>
-          <a:prstGeom prst="rect">
-            <a:avLst/>
-          </a:prstGeom>
-        </p:spPr>
-      </p:pic>
-    </p:spTree>
-    <p:extLst>
-      <p:ext uri="{BB962C8B-B14F-4D97-AF65-F5344CB8AC3E}">
-        <p14:creationId xmlns:p14="http://schemas.microsoft.com/office/powerpoint/2010/main" val="82620141"/>
       </p:ext>
     </p:extLst>
   </p:cSld>
@@ -24367,6 +24367,14 @@
 </file>
 
 <file path=customXml/item2.xml><?xml version="1.0" encoding="utf-8"?>
+<p:properties xmlns:p="http://schemas.microsoft.com/office/2006/metadata/properties" xmlns:xsi="http://www.w3.org/2001/XMLSchema-instance" xmlns:pc="http://schemas.microsoft.com/office/infopath/2007/PartnerControls">
+  <documentManagement>
+    <MediaServiceKeyPoints xmlns="71af3243-3dd4-4a8d-8c0d-dd76da1f02a5" xsi:nil="true"/>
+  </documentManagement>
+</p:properties>
+</file>
+
+<file path=customXml/item3.xml><?xml version="1.0" encoding="utf-8"?>
 <ct:contentTypeSchema xmlns:ct="http://schemas.microsoft.com/office/2006/metadata/contentType" xmlns:ma="http://schemas.microsoft.com/office/2006/metadata/properties/metaAttributes" ct:_="" ma:_="" ma:contentTypeName="Document" ma:contentTypeID="0x01010079F111ED35F8CC479449609E8A0923A6" ma:contentTypeVersion="11" ma:contentTypeDescription="Create a new document." ma:contentTypeScope="" ma:versionID="96291512c1ee715ab617f4c07df79fc1">
   <xsd:schema xmlns:xsd="http://www.w3.org/2001/XMLSchema" xmlns:xs="http://www.w3.org/2001/XMLSchema" xmlns:p="http://schemas.microsoft.com/office/2006/metadata/properties" xmlns:ns2="71af3243-3dd4-4a8d-8c0d-dd76da1f02a5" xmlns:ns3="16c05727-aa75-4e4a-9b5f-8a80a1165891" targetNamespace="http://schemas.microsoft.com/office/2006/metadata/properties" ma:root="true" ma:fieldsID="8256c27c40ca5c40ce1cf6c44f0205df" ns2:_="" ns3:_="">
     <xsd:import namespace="71af3243-3dd4-4a8d-8c0d-dd76da1f02a5"/>
@@ -24577,14 +24585,6 @@
 </ct:contentTypeSchema>
 </file>
 
-<file path=customXml/item3.xml><?xml version="1.0" encoding="utf-8"?>
-<p:properties xmlns:p="http://schemas.microsoft.com/office/2006/metadata/properties" xmlns:xsi="http://www.w3.org/2001/XMLSchema-instance" xmlns:pc="http://schemas.microsoft.com/office/infopath/2007/PartnerControls">
-  <documentManagement>
-    <MediaServiceKeyPoints xmlns="71af3243-3dd4-4a8d-8c0d-dd76da1f02a5" xsi:nil="true"/>
-  </documentManagement>
-</p:properties>
-</file>
-
 <file path=customXml/itemProps1.xml><?xml version="1.0" encoding="utf-8"?>
 <ds:datastoreItem xmlns:ds="http://schemas.openxmlformats.org/officeDocument/2006/customXml" ds:itemID="{B579702B-25C7-40D7-9E29-7686B11A9660}">
   <ds:schemaRefs>
@@ -24594,6 +24594,16 @@
 </file>
 
 <file path=customXml/itemProps2.xml><?xml version="1.0" encoding="utf-8"?>
+<ds:datastoreItem xmlns:ds="http://schemas.openxmlformats.org/officeDocument/2006/customXml" ds:itemID="{E7866CFD-F94E-4AE5-ACEA-86FEC0F48A10}">
+  <ds:schemaRefs>
+    <ds:schemaRef ds:uri="http://schemas.microsoft.com/office/2006/metadata/properties"/>
+    <ds:schemaRef ds:uri="http://schemas.microsoft.com/office/infopath/2007/PartnerControls"/>
+    <ds:schemaRef ds:uri="71af3243-3dd4-4a8d-8c0d-dd76da1f02a5"/>
+  </ds:schemaRefs>
+</ds:datastoreItem>
+</file>
+
+<file path=customXml/itemProps3.xml><?xml version="1.0" encoding="utf-8"?>
 <ds:datastoreItem xmlns:ds="http://schemas.openxmlformats.org/officeDocument/2006/customXml" ds:itemID="{A7C0B241-13E5-418D-8920-D23491E2D2C0}">
   <ds:schemaRefs>
     <ds:schemaRef ds:uri="http://schemas.microsoft.com/office/2006/metadata/contentType"/>
@@ -24610,14 +24620,4 @@
     <ds:schemaRef ds:uri="http://schemas.microsoft.com/internal/obd"/>
   </ds:schemaRefs>
 </ds:datastoreItem>
-</file>
-
-<file path=customXml/itemProps3.xml><?xml version="1.0" encoding="utf-8"?>
-<ds:datastoreItem xmlns:ds="http://schemas.openxmlformats.org/officeDocument/2006/customXml" ds:itemID="{E7866CFD-F94E-4AE5-ACEA-86FEC0F48A10}">
-  <ds:schemaRefs>
-    <ds:schemaRef ds:uri="http://schemas.microsoft.com/office/2006/metadata/properties"/>
-    <ds:schemaRef ds:uri="http://schemas.microsoft.com/office/infopath/2007/PartnerControls"/>
-    <ds:schemaRef ds:uri="71af3243-3dd4-4a8d-8c0d-dd76da1f02a5"/>
-  </ds:schemaRefs>
-</ds:datastoreItem>
 </file>
--- a/Final_Presentation_4.1.pptx
+++ b/Final_Presentation_4.1.pptx
@@ -8493,7 +8493,7 @@
           <a:noFill/>
           <a:extLst>
             <a:ext uri="{909E8E84-426E-40dd-AFC4-6F175D3DCCD1}">
-              <a14:hiddenFill xmlns:a14="http://schemas.microsoft.com/office/drawing/2010/main" xmlns="">
+              <a14:hiddenFill xmlns="" xmlns:a14="http://schemas.microsoft.com/office/drawing/2010/main">
                 <a:solidFill>
                   <a:srgbClr val="FFFFFF"/>
                 </a:solidFill>
@@ -8552,7 +8552,7 @@
             </a:ln>
             <a:extLst>
               <a:ext uri="{91240B29-F687-4f45-9708-019B960494DF}">
-                <a14:hiddenLine xmlns:a14="http://schemas.microsoft.com/office/drawing/2010/main" xmlns="" w="9525">
+                <a14:hiddenLine xmlns="" xmlns:a14="http://schemas.microsoft.com/office/drawing/2010/main" w="9525">
                   <a:solidFill>
                     <a:srgbClr val="000000"/>
                   </a:solidFill>
@@ -8642,7 +8642,7 @@
             </a:ln>
             <a:extLst>
               <a:ext uri="{91240B29-F687-4f45-9708-019B960494DF}">
-                <a14:hiddenLine xmlns:a14="http://schemas.microsoft.com/office/drawing/2010/main" xmlns="" w="9525">
+                <a14:hiddenLine xmlns="" xmlns:a14="http://schemas.microsoft.com/office/drawing/2010/main" w="9525">
                   <a:solidFill>
                     <a:srgbClr val="000000"/>
                   </a:solidFill>
@@ -8732,7 +8732,7 @@
             </a:ln>
             <a:extLst>
               <a:ext uri="{91240B29-F687-4f45-9708-019B960494DF}">
-                <a14:hiddenLine xmlns:a14="http://schemas.microsoft.com/office/drawing/2010/main" xmlns="" w="9525">
+                <a14:hiddenLine xmlns="" xmlns:a14="http://schemas.microsoft.com/office/drawing/2010/main" w="9525">
                   <a:solidFill>
                     <a:srgbClr val="000000"/>
                   </a:solidFill>
@@ -8766,7 +8766,7 @@
             </a:ln>
             <a:extLst>
               <a:ext uri="{91240B29-F687-4f45-9708-019B960494DF}">
-                <a14:hiddenLine xmlns:a14="http://schemas.microsoft.com/office/drawing/2010/main" xmlns="" w="9525">
+                <a14:hiddenLine xmlns="" xmlns:a14="http://schemas.microsoft.com/office/drawing/2010/main" w="9525">
                   <a:solidFill>
                     <a:srgbClr val="000000"/>
                   </a:solidFill>
@@ -8856,7 +8856,7 @@
             </a:ln>
             <a:extLst>
               <a:ext uri="{91240B29-F687-4f45-9708-019B960494DF}">
-                <a14:hiddenLine xmlns:a14="http://schemas.microsoft.com/office/drawing/2010/main" xmlns="" w="9525">
+                <a14:hiddenLine xmlns="" xmlns:a14="http://schemas.microsoft.com/office/drawing/2010/main" w="9525">
                   <a:solidFill>
                     <a:srgbClr val="000000"/>
                   </a:solidFill>
@@ -8918,7 +8918,7 @@
             </a:ln>
             <a:extLst>
               <a:ext uri="{91240B29-F687-4f45-9708-019B960494DF}">
-                <a14:hiddenLine xmlns:a14="http://schemas.microsoft.com/office/drawing/2010/main" xmlns="" w="9525">
+                <a14:hiddenLine xmlns="" xmlns:a14="http://schemas.microsoft.com/office/drawing/2010/main" w="9525">
                   <a:solidFill>
                     <a:srgbClr val="000000"/>
                   </a:solidFill>
@@ -8980,7 +8980,7 @@
             </a:ln>
             <a:extLst>
               <a:ext uri="{91240B29-F687-4f45-9708-019B960494DF}">
-                <a14:hiddenLine xmlns:a14="http://schemas.microsoft.com/office/drawing/2010/main" xmlns="" w="9525">
+                <a14:hiddenLine xmlns="" xmlns:a14="http://schemas.microsoft.com/office/drawing/2010/main" w="9525">
                   <a:solidFill>
                     <a:srgbClr val="000000"/>
                   </a:solidFill>
@@ -9070,7 +9070,7 @@
             </a:ln>
             <a:extLst>
               <a:ext uri="{91240B29-F687-4f45-9708-019B960494DF}">
-                <a14:hiddenLine xmlns:a14="http://schemas.microsoft.com/office/drawing/2010/main" xmlns="" w="9525">
+                <a14:hiddenLine xmlns="" xmlns:a14="http://schemas.microsoft.com/office/drawing/2010/main" w="9525">
                   <a:solidFill>
                     <a:srgbClr val="000000"/>
                   </a:solidFill>
@@ -9132,7 +9132,7 @@
             </a:ln>
             <a:extLst>
               <a:ext uri="{91240B29-F687-4f45-9708-019B960494DF}">
-                <a14:hiddenLine xmlns:a14="http://schemas.microsoft.com/office/drawing/2010/main" xmlns="" w="9525">
+                <a14:hiddenLine xmlns="" xmlns:a14="http://schemas.microsoft.com/office/drawing/2010/main" w="9525">
                   <a:solidFill>
                     <a:srgbClr val="000000"/>
                   </a:solidFill>
@@ -9194,7 +9194,7 @@
             </a:ln>
             <a:extLst>
               <a:ext uri="{91240B29-F687-4f45-9708-019B960494DF}">
-                <a14:hiddenLine xmlns:a14="http://schemas.microsoft.com/office/drawing/2010/main" xmlns="" w="9525">
+                <a14:hiddenLine xmlns="" xmlns:a14="http://schemas.microsoft.com/office/drawing/2010/main" w="9525">
                   <a:solidFill>
                     <a:srgbClr val="000000"/>
                   </a:solidFill>
@@ -9284,7 +9284,7 @@
             </a:ln>
             <a:extLst>
               <a:ext uri="{91240B29-F687-4f45-9708-019B960494DF}">
-                <a14:hiddenLine xmlns:a14="http://schemas.microsoft.com/office/drawing/2010/main" xmlns="" w="9525">
+                <a14:hiddenLine xmlns="" xmlns:a14="http://schemas.microsoft.com/office/drawing/2010/main" w="9525">
                   <a:solidFill>
                     <a:srgbClr val="000000"/>
                   </a:solidFill>
@@ -9374,7 +9374,7 @@
             </a:ln>
             <a:extLst>
               <a:ext uri="{91240B29-F687-4f45-9708-019B960494DF}">
-                <a14:hiddenLine xmlns:a14="http://schemas.microsoft.com/office/drawing/2010/main" xmlns="" w="9525">
+                <a14:hiddenLine xmlns="" xmlns:a14="http://schemas.microsoft.com/office/drawing/2010/main" w="9525">
                   <a:solidFill>
                     <a:srgbClr val="000000"/>
                   </a:solidFill>
@@ -9436,7 +9436,7 @@
             </a:ln>
             <a:extLst>
               <a:ext uri="{91240B29-F687-4f45-9708-019B960494DF}">
-                <a14:hiddenLine xmlns:a14="http://schemas.microsoft.com/office/drawing/2010/main" xmlns="" w="9525">
+                <a14:hiddenLine xmlns="" xmlns:a14="http://schemas.microsoft.com/office/drawing/2010/main" w="9525">
                   <a:solidFill>
                     <a:srgbClr val="000000"/>
                   </a:solidFill>
@@ -9546,7 +9546,7 @@
             </a:ln>
             <a:extLst>
               <a:ext uri="{91240B29-F687-4f45-9708-019B960494DF}">
-                <a14:hiddenLine xmlns:a14="http://schemas.microsoft.com/office/drawing/2010/main" xmlns="" w="9525">
+                <a14:hiddenLine xmlns="" xmlns:a14="http://schemas.microsoft.com/office/drawing/2010/main" w="9525">
                   <a:solidFill>
                     <a:srgbClr val="000000"/>
                   </a:solidFill>
@@ -9608,7 +9608,7 @@
             </a:ln>
             <a:extLst>
               <a:ext uri="{91240B29-F687-4f45-9708-019B960494DF}">
-                <a14:hiddenLine xmlns:a14="http://schemas.microsoft.com/office/drawing/2010/main" xmlns="" w="9525">
+                <a14:hiddenLine xmlns="" xmlns:a14="http://schemas.microsoft.com/office/drawing/2010/main" w="9525">
                   <a:solidFill>
                     <a:srgbClr val="000000"/>
                   </a:solidFill>
@@ -9698,7 +9698,7 @@
             </a:ln>
             <a:extLst>
               <a:ext uri="{91240B29-F687-4f45-9708-019B960494DF}">
-                <a14:hiddenLine xmlns:a14="http://schemas.microsoft.com/office/drawing/2010/main" xmlns="" w="9525">
+                <a14:hiddenLine xmlns="" xmlns:a14="http://schemas.microsoft.com/office/drawing/2010/main" w="9525">
                   <a:solidFill>
                     <a:srgbClr val="000000"/>
                   </a:solidFill>
@@ -9788,7 +9788,7 @@
             </a:ln>
             <a:extLst>
               <a:ext uri="{91240B29-F687-4f45-9708-019B960494DF}">
-                <a14:hiddenLine xmlns:a14="http://schemas.microsoft.com/office/drawing/2010/main" xmlns="" w="9525">
+                <a14:hiddenLine xmlns="" xmlns:a14="http://schemas.microsoft.com/office/drawing/2010/main" w="9525">
                   <a:solidFill>
                     <a:srgbClr val="000000"/>
                   </a:solidFill>
@@ -9850,7 +9850,7 @@
             </a:ln>
             <a:extLst>
               <a:ext uri="{91240B29-F687-4f45-9708-019B960494DF}">
-                <a14:hiddenLine xmlns:a14="http://schemas.microsoft.com/office/drawing/2010/main" xmlns="" w="9525">
+                <a14:hiddenLine xmlns="" xmlns:a14="http://schemas.microsoft.com/office/drawing/2010/main" w="9525">
                   <a:solidFill>
                     <a:srgbClr val="000000"/>
                   </a:solidFill>
@@ -9940,7 +9940,7 @@
             </a:ln>
             <a:extLst>
               <a:ext uri="{91240B29-F687-4f45-9708-019B960494DF}">
-                <a14:hiddenLine xmlns:a14="http://schemas.microsoft.com/office/drawing/2010/main" xmlns="" w="9525">
+                <a14:hiddenLine xmlns="" xmlns:a14="http://schemas.microsoft.com/office/drawing/2010/main" w="9525">
                   <a:solidFill>
                     <a:srgbClr val="000000"/>
                   </a:solidFill>
@@ -10030,7 +10030,7 @@
             </a:ln>
             <a:extLst>
               <a:ext uri="{91240B29-F687-4f45-9708-019B960494DF}">
-                <a14:hiddenLine xmlns:a14="http://schemas.microsoft.com/office/drawing/2010/main" xmlns="" w="9525">
+                <a14:hiddenLine xmlns="" xmlns:a14="http://schemas.microsoft.com/office/drawing/2010/main" w="9525">
                   <a:solidFill>
                     <a:srgbClr val="000000"/>
                   </a:solidFill>
@@ -10086,7 +10086,7 @@
             </a:ln>
             <a:extLst>
               <a:ext uri="{91240B29-F687-4f45-9708-019B960494DF}">
-                <a14:hiddenLine xmlns:a14="http://schemas.microsoft.com/office/drawing/2010/main" xmlns="" w="9525">
+                <a14:hiddenLine xmlns="" xmlns:a14="http://schemas.microsoft.com/office/drawing/2010/main" w="9525">
                   <a:solidFill>
                     <a:srgbClr val="000000"/>
                   </a:solidFill>
@@ -10176,7 +10176,7 @@
             </a:ln>
             <a:extLst>
               <a:ext uri="{91240B29-F687-4f45-9708-019B960494DF}">
-                <a14:hiddenLine xmlns:a14="http://schemas.microsoft.com/office/drawing/2010/main" xmlns="" w="9525">
+                <a14:hiddenLine xmlns="" xmlns:a14="http://schemas.microsoft.com/office/drawing/2010/main" w="9525">
                   <a:solidFill>
                     <a:srgbClr val="000000"/>
                   </a:solidFill>
@@ -10232,7 +10232,7 @@
             </a:ln>
             <a:extLst>
               <a:ext uri="{91240B29-F687-4f45-9708-019B960494DF}">
-                <a14:hiddenLine xmlns:a14="http://schemas.microsoft.com/office/drawing/2010/main" xmlns="" w="9525">
+                <a14:hiddenLine xmlns="" xmlns:a14="http://schemas.microsoft.com/office/drawing/2010/main" w="9525">
                   <a:solidFill>
                     <a:srgbClr val="000000"/>
                   </a:solidFill>
@@ -10322,7 +10322,7 @@
             </a:ln>
             <a:extLst>
               <a:ext uri="{91240B29-F687-4f45-9708-019B960494DF}">
-                <a14:hiddenLine xmlns:a14="http://schemas.microsoft.com/office/drawing/2010/main" xmlns="" w="9525">
+                <a14:hiddenLine xmlns="" xmlns:a14="http://schemas.microsoft.com/office/drawing/2010/main" w="9525">
                   <a:solidFill>
                     <a:srgbClr val="000000"/>
                   </a:solidFill>
@@ -10390,7 +10390,7 @@
             </a:ln>
             <a:extLst>
               <a:ext uri="{91240B29-F687-4f45-9708-019B960494DF}">
-                <a14:hiddenLine xmlns:a14="http://schemas.microsoft.com/office/drawing/2010/main" xmlns="" w="9525">
+                <a14:hiddenLine xmlns="" xmlns:a14="http://schemas.microsoft.com/office/drawing/2010/main" w="9525">
                   <a:solidFill>
                     <a:srgbClr val="000000"/>
                   </a:solidFill>
@@ -10480,7 +10480,7 @@
             </a:ln>
             <a:extLst>
               <a:ext uri="{91240B29-F687-4f45-9708-019B960494DF}">
-                <a14:hiddenLine xmlns:a14="http://schemas.microsoft.com/office/drawing/2010/main" xmlns="" w="9525">
+                <a14:hiddenLine xmlns="" xmlns:a14="http://schemas.microsoft.com/office/drawing/2010/main" w="9525">
                   <a:solidFill>
                     <a:srgbClr val="000000"/>
                   </a:solidFill>
@@ -10548,7 +10548,7 @@
             </a:ln>
             <a:extLst>
               <a:ext uri="{91240B29-F687-4f45-9708-019B960494DF}">
-                <a14:hiddenLine xmlns:a14="http://schemas.microsoft.com/office/drawing/2010/main" xmlns="" w="9525">
+                <a14:hiddenLine xmlns="" xmlns:a14="http://schemas.microsoft.com/office/drawing/2010/main" w="9525">
                   <a:solidFill>
                     <a:srgbClr val="000000"/>
                   </a:solidFill>
@@ -10638,7 +10638,7 @@
             </a:ln>
             <a:extLst>
               <a:ext uri="{91240B29-F687-4f45-9708-019B960494DF}">
-                <a14:hiddenLine xmlns:a14="http://schemas.microsoft.com/office/drawing/2010/main" xmlns="" w="9525">
+                <a14:hiddenLine xmlns="" xmlns:a14="http://schemas.microsoft.com/office/drawing/2010/main" w="9525">
                   <a:solidFill>
                     <a:srgbClr val="000000"/>
                   </a:solidFill>
@@ -10672,7 +10672,7 @@
             </a:ln>
             <a:extLst>
               <a:ext uri="{91240B29-F687-4f45-9708-019B960494DF}">
-                <a14:hiddenLine xmlns:a14="http://schemas.microsoft.com/office/drawing/2010/main" xmlns="" w="9525">
+                <a14:hiddenLine xmlns="" xmlns:a14="http://schemas.microsoft.com/office/drawing/2010/main" w="9525">
                   <a:solidFill>
                     <a:srgbClr val="000000"/>
                   </a:solidFill>
@@ -10762,7 +10762,7 @@
             </a:ln>
             <a:extLst>
               <a:ext uri="{91240B29-F687-4f45-9708-019B960494DF}">
-                <a14:hiddenLine xmlns:a14="http://schemas.microsoft.com/office/drawing/2010/main" xmlns="" w="9525">
+                <a14:hiddenLine xmlns="" xmlns:a14="http://schemas.microsoft.com/office/drawing/2010/main" w="9525">
                   <a:solidFill>
                     <a:srgbClr val="000000"/>
                   </a:solidFill>
@@ -10824,7 +10824,7 @@
             </a:ln>
             <a:extLst>
               <a:ext uri="{91240B29-F687-4f45-9708-019B960494DF}">
-                <a14:hiddenLine xmlns:a14="http://schemas.microsoft.com/office/drawing/2010/main" xmlns="" w="9525">
+                <a14:hiddenLine xmlns="" xmlns:a14="http://schemas.microsoft.com/office/drawing/2010/main" w="9525">
                   <a:solidFill>
                     <a:srgbClr val="000000"/>
                   </a:solidFill>
@@ -10886,7 +10886,7 @@
             </a:ln>
             <a:extLst>
               <a:ext uri="{91240B29-F687-4f45-9708-019B960494DF}">
-                <a14:hiddenLine xmlns:a14="http://schemas.microsoft.com/office/drawing/2010/main" xmlns="" w="9525">
+                <a14:hiddenLine xmlns="" xmlns:a14="http://schemas.microsoft.com/office/drawing/2010/main" w="9525">
                   <a:solidFill>
                     <a:srgbClr val="000000"/>
                   </a:solidFill>
@@ -10976,7 +10976,7 @@
             </a:ln>
             <a:extLst>
               <a:ext uri="{91240B29-F687-4f45-9708-019B960494DF}">
-                <a14:hiddenLine xmlns:a14="http://schemas.microsoft.com/office/drawing/2010/main" xmlns="" w="9525">
+                <a14:hiddenLine xmlns="" xmlns:a14="http://schemas.microsoft.com/office/drawing/2010/main" w="9525">
                   <a:solidFill>
                     <a:srgbClr val="000000"/>
                   </a:solidFill>
@@ -11044,7 +11044,7 @@
             </a:ln>
             <a:extLst>
               <a:ext uri="{91240B29-F687-4f45-9708-019B960494DF}">
-                <a14:hiddenLine xmlns:a14="http://schemas.microsoft.com/office/drawing/2010/main" xmlns="" w="9525">
+                <a14:hiddenLine xmlns="" xmlns:a14="http://schemas.microsoft.com/office/drawing/2010/main" w="9525">
                   <a:solidFill>
                     <a:srgbClr val="000000"/>
                   </a:solidFill>
@@ -11106,7 +11106,7 @@
             </a:ln>
             <a:extLst>
               <a:ext uri="{91240B29-F687-4f45-9708-019B960494DF}">
-                <a14:hiddenLine xmlns:a14="http://schemas.microsoft.com/office/drawing/2010/main" xmlns="" w="9525">
+                <a14:hiddenLine xmlns="" xmlns:a14="http://schemas.microsoft.com/office/drawing/2010/main" w="9525">
                   <a:solidFill>
                     <a:srgbClr val="000000"/>
                   </a:solidFill>
@@ -11196,7 +11196,7 @@
             </a:ln>
             <a:extLst>
               <a:ext uri="{91240B29-F687-4f45-9708-019B960494DF}">
-                <a14:hiddenLine xmlns:a14="http://schemas.microsoft.com/office/drawing/2010/main" xmlns="" w="9525">
+                <a14:hiddenLine xmlns="" xmlns:a14="http://schemas.microsoft.com/office/drawing/2010/main" w="9525">
                   <a:solidFill>
                     <a:srgbClr val="000000"/>
                   </a:solidFill>
@@ -11258,7 +11258,7 @@
             </a:ln>
             <a:extLst>
               <a:ext uri="{91240B29-F687-4f45-9708-019B960494DF}">
-                <a14:hiddenLine xmlns:a14="http://schemas.microsoft.com/office/drawing/2010/main" xmlns="" w="9525">
+                <a14:hiddenLine xmlns="" xmlns:a14="http://schemas.microsoft.com/office/drawing/2010/main" w="9525">
                   <a:solidFill>
                     <a:srgbClr val="000000"/>
                   </a:solidFill>
@@ -11348,7 +11348,7 @@
             </a:ln>
             <a:extLst>
               <a:ext uri="{91240B29-F687-4f45-9708-019B960494DF}">
-                <a14:hiddenLine xmlns:a14="http://schemas.microsoft.com/office/drawing/2010/main" xmlns="" w="9525">
+                <a14:hiddenLine xmlns="" xmlns:a14="http://schemas.microsoft.com/office/drawing/2010/main" w="9525">
                   <a:solidFill>
                     <a:srgbClr val="000000"/>
                   </a:solidFill>
@@ -11410,7 +11410,7 @@
             </a:ln>
             <a:extLst>
               <a:ext uri="{91240B29-F687-4f45-9708-019B960494DF}">
-                <a14:hiddenLine xmlns:a14="http://schemas.microsoft.com/office/drawing/2010/main" xmlns="" w="9525">
+                <a14:hiddenLine xmlns="" xmlns:a14="http://schemas.microsoft.com/office/drawing/2010/main" w="9525">
                   <a:solidFill>
                     <a:srgbClr val="000000"/>
                   </a:solidFill>
@@ -11500,7 +11500,7 @@
             </a:ln>
             <a:extLst>
               <a:ext uri="{91240B29-F687-4f45-9708-019B960494DF}">
-                <a14:hiddenLine xmlns:a14="http://schemas.microsoft.com/office/drawing/2010/main" xmlns="" w="9525">
+                <a14:hiddenLine xmlns="" xmlns:a14="http://schemas.microsoft.com/office/drawing/2010/main" w="9525">
                   <a:solidFill>
                     <a:srgbClr val="000000"/>
                   </a:solidFill>
@@ -11534,7 +11534,7 @@
             </a:ln>
             <a:extLst>
               <a:ext uri="{91240B29-F687-4f45-9708-019B960494DF}">
-                <a14:hiddenLine xmlns:a14="http://schemas.microsoft.com/office/drawing/2010/main" xmlns="" w="9525">
+                <a14:hiddenLine xmlns="" xmlns:a14="http://schemas.microsoft.com/office/drawing/2010/main" w="9525">
                   <a:solidFill>
                     <a:srgbClr val="000000"/>
                   </a:solidFill>
@@ -11599,7 +11599,7 @@
             </a:ln>
             <a:extLst>
               <a:ext uri="{91240B29-F687-4f45-9708-019B960494DF}">
-                <a14:hiddenLine xmlns:a14="http://schemas.microsoft.com/office/drawing/2010/main" xmlns="" w="9525">
+                <a14:hiddenLine xmlns="" xmlns:a14="http://schemas.microsoft.com/office/drawing/2010/main" w="9525">
                   <a:solidFill>
                     <a:srgbClr val="000000"/>
                   </a:solidFill>
@@ -11689,7 +11689,7 @@
             </a:ln>
             <a:extLst>
               <a:ext uri="{91240B29-F687-4f45-9708-019B960494DF}">
-                <a14:hiddenLine xmlns:a14="http://schemas.microsoft.com/office/drawing/2010/main" xmlns="" w="9525">
+                <a14:hiddenLine xmlns="" xmlns:a14="http://schemas.microsoft.com/office/drawing/2010/main" w="9525">
                   <a:solidFill>
                     <a:srgbClr val="000000"/>
                   </a:solidFill>
@@ -11751,7 +11751,7 @@
             </a:ln>
             <a:extLst>
               <a:ext uri="{91240B29-F687-4f45-9708-019B960494DF}">
-                <a14:hiddenLine xmlns:a14="http://schemas.microsoft.com/office/drawing/2010/main" xmlns="" w="9525">
+                <a14:hiddenLine xmlns="" xmlns:a14="http://schemas.microsoft.com/office/drawing/2010/main" w="9525">
                   <a:solidFill>
                     <a:srgbClr val="000000"/>
                   </a:solidFill>
@@ -11841,7 +11841,7 @@
             </a:ln>
             <a:extLst>
               <a:ext uri="{91240B29-F687-4f45-9708-019B960494DF}">
-                <a14:hiddenLine xmlns:a14="http://schemas.microsoft.com/office/drawing/2010/main" xmlns="" w="9525">
+                <a14:hiddenLine xmlns="" xmlns:a14="http://schemas.microsoft.com/office/drawing/2010/main" w="9525">
                   <a:solidFill>
                     <a:srgbClr val="000000"/>
                   </a:solidFill>
@@ -11931,7 +11931,7 @@
             </a:ln>
             <a:extLst>
               <a:ext uri="{91240B29-F687-4f45-9708-019B960494DF}">
-                <a14:hiddenLine xmlns:a14="http://schemas.microsoft.com/office/drawing/2010/main" xmlns="" w="9525">
+                <a14:hiddenLine xmlns="" xmlns:a14="http://schemas.microsoft.com/office/drawing/2010/main" w="9525">
                   <a:solidFill>
                     <a:srgbClr val="000000"/>
                   </a:solidFill>
@@ -11996,7 +11996,7 @@
             </a:ln>
             <a:extLst>
               <a:ext uri="{91240B29-F687-4f45-9708-019B960494DF}">
-                <a14:hiddenLine xmlns:a14="http://schemas.microsoft.com/office/drawing/2010/main" xmlns="" w="9525">
+                <a14:hiddenLine xmlns="" xmlns:a14="http://schemas.microsoft.com/office/drawing/2010/main" w="9525">
                   <a:solidFill>
                     <a:srgbClr val="000000"/>
                   </a:solidFill>
@@ -12058,7 +12058,7 @@
             </a:ln>
             <a:extLst>
               <a:ext uri="{91240B29-F687-4f45-9708-019B960494DF}">
-                <a14:hiddenLine xmlns:a14="http://schemas.microsoft.com/office/drawing/2010/main" xmlns="" w="9525">
+                <a14:hiddenLine xmlns="" xmlns:a14="http://schemas.microsoft.com/office/drawing/2010/main" w="9525">
                   <a:solidFill>
                     <a:srgbClr val="000000"/>
                   </a:solidFill>
@@ -12148,7 +12148,7 @@
             </a:ln>
             <a:extLst>
               <a:ext uri="{91240B29-F687-4f45-9708-019B960494DF}">
-                <a14:hiddenLine xmlns:a14="http://schemas.microsoft.com/office/drawing/2010/main" xmlns="" w="9525">
+                <a14:hiddenLine xmlns="" xmlns:a14="http://schemas.microsoft.com/office/drawing/2010/main" w="9525">
                   <a:solidFill>
                     <a:srgbClr val="000000"/>
                   </a:solidFill>
@@ -12238,7 +12238,7 @@
             </a:ln>
             <a:extLst>
               <a:ext uri="{91240B29-F687-4f45-9708-019B960494DF}">
-                <a14:hiddenLine xmlns:a14="http://schemas.microsoft.com/office/drawing/2010/main" xmlns="" w="9525">
+                <a14:hiddenLine xmlns="" xmlns:a14="http://schemas.microsoft.com/office/drawing/2010/main" w="9525">
                   <a:solidFill>
                     <a:srgbClr val="000000"/>
                   </a:solidFill>
@@ -12300,7 +12300,7 @@
             </a:ln>
             <a:extLst>
               <a:ext uri="{91240B29-F687-4f45-9708-019B960494DF}">
-                <a14:hiddenLine xmlns:a14="http://schemas.microsoft.com/office/drawing/2010/main" xmlns="" w="9525">
+                <a14:hiddenLine xmlns="" xmlns:a14="http://schemas.microsoft.com/office/drawing/2010/main" w="9525">
                   <a:solidFill>
                     <a:srgbClr val="000000"/>
                   </a:solidFill>
@@ -12420,7 +12420,7 @@
             </a:ln>
             <a:extLst>
               <a:ext uri="{91240B29-F687-4f45-9708-019B960494DF}">
-                <a14:hiddenLine xmlns:a14="http://schemas.microsoft.com/office/drawing/2010/main" xmlns="" w="9525">
+                <a14:hiddenLine xmlns="" xmlns:a14="http://schemas.microsoft.com/office/drawing/2010/main" w="9525">
                   <a:solidFill>
                     <a:srgbClr val="000000"/>
                   </a:solidFill>
@@ -12488,7 +12488,7 @@
             </a:ln>
             <a:extLst>
               <a:ext uri="{91240B29-F687-4f45-9708-019B960494DF}">
-                <a14:hiddenLine xmlns:a14="http://schemas.microsoft.com/office/drawing/2010/main" xmlns="" w="9525">
+                <a14:hiddenLine xmlns="" xmlns:a14="http://schemas.microsoft.com/office/drawing/2010/main" w="9525">
                   <a:solidFill>
                     <a:srgbClr val="000000"/>
                   </a:solidFill>
@@ -12578,7 +12578,7 @@
             </a:ln>
             <a:extLst>
               <a:ext uri="{91240B29-F687-4f45-9708-019B960494DF}">
-                <a14:hiddenLine xmlns:a14="http://schemas.microsoft.com/office/drawing/2010/main" xmlns="" w="9525">
+                <a14:hiddenLine xmlns="" xmlns:a14="http://schemas.microsoft.com/office/drawing/2010/main" w="9525">
                   <a:solidFill>
                     <a:srgbClr val="000000"/>
                   </a:solidFill>
@@ -17392,7 +17392,7 @@
           <a:noFill/>
           <a:extLst>
             <a:ext uri="{909E8E84-426E-40dd-AFC4-6F175D3DCCD1}">
-              <a14:hiddenFill xmlns:a14="http://schemas.microsoft.com/office/drawing/2010/main" xmlns="">
+              <a14:hiddenFill xmlns="" xmlns:a14="http://schemas.microsoft.com/office/drawing/2010/main">
                 <a:solidFill>
                   <a:srgbClr val="FFFFFF"/>
                 </a:solidFill>
@@ -17466,7 +17466,7 @@
               </a:ln>
               <a:extLst>
                 <a:ext uri="{91240B29-F687-4f45-9708-019B960494DF}">
-                  <a14:hiddenLine xmlns:a14="http://schemas.microsoft.com/office/drawing/2010/main" xmlns="" w="9525">
+                  <a14:hiddenLine xmlns="" xmlns:a14="http://schemas.microsoft.com/office/drawing/2010/main" w="9525">
                     <a:solidFill>
                       <a:srgbClr val="000000"/>
                     </a:solidFill>
@@ -17556,7 +17556,7 @@
               </a:ln>
               <a:extLst>
                 <a:ext uri="{91240B29-F687-4f45-9708-019B960494DF}">
-                  <a14:hiddenLine xmlns:a14="http://schemas.microsoft.com/office/drawing/2010/main" xmlns="" w="9525">
+                  <a14:hiddenLine xmlns="" xmlns:a14="http://schemas.microsoft.com/office/drawing/2010/main" w="9525">
                     <a:solidFill>
                       <a:srgbClr val="000000"/>
                     </a:solidFill>
@@ -17646,7 +17646,7 @@
               </a:ln>
               <a:extLst>
                 <a:ext uri="{91240B29-F687-4f45-9708-019B960494DF}">
-                  <a14:hiddenLine xmlns:a14="http://schemas.microsoft.com/office/drawing/2010/main" xmlns="" w="9525">
+                  <a14:hiddenLine xmlns="" xmlns:a14="http://schemas.microsoft.com/office/drawing/2010/main" w="9525">
                     <a:solidFill>
                       <a:srgbClr val="000000"/>
                     </a:solidFill>
@@ -17708,7 +17708,7 @@
               </a:ln>
               <a:extLst>
                 <a:ext uri="{91240B29-F687-4f45-9708-019B960494DF}">
-                  <a14:hiddenLine xmlns:a14="http://schemas.microsoft.com/office/drawing/2010/main" xmlns="" w="9525">
+                  <a14:hiddenLine xmlns="" xmlns:a14="http://schemas.microsoft.com/office/drawing/2010/main" w="9525">
                     <a:solidFill>
                       <a:srgbClr val="000000"/>
                     </a:solidFill>
@@ -17798,7 +17798,7 @@
               </a:ln>
               <a:extLst>
                 <a:ext uri="{91240B29-F687-4f45-9708-019B960494DF}">
-                  <a14:hiddenLine xmlns:a14="http://schemas.microsoft.com/office/drawing/2010/main" xmlns="" w="9525">
+                  <a14:hiddenLine xmlns="" xmlns:a14="http://schemas.microsoft.com/office/drawing/2010/main" w="9525">
                     <a:solidFill>
                       <a:srgbClr val="000000"/>
                     </a:solidFill>
@@ -17860,7 +17860,7 @@
               </a:ln>
               <a:extLst>
                 <a:ext uri="{91240B29-F687-4f45-9708-019B960494DF}">
-                  <a14:hiddenLine xmlns:a14="http://schemas.microsoft.com/office/drawing/2010/main" xmlns="" w="9525">
+                  <a14:hiddenLine xmlns="" xmlns:a14="http://schemas.microsoft.com/office/drawing/2010/main" w="9525">
                     <a:solidFill>
                       <a:srgbClr val="000000"/>
                     </a:solidFill>
@@ -17922,7 +17922,7 @@
               </a:ln>
               <a:extLst>
                 <a:ext uri="{91240B29-F687-4f45-9708-019B960494DF}">
-                  <a14:hiddenLine xmlns:a14="http://schemas.microsoft.com/office/drawing/2010/main" xmlns="" w="9525">
+                  <a14:hiddenLine xmlns="" xmlns:a14="http://schemas.microsoft.com/office/drawing/2010/main" w="9525">
                     <a:solidFill>
                       <a:srgbClr val="000000"/>
                     </a:solidFill>
@@ -18012,7 +18012,7 @@
               </a:ln>
               <a:extLst>
                 <a:ext uri="{91240B29-F687-4f45-9708-019B960494DF}">
-                  <a14:hiddenLine xmlns:a14="http://schemas.microsoft.com/office/drawing/2010/main" xmlns="" w="9525">
+                  <a14:hiddenLine xmlns="" xmlns:a14="http://schemas.microsoft.com/office/drawing/2010/main" w="9525">
                     <a:solidFill>
                       <a:srgbClr val="000000"/>
                     </a:solidFill>
@@ -18102,7 +18102,7 @@
               </a:ln>
               <a:extLst>
                 <a:ext uri="{91240B29-F687-4f45-9708-019B960494DF}">
-                  <a14:hiddenLine xmlns:a14="http://schemas.microsoft.com/office/drawing/2010/main" xmlns="" w="9525">
+                  <a14:hiddenLine xmlns="" xmlns:a14="http://schemas.microsoft.com/office/drawing/2010/main" w="9525">
                     <a:solidFill>
                       <a:srgbClr val="000000"/>
                     </a:solidFill>
@@ -18164,7 +18164,7 @@
               </a:ln>
               <a:extLst>
                 <a:ext uri="{91240B29-F687-4f45-9708-019B960494DF}">
-                  <a14:hiddenLine xmlns:a14="http://schemas.microsoft.com/office/drawing/2010/main" xmlns="" w="9525">
+                  <a14:hiddenLine xmlns="" xmlns:a14="http://schemas.microsoft.com/office/drawing/2010/main" w="9525">
                     <a:solidFill>
                       <a:srgbClr val="000000"/>
                     </a:solidFill>
@@ -18274,7 +18274,7 @@
               </a:ln>
               <a:extLst>
                 <a:ext uri="{91240B29-F687-4f45-9708-019B960494DF}">
-                  <a14:hiddenLine xmlns:a14="http://schemas.microsoft.com/office/drawing/2010/main" xmlns="" w="9525">
+                  <a14:hiddenLine xmlns="" xmlns:a14="http://schemas.microsoft.com/office/drawing/2010/main" w="9525">
                     <a:solidFill>
                       <a:srgbClr val="000000"/>
                     </a:solidFill>
@@ -18358,7 +18358,7 @@
               </a:ln>
               <a:extLst>
                 <a:ext uri="{91240B29-F687-4f45-9708-019B960494DF}">
-                  <a14:hiddenLine xmlns:a14="http://schemas.microsoft.com/office/drawing/2010/main" xmlns="" w="9525">
+                  <a14:hiddenLine xmlns="" xmlns:a14="http://schemas.microsoft.com/office/drawing/2010/main" w="9525">
                     <a:solidFill>
                       <a:srgbClr val="000000"/>
                     </a:solidFill>
@@ -18420,7 +18420,7 @@
               </a:ln>
               <a:extLst>
                 <a:ext uri="{91240B29-F687-4f45-9708-019B960494DF}">
-                  <a14:hiddenLine xmlns:a14="http://schemas.microsoft.com/office/drawing/2010/main" xmlns="" w="9525">
+                  <a14:hiddenLine xmlns="" xmlns:a14="http://schemas.microsoft.com/office/drawing/2010/main" w="9525">
                     <a:solidFill>
                       <a:srgbClr val="000000"/>
                     </a:solidFill>
@@ -18482,7 +18482,7 @@
               </a:ln>
               <a:extLst>
                 <a:ext uri="{91240B29-F687-4f45-9708-019B960494DF}">
-                  <a14:hiddenLine xmlns:a14="http://schemas.microsoft.com/office/drawing/2010/main" xmlns="" w="9525">
+                  <a14:hiddenLine xmlns="" xmlns:a14="http://schemas.microsoft.com/office/drawing/2010/main" w="9525">
                     <a:solidFill>
                       <a:srgbClr val="000000"/>
                     </a:solidFill>
@@ -18572,7 +18572,7 @@
               </a:ln>
               <a:extLst>
                 <a:ext uri="{91240B29-F687-4f45-9708-019B960494DF}">
-                  <a14:hiddenLine xmlns:a14="http://schemas.microsoft.com/office/drawing/2010/main" xmlns="" w="9525">
+                  <a14:hiddenLine xmlns="" xmlns:a14="http://schemas.microsoft.com/office/drawing/2010/main" w="9525">
                     <a:solidFill>
                       <a:srgbClr val="000000"/>
                     </a:solidFill>
@@ -18606,7 +18606,7 @@
               </a:ln>
               <a:extLst>
                 <a:ext uri="{91240B29-F687-4f45-9708-019B960494DF}">
-                  <a14:hiddenLine xmlns:a14="http://schemas.microsoft.com/office/drawing/2010/main" xmlns="" w="9525">
+                  <a14:hiddenLine xmlns="" xmlns:a14="http://schemas.microsoft.com/office/drawing/2010/main" w="9525">
                     <a:solidFill>
                       <a:srgbClr val="000000"/>
                     </a:solidFill>
@@ -18671,7 +18671,7 @@
               </a:ln>
               <a:extLst>
                 <a:ext uri="{91240B29-F687-4f45-9708-019B960494DF}">
-                  <a14:hiddenLine xmlns:a14="http://schemas.microsoft.com/office/drawing/2010/main" xmlns="" w="9525">
+                  <a14:hiddenLine xmlns="" xmlns:a14="http://schemas.microsoft.com/office/drawing/2010/main" w="9525">
                     <a:solidFill>
                       <a:srgbClr val="000000"/>
                     </a:solidFill>
@@ -18761,7 +18761,7 @@
               </a:ln>
               <a:extLst>
                 <a:ext uri="{91240B29-F687-4f45-9708-019B960494DF}">
-                  <a14:hiddenLine xmlns:a14="http://schemas.microsoft.com/office/drawing/2010/main" xmlns="" w="9525">
+                  <a14:hiddenLine xmlns="" xmlns:a14="http://schemas.microsoft.com/office/drawing/2010/main" w="9525">
                     <a:solidFill>
                       <a:srgbClr val="000000"/>
                     </a:solidFill>
@@ -18823,7 +18823,7 @@
               </a:ln>
               <a:extLst>
                 <a:ext uri="{91240B29-F687-4f45-9708-019B960494DF}">
-                  <a14:hiddenLine xmlns:a14="http://schemas.microsoft.com/office/drawing/2010/main" xmlns="" w="9525">
+                  <a14:hiddenLine xmlns="" xmlns:a14="http://schemas.microsoft.com/office/drawing/2010/main" w="9525">
                     <a:solidFill>
                       <a:srgbClr val="000000"/>
                     </a:solidFill>
@@ -18913,7 +18913,7 @@
               </a:ln>
               <a:extLst>
                 <a:ext uri="{91240B29-F687-4f45-9708-019B960494DF}">
-                  <a14:hiddenLine xmlns:a14="http://schemas.microsoft.com/office/drawing/2010/main" xmlns="" w="9525">
+                  <a14:hiddenLine xmlns="" xmlns:a14="http://schemas.microsoft.com/office/drawing/2010/main" w="9525">
                     <a:solidFill>
                       <a:srgbClr val="000000"/>
                     </a:solidFill>
@@ -18978,7 +18978,7 @@
               </a:ln>
               <a:extLst>
                 <a:ext uri="{91240B29-F687-4f45-9708-019B960494DF}">
-                  <a14:hiddenLine xmlns:a14="http://schemas.microsoft.com/office/drawing/2010/main" xmlns="" w="9525">
+                  <a14:hiddenLine xmlns="" xmlns:a14="http://schemas.microsoft.com/office/drawing/2010/main" w="9525">
                     <a:solidFill>
                       <a:srgbClr val="000000"/>
                     </a:solidFill>
@@ -19040,7 +19040,7 @@
               </a:ln>
               <a:extLst>
                 <a:ext uri="{91240B29-F687-4f45-9708-019B960494DF}">
-                  <a14:hiddenLine xmlns:a14="http://schemas.microsoft.com/office/drawing/2010/main" xmlns="" w="9525">
+                  <a14:hiddenLine xmlns="" xmlns:a14="http://schemas.microsoft.com/office/drawing/2010/main" w="9525">
                     <a:solidFill>
                       <a:srgbClr val="000000"/>
                     </a:solidFill>
@@ -19130,7 +19130,7 @@
               </a:ln>
               <a:extLst>
                 <a:ext uri="{91240B29-F687-4f45-9708-019B960494DF}">
-                  <a14:hiddenLine xmlns:a14="http://schemas.microsoft.com/office/drawing/2010/main" xmlns="" w="9525">
+                  <a14:hiddenLine xmlns="" xmlns:a14="http://schemas.microsoft.com/office/drawing/2010/main" w="9525">
                     <a:solidFill>
                       <a:srgbClr val="000000"/>
                     </a:solidFill>
@@ -19220,7 +19220,7 @@
               </a:ln>
               <a:extLst>
                 <a:ext uri="{91240B29-F687-4f45-9708-019B960494DF}">
-                  <a14:hiddenLine xmlns:a14="http://schemas.microsoft.com/office/drawing/2010/main" xmlns="" w="9525">
+                  <a14:hiddenLine xmlns="" xmlns:a14="http://schemas.microsoft.com/office/drawing/2010/main" w="9525">
                     <a:solidFill>
                       <a:srgbClr val="000000"/>
                     </a:solidFill>
@@ -19285,7 +19285,7 @@
               </a:ln>
               <a:extLst>
                 <a:ext uri="{91240B29-F687-4f45-9708-019B960494DF}">
-                  <a14:hiddenLine xmlns:a14="http://schemas.microsoft.com/office/drawing/2010/main" xmlns="" w="9525">
+                  <a14:hiddenLine xmlns="" xmlns:a14="http://schemas.microsoft.com/office/drawing/2010/main" w="9525">
                     <a:solidFill>
                       <a:srgbClr val="000000"/>
                     </a:solidFill>
@@ -19405,7 +19405,7 @@
               </a:ln>
               <a:extLst>
                 <a:ext uri="{91240B29-F687-4f45-9708-019B960494DF}">
-                  <a14:hiddenLine xmlns:a14="http://schemas.microsoft.com/office/drawing/2010/main" xmlns="" w="9525">
+                  <a14:hiddenLine xmlns="" xmlns:a14="http://schemas.microsoft.com/office/drawing/2010/main" w="9525">
                     <a:solidFill>
                       <a:srgbClr val="000000"/>
                     </a:solidFill>
@@ -19486,7 +19486,7 @@
               </a:ln>
               <a:extLst>
                 <a:ext uri="{91240B29-F687-4f45-9708-019B960494DF}">
-                  <a14:hiddenLine xmlns:a14="http://schemas.microsoft.com/office/drawing/2010/main" xmlns="" w="9525">
+                  <a14:hiddenLine xmlns="" xmlns:a14="http://schemas.microsoft.com/office/drawing/2010/main" w="9525">
                     <a:solidFill>
                       <a:srgbClr val="000000"/>
                     </a:solidFill>
@@ -19601,7 +19601,7 @@
               </a:ln>
               <a:extLst>
                 <a:ext uri="{91240B29-F687-4f45-9708-019B960494DF}">
-                  <a14:hiddenLine xmlns:a14="http://schemas.microsoft.com/office/drawing/2010/main" xmlns="" w="9525">
+                  <a14:hiddenLine xmlns="" xmlns:a14="http://schemas.microsoft.com/office/drawing/2010/main" w="9525">
                     <a:solidFill>
                       <a:srgbClr val="000000"/>
                     </a:solidFill>
@@ -19691,7 +19691,7 @@
               </a:ln>
               <a:extLst>
                 <a:ext uri="{91240B29-F687-4f45-9708-019B960494DF}">
-                  <a14:hiddenLine xmlns:a14="http://schemas.microsoft.com/office/drawing/2010/main" xmlns="" w="9525">
+                  <a14:hiddenLine xmlns="" xmlns:a14="http://schemas.microsoft.com/office/drawing/2010/main" w="9525">
                     <a:solidFill>
                       <a:srgbClr val="000000"/>
                     </a:solidFill>
@@ -19756,7 +19756,7 @@
               </a:ln>
               <a:extLst>
                 <a:ext uri="{91240B29-F687-4f45-9708-019B960494DF}">
-                  <a14:hiddenLine xmlns:a14="http://schemas.microsoft.com/office/drawing/2010/main" xmlns="" w="9525">
+                  <a14:hiddenLine xmlns="" xmlns:a14="http://schemas.microsoft.com/office/drawing/2010/main" w="9525">
                     <a:solidFill>
                       <a:srgbClr val="000000"/>
                     </a:solidFill>
@@ -19846,7 +19846,7 @@
               </a:ln>
               <a:extLst>
                 <a:ext uri="{91240B29-F687-4f45-9708-019B960494DF}">
-                  <a14:hiddenLine xmlns:a14="http://schemas.microsoft.com/office/drawing/2010/main" xmlns="" w="9525">
+                  <a14:hiddenLine xmlns="" xmlns:a14="http://schemas.microsoft.com/office/drawing/2010/main" w="9525">
                     <a:solidFill>
                       <a:srgbClr val="000000"/>
                     </a:solidFill>
@@ -19914,7 +19914,7 @@
               </a:ln>
               <a:extLst>
                 <a:ext uri="{91240B29-F687-4f45-9708-019B960494DF}">
-                  <a14:hiddenLine xmlns:a14="http://schemas.microsoft.com/office/drawing/2010/main" xmlns="" w="9525">
+                  <a14:hiddenLine xmlns="" xmlns:a14="http://schemas.microsoft.com/office/drawing/2010/main" w="9525">
                     <a:solidFill>
                       <a:srgbClr val="000000"/>
                     </a:solidFill>
@@ -20004,7 +20004,7 @@
               </a:ln>
               <a:extLst>
                 <a:ext uri="{91240B29-F687-4f45-9708-019B960494DF}">
-                  <a14:hiddenLine xmlns:a14="http://schemas.microsoft.com/office/drawing/2010/main" xmlns="" w="9525">
+                  <a14:hiddenLine xmlns="" xmlns:a14="http://schemas.microsoft.com/office/drawing/2010/main" w="9525">
                     <a:solidFill>
                       <a:srgbClr val="000000"/>
                     </a:solidFill>
@@ -20072,7 +20072,7 @@
               </a:ln>
               <a:extLst>
                 <a:ext uri="{91240B29-F687-4f45-9708-019B960494DF}">
-                  <a14:hiddenLine xmlns:a14="http://schemas.microsoft.com/office/drawing/2010/main" xmlns="" w="9525">
+                  <a14:hiddenLine xmlns="" xmlns:a14="http://schemas.microsoft.com/office/drawing/2010/main" w="9525">
                     <a:solidFill>
                       <a:srgbClr val="000000"/>
                     </a:solidFill>
@@ -20162,7 +20162,7 @@
               </a:ln>
               <a:extLst>
                 <a:ext uri="{91240B29-F687-4f45-9708-019B960494DF}">
-                  <a14:hiddenLine xmlns:a14="http://schemas.microsoft.com/office/drawing/2010/main" xmlns="" w="9525">
+                  <a14:hiddenLine xmlns="" xmlns:a14="http://schemas.microsoft.com/office/drawing/2010/main" w="9525">
                     <a:solidFill>
                       <a:srgbClr val="000000"/>
                     </a:solidFill>
@@ -20196,7 +20196,7 @@
               </a:ln>
               <a:extLst>
                 <a:ext uri="{91240B29-F687-4f45-9708-019B960494DF}">
-                  <a14:hiddenLine xmlns:a14="http://schemas.microsoft.com/office/drawing/2010/main" xmlns="" w="9525">
+                  <a14:hiddenLine xmlns="" xmlns:a14="http://schemas.microsoft.com/office/drawing/2010/main" w="9525">
                     <a:solidFill>
                       <a:srgbClr val="000000"/>
                     </a:solidFill>
@@ -21638,6 +21638,36 @@
           </a:p>
         </p:txBody>
       </p:sp>
+      <p:pic>
+        <p:nvPicPr>
+          <p:cNvPr id="5" name="Picture 4">
+            <a:extLst>
+              <a:ext uri="{FF2B5EF4-FFF2-40B4-BE49-F238E27FC236}">
+                <a16:creationId xmlns:a16="http://schemas.microsoft.com/office/drawing/2014/main" id="{FA731A68-67DE-4B34-A3A4-4BABCB61034E}"/>
+              </a:ext>
+            </a:extLst>
+          </p:cNvPr>
+          <p:cNvPicPr>
+            <a:picLocks noChangeAspect="1"/>
+          </p:cNvPicPr>
+          <p:nvPr/>
+        </p:nvPicPr>
+        <p:blipFill>
+          <a:blip r:embed="rId2"/>
+          <a:stretch>
+            <a:fillRect/>
+          </a:stretch>
+        </p:blipFill>
+        <p:spPr>
+          <a:xfrm>
+            <a:off x="5828531" y="2006791"/>
+            <a:ext cx="5624647" cy="3164889"/>
+          </a:xfrm>
+          <a:prstGeom prst="rect">
+            <a:avLst/>
+          </a:prstGeom>
+        </p:spPr>
+      </p:pic>
     </p:spTree>
     <p:extLst>
       <p:ext uri="{BB962C8B-B14F-4D97-AF65-F5344CB8AC3E}">
@@ -24367,14 +24397,6 @@
 </file>
 
 <file path=customXml/item2.xml><?xml version="1.0" encoding="utf-8"?>
-<p:properties xmlns:p="http://schemas.microsoft.com/office/2006/metadata/properties" xmlns:xsi="http://www.w3.org/2001/XMLSchema-instance" xmlns:pc="http://schemas.microsoft.com/office/infopath/2007/PartnerControls">
-  <documentManagement>
-    <MediaServiceKeyPoints xmlns="71af3243-3dd4-4a8d-8c0d-dd76da1f02a5" xsi:nil="true"/>
-  </documentManagement>
-</p:properties>
-</file>
-
-<file path=customXml/item3.xml><?xml version="1.0" encoding="utf-8"?>
 <ct:contentTypeSchema xmlns:ct="http://schemas.microsoft.com/office/2006/metadata/contentType" xmlns:ma="http://schemas.microsoft.com/office/2006/metadata/properties/metaAttributes" ct:_="" ma:_="" ma:contentTypeName="Document" ma:contentTypeID="0x01010079F111ED35F8CC479449609E8A0923A6" ma:contentTypeVersion="11" ma:contentTypeDescription="Create a new document." ma:contentTypeScope="" ma:versionID="96291512c1ee715ab617f4c07df79fc1">
   <xsd:schema xmlns:xsd="http://www.w3.org/2001/XMLSchema" xmlns:xs="http://www.w3.org/2001/XMLSchema" xmlns:p="http://schemas.microsoft.com/office/2006/metadata/properties" xmlns:ns2="71af3243-3dd4-4a8d-8c0d-dd76da1f02a5" xmlns:ns3="16c05727-aa75-4e4a-9b5f-8a80a1165891" targetNamespace="http://schemas.microsoft.com/office/2006/metadata/properties" ma:root="true" ma:fieldsID="8256c27c40ca5c40ce1cf6c44f0205df" ns2:_="" ns3:_="">
     <xsd:import namespace="71af3243-3dd4-4a8d-8c0d-dd76da1f02a5"/>
@@ -24585,6 +24607,14 @@
 </ct:contentTypeSchema>
 </file>
 
+<file path=customXml/item3.xml><?xml version="1.0" encoding="utf-8"?>
+<p:properties xmlns:p="http://schemas.microsoft.com/office/2006/metadata/properties" xmlns:xsi="http://www.w3.org/2001/XMLSchema-instance" xmlns:pc="http://schemas.microsoft.com/office/infopath/2007/PartnerControls">
+  <documentManagement>
+    <MediaServiceKeyPoints xmlns="71af3243-3dd4-4a8d-8c0d-dd76da1f02a5" xsi:nil="true"/>
+  </documentManagement>
+</p:properties>
+</file>
+
 <file path=customXml/itemProps1.xml><?xml version="1.0" encoding="utf-8"?>
 <ds:datastoreItem xmlns:ds="http://schemas.openxmlformats.org/officeDocument/2006/customXml" ds:itemID="{B579702B-25C7-40D7-9E29-7686B11A9660}">
   <ds:schemaRefs>
@@ -24594,16 +24624,6 @@
 </file>
 
 <file path=customXml/itemProps2.xml><?xml version="1.0" encoding="utf-8"?>
-<ds:datastoreItem xmlns:ds="http://schemas.openxmlformats.org/officeDocument/2006/customXml" ds:itemID="{E7866CFD-F94E-4AE5-ACEA-86FEC0F48A10}">
-  <ds:schemaRefs>
-    <ds:schemaRef ds:uri="http://schemas.microsoft.com/office/2006/metadata/properties"/>
-    <ds:schemaRef ds:uri="http://schemas.microsoft.com/office/infopath/2007/PartnerControls"/>
-    <ds:schemaRef ds:uri="71af3243-3dd4-4a8d-8c0d-dd76da1f02a5"/>
-  </ds:schemaRefs>
-</ds:datastoreItem>
-</file>
-
-<file path=customXml/itemProps3.xml><?xml version="1.0" encoding="utf-8"?>
 <ds:datastoreItem xmlns:ds="http://schemas.openxmlformats.org/officeDocument/2006/customXml" ds:itemID="{A7C0B241-13E5-418D-8920-D23491E2D2C0}">
   <ds:schemaRefs>
     <ds:schemaRef ds:uri="http://schemas.microsoft.com/office/2006/metadata/contentType"/>
@@ -24620,4 +24640,14 @@
     <ds:schemaRef ds:uri="http://schemas.microsoft.com/internal/obd"/>
   </ds:schemaRefs>
 </ds:datastoreItem>
+</file>
+
+<file path=customXml/itemProps3.xml><?xml version="1.0" encoding="utf-8"?>
+<ds:datastoreItem xmlns:ds="http://schemas.openxmlformats.org/officeDocument/2006/customXml" ds:itemID="{E7866CFD-F94E-4AE5-ACEA-86FEC0F48A10}">
+  <ds:schemaRefs>
+    <ds:schemaRef ds:uri="http://schemas.microsoft.com/office/2006/metadata/properties"/>
+    <ds:schemaRef ds:uri="http://schemas.microsoft.com/office/infopath/2007/PartnerControls"/>
+    <ds:schemaRef ds:uri="71af3243-3dd4-4a8d-8c0d-dd76da1f02a5"/>
+  </ds:schemaRefs>
+</ds:datastoreItem>
 </file>
--- a/Final_Presentation_4.1.pptx
+++ b/Final_Presentation_4.1.pptx
@@ -8493,7 +8493,7 @@
           <a:noFill/>
           <a:extLst>
             <a:ext uri="{909E8E84-426E-40dd-AFC4-6F175D3DCCD1}">
-              <a14:hiddenFill xmlns="" xmlns:a14="http://schemas.microsoft.com/office/drawing/2010/main">
+              <a14:hiddenFill xmlns:a14="http://schemas.microsoft.com/office/drawing/2010/main" xmlns="">
                 <a:solidFill>
                   <a:srgbClr val="FFFFFF"/>
                 </a:solidFill>
@@ -8552,7 +8552,7 @@
             </a:ln>
             <a:extLst>
               <a:ext uri="{91240B29-F687-4f45-9708-019B960494DF}">
-                <a14:hiddenLine xmlns="" xmlns:a14="http://schemas.microsoft.com/office/drawing/2010/main" w="9525">
+                <a14:hiddenLine xmlns:a14="http://schemas.microsoft.com/office/drawing/2010/main" xmlns="" w="9525">
                   <a:solidFill>
                     <a:srgbClr val="000000"/>
                   </a:solidFill>
@@ -8642,7 +8642,7 @@
             </a:ln>
             <a:extLst>
               <a:ext uri="{91240B29-F687-4f45-9708-019B960494DF}">
-                <a14:hiddenLine xmlns="" xmlns:a14="http://schemas.microsoft.com/office/drawing/2010/main" w="9525">
+                <a14:hiddenLine xmlns:a14="http://schemas.microsoft.com/office/drawing/2010/main" xmlns="" w="9525">
                   <a:solidFill>
                     <a:srgbClr val="000000"/>
                   </a:solidFill>
@@ -8732,7 +8732,7 @@
             </a:ln>
             <a:extLst>
               <a:ext uri="{91240B29-F687-4f45-9708-019B960494DF}">
-                <a14:hiddenLine xmlns="" xmlns:a14="http://schemas.microsoft.com/office/drawing/2010/main" w="9525">
+                <a14:hiddenLine xmlns:a14="http://schemas.microsoft.com/office/drawing/2010/main" xmlns="" w="9525">
                   <a:solidFill>
                     <a:srgbClr val="000000"/>
                   </a:solidFill>
@@ -8766,7 +8766,7 @@
             </a:ln>
             <a:extLst>
               <a:ext uri="{91240B29-F687-4f45-9708-019B960494DF}">
-                <a14:hiddenLine xmlns="" xmlns:a14="http://schemas.microsoft.com/office/drawing/2010/main" w="9525">
+                <a14:hiddenLine xmlns:a14="http://schemas.microsoft.com/office/drawing/2010/main" xmlns="" w="9525">
                   <a:solidFill>
                     <a:srgbClr val="000000"/>
                   </a:solidFill>
@@ -8856,7 +8856,7 @@
             </a:ln>
             <a:extLst>
               <a:ext uri="{91240B29-F687-4f45-9708-019B960494DF}">
-                <a14:hiddenLine xmlns="" xmlns:a14="http://schemas.microsoft.com/office/drawing/2010/main" w="9525">
+                <a14:hiddenLine xmlns:a14="http://schemas.microsoft.com/office/drawing/2010/main" xmlns="" w="9525">
                   <a:solidFill>
                     <a:srgbClr val="000000"/>
                   </a:solidFill>
@@ -8918,7 +8918,7 @@
             </a:ln>
             <a:extLst>
               <a:ext uri="{91240B29-F687-4f45-9708-019B960494DF}">
-                <a14:hiddenLine xmlns="" xmlns:a14="http://schemas.microsoft.com/office/drawing/2010/main" w="9525">
+                <a14:hiddenLine xmlns:a14="http://schemas.microsoft.com/office/drawing/2010/main" xmlns="" w="9525">
                   <a:solidFill>
                     <a:srgbClr val="000000"/>
                   </a:solidFill>
@@ -8980,7 +8980,7 @@
             </a:ln>
             <a:extLst>
               <a:ext uri="{91240B29-F687-4f45-9708-019B960494DF}">
-                <a14:hiddenLine xmlns="" xmlns:a14="http://schemas.microsoft.com/office/drawing/2010/main" w="9525">
+                <a14:hiddenLine xmlns:a14="http://schemas.microsoft.com/office/drawing/2010/main" xmlns="" w="9525">
                   <a:solidFill>
                     <a:srgbClr val="000000"/>
                   </a:solidFill>
@@ -9070,7 +9070,7 @@
             </a:ln>
             <a:extLst>
               <a:ext uri="{91240B29-F687-4f45-9708-019B960494DF}">
-                <a14:hiddenLine xmlns="" xmlns:a14="http://schemas.microsoft.com/office/drawing/2010/main" w="9525">
+                <a14:hiddenLine xmlns:a14="http://schemas.microsoft.com/office/drawing/2010/main" xmlns="" w="9525">
                   <a:solidFill>
                     <a:srgbClr val="000000"/>
                   </a:solidFill>
@@ -9132,7 +9132,7 @@
             </a:ln>
             <a:extLst>
               <a:ext uri="{91240B29-F687-4f45-9708-019B960494DF}">
-                <a14:hiddenLine xmlns="" xmlns:a14="http://schemas.microsoft.com/office/drawing/2010/main" w="9525">
+                <a14:hiddenLine xmlns:a14="http://schemas.microsoft.com/office/drawing/2010/main" xmlns="" w="9525">
                   <a:solidFill>
                     <a:srgbClr val="000000"/>
                   </a:solidFill>
@@ -9194,7 +9194,7 @@
             </a:ln>
             <a:extLst>
               <a:ext uri="{91240B29-F687-4f45-9708-019B960494DF}">
-                <a14:hiddenLine xmlns="" xmlns:a14="http://schemas.microsoft.com/office/drawing/2010/main" w="9525">
+                <a14:hiddenLine xmlns:a14="http://schemas.microsoft.com/office/drawing/2010/main" xmlns="" w="9525">
                   <a:solidFill>
                     <a:srgbClr val="000000"/>
                   </a:solidFill>
@@ -9284,7 +9284,7 @@
             </a:ln>
             <a:extLst>
               <a:ext uri="{91240B29-F687-4f45-9708-019B960494DF}">
-                <a14:hiddenLine xmlns="" xmlns:a14="http://schemas.microsoft.com/office/drawing/2010/main" w="9525">
+                <a14:hiddenLine xmlns:a14="http://schemas.microsoft.com/office/drawing/2010/main" xmlns="" w="9525">
                   <a:solidFill>
                     <a:srgbClr val="000000"/>
                   </a:solidFill>
@@ -9374,7 +9374,7 @@
             </a:ln>
             <a:extLst>
               <a:ext uri="{91240B29-F687-4f45-9708-019B960494DF}">
-                <a14:hiddenLine xmlns="" xmlns:a14="http://schemas.microsoft.com/office/drawing/2010/main" w="9525">
+                <a14:hiddenLine xmlns:a14="http://schemas.microsoft.com/office/drawing/2010/main" xmlns="" w="9525">
                   <a:solidFill>
                     <a:srgbClr val="000000"/>
                   </a:solidFill>
@@ -9436,7 +9436,7 @@
             </a:ln>
             <a:extLst>
               <a:ext uri="{91240B29-F687-4f45-9708-019B960494DF}">
-                <a14:hiddenLine xmlns="" xmlns:a14="http://schemas.microsoft.com/office/drawing/2010/main" w="9525">
+                <a14:hiddenLine xmlns:a14="http://schemas.microsoft.com/office/drawing/2010/main" xmlns="" w="9525">
                   <a:solidFill>
                     <a:srgbClr val="000000"/>
                   </a:solidFill>
@@ -9546,7 +9546,7 @@
             </a:ln>
             <a:extLst>
               <a:ext uri="{91240B29-F687-4f45-9708-019B960494DF}">
-                <a14:hiddenLine xmlns="" xmlns:a14="http://schemas.microsoft.com/office/drawing/2010/main" w="9525">
+                <a14:hiddenLine xmlns:a14="http://schemas.microsoft.com/office/drawing/2010/main" xmlns="" w="9525">
                   <a:solidFill>
                     <a:srgbClr val="000000"/>
                   </a:solidFill>
@@ -9608,7 +9608,7 @@
             </a:ln>
             <a:extLst>
               <a:ext uri="{91240B29-F687-4f45-9708-019B960494DF}">
-                <a14:hiddenLine xmlns="" xmlns:a14="http://schemas.microsoft.com/office/drawing/2010/main" w="9525">
+                <a14:hiddenLine xmlns:a14="http://schemas.microsoft.com/office/drawing/2010/main" xmlns="" w="9525">
                   <a:solidFill>
                     <a:srgbClr val="000000"/>
                   </a:solidFill>
@@ -9698,7 +9698,7 @@
             </a:ln>
             <a:extLst>
               <a:ext uri="{91240B29-F687-4f45-9708-019B960494DF}">
-                <a14:hiddenLine xmlns="" xmlns:a14="http://schemas.microsoft.com/office/drawing/2010/main" w="9525">
+                <a14:hiddenLine xmlns:a14="http://schemas.microsoft.com/office/drawing/2010/main" xmlns="" w="9525">
                   <a:solidFill>
                     <a:srgbClr val="000000"/>
                   </a:solidFill>
@@ -9788,7 +9788,7 @@
             </a:ln>
             <a:extLst>
               <a:ext uri="{91240B29-F687-4f45-9708-019B960494DF}">
-                <a14:hiddenLine xmlns="" xmlns:a14="http://schemas.microsoft.com/office/drawing/2010/main" w="9525">
+                <a14:hiddenLine xmlns:a14="http://schemas.microsoft.com/office/drawing/2010/main" xmlns="" w="9525">
                   <a:solidFill>
                     <a:srgbClr val="000000"/>
                   </a:solidFill>
@@ -9850,7 +9850,7 @@
             </a:ln>
             <a:extLst>
               <a:ext uri="{91240B29-F687-4f45-9708-019B960494DF}">
-                <a14:hiddenLine xmlns="" xmlns:a14="http://schemas.microsoft.com/office/drawing/2010/main" w="9525">
+                <a14:hiddenLine xmlns:a14="http://schemas.microsoft.com/office/drawing/2010/main" xmlns="" w="9525">
                   <a:solidFill>
                     <a:srgbClr val="000000"/>
                   </a:solidFill>
@@ -9940,7 +9940,7 @@
             </a:ln>
             <a:extLst>
               <a:ext uri="{91240B29-F687-4f45-9708-019B960494DF}">
-                <a14:hiddenLine xmlns="" xmlns:a14="http://schemas.microsoft.com/office/drawing/2010/main" w="9525">
+                <a14:hiddenLine xmlns:a14="http://schemas.microsoft.com/office/drawing/2010/main" xmlns="" w="9525">
                   <a:solidFill>
                     <a:srgbClr val="000000"/>
                   </a:solidFill>
@@ -10030,7 +10030,7 @@
             </a:ln>
             <a:extLst>
               <a:ext uri="{91240B29-F687-4f45-9708-019B960494DF}">
-                <a14:hiddenLine xmlns="" xmlns:a14="http://schemas.microsoft.com/office/drawing/2010/main" w="9525">
+                <a14:hiddenLine xmlns:a14="http://schemas.microsoft.com/office/drawing/2010/main" xmlns="" w="9525">
                   <a:solidFill>
                     <a:srgbClr val="000000"/>
                   </a:solidFill>
@@ -10086,7 +10086,7 @@
             </a:ln>
             <a:extLst>
               <a:ext uri="{91240B29-F687-4f45-9708-019B960494DF}">
-                <a14:hiddenLine xmlns="" xmlns:a14="http://schemas.microsoft.com/office/drawing/2010/main" w="9525">
+                <a14:hiddenLine xmlns:a14="http://schemas.microsoft.com/office/drawing/2010/main" xmlns="" w="9525">
                   <a:solidFill>
                     <a:srgbClr val="000000"/>
                   </a:solidFill>
@@ -10176,7 +10176,7 @@
             </a:ln>
             <a:extLst>
               <a:ext uri="{91240B29-F687-4f45-9708-019B960494DF}">
-                <a14:hiddenLine xmlns="" xmlns:a14="http://schemas.microsoft.com/office/drawing/2010/main" w="9525">
+                <a14:hiddenLine xmlns:a14="http://schemas.microsoft.com/office/drawing/2010/main" xmlns="" w="9525">
                   <a:solidFill>
                     <a:srgbClr val="000000"/>
                   </a:solidFill>
@@ -10232,7 +10232,7 @@
             </a:ln>
             <a:extLst>
               <a:ext uri="{91240B29-F687-4f45-9708-019B960494DF}">
-                <a14:hiddenLine xmlns="" xmlns:a14="http://schemas.microsoft.com/office/drawing/2010/main" w="9525">
+                <a14:hiddenLine xmlns:a14="http://schemas.microsoft.com/office/drawing/2010/main" xmlns="" w="9525">
                   <a:solidFill>
                     <a:srgbClr val="000000"/>
                   </a:solidFill>
@@ -10322,7 +10322,7 @@
             </a:ln>
             <a:extLst>
               <a:ext uri="{91240B29-F687-4f45-9708-019B960494DF}">
-                <a14:hiddenLine xmlns="" xmlns:a14="http://schemas.microsoft.com/office/drawing/2010/main" w="9525">
+                <a14:hiddenLine xmlns:a14="http://schemas.microsoft.com/office/drawing/2010/main" xmlns="" w="9525">
                   <a:solidFill>
                     <a:srgbClr val="000000"/>
                   </a:solidFill>
@@ -10390,7 +10390,7 @@
             </a:ln>
             <a:extLst>
               <a:ext uri="{91240B29-F687-4f45-9708-019B960494DF}">
-                <a14:hiddenLine xmlns="" xmlns:a14="http://schemas.microsoft.com/office/drawing/2010/main" w="9525">
+                <a14:hiddenLine xmlns:a14="http://schemas.microsoft.com/office/drawing/2010/main" xmlns="" w="9525">
                   <a:solidFill>
                     <a:srgbClr val="000000"/>
                   </a:solidFill>
@@ -10480,7 +10480,7 @@
             </a:ln>
             <a:extLst>
               <a:ext uri="{91240B29-F687-4f45-9708-019B960494DF}">
-                <a14:hiddenLine xmlns="" xmlns:a14="http://schemas.microsoft.com/office/drawing/2010/main" w="9525">
+                <a14:hiddenLine xmlns:a14="http://schemas.microsoft.com/office/drawing/2010/main" xmlns="" w="9525">
                   <a:solidFill>
                     <a:srgbClr val="000000"/>
                   </a:solidFill>
@@ -10548,7 +10548,7 @@
             </a:ln>
             <a:extLst>
               <a:ext uri="{91240B29-F687-4f45-9708-019B960494DF}">
-                <a14:hiddenLine xmlns="" xmlns:a14="http://schemas.microsoft.com/office/drawing/2010/main" w="9525">
+                <a14:hiddenLine xmlns:a14="http://schemas.microsoft.com/office/drawing/2010/main" xmlns="" w="9525">
                   <a:solidFill>
                     <a:srgbClr val="000000"/>
                   </a:solidFill>
@@ -10638,7 +10638,7 @@
             </a:ln>
             <a:extLst>
               <a:ext uri="{91240B29-F687-4f45-9708-019B960494DF}">
-                <a14:hiddenLine xmlns="" xmlns:a14="http://schemas.microsoft.com/office/drawing/2010/main" w="9525">
+                <a14:hiddenLine xmlns:a14="http://schemas.microsoft.com/office/drawing/2010/main" xmlns="" w="9525">
                   <a:solidFill>
                     <a:srgbClr val="000000"/>
                   </a:solidFill>
@@ -10672,7 +10672,7 @@
             </a:ln>
             <a:extLst>
               <a:ext uri="{91240B29-F687-4f45-9708-019B960494DF}">
-                <a14:hiddenLine xmlns="" xmlns:a14="http://schemas.microsoft.com/office/drawing/2010/main" w="9525">
+                <a14:hiddenLine xmlns:a14="http://schemas.microsoft.com/office/drawing/2010/main" xmlns="" w="9525">
                   <a:solidFill>
                     <a:srgbClr val="000000"/>
                   </a:solidFill>
@@ -10762,7 +10762,7 @@
             </a:ln>
             <a:extLst>
               <a:ext uri="{91240B29-F687-4f45-9708-019B960494DF}">
-                <a14:hiddenLine xmlns="" xmlns:a14="http://schemas.microsoft.com/office/drawing/2010/main" w="9525">
+                <a14:hiddenLine xmlns:a14="http://schemas.microsoft.com/office/drawing/2010/main" xmlns="" w="9525">
                   <a:solidFill>
                     <a:srgbClr val="000000"/>
                   </a:solidFill>
@@ -10824,7 +10824,7 @@
             </a:ln>
             <a:extLst>
               <a:ext uri="{91240B29-F687-4f45-9708-019B960494DF}">
-                <a14:hiddenLine xmlns="" xmlns:a14="http://schemas.microsoft.com/office/drawing/2010/main" w="9525">
+                <a14:hiddenLine xmlns:a14="http://schemas.microsoft.com/office/drawing/2010/main" xmlns="" w="9525">
                   <a:solidFill>
                     <a:srgbClr val="000000"/>
                   </a:solidFill>
@@ -10886,7 +10886,7 @@
             </a:ln>
             <a:extLst>
               <a:ext uri="{91240B29-F687-4f45-9708-019B960494DF}">
-                <a14:hiddenLine xmlns="" xmlns:a14="http://schemas.microsoft.com/office/drawing/2010/main" w="9525">
+                <a14:hiddenLine xmlns:a14="http://schemas.microsoft.com/office/drawing/2010/main" xmlns="" w="9525">
                   <a:solidFill>
                     <a:srgbClr val="000000"/>
                   </a:solidFill>
@@ -10976,7 +10976,7 @@
             </a:ln>
             <a:extLst>
               <a:ext uri="{91240B29-F687-4f45-9708-019B960494DF}">
-                <a14:hiddenLine xmlns="" xmlns:a14="http://schemas.microsoft.com/office/drawing/2010/main" w="9525">
+                <a14:hiddenLine xmlns:a14="http://schemas.microsoft.com/office/drawing/2010/main" xmlns="" w="9525">
                   <a:solidFill>
                     <a:srgbClr val="000000"/>
                   </a:solidFill>
@@ -11044,7 +11044,7 @@
             </a:ln>
             <a:extLst>
               <a:ext uri="{91240B29-F687-4f45-9708-019B960494DF}">
-                <a14:hiddenLine xmlns="" xmlns:a14="http://schemas.microsoft.com/office/drawing/2010/main" w="9525">
+                <a14:hiddenLine xmlns:a14="http://schemas.microsoft.com/office/drawing/2010/main" xmlns="" w="9525">
                   <a:solidFill>
                     <a:srgbClr val="000000"/>
                   </a:solidFill>
@@ -11106,7 +11106,7 @@
             </a:ln>
             <a:extLst>
               <a:ext uri="{91240B29-F687-4f45-9708-019B960494DF}">
-                <a14:hiddenLine xmlns="" xmlns:a14="http://schemas.microsoft.com/office/drawing/2010/main" w="9525">
+                <a14:hiddenLine xmlns:a14="http://schemas.microsoft.com/office/drawing/2010/main" xmlns="" w="9525">
                   <a:solidFill>
                     <a:srgbClr val="000000"/>
                   </a:solidFill>
@@ -11196,7 +11196,7 @@
             </a:ln>
             <a:extLst>
               <a:ext uri="{91240B29-F687-4f45-9708-019B960494DF}">
-                <a14:hiddenLine xmlns="" xmlns:a14="http://schemas.microsoft.com/office/drawing/2010/main" w="9525">
+                <a14:hiddenLine xmlns:a14="http://schemas.microsoft.com/office/drawing/2010/main" xmlns="" w="9525">
                   <a:solidFill>
                     <a:srgbClr val="000000"/>
                   </a:solidFill>
@@ -11258,7 +11258,7 @@
             </a:ln>
             <a:extLst>
               <a:ext uri="{91240B29-F687-4f45-9708-019B960494DF}">
-                <a14:hiddenLine xmlns="" xmlns:a14="http://schemas.microsoft.com/office/drawing/2010/main" w="9525">
+                <a14:hiddenLine xmlns:a14="http://schemas.microsoft.com/office/drawing/2010/main" xmlns="" w="9525">
                   <a:solidFill>
                     <a:srgbClr val="000000"/>
                   </a:solidFill>
@@ -11348,7 +11348,7 @@
             </a:ln>
             <a:extLst>
               <a:ext uri="{91240B29-F687-4f45-9708-019B960494DF}">
-                <a14:hiddenLine xmlns="" xmlns:a14="http://schemas.microsoft.com/office/drawing/2010/main" w="9525">
+                <a14:hiddenLine xmlns:a14="http://schemas.microsoft.com/office/drawing/2010/main" xmlns="" w="9525">
                   <a:solidFill>
                     <a:srgbClr val="000000"/>
                   </a:solidFill>
@@ -11410,7 +11410,7 @@
             </a:ln>
             <a:extLst>
               <a:ext uri="{91240B29-F687-4f45-9708-019B960494DF}">
-                <a14:hiddenLine xmlns="" xmlns:a14="http://schemas.microsoft.com/office/drawing/2010/main" w="9525">
+                <a14:hiddenLine xmlns:a14="http://schemas.microsoft.com/office/drawing/2010/main" xmlns="" w="9525">
                   <a:solidFill>
                     <a:srgbClr val="000000"/>
                   </a:solidFill>
@@ -11500,7 +11500,7 @@
             </a:ln>
             <a:extLst>
               <a:ext uri="{91240B29-F687-4f45-9708-019B960494DF}">
-                <a14:hiddenLine xmlns="" xmlns:a14="http://schemas.microsoft.com/office/drawing/2010/main" w="9525">
+                <a14:hiddenLine xmlns:a14="http://schemas.microsoft.com/office/drawing/2010/main" xmlns="" w="9525">
                   <a:solidFill>
                     <a:srgbClr val="000000"/>
                   </a:solidFill>
@@ -11534,7 +11534,7 @@
             </a:ln>
             <a:extLst>
               <a:ext uri="{91240B29-F687-4f45-9708-019B960494DF}">
-                <a14:hiddenLine xmlns="" xmlns:a14="http://schemas.microsoft.com/office/drawing/2010/main" w="9525">
+                <a14:hiddenLine xmlns:a14="http://schemas.microsoft.com/office/drawing/2010/main" xmlns="" w="9525">
                   <a:solidFill>
                     <a:srgbClr val="000000"/>
                   </a:solidFill>
@@ -11599,7 +11599,7 @@
             </a:ln>
             <a:extLst>
               <a:ext uri="{91240B29-F687-4f45-9708-019B960494DF}">
-                <a14:hiddenLine xmlns="" xmlns:a14="http://schemas.microsoft.com/office/drawing/2010/main" w="9525">
+                <a14:hiddenLine xmlns:a14="http://schemas.microsoft.com/office/drawing/2010/main" xmlns="" w="9525">
                   <a:solidFill>
                     <a:srgbClr val="000000"/>
                   </a:solidFill>
@@ -11689,7 +11689,7 @@
             </a:ln>
             <a:extLst>
               <a:ext uri="{91240B29-F687-4f45-9708-019B960494DF}">
-                <a14:hiddenLine xmlns="" xmlns:a14="http://schemas.microsoft.com/office/drawing/2010/main" w="9525">
+                <a14:hiddenLine xmlns:a14="http://schemas.microsoft.com/office/drawing/2010/main" xmlns="" w="9525">
                   <a:solidFill>
                     <a:srgbClr val="000000"/>
                   </a:solidFill>
@@ -11751,7 +11751,7 @@
             </a:ln>
             <a:extLst>
               <a:ext uri="{91240B29-F687-4f45-9708-019B960494DF}">
-                <a14:hiddenLine xmlns="" xmlns:a14="http://schemas.microsoft.com/office/drawing/2010/main" w="9525">
+                <a14:hiddenLine xmlns:a14="http://schemas.microsoft.com/office/drawing/2010/main" xmlns="" w="9525">
                   <a:solidFill>
                     <a:srgbClr val="000000"/>
                   </a:solidFill>
@@ -11841,7 +11841,7 @@
             </a:ln>
             <a:extLst>
               <a:ext uri="{91240B29-F687-4f45-9708-019B960494DF}">
-                <a14:hiddenLine xmlns="" xmlns:a14="http://schemas.microsoft.com/office/drawing/2010/main" w="9525">
+                <a14:hiddenLine xmlns:a14="http://schemas.microsoft.com/office/drawing/2010/main" xmlns="" w="9525">
                   <a:solidFill>
                     <a:srgbClr val="000000"/>
                   </a:solidFill>
@@ -11931,7 +11931,7 @@
             </a:ln>
             <a:extLst>
               <a:ext uri="{91240B29-F687-4f45-9708-019B960494DF}">
-                <a14:hiddenLine xmlns="" xmlns:a14="http://schemas.microsoft.com/office/drawing/2010/main" w="9525">
+                <a14:hiddenLine xmlns:a14="http://schemas.microsoft.com/office/drawing/2010/main" xmlns="" w="9525">
                   <a:solidFill>
                     <a:srgbClr val="000000"/>
                   </a:solidFill>
@@ -11996,7 +11996,7 @@
             </a:ln>
             <a:extLst>
               <a:ext uri="{91240B29-F687-4f45-9708-019B960494DF}">
-                <a14:hiddenLine xmlns="" xmlns:a14="http://schemas.microsoft.com/office/drawing/2010/main" w="9525">
+                <a14:hiddenLine xmlns:a14="http://schemas.microsoft.com/office/drawing/2010/main" xmlns="" w="9525">
                   <a:solidFill>
                     <a:srgbClr val="000000"/>
                   </a:solidFill>
@@ -12058,7 +12058,7 @@
             </a:ln>
             <a:extLst>
               <a:ext uri="{91240B29-F687-4f45-9708-019B960494DF}">
-                <a14:hiddenLine xmlns="" xmlns:a14="http://schemas.microsoft.com/office/drawing/2010/main" w="9525">
+                <a14:hiddenLine xmlns:a14="http://schemas.microsoft.com/office/drawing/2010/main" xmlns="" w="9525">
                   <a:solidFill>
                     <a:srgbClr val="000000"/>
                   </a:solidFill>
@@ -12148,7 +12148,7 @@
             </a:ln>
             <a:extLst>
               <a:ext uri="{91240B29-F687-4f45-9708-019B960494DF}">
-                <a14:hiddenLine xmlns="" xmlns:a14="http://schemas.microsoft.com/office/drawing/2010/main" w="9525">
+                <a14:hiddenLine xmlns:a14="http://schemas.microsoft.com/office/drawing/2010/main" xmlns="" w="9525">
                   <a:solidFill>
                     <a:srgbClr val="000000"/>
                   </a:solidFill>
@@ -12238,7 +12238,7 @@
             </a:ln>
             <a:extLst>
               <a:ext uri="{91240B29-F687-4f45-9708-019B960494DF}">
-                <a14:hiddenLine xmlns="" xmlns:a14="http://schemas.microsoft.com/office/drawing/2010/main" w="9525">
+                <a14:hiddenLine xmlns:a14="http://schemas.microsoft.com/office/drawing/2010/main" xmlns="" w="9525">
                   <a:solidFill>
                     <a:srgbClr val="000000"/>
                   </a:solidFill>
@@ -12300,7 +12300,7 @@
             </a:ln>
             <a:extLst>
               <a:ext uri="{91240B29-F687-4f45-9708-019B960494DF}">
-                <a14:hiddenLine xmlns="" xmlns:a14="http://schemas.microsoft.com/office/drawing/2010/main" w="9525">
+                <a14:hiddenLine xmlns:a14="http://schemas.microsoft.com/office/drawing/2010/main" xmlns="" w="9525">
                   <a:solidFill>
                     <a:srgbClr val="000000"/>
                   </a:solidFill>
@@ -12420,7 +12420,7 @@
             </a:ln>
             <a:extLst>
               <a:ext uri="{91240B29-F687-4f45-9708-019B960494DF}">
-                <a14:hiddenLine xmlns="" xmlns:a14="http://schemas.microsoft.com/office/drawing/2010/main" w="9525">
+                <a14:hiddenLine xmlns:a14="http://schemas.microsoft.com/office/drawing/2010/main" xmlns="" w="9525">
                   <a:solidFill>
                     <a:srgbClr val="000000"/>
                   </a:solidFill>
@@ -12488,7 +12488,7 @@
             </a:ln>
             <a:extLst>
               <a:ext uri="{91240B29-F687-4f45-9708-019B960494DF}">
-                <a14:hiddenLine xmlns="" xmlns:a14="http://schemas.microsoft.com/office/drawing/2010/main" w="9525">
+                <a14:hiddenLine xmlns:a14="http://schemas.microsoft.com/office/drawing/2010/main" xmlns="" w="9525">
                   <a:solidFill>
                     <a:srgbClr val="000000"/>
                   </a:solidFill>
@@ -12578,7 +12578,7 @@
             </a:ln>
             <a:extLst>
               <a:ext uri="{91240B29-F687-4f45-9708-019B960494DF}">
-                <a14:hiddenLine xmlns="" xmlns:a14="http://schemas.microsoft.com/office/drawing/2010/main" w="9525">
+                <a14:hiddenLine xmlns:a14="http://schemas.microsoft.com/office/drawing/2010/main" xmlns="" w="9525">
                   <a:solidFill>
                     <a:srgbClr val="000000"/>
                   </a:solidFill>
@@ -17392,7 +17392,7 @@
           <a:noFill/>
           <a:extLst>
             <a:ext uri="{909E8E84-426E-40dd-AFC4-6F175D3DCCD1}">
-              <a14:hiddenFill xmlns="" xmlns:a14="http://schemas.microsoft.com/office/drawing/2010/main">
+              <a14:hiddenFill xmlns:a14="http://schemas.microsoft.com/office/drawing/2010/main" xmlns="">
                 <a:solidFill>
                   <a:srgbClr val="FFFFFF"/>
                 </a:solidFill>
@@ -17466,7 +17466,7 @@
               </a:ln>
               <a:extLst>
                 <a:ext uri="{91240B29-F687-4f45-9708-019B960494DF}">
-                  <a14:hiddenLine xmlns="" xmlns:a14="http://schemas.microsoft.com/office/drawing/2010/main" w="9525">
+                  <a14:hiddenLine xmlns:a14="http://schemas.microsoft.com/office/drawing/2010/main" xmlns="" w="9525">
                     <a:solidFill>
                       <a:srgbClr val="000000"/>
                     </a:solidFill>
@@ -17556,7 +17556,7 @@
               </a:ln>
               <a:extLst>
                 <a:ext uri="{91240B29-F687-4f45-9708-019B960494DF}">
-                  <a14:hiddenLine xmlns="" xmlns:a14="http://schemas.microsoft.com/office/drawing/2010/main" w="9525">
+                  <a14:hiddenLine xmlns:a14="http://schemas.microsoft.com/office/drawing/2010/main" xmlns="" w="9525">
                     <a:solidFill>
                       <a:srgbClr val="000000"/>
                     </a:solidFill>
@@ -17646,7 +17646,7 @@
               </a:ln>
               <a:extLst>
                 <a:ext uri="{91240B29-F687-4f45-9708-019B960494DF}">
-                  <a14:hiddenLine xmlns="" xmlns:a14="http://schemas.microsoft.com/office/drawing/2010/main" w="9525">
+                  <a14:hiddenLine xmlns:a14="http://schemas.microsoft.com/office/drawing/2010/main" xmlns="" w="9525">
                     <a:solidFill>
                       <a:srgbClr val="000000"/>
                     </a:solidFill>
@@ -17708,7 +17708,7 @@
               </a:ln>
               <a:extLst>
                 <a:ext uri="{91240B29-F687-4f45-9708-019B960494DF}">
-                  <a14:hiddenLine xmlns="" xmlns:a14="http://schemas.microsoft.com/office/drawing/2010/main" w="9525">
+                  <a14:hiddenLine xmlns:a14="http://schemas.microsoft.com/office/drawing/2010/main" xmlns="" w="9525">
                     <a:solidFill>
                       <a:srgbClr val="000000"/>
                     </a:solidFill>
@@ -17798,7 +17798,7 @@
               </a:ln>
               <a:extLst>
                 <a:ext uri="{91240B29-F687-4f45-9708-019B960494DF}">
-                  <a14:hiddenLine xmlns="" xmlns:a14="http://schemas.microsoft.com/office/drawing/2010/main" w="9525">
+                  <a14:hiddenLine xmlns:a14="http://schemas.microsoft.com/office/drawing/2010/main" xmlns="" w="9525">
                     <a:solidFill>
                       <a:srgbClr val="000000"/>
                     </a:solidFill>
@@ -17860,7 +17860,7 @@
               </a:ln>
               <a:extLst>
                 <a:ext uri="{91240B29-F687-4f45-9708-019B960494DF}">
-                  <a14:hiddenLine xmlns="" xmlns:a14="http://schemas.microsoft.com/office/drawing/2010/main" w="9525">
+                  <a14:hiddenLine xmlns:a14="http://schemas.microsoft.com/office/drawing/2010/main" xmlns="" w="9525">
                     <a:solidFill>
                       <a:srgbClr val="000000"/>
                     </a:solidFill>
@@ -17922,7 +17922,7 @@
               </a:ln>
               <a:extLst>
                 <a:ext uri="{91240B29-F687-4f45-9708-019B960494DF}">
-                  <a14:hiddenLine xmlns="" xmlns:a14="http://schemas.microsoft.com/office/drawing/2010/main" w="9525">
+                  <a14:hiddenLine xmlns:a14="http://schemas.microsoft.com/office/drawing/2010/main" xmlns="" w="9525">
                     <a:solidFill>
                       <a:srgbClr val="000000"/>
                     </a:solidFill>
@@ -18012,7 +18012,7 @@
               </a:ln>
               <a:extLst>
                 <a:ext uri="{91240B29-F687-4f45-9708-019B960494DF}">
-                  <a14:hiddenLine xmlns="" xmlns:a14="http://schemas.microsoft.com/office/drawing/2010/main" w="9525">
+                  <a14:hiddenLine xmlns:a14="http://schemas.microsoft.com/office/drawing/2010/main" xmlns="" w="9525">
                     <a:solidFill>
                       <a:srgbClr val="000000"/>
                     </a:solidFill>
@@ -18102,7 +18102,7 @@
               </a:ln>
               <a:extLst>
                 <a:ext uri="{91240B29-F687-4f45-9708-019B960494DF}">
-                  <a14:hiddenLine xmlns="" xmlns:a14="http://schemas.microsoft.com/office/drawing/2010/main" w="9525">
+                  <a14:hiddenLine xmlns:a14="http://schemas.microsoft.com/office/drawing/2010/main" xmlns="" w="9525">
                     <a:solidFill>
                       <a:srgbClr val="000000"/>
                     </a:solidFill>
@@ -18164,7 +18164,7 @@
               </a:ln>
               <a:extLst>
                 <a:ext uri="{91240B29-F687-4f45-9708-019B960494DF}">
-                  <a14:hiddenLine xmlns="" xmlns:a14="http://schemas.microsoft.com/office/drawing/2010/main" w="9525">
+                  <a14:hiddenLine xmlns:a14="http://schemas.microsoft.com/office/drawing/2010/main" xmlns="" w="9525">
                     <a:solidFill>
                       <a:srgbClr val="000000"/>
                     </a:solidFill>
@@ -18274,7 +18274,7 @@
               </a:ln>
               <a:extLst>
                 <a:ext uri="{91240B29-F687-4f45-9708-019B960494DF}">
-                  <a14:hiddenLine xmlns="" xmlns:a14="http://schemas.microsoft.com/office/drawing/2010/main" w="9525">
+                  <a14:hiddenLine xmlns:a14="http://schemas.microsoft.com/office/drawing/2010/main" xmlns="" w="9525">
                     <a:solidFill>
                       <a:srgbClr val="000000"/>
                     </a:solidFill>
@@ -18358,7 +18358,7 @@
               </a:ln>
               <a:extLst>
                 <a:ext uri="{91240B29-F687-4f45-9708-019B960494DF}">
-                  <a14:hiddenLine xmlns="" xmlns:a14="http://schemas.microsoft.com/office/drawing/2010/main" w="9525">
+                  <a14:hiddenLine xmlns:a14="http://schemas.microsoft.com/office/drawing/2010/main" xmlns="" w="9525">
                     <a:solidFill>
                       <a:srgbClr val="000000"/>
                     </a:solidFill>
@@ -18420,7 +18420,7 @@
               </a:ln>
               <a:extLst>
                 <a:ext uri="{91240B29-F687-4f45-9708-019B960494DF}">
-                  <a14:hiddenLine xmlns="" xmlns:a14="http://schemas.microsoft.com/office/drawing/2010/main" w="9525">
+                  <a14:hiddenLine xmlns:a14="http://schemas.microsoft.com/office/drawing/2010/main" xmlns="" w="9525">
                     <a:solidFill>
                       <a:srgbClr val="000000"/>
                     </a:solidFill>
@@ -18482,7 +18482,7 @@
               </a:ln>
               <a:extLst>
                 <a:ext uri="{91240B29-F687-4f45-9708-019B960494DF}">
-                  <a14:hiddenLine xmlns="" xmlns:a14="http://schemas.microsoft.com/office/drawing/2010/main" w="9525">
+                  <a14:hiddenLine xmlns:a14="http://schemas.microsoft.com/office/drawing/2010/main" xmlns="" w="9525">
                     <a:solidFill>
                       <a:srgbClr val="000000"/>
                     </a:solidFill>
@@ -18572,7 +18572,7 @@
               </a:ln>
               <a:extLst>
                 <a:ext uri="{91240B29-F687-4f45-9708-019B960494DF}">
-                  <a14:hiddenLine xmlns="" xmlns:a14="http://schemas.microsoft.com/office/drawing/2010/main" w="9525">
+                  <a14:hiddenLine xmlns:a14="http://schemas.microsoft.com/office/drawing/2010/main" xmlns="" w="9525">
                     <a:solidFill>
                       <a:srgbClr val="000000"/>
                     </a:solidFill>
@@ -18606,7 +18606,7 @@
               </a:ln>
               <a:extLst>
                 <a:ext uri="{91240B29-F687-4f45-9708-019B960494DF}">
-                  <a14:hiddenLine xmlns="" xmlns:a14="http://schemas.microsoft.com/office/drawing/2010/main" w="9525">
+                  <a14:hiddenLine xmlns:a14="http://schemas.microsoft.com/office/drawing/2010/main" xmlns="" w="9525">
                     <a:solidFill>
                       <a:srgbClr val="000000"/>
                     </a:solidFill>
@@ -18671,7 +18671,7 @@
               </a:ln>
               <a:extLst>
                 <a:ext uri="{91240B29-F687-4f45-9708-019B960494DF}">
-                  <a14:hiddenLine xmlns="" xmlns:a14="http://schemas.microsoft.com/office/drawing/2010/main" w="9525">
+                  <a14:hiddenLine xmlns:a14="http://schemas.microsoft.com/office/drawing/2010/main" xmlns="" w="9525">
                     <a:solidFill>
                       <a:srgbClr val="000000"/>
                     </a:solidFill>
@@ -18761,7 +18761,7 @@
               </a:ln>
               <a:extLst>
                 <a:ext uri="{91240B29-F687-4f45-9708-019B960494DF}">
-                  <a14:hiddenLine xmlns="" xmlns:a14="http://schemas.microsoft.com/office/drawing/2010/main" w="9525">
+                  <a14:hiddenLine xmlns:a14="http://schemas.microsoft.com/office/drawing/2010/main" xmlns="" w="9525">
                     <a:solidFill>
                       <a:srgbClr val="000000"/>
                     </a:solidFill>
@@ -18823,7 +18823,7 @@
               </a:ln>
               <a:extLst>
                 <a:ext uri="{91240B29-F687-4f45-9708-019B960494DF}">
-                  <a14:hiddenLine xmlns="" xmlns:a14="http://schemas.microsoft.com/office/drawing/2010/main" w="9525">
+                  <a14:hiddenLine xmlns:a14="http://schemas.microsoft.com/office/drawing/2010/main" xmlns="" w="9525">
                     <a:solidFill>
                       <a:srgbClr val="000000"/>
                     </a:solidFill>
@@ -18913,7 +18913,7 @@
               </a:ln>
               <a:extLst>
                 <a:ext uri="{91240B29-F687-4f45-9708-019B960494DF}">
-                  <a14:hiddenLine xmlns="" xmlns:a14="http://schemas.microsoft.com/office/drawing/2010/main" w="9525">
+                  <a14:hiddenLine xmlns:a14="http://schemas.microsoft.com/office/drawing/2010/main" xmlns="" w="9525">
                     <a:solidFill>
                       <a:srgbClr val="000000"/>
                     </a:solidFill>
@@ -18978,7 +18978,7 @@
               </a:ln>
               <a:extLst>
                 <a:ext uri="{91240B29-F687-4f45-9708-019B960494DF}">
-                  <a14:hiddenLine xmlns="" xmlns:a14="http://schemas.microsoft.com/office/drawing/2010/main" w="9525">
+                  <a14:hiddenLine xmlns:a14="http://schemas.microsoft.com/office/drawing/2010/main" xmlns="" w="9525">
                     <a:solidFill>
                       <a:srgbClr val="000000"/>
                     </a:solidFill>
@@ -19040,7 +19040,7 @@
               </a:ln>
               <a:extLst>
                 <a:ext uri="{91240B29-F687-4f45-9708-019B960494DF}">
-                  <a14:hiddenLine xmlns="" xmlns:a14="http://schemas.microsoft.com/office/drawing/2010/main" w="9525">
+                  <a14:hiddenLine xmlns:a14="http://schemas.microsoft.com/office/drawing/2010/main" xmlns="" w="9525">
                     <a:solidFill>
                       <a:srgbClr val="000000"/>
                     </a:solidFill>
@@ -19130,7 +19130,7 @@
               </a:ln>
               <a:extLst>
                 <a:ext uri="{91240B29-F687-4f45-9708-019B960494DF}">
-                  <a14:hiddenLine xmlns="" xmlns:a14="http://schemas.microsoft.com/office/drawing/2010/main" w="9525">
+                  <a14:hiddenLine xmlns:a14="http://schemas.microsoft.com/office/drawing/2010/main" xmlns="" w="9525">
                     <a:solidFill>
                       <a:srgbClr val="000000"/>
                     </a:solidFill>
@@ -19220,7 +19220,7 @@
               </a:ln>
               <a:extLst>
                 <a:ext uri="{91240B29-F687-4f45-9708-019B960494DF}">
-                  <a14:hiddenLine xmlns="" xmlns:a14="http://schemas.microsoft.com/office/drawing/2010/main" w="9525">
+                  <a14:hiddenLine xmlns:a14="http://schemas.microsoft.com/office/drawing/2010/main" xmlns="" w="9525">
                     <a:solidFill>
                       <a:srgbClr val="000000"/>
                     </a:solidFill>
@@ -19285,7 +19285,7 @@
               </a:ln>
               <a:extLst>
                 <a:ext uri="{91240B29-F687-4f45-9708-019B960494DF}">
-                  <a14:hiddenLine xmlns="" xmlns:a14="http://schemas.microsoft.com/office/drawing/2010/main" w="9525">
+                  <a14:hiddenLine xmlns:a14="http://schemas.microsoft.com/office/drawing/2010/main" xmlns="" w="9525">
                     <a:solidFill>
                       <a:srgbClr val="000000"/>
                     </a:solidFill>
@@ -19405,7 +19405,7 @@
               </a:ln>
               <a:extLst>
                 <a:ext uri="{91240B29-F687-4f45-9708-019B960494DF}">
-                  <a14:hiddenLine xmlns="" xmlns:a14="http://schemas.microsoft.com/office/drawing/2010/main" w="9525">
+                  <a14:hiddenLine xmlns:a14="http://schemas.microsoft.com/office/drawing/2010/main" xmlns="" w="9525">
                     <a:solidFill>
                       <a:srgbClr val="000000"/>
                     </a:solidFill>
@@ -19486,7 +19486,7 @@
               </a:ln>
               <a:extLst>
                 <a:ext uri="{91240B29-F687-4f45-9708-019B960494DF}">
-                  <a14:hiddenLine xmlns="" xmlns:a14="http://schemas.microsoft.com/office/drawing/2010/main" w="9525">
+                  <a14:hiddenLine xmlns:a14="http://schemas.microsoft.com/office/drawing/2010/main" xmlns="" w="9525">
                     <a:solidFill>
                       <a:srgbClr val="000000"/>
                     </a:solidFill>
@@ -19601,7 +19601,7 @@
               </a:ln>
               <a:extLst>
                 <a:ext uri="{91240B29-F687-4f45-9708-019B960494DF}">
-                  <a14:hiddenLine xmlns="" xmlns:a14="http://schemas.microsoft.com/office/drawing/2010/main" w="9525">
+                  <a14:hiddenLine xmlns:a14="http://schemas.microsoft.com/office/drawing/2010/main" xmlns="" w="9525">
                     <a:solidFill>
                       <a:srgbClr val="000000"/>
                     </a:solidFill>
@@ -19691,7 +19691,7 @@
               </a:ln>
               <a:extLst>
                 <a:ext uri="{91240B29-F687-4f45-9708-019B960494DF}">
-                  <a14:hiddenLine xmlns="" xmlns:a14="http://schemas.microsoft.com/office/drawing/2010/main" w="9525">
+                  <a14:hiddenLine xmlns:a14="http://schemas.microsoft.com/office/drawing/2010/main" xmlns="" w="9525">
                     <a:solidFill>
                       <a:srgbClr val="000000"/>
                     </a:solidFill>
@@ -19756,7 +19756,7 @@
               </a:ln>
               <a:extLst>
                 <a:ext uri="{91240B29-F687-4f45-9708-019B960494DF}">
-                  <a14:hiddenLine xmlns="" xmlns:a14="http://schemas.microsoft.com/office/drawing/2010/main" w="9525">
+                  <a14:hiddenLine xmlns:a14="http://schemas.microsoft.com/office/drawing/2010/main" xmlns="" w="9525">
                     <a:solidFill>
                       <a:srgbClr val="000000"/>
                     </a:solidFill>
@@ -19846,7 +19846,7 @@
               </a:ln>
               <a:extLst>
                 <a:ext uri="{91240B29-F687-4f45-9708-019B960494DF}">
-                  <a14:hiddenLine xmlns="" xmlns:a14="http://schemas.microsoft.com/office/drawing/2010/main" w="9525">
+                  <a14:hiddenLine xmlns:a14="http://schemas.microsoft.com/office/drawing/2010/main" xmlns="" w="9525">
                     <a:solidFill>
                       <a:srgbClr val="000000"/>
                     </a:solidFill>
@@ -19914,7 +19914,7 @@
               </a:ln>
               <a:extLst>
                 <a:ext uri="{91240B29-F687-4f45-9708-019B960494DF}">
-                  <a14:hiddenLine xmlns="" xmlns:a14="http://schemas.microsoft.com/office/drawing/2010/main" w="9525">
+                  <a14:hiddenLine xmlns:a14="http://schemas.microsoft.com/office/drawing/2010/main" xmlns="" w="9525">
                     <a:solidFill>
                       <a:srgbClr val="000000"/>
                     </a:solidFill>
@@ -20004,7 +20004,7 @@
               </a:ln>
               <a:extLst>
                 <a:ext uri="{91240B29-F687-4f45-9708-019B960494DF}">
-                  <a14:hiddenLine xmlns="" xmlns:a14="http://schemas.microsoft.com/office/drawing/2010/main" w="9525">
+                  <a14:hiddenLine xmlns:a14="http://schemas.microsoft.com/office/drawing/2010/main" xmlns="" w="9525">
                     <a:solidFill>
                       <a:srgbClr val="000000"/>
                     </a:solidFill>
@@ -20072,7 +20072,7 @@
               </a:ln>
               <a:extLst>
                 <a:ext uri="{91240B29-F687-4f45-9708-019B960494DF}">
-                  <a14:hiddenLine xmlns="" xmlns:a14="http://schemas.microsoft.com/office/drawing/2010/main" w="9525">
+                  <a14:hiddenLine xmlns:a14="http://schemas.microsoft.com/office/drawing/2010/main" xmlns="" w="9525">
                     <a:solidFill>
                       <a:srgbClr val="000000"/>
                     </a:solidFill>
@@ -20162,7 +20162,7 @@
               </a:ln>
               <a:extLst>
                 <a:ext uri="{91240B29-F687-4f45-9708-019B960494DF}">
-                  <a14:hiddenLine xmlns="" xmlns:a14="http://schemas.microsoft.com/office/drawing/2010/main" w="9525">
+                  <a14:hiddenLine xmlns:a14="http://schemas.microsoft.com/office/drawing/2010/main" xmlns="" w="9525">
                     <a:solidFill>
                       <a:srgbClr val="000000"/>
                     </a:solidFill>
@@ -20196,7 +20196,7 @@
               </a:ln>
               <a:extLst>
                 <a:ext uri="{91240B29-F687-4f45-9708-019B960494DF}">
-                  <a14:hiddenLine xmlns="" xmlns:a14="http://schemas.microsoft.com/office/drawing/2010/main" w="9525">
+                  <a14:hiddenLine xmlns:a14="http://schemas.microsoft.com/office/drawing/2010/main" xmlns="" w="9525">
                     <a:solidFill>
                       <a:srgbClr val="000000"/>
                     </a:solidFill>
@@ -21432,41 +21432,6 @@
           </a:graphicData>
         </a:graphic>
       </p:graphicFrame>
-      <p:sp>
-        <p:nvSpPr>
-          <p:cNvPr id="4" name="TextBox 3">
-            <a:extLst>
-              <a:ext uri="{FF2B5EF4-FFF2-40B4-BE49-F238E27FC236}">
-                <a16:creationId xmlns:a16="http://schemas.microsoft.com/office/drawing/2014/main" id="{5CC53A53-4F41-4B49-82F2-85D40E3A76A3}"/>
-              </a:ext>
-            </a:extLst>
-          </p:cNvPr>
-          <p:cNvSpPr txBox="1"/>
-          <p:nvPr/>
-        </p:nvSpPr>
-        <p:spPr>
-          <a:xfrm>
-            <a:off x="1476462" y="5327009"/>
-            <a:ext cx="8204433" cy="369332"/>
-          </a:xfrm>
-          <a:prstGeom prst="rect">
-            <a:avLst/>
-          </a:prstGeom>
-          <a:noFill/>
-        </p:spPr>
-        <p:txBody>
-          <a:bodyPr wrap="square" rtlCol="0">
-            <a:spAutoFit/>
-          </a:bodyPr>
-          <a:lstStyle/>
-          <a:p>
-            <a:r>
-              <a:rPr lang="en-US" dirty="0"/>
-              <a:t>Deep Learning Model: LOSS: -1050.78 ACCURACY: 0.011</a:t>
-            </a:r>
-          </a:p>
-        </p:txBody>
-      </p:sp>
     </p:spTree>
     <p:extLst>
       <p:ext uri="{BB962C8B-B14F-4D97-AF65-F5344CB8AC3E}">
@@ -21668,6 +21633,41 @@
           </a:prstGeom>
         </p:spPr>
       </p:pic>
+      <p:sp>
+        <p:nvSpPr>
+          <p:cNvPr id="6" name="TextBox 5">
+            <a:extLst>
+              <a:ext uri="{FF2B5EF4-FFF2-40B4-BE49-F238E27FC236}">
+                <a16:creationId xmlns:a16="http://schemas.microsoft.com/office/drawing/2014/main" id="{DE2D40E8-2C4F-45FD-A103-13DFD04FE3EE}"/>
+              </a:ext>
+            </a:extLst>
+          </p:cNvPr>
+          <p:cNvSpPr txBox="1"/>
+          <p:nvPr/>
+        </p:nvSpPr>
+        <p:spPr>
+          <a:xfrm>
+            <a:off x="5828531" y="5312356"/>
+            <a:ext cx="6103398" cy="369332"/>
+          </a:xfrm>
+          <a:prstGeom prst="rect">
+            <a:avLst/>
+          </a:prstGeom>
+          <a:noFill/>
+        </p:spPr>
+        <p:txBody>
+          <a:bodyPr wrap="square">
+            <a:spAutoFit/>
+          </a:bodyPr>
+          <a:lstStyle/>
+          <a:p>
+            <a:r>
+              <a:rPr lang="en-US" dirty="0"/>
+              <a:t>Deep Learning Model: LOSS: -1050.78 ACCURACY: 0.011</a:t>
+            </a:r>
+          </a:p>
+        </p:txBody>
+      </p:sp>
     </p:spTree>
     <p:extLst>
       <p:ext uri="{BB962C8B-B14F-4D97-AF65-F5344CB8AC3E}">
@@ -24397,6 +24397,14 @@
 </file>
 
 <file path=customXml/item2.xml><?xml version="1.0" encoding="utf-8"?>
+<p:properties xmlns:p="http://schemas.microsoft.com/office/2006/metadata/properties" xmlns:xsi="http://www.w3.org/2001/XMLSchema-instance" xmlns:pc="http://schemas.microsoft.com/office/infopath/2007/PartnerControls">
+  <documentManagement>
+    <MediaServiceKeyPoints xmlns="71af3243-3dd4-4a8d-8c0d-dd76da1f02a5" xsi:nil="true"/>
+  </documentManagement>
+</p:properties>
+</file>
+
+<file path=customXml/item3.xml><?xml version="1.0" encoding="utf-8"?>
 <ct:contentTypeSchema xmlns:ct="http://schemas.microsoft.com/office/2006/metadata/contentType" xmlns:ma="http://schemas.microsoft.com/office/2006/metadata/properties/metaAttributes" ct:_="" ma:_="" ma:contentTypeName="Document" ma:contentTypeID="0x01010079F111ED35F8CC479449609E8A0923A6" ma:contentTypeVersion="11" ma:contentTypeDescription="Create a new document." ma:contentTypeScope="" ma:versionID="96291512c1ee715ab617f4c07df79fc1">
   <xsd:schema xmlns:xsd="http://www.w3.org/2001/XMLSchema" xmlns:xs="http://www.w3.org/2001/XMLSchema" xmlns:p="http://schemas.microsoft.com/office/2006/metadata/properties" xmlns:ns2="71af3243-3dd4-4a8d-8c0d-dd76da1f02a5" xmlns:ns3="16c05727-aa75-4e4a-9b5f-8a80a1165891" targetNamespace="http://schemas.microsoft.com/office/2006/metadata/properties" ma:root="true" ma:fieldsID="8256c27c40ca5c40ce1cf6c44f0205df" ns2:_="" ns3:_="">
     <xsd:import namespace="71af3243-3dd4-4a8d-8c0d-dd76da1f02a5"/>
@@ -24607,14 +24615,6 @@
 </ct:contentTypeSchema>
 </file>
 
-<file path=customXml/item3.xml><?xml version="1.0" encoding="utf-8"?>
-<p:properties xmlns:p="http://schemas.microsoft.com/office/2006/metadata/properties" xmlns:xsi="http://www.w3.org/2001/XMLSchema-instance" xmlns:pc="http://schemas.microsoft.com/office/infopath/2007/PartnerControls">
-  <documentManagement>
-    <MediaServiceKeyPoints xmlns="71af3243-3dd4-4a8d-8c0d-dd76da1f02a5" xsi:nil="true"/>
-  </documentManagement>
-</p:properties>
-</file>
-
 <file path=customXml/itemProps1.xml><?xml version="1.0" encoding="utf-8"?>
 <ds:datastoreItem xmlns:ds="http://schemas.openxmlformats.org/officeDocument/2006/customXml" ds:itemID="{B579702B-25C7-40D7-9E29-7686B11A9660}">
   <ds:schemaRefs>
@@ -24624,6 +24624,16 @@
 </file>
 
 <file path=customXml/itemProps2.xml><?xml version="1.0" encoding="utf-8"?>
+<ds:datastoreItem xmlns:ds="http://schemas.openxmlformats.org/officeDocument/2006/customXml" ds:itemID="{E7866CFD-F94E-4AE5-ACEA-86FEC0F48A10}">
+  <ds:schemaRefs>
+    <ds:schemaRef ds:uri="http://schemas.microsoft.com/office/2006/metadata/properties"/>
+    <ds:schemaRef ds:uri="http://schemas.microsoft.com/office/infopath/2007/PartnerControls"/>
+    <ds:schemaRef ds:uri="71af3243-3dd4-4a8d-8c0d-dd76da1f02a5"/>
+  </ds:schemaRefs>
+</ds:datastoreItem>
+</file>
+
+<file path=customXml/itemProps3.xml><?xml version="1.0" encoding="utf-8"?>
 <ds:datastoreItem xmlns:ds="http://schemas.openxmlformats.org/officeDocument/2006/customXml" ds:itemID="{A7C0B241-13E5-418D-8920-D23491E2D2C0}">
   <ds:schemaRefs>
     <ds:schemaRef ds:uri="http://schemas.microsoft.com/office/2006/metadata/contentType"/>
@@ -24640,14 +24650,4 @@
     <ds:schemaRef ds:uri="http://schemas.microsoft.com/internal/obd"/>
   </ds:schemaRefs>
 </ds:datastoreItem>
-</file>
-
-<file path=customXml/itemProps3.xml><?xml version="1.0" encoding="utf-8"?>
-<ds:datastoreItem xmlns:ds="http://schemas.openxmlformats.org/officeDocument/2006/customXml" ds:itemID="{E7866CFD-F94E-4AE5-ACEA-86FEC0F48A10}">
-  <ds:schemaRefs>
-    <ds:schemaRef ds:uri="http://schemas.microsoft.com/office/2006/metadata/properties"/>
-    <ds:schemaRef ds:uri="http://schemas.microsoft.com/office/infopath/2007/PartnerControls"/>
-    <ds:schemaRef ds:uri="71af3243-3dd4-4a8d-8c0d-dd76da1f02a5"/>
-  </ds:schemaRefs>
-</ds:datastoreItem>
 </file>
--- a/Final_Presentation_4.1.pptx
+++ b/Final_Presentation_4.1.pptx
@@ -144,7 +144,7 @@
   <pc:docChgLst>
     <pc:chgData name="Amelia Corea" userId="0f927ba03023ffb6" providerId="LiveId" clId="{BBC10E33-75ED-4024-95F2-63D9941E52A0}"/>
     <pc:docChg chg="custSel modSld sldOrd">
-      <pc:chgData name="Amelia Corea" userId="0f927ba03023ffb6" providerId="LiveId" clId="{BBC10E33-75ED-4024-95F2-63D9941E52A0}" dt="2021-10-30T00:15:03.134" v="100" actId="20577"/>
+      <pc:chgData name="Amelia Corea" userId="0f927ba03023ffb6" providerId="LiveId" clId="{BBC10E33-75ED-4024-95F2-63D9941E52A0}" dt="2021-10-30T04:36:29.203" v="120" actId="20577"/>
       <pc:docMkLst>
         <pc:docMk/>
       </pc:docMkLst>
@@ -182,6 +182,21 @@
             <pc:docMk/>
             <pc:sldMk cId="3405949825" sldId="270"/>
             <ac:spMk id="3" creationId="{3899BDF4-B543-46C8-9956-BD9969975109}"/>
+          </ac:spMkLst>
+        </pc:spChg>
+      </pc:sldChg>
+      <pc:sldChg chg="modSp mod">
+        <pc:chgData name="Amelia Corea" userId="0f927ba03023ffb6" providerId="LiveId" clId="{BBC10E33-75ED-4024-95F2-63D9941E52A0}" dt="2021-10-30T04:36:29.203" v="120" actId="20577"/>
+        <pc:sldMkLst>
+          <pc:docMk/>
+          <pc:sldMk cId="3983383762" sldId="271"/>
+        </pc:sldMkLst>
+        <pc:spChg chg="mod">
+          <ac:chgData name="Amelia Corea" userId="0f927ba03023ffb6" providerId="LiveId" clId="{BBC10E33-75ED-4024-95F2-63D9941E52A0}" dt="2021-10-30T04:36:29.203" v="120" actId="20577"/>
+          <ac:spMkLst>
+            <pc:docMk/>
+            <pc:sldMk cId="3983383762" sldId="271"/>
+            <ac:spMk id="4" creationId="{86378EFB-539C-419F-A9C9-4F9562513639}"/>
           </ac:spMkLst>
         </pc:spChg>
       </pc:sldChg>
@@ -8493,7 +8508,7 @@
           <a:noFill/>
           <a:extLst>
             <a:ext uri="{909E8E84-426E-40dd-AFC4-6F175D3DCCD1}">
-              <a14:hiddenFill xmlns:a14="http://schemas.microsoft.com/office/drawing/2010/main" xmlns="">
+              <a14:hiddenFill xmlns="" xmlns:a14="http://schemas.microsoft.com/office/drawing/2010/main">
                 <a:solidFill>
                   <a:srgbClr val="FFFFFF"/>
                 </a:solidFill>
@@ -8552,7 +8567,7 @@
             </a:ln>
             <a:extLst>
               <a:ext uri="{91240B29-F687-4f45-9708-019B960494DF}">
-                <a14:hiddenLine xmlns:a14="http://schemas.microsoft.com/office/drawing/2010/main" xmlns="" w="9525">
+                <a14:hiddenLine xmlns="" xmlns:a14="http://schemas.microsoft.com/office/drawing/2010/main" w="9525">
                   <a:solidFill>
                     <a:srgbClr val="000000"/>
                   </a:solidFill>
@@ -8642,7 +8657,7 @@
             </a:ln>
             <a:extLst>
               <a:ext uri="{91240B29-F687-4f45-9708-019B960494DF}">
-                <a14:hiddenLine xmlns:a14="http://schemas.microsoft.com/office/drawing/2010/main" xmlns="" w="9525">
+                <a14:hiddenLine xmlns="" xmlns:a14="http://schemas.microsoft.com/office/drawing/2010/main" w="9525">
                   <a:solidFill>
                     <a:srgbClr val="000000"/>
                   </a:solidFill>
@@ -8732,7 +8747,7 @@
             </a:ln>
             <a:extLst>
               <a:ext uri="{91240B29-F687-4f45-9708-019B960494DF}">
-                <a14:hiddenLine xmlns:a14="http://schemas.microsoft.com/office/drawing/2010/main" xmlns="" w="9525">
+                <a14:hiddenLine xmlns="" xmlns:a14="http://schemas.microsoft.com/office/drawing/2010/main" w="9525">
                   <a:solidFill>
                     <a:srgbClr val="000000"/>
                   </a:solidFill>
@@ -8766,7 +8781,7 @@
             </a:ln>
             <a:extLst>
               <a:ext uri="{91240B29-F687-4f45-9708-019B960494DF}">
-                <a14:hiddenLine xmlns:a14="http://schemas.microsoft.com/office/drawing/2010/main" xmlns="" w="9525">
+                <a14:hiddenLine xmlns="" xmlns:a14="http://schemas.microsoft.com/office/drawing/2010/main" w="9525">
                   <a:solidFill>
                     <a:srgbClr val="000000"/>
                   </a:solidFill>
@@ -8856,7 +8871,7 @@
             </a:ln>
             <a:extLst>
               <a:ext uri="{91240B29-F687-4f45-9708-019B960494DF}">
-                <a14:hiddenLine xmlns:a14="http://schemas.microsoft.com/office/drawing/2010/main" xmlns="" w="9525">
+                <a14:hiddenLine xmlns="" xmlns:a14="http://schemas.microsoft.com/office/drawing/2010/main" w="9525">
                   <a:solidFill>
                     <a:srgbClr val="000000"/>
                   </a:solidFill>
@@ -8918,7 +8933,7 @@
             </a:ln>
             <a:extLst>
               <a:ext uri="{91240B29-F687-4f45-9708-019B960494DF}">
-                <a14:hiddenLine xmlns:a14="http://schemas.microsoft.com/office/drawing/2010/main" xmlns="" w="9525">
+                <a14:hiddenLine xmlns="" xmlns:a14="http://schemas.microsoft.com/office/drawing/2010/main" w="9525">
                   <a:solidFill>
                     <a:srgbClr val="000000"/>
                   </a:solidFill>
@@ -8980,7 +8995,7 @@
             </a:ln>
             <a:extLst>
               <a:ext uri="{91240B29-F687-4f45-9708-019B960494DF}">
-                <a14:hiddenLine xmlns:a14="http://schemas.microsoft.com/office/drawing/2010/main" xmlns="" w="9525">
+                <a14:hiddenLine xmlns="" xmlns:a14="http://schemas.microsoft.com/office/drawing/2010/main" w="9525">
                   <a:solidFill>
                     <a:srgbClr val="000000"/>
                   </a:solidFill>
@@ -9070,7 +9085,7 @@
             </a:ln>
             <a:extLst>
               <a:ext uri="{91240B29-F687-4f45-9708-019B960494DF}">
-                <a14:hiddenLine xmlns:a14="http://schemas.microsoft.com/office/drawing/2010/main" xmlns="" w="9525">
+                <a14:hiddenLine xmlns="" xmlns:a14="http://schemas.microsoft.com/office/drawing/2010/main" w="9525">
                   <a:solidFill>
                     <a:srgbClr val="000000"/>
                   </a:solidFill>
@@ -9132,7 +9147,7 @@
             </a:ln>
             <a:extLst>
               <a:ext uri="{91240B29-F687-4f45-9708-019B960494DF}">
-                <a14:hiddenLine xmlns:a14="http://schemas.microsoft.com/office/drawing/2010/main" xmlns="" w="9525">
+                <a14:hiddenLine xmlns="" xmlns:a14="http://schemas.microsoft.com/office/drawing/2010/main" w="9525">
                   <a:solidFill>
                     <a:srgbClr val="000000"/>
                   </a:solidFill>
@@ -9194,7 +9209,7 @@
             </a:ln>
             <a:extLst>
               <a:ext uri="{91240B29-F687-4f45-9708-019B960494DF}">
-                <a14:hiddenLine xmlns:a14="http://schemas.microsoft.com/office/drawing/2010/main" xmlns="" w="9525">
+                <a14:hiddenLine xmlns="" xmlns:a14="http://schemas.microsoft.com/office/drawing/2010/main" w="9525">
                   <a:solidFill>
                     <a:srgbClr val="000000"/>
                   </a:solidFill>
@@ -9284,7 +9299,7 @@
             </a:ln>
             <a:extLst>
               <a:ext uri="{91240B29-F687-4f45-9708-019B960494DF}">
-                <a14:hiddenLine xmlns:a14="http://schemas.microsoft.com/office/drawing/2010/main" xmlns="" w="9525">
+                <a14:hiddenLine xmlns="" xmlns:a14="http://schemas.microsoft.com/office/drawing/2010/main" w="9525">
                   <a:solidFill>
                     <a:srgbClr val="000000"/>
                   </a:solidFill>
@@ -9374,7 +9389,7 @@
             </a:ln>
             <a:extLst>
               <a:ext uri="{91240B29-F687-4f45-9708-019B960494DF}">
-                <a14:hiddenLine xmlns:a14="http://schemas.microsoft.com/office/drawing/2010/main" xmlns="" w="9525">
+                <a14:hiddenLine xmlns="" xmlns:a14="http://schemas.microsoft.com/office/drawing/2010/main" w="9525">
                   <a:solidFill>
                     <a:srgbClr val="000000"/>
                   </a:solidFill>
@@ -9436,7 +9451,7 @@
             </a:ln>
             <a:extLst>
               <a:ext uri="{91240B29-F687-4f45-9708-019B960494DF}">
-                <a14:hiddenLine xmlns:a14="http://schemas.microsoft.com/office/drawing/2010/main" xmlns="" w="9525">
+                <a14:hiddenLine xmlns="" xmlns:a14="http://schemas.microsoft.com/office/drawing/2010/main" w="9525">
                   <a:solidFill>
                     <a:srgbClr val="000000"/>
                   </a:solidFill>
@@ -9546,7 +9561,7 @@
             </a:ln>
             <a:extLst>
               <a:ext uri="{91240B29-F687-4f45-9708-019B960494DF}">
-                <a14:hiddenLine xmlns:a14="http://schemas.microsoft.com/office/drawing/2010/main" xmlns="" w="9525">
+                <a14:hiddenLine xmlns="" xmlns:a14="http://schemas.microsoft.com/office/drawing/2010/main" w="9525">
                   <a:solidFill>
                     <a:srgbClr val="000000"/>
                   </a:solidFill>
@@ -9608,7 +9623,7 @@
             </a:ln>
             <a:extLst>
               <a:ext uri="{91240B29-F687-4f45-9708-019B960494DF}">
-                <a14:hiddenLine xmlns:a14="http://schemas.microsoft.com/office/drawing/2010/main" xmlns="" w="9525">
+                <a14:hiddenLine xmlns="" xmlns:a14="http://schemas.microsoft.com/office/drawing/2010/main" w="9525">
                   <a:solidFill>
                     <a:srgbClr val="000000"/>
                   </a:solidFill>
@@ -9698,7 +9713,7 @@
             </a:ln>
             <a:extLst>
               <a:ext uri="{91240B29-F687-4f45-9708-019B960494DF}">
-                <a14:hiddenLine xmlns:a14="http://schemas.microsoft.com/office/drawing/2010/main" xmlns="" w="9525">
+                <a14:hiddenLine xmlns="" xmlns:a14="http://schemas.microsoft.com/office/drawing/2010/main" w="9525">
                   <a:solidFill>
                     <a:srgbClr val="000000"/>
                   </a:solidFill>
@@ -9788,7 +9803,7 @@
             </a:ln>
             <a:extLst>
               <a:ext uri="{91240B29-F687-4f45-9708-019B960494DF}">
-                <a14:hiddenLine xmlns:a14="http://schemas.microsoft.com/office/drawing/2010/main" xmlns="" w="9525">
+                <a14:hiddenLine xmlns="" xmlns:a14="http://schemas.microsoft.com/office/drawing/2010/main" w="9525">
                   <a:solidFill>
                     <a:srgbClr val="000000"/>
                   </a:solidFill>
@@ -9850,7 +9865,7 @@
             </a:ln>
             <a:extLst>
               <a:ext uri="{91240B29-F687-4f45-9708-019B960494DF}">
-                <a14:hiddenLine xmlns:a14="http://schemas.microsoft.com/office/drawing/2010/main" xmlns="" w="9525">
+                <a14:hiddenLine xmlns="" xmlns:a14="http://schemas.microsoft.com/office/drawing/2010/main" w="9525">
                   <a:solidFill>
                     <a:srgbClr val="000000"/>
                   </a:solidFill>
@@ -9940,7 +9955,7 @@
             </a:ln>
             <a:extLst>
               <a:ext uri="{91240B29-F687-4f45-9708-019B960494DF}">
-                <a14:hiddenLine xmlns:a14="http://schemas.microsoft.com/office/drawing/2010/main" xmlns="" w="9525">
+                <a14:hiddenLine xmlns="" xmlns:a14="http://schemas.microsoft.com/office/drawing/2010/main" w="9525">
                   <a:solidFill>
                     <a:srgbClr val="000000"/>
                   </a:solidFill>
@@ -10030,7 +10045,7 @@
             </a:ln>
             <a:extLst>
               <a:ext uri="{91240B29-F687-4f45-9708-019B960494DF}">
-                <a14:hiddenLine xmlns:a14="http://schemas.microsoft.com/office/drawing/2010/main" xmlns="" w="9525">
+                <a14:hiddenLine xmlns="" xmlns:a14="http://schemas.microsoft.com/office/drawing/2010/main" w="9525">
                   <a:solidFill>
                     <a:srgbClr val="000000"/>
                   </a:solidFill>
@@ -10086,7 +10101,7 @@
             </a:ln>
             <a:extLst>
               <a:ext uri="{91240B29-F687-4f45-9708-019B960494DF}">
-                <a14:hiddenLine xmlns:a14="http://schemas.microsoft.com/office/drawing/2010/main" xmlns="" w="9525">
+                <a14:hiddenLine xmlns="" xmlns:a14="http://schemas.microsoft.com/office/drawing/2010/main" w="9525">
                   <a:solidFill>
                     <a:srgbClr val="000000"/>
                   </a:solidFill>
@@ -10176,7 +10191,7 @@
             </a:ln>
             <a:extLst>
               <a:ext uri="{91240B29-F687-4f45-9708-019B960494DF}">
-                <a14:hiddenLine xmlns:a14="http://schemas.microsoft.com/office/drawing/2010/main" xmlns="" w="9525">
+                <a14:hiddenLine xmlns="" xmlns:a14="http://schemas.microsoft.com/office/drawing/2010/main" w="9525">
                   <a:solidFill>
                     <a:srgbClr val="000000"/>
                   </a:solidFill>
@@ -10232,7 +10247,7 @@
             </a:ln>
             <a:extLst>
               <a:ext uri="{91240B29-F687-4f45-9708-019B960494DF}">
-                <a14:hiddenLine xmlns:a14="http://schemas.microsoft.com/office/drawing/2010/main" xmlns="" w="9525">
+                <a14:hiddenLine xmlns="" xmlns:a14="http://schemas.microsoft.com/office/drawing/2010/main" w="9525">
                   <a:solidFill>
                     <a:srgbClr val="000000"/>
                   </a:solidFill>
@@ -10322,7 +10337,7 @@
             </a:ln>
             <a:extLst>
               <a:ext uri="{91240B29-F687-4f45-9708-019B960494DF}">
-                <a14:hiddenLine xmlns:a14="http://schemas.microsoft.com/office/drawing/2010/main" xmlns="" w="9525">
+                <a14:hiddenLine xmlns="" xmlns:a14="http://schemas.microsoft.com/office/drawing/2010/main" w="9525">
                   <a:solidFill>
                     <a:srgbClr val="000000"/>
                   </a:solidFill>
@@ -10390,7 +10405,7 @@
             </a:ln>
             <a:extLst>
               <a:ext uri="{91240B29-F687-4f45-9708-019B960494DF}">
-                <a14:hiddenLine xmlns:a14="http://schemas.microsoft.com/office/drawing/2010/main" xmlns="" w="9525">
+                <a14:hiddenLine xmlns="" xmlns:a14="http://schemas.microsoft.com/office/drawing/2010/main" w="9525">
                   <a:solidFill>
                     <a:srgbClr val="000000"/>
                   </a:solidFill>
@@ -10480,7 +10495,7 @@
             </a:ln>
             <a:extLst>
               <a:ext uri="{91240B29-F687-4f45-9708-019B960494DF}">
-                <a14:hiddenLine xmlns:a14="http://schemas.microsoft.com/office/drawing/2010/main" xmlns="" w="9525">
+                <a14:hiddenLine xmlns="" xmlns:a14="http://schemas.microsoft.com/office/drawing/2010/main" w="9525">
                   <a:solidFill>
                     <a:srgbClr val="000000"/>
                   </a:solidFill>
@@ -10548,7 +10563,7 @@
             </a:ln>
             <a:extLst>
               <a:ext uri="{91240B29-F687-4f45-9708-019B960494DF}">
-                <a14:hiddenLine xmlns:a14="http://schemas.microsoft.com/office/drawing/2010/main" xmlns="" w="9525">
+                <a14:hiddenLine xmlns="" xmlns:a14="http://schemas.microsoft.com/office/drawing/2010/main" w="9525">
                   <a:solidFill>
                     <a:srgbClr val="000000"/>
                   </a:solidFill>
@@ -10638,7 +10653,7 @@
             </a:ln>
             <a:extLst>
               <a:ext uri="{91240B29-F687-4f45-9708-019B960494DF}">
-                <a14:hiddenLine xmlns:a14="http://schemas.microsoft.com/office/drawing/2010/main" xmlns="" w="9525">
+                <a14:hiddenLine xmlns="" xmlns:a14="http://schemas.microsoft.com/office/drawing/2010/main" w="9525">
                   <a:solidFill>
                     <a:srgbClr val="000000"/>
                   </a:solidFill>
@@ -10672,7 +10687,7 @@
             </a:ln>
             <a:extLst>
               <a:ext uri="{91240B29-F687-4f45-9708-019B960494DF}">
-                <a14:hiddenLine xmlns:a14="http://schemas.microsoft.com/office/drawing/2010/main" xmlns="" w="9525">
+                <a14:hiddenLine xmlns="" xmlns:a14="http://schemas.microsoft.com/office/drawing/2010/main" w="9525">
                   <a:solidFill>
                     <a:srgbClr val="000000"/>
                   </a:solidFill>
@@ -10762,7 +10777,7 @@
             </a:ln>
             <a:extLst>
               <a:ext uri="{91240B29-F687-4f45-9708-019B960494DF}">
-                <a14:hiddenLine xmlns:a14="http://schemas.microsoft.com/office/drawing/2010/main" xmlns="" w="9525">
+                <a14:hiddenLine xmlns="" xmlns:a14="http://schemas.microsoft.com/office/drawing/2010/main" w="9525">
                   <a:solidFill>
                     <a:srgbClr val="000000"/>
                   </a:solidFill>
@@ -10824,7 +10839,7 @@
             </a:ln>
             <a:extLst>
               <a:ext uri="{91240B29-F687-4f45-9708-019B960494DF}">
-                <a14:hiddenLine xmlns:a14="http://schemas.microsoft.com/office/drawing/2010/main" xmlns="" w="9525">
+                <a14:hiddenLine xmlns="" xmlns:a14="http://schemas.microsoft.com/office/drawing/2010/main" w="9525">
                   <a:solidFill>
                     <a:srgbClr val="000000"/>
                   </a:solidFill>
@@ -10886,7 +10901,7 @@
             </a:ln>
             <a:extLst>
               <a:ext uri="{91240B29-F687-4f45-9708-019B960494DF}">
-                <a14:hiddenLine xmlns:a14="http://schemas.microsoft.com/office/drawing/2010/main" xmlns="" w="9525">
+                <a14:hiddenLine xmlns="" xmlns:a14="http://schemas.microsoft.com/office/drawing/2010/main" w="9525">
                   <a:solidFill>
                     <a:srgbClr val="000000"/>
                   </a:solidFill>
@@ -10976,7 +10991,7 @@
             </a:ln>
             <a:extLst>
               <a:ext uri="{91240B29-F687-4f45-9708-019B960494DF}">
-                <a14:hiddenLine xmlns:a14="http://schemas.microsoft.com/office/drawing/2010/main" xmlns="" w="9525">
+                <a14:hiddenLine xmlns="" xmlns:a14="http://schemas.microsoft.com/office/drawing/2010/main" w="9525">
                   <a:solidFill>
                     <a:srgbClr val="000000"/>
                   </a:solidFill>
@@ -11044,7 +11059,7 @@
             </a:ln>
             <a:extLst>
               <a:ext uri="{91240B29-F687-4f45-9708-019B960494DF}">
-                <a14:hiddenLine xmlns:a14="http://schemas.microsoft.com/office/drawing/2010/main" xmlns="" w="9525">
+                <a14:hiddenLine xmlns="" xmlns:a14="http://schemas.microsoft.com/office/drawing/2010/main" w="9525">
                   <a:solidFill>
                     <a:srgbClr val="000000"/>
                   </a:solidFill>
@@ -11106,7 +11121,7 @@
             </a:ln>
             <a:extLst>
               <a:ext uri="{91240B29-F687-4f45-9708-019B960494DF}">
-                <a14:hiddenLine xmlns:a14="http://schemas.microsoft.com/office/drawing/2010/main" xmlns="" w="9525">
+                <a14:hiddenLine xmlns="" xmlns:a14="http://schemas.microsoft.com/office/drawing/2010/main" w="9525">
                   <a:solidFill>
                     <a:srgbClr val="000000"/>
                   </a:solidFill>
@@ -11196,7 +11211,7 @@
             </a:ln>
             <a:extLst>
               <a:ext uri="{91240B29-F687-4f45-9708-019B960494DF}">
-                <a14:hiddenLine xmlns:a14="http://schemas.microsoft.com/office/drawing/2010/main" xmlns="" w="9525">
+                <a14:hiddenLine xmlns="" xmlns:a14="http://schemas.microsoft.com/office/drawing/2010/main" w="9525">
                   <a:solidFill>
                     <a:srgbClr val="000000"/>
                   </a:solidFill>
@@ -11258,7 +11273,7 @@
             </a:ln>
             <a:extLst>
               <a:ext uri="{91240B29-F687-4f45-9708-019B960494DF}">
-                <a14:hiddenLine xmlns:a14="http://schemas.microsoft.com/office/drawing/2010/main" xmlns="" w="9525">
+                <a14:hiddenLine xmlns="" xmlns:a14="http://schemas.microsoft.com/office/drawing/2010/main" w="9525">
                   <a:solidFill>
                     <a:srgbClr val="000000"/>
                   </a:solidFill>
@@ -11348,7 +11363,7 @@
             </a:ln>
             <a:extLst>
               <a:ext uri="{91240B29-F687-4f45-9708-019B960494DF}">
-                <a14:hiddenLine xmlns:a14="http://schemas.microsoft.com/office/drawing/2010/main" xmlns="" w="9525">
+                <a14:hiddenLine xmlns="" xmlns:a14="http://schemas.microsoft.com/office/drawing/2010/main" w="9525">
                   <a:solidFill>
                     <a:srgbClr val="000000"/>
                   </a:solidFill>
@@ -11410,7 +11425,7 @@
             </a:ln>
             <a:extLst>
               <a:ext uri="{91240B29-F687-4f45-9708-019B960494DF}">
-                <a14:hiddenLine xmlns:a14="http://schemas.microsoft.com/office/drawing/2010/main" xmlns="" w="9525">
+                <a14:hiddenLine xmlns="" xmlns:a14="http://schemas.microsoft.com/office/drawing/2010/main" w="9525">
                   <a:solidFill>
                     <a:srgbClr val="000000"/>
                   </a:solidFill>
@@ -11500,7 +11515,7 @@
             </a:ln>
             <a:extLst>
               <a:ext uri="{91240B29-F687-4f45-9708-019B960494DF}">
-                <a14:hiddenLine xmlns:a14="http://schemas.microsoft.com/office/drawing/2010/main" xmlns="" w="9525">
+                <a14:hiddenLine xmlns="" xmlns:a14="http://schemas.microsoft.com/office/drawing/2010/main" w="9525">
                   <a:solidFill>
                     <a:srgbClr val="000000"/>
                   </a:solidFill>
@@ -11534,7 +11549,7 @@
             </a:ln>
             <a:extLst>
               <a:ext uri="{91240B29-F687-4f45-9708-019B960494DF}">
-                <a14:hiddenLine xmlns:a14="http://schemas.microsoft.com/office/drawing/2010/main" xmlns="" w="9525">
+                <a14:hiddenLine xmlns="" xmlns:a14="http://schemas.microsoft.com/office/drawing/2010/main" w="9525">
                   <a:solidFill>
                     <a:srgbClr val="000000"/>
                   </a:solidFill>
@@ -11599,7 +11614,7 @@
             </a:ln>
             <a:extLst>
               <a:ext uri="{91240B29-F687-4f45-9708-019B960494DF}">
-                <a14:hiddenLine xmlns:a14="http://schemas.microsoft.com/office/drawing/2010/main" xmlns="" w="9525">
+                <a14:hiddenLine xmlns="" xmlns:a14="http://schemas.microsoft.com/office/drawing/2010/main" w="9525">
                   <a:solidFill>
                     <a:srgbClr val="000000"/>
                   </a:solidFill>
@@ -11689,7 +11704,7 @@
             </a:ln>
             <a:extLst>
               <a:ext uri="{91240B29-F687-4f45-9708-019B960494DF}">
-                <a14:hiddenLine xmlns:a14="http://schemas.microsoft.com/office/drawing/2010/main" xmlns="" w="9525">
+                <a14:hiddenLine xmlns="" xmlns:a14="http://schemas.microsoft.com/office/drawing/2010/main" w="9525">
                   <a:solidFill>
                     <a:srgbClr val="000000"/>
                   </a:solidFill>
@@ -11751,7 +11766,7 @@
             </a:ln>
             <a:extLst>
               <a:ext uri="{91240B29-F687-4f45-9708-019B960494DF}">
-                <a14:hiddenLine xmlns:a14="http://schemas.microsoft.com/office/drawing/2010/main" xmlns="" w="9525">
+                <a14:hiddenLine xmlns="" xmlns:a14="http://schemas.microsoft.com/office/drawing/2010/main" w="9525">
                   <a:solidFill>
                     <a:srgbClr val="000000"/>
                   </a:solidFill>
@@ -11841,7 +11856,7 @@
             </a:ln>
             <a:extLst>
               <a:ext uri="{91240B29-F687-4f45-9708-019B960494DF}">
-                <a14:hiddenLine xmlns:a14="http://schemas.microsoft.com/office/drawing/2010/main" xmlns="" w="9525">
+                <a14:hiddenLine xmlns="" xmlns:a14="http://schemas.microsoft.com/office/drawing/2010/main" w="9525">
                   <a:solidFill>
                     <a:srgbClr val="000000"/>
                   </a:solidFill>
@@ -11931,7 +11946,7 @@
             </a:ln>
             <a:extLst>
               <a:ext uri="{91240B29-F687-4f45-9708-019B960494DF}">
-                <a14:hiddenLine xmlns:a14="http://schemas.microsoft.com/office/drawing/2010/main" xmlns="" w="9525">
+                <a14:hiddenLine xmlns="" xmlns:a14="http://schemas.microsoft.com/office/drawing/2010/main" w="9525">
                   <a:solidFill>
                     <a:srgbClr val="000000"/>
                   </a:solidFill>
@@ -11996,7 +12011,7 @@
             </a:ln>
             <a:extLst>
               <a:ext uri="{91240B29-F687-4f45-9708-019B960494DF}">
-                <a14:hiddenLine xmlns:a14="http://schemas.microsoft.com/office/drawing/2010/main" xmlns="" w="9525">
+                <a14:hiddenLine xmlns="" xmlns:a14="http://schemas.microsoft.com/office/drawing/2010/main" w="9525">
                   <a:solidFill>
                     <a:srgbClr val="000000"/>
                   </a:solidFill>
@@ -12058,7 +12073,7 @@
             </a:ln>
             <a:extLst>
               <a:ext uri="{91240B29-F687-4f45-9708-019B960494DF}">
-                <a14:hiddenLine xmlns:a14="http://schemas.microsoft.com/office/drawing/2010/main" xmlns="" w="9525">
+                <a14:hiddenLine xmlns="" xmlns:a14="http://schemas.microsoft.com/office/drawing/2010/main" w="9525">
                   <a:solidFill>
                     <a:srgbClr val="000000"/>
                   </a:solidFill>
@@ -12148,7 +12163,7 @@
             </a:ln>
             <a:extLst>
               <a:ext uri="{91240B29-F687-4f45-9708-019B960494DF}">
-                <a14:hiddenLine xmlns:a14="http://schemas.microsoft.com/office/drawing/2010/main" xmlns="" w="9525">
+                <a14:hiddenLine xmlns="" xmlns:a14="http://schemas.microsoft.com/office/drawing/2010/main" w="9525">
                   <a:solidFill>
                     <a:srgbClr val="000000"/>
                   </a:solidFill>
@@ -12238,7 +12253,7 @@
             </a:ln>
             <a:extLst>
               <a:ext uri="{91240B29-F687-4f45-9708-019B960494DF}">
-                <a14:hiddenLine xmlns:a14="http://schemas.microsoft.com/office/drawing/2010/main" xmlns="" w="9525">
+                <a14:hiddenLine xmlns="" xmlns:a14="http://schemas.microsoft.com/office/drawing/2010/main" w="9525">
                   <a:solidFill>
                     <a:srgbClr val="000000"/>
                   </a:solidFill>
@@ -12300,7 +12315,7 @@
             </a:ln>
             <a:extLst>
               <a:ext uri="{91240B29-F687-4f45-9708-019B960494DF}">
-                <a14:hiddenLine xmlns:a14="http://schemas.microsoft.com/office/drawing/2010/main" xmlns="" w="9525">
+                <a14:hiddenLine xmlns="" xmlns:a14="http://schemas.microsoft.com/office/drawing/2010/main" w="9525">
                   <a:solidFill>
                     <a:srgbClr val="000000"/>
                   </a:solidFill>
@@ -12420,7 +12435,7 @@
             </a:ln>
             <a:extLst>
               <a:ext uri="{91240B29-F687-4f45-9708-019B960494DF}">
-                <a14:hiddenLine xmlns:a14="http://schemas.microsoft.com/office/drawing/2010/main" xmlns="" w="9525">
+                <a14:hiddenLine xmlns="" xmlns:a14="http://schemas.microsoft.com/office/drawing/2010/main" w="9525">
                   <a:solidFill>
                     <a:srgbClr val="000000"/>
                   </a:solidFill>
@@ -12488,7 +12503,7 @@
             </a:ln>
             <a:extLst>
               <a:ext uri="{91240B29-F687-4f45-9708-019B960494DF}">
-                <a14:hiddenLine xmlns:a14="http://schemas.microsoft.com/office/drawing/2010/main" xmlns="" w="9525">
+                <a14:hiddenLine xmlns="" xmlns:a14="http://schemas.microsoft.com/office/drawing/2010/main" w="9525">
                   <a:solidFill>
                     <a:srgbClr val="000000"/>
                   </a:solidFill>
@@ -12578,7 +12593,7 @@
             </a:ln>
             <a:extLst>
               <a:ext uri="{91240B29-F687-4f45-9708-019B960494DF}">
-                <a14:hiddenLine xmlns:a14="http://schemas.microsoft.com/office/drawing/2010/main" xmlns="" w="9525">
+                <a14:hiddenLine xmlns="" xmlns:a14="http://schemas.microsoft.com/office/drawing/2010/main" w="9525">
                   <a:solidFill>
                     <a:srgbClr val="000000"/>
                   </a:solidFill>
@@ -17392,7 +17407,7 @@
           <a:noFill/>
           <a:extLst>
             <a:ext uri="{909E8E84-426E-40dd-AFC4-6F175D3DCCD1}">
-              <a14:hiddenFill xmlns:a14="http://schemas.microsoft.com/office/drawing/2010/main" xmlns="">
+              <a14:hiddenFill xmlns="" xmlns:a14="http://schemas.microsoft.com/office/drawing/2010/main">
                 <a:solidFill>
                   <a:srgbClr val="FFFFFF"/>
                 </a:solidFill>
@@ -17466,7 +17481,7 @@
               </a:ln>
               <a:extLst>
                 <a:ext uri="{91240B29-F687-4f45-9708-019B960494DF}">
-                  <a14:hiddenLine xmlns:a14="http://schemas.microsoft.com/office/drawing/2010/main" xmlns="" w="9525">
+                  <a14:hiddenLine xmlns="" xmlns:a14="http://schemas.microsoft.com/office/drawing/2010/main" w="9525">
                     <a:solidFill>
                       <a:srgbClr val="000000"/>
                     </a:solidFill>
@@ -17556,7 +17571,7 @@
               </a:ln>
               <a:extLst>
                 <a:ext uri="{91240B29-F687-4f45-9708-019B960494DF}">
-                  <a14:hiddenLine xmlns:a14="http://schemas.microsoft.com/office/drawing/2010/main" xmlns="" w="9525">
+                  <a14:hiddenLine xmlns="" xmlns:a14="http://schemas.microsoft.com/office/drawing/2010/main" w="9525">
                     <a:solidFill>
                       <a:srgbClr val="000000"/>
                     </a:solidFill>
@@ -17646,7 +17661,7 @@
               </a:ln>
               <a:extLst>
                 <a:ext uri="{91240B29-F687-4f45-9708-019B960494DF}">
-                  <a14:hiddenLine xmlns:a14="http://schemas.microsoft.com/office/drawing/2010/main" xmlns="" w="9525">
+                  <a14:hiddenLine xmlns="" xmlns:a14="http://schemas.microsoft.com/office/drawing/2010/main" w="9525">
                     <a:solidFill>
                       <a:srgbClr val="000000"/>
                     </a:solidFill>
@@ -17708,7 +17723,7 @@
               </a:ln>
               <a:extLst>
                 <a:ext uri="{91240B29-F687-4f45-9708-019B960494DF}">
-                  <a14:hiddenLine xmlns:a14="http://schemas.microsoft.com/office/drawing/2010/main" xmlns="" w="9525">
+                  <a14:hiddenLine xmlns="" xmlns:a14="http://schemas.microsoft.com/office/drawing/2010/main" w="9525">
                     <a:solidFill>
                       <a:srgbClr val="000000"/>
                     </a:solidFill>
@@ -17798,7 +17813,7 @@
               </a:ln>
               <a:extLst>
                 <a:ext uri="{91240B29-F687-4f45-9708-019B960494DF}">
-                  <a14:hiddenLine xmlns:a14="http://schemas.microsoft.com/office/drawing/2010/main" xmlns="" w="9525">
+                  <a14:hiddenLine xmlns="" xmlns:a14="http://schemas.microsoft.com/office/drawing/2010/main" w="9525">
                     <a:solidFill>
                       <a:srgbClr val="000000"/>
                     </a:solidFill>
@@ -17860,7 +17875,7 @@
               </a:ln>
               <a:extLst>
                 <a:ext uri="{91240B29-F687-4f45-9708-019B960494DF}">
-                  <a14:hiddenLine xmlns:a14="http://schemas.microsoft.com/office/drawing/2010/main" xmlns="" w="9525">
+                  <a14:hiddenLine xmlns="" xmlns:a14="http://schemas.microsoft.com/office/drawing/2010/main" w="9525">
                     <a:solidFill>
                       <a:srgbClr val="000000"/>
                     </a:solidFill>
@@ -17922,7 +17937,7 @@
               </a:ln>
               <a:extLst>
                 <a:ext uri="{91240B29-F687-4f45-9708-019B960494DF}">
-                  <a14:hiddenLine xmlns:a14="http://schemas.microsoft.com/office/drawing/2010/main" xmlns="" w="9525">
+                  <a14:hiddenLine xmlns="" xmlns:a14="http://schemas.microsoft.com/office/drawing/2010/main" w="9525">
                     <a:solidFill>
                       <a:srgbClr val="000000"/>
                     </a:solidFill>
@@ -18012,7 +18027,7 @@
               </a:ln>
               <a:extLst>
                 <a:ext uri="{91240B29-F687-4f45-9708-019B960494DF}">
-                  <a14:hiddenLine xmlns:a14="http://schemas.microsoft.com/office/drawing/2010/main" xmlns="" w="9525">
+                  <a14:hiddenLine xmlns="" xmlns:a14="http://schemas.microsoft.com/office/drawing/2010/main" w="9525">
                     <a:solidFill>
                       <a:srgbClr val="000000"/>
                     </a:solidFill>
@@ -18102,7 +18117,7 @@
               </a:ln>
               <a:extLst>
                 <a:ext uri="{91240B29-F687-4f45-9708-019B960494DF}">
-                  <a14:hiddenLine xmlns:a14="http://schemas.microsoft.com/office/drawing/2010/main" xmlns="" w="9525">
+                  <a14:hiddenLine xmlns="" xmlns:a14="http://schemas.microsoft.com/office/drawing/2010/main" w="9525">
                     <a:solidFill>
                       <a:srgbClr val="000000"/>
                     </a:solidFill>
@@ -18164,7 +18179,7 @@
               </a:ln>
               <a:extLst>
                 <a:ext uri="{91240B29-F687-4f45-9708-019B960494DF}">
-                  <a14:hiddenLine xmlns:a14="http://schemas.microsoft.com/office/drawing/2010/main" xmlns="" w="9525">
+                  <a14:hiddenLine xmlns="" xmlns:a14="http://schemas.microsoft.com/office/drawing/2010/main" w="9525">
                     <a:solidFill>
                       <a:srgbClr val="000000"/>
                     </a:solidFill>
@@ -18274,7 +18289,7 @@
               </a:ln>
               <a:extLst>
                 <a:ext uri="{91240B29-F687-4f45-9708-019B960494DF}">
-                  <a14:hiddenLine xmlns:a14="http://schemas.microsoft.com/office/drawing/2010/main" xmlns="" w="9525">
+                  <a14:hiddenLine xmlns="" xmlns:a14="http://schemas.microsoft.com/office/drawing/2010/main" w="9525">
                     <a:solidFill>
                       <a:srgbClr val="000000"/>
                     </a:solidFill>
@@ -18358,7 +18373,7 @@
               </a:ln>
               <a:extLst>
                 <a:ext uri="{91240B29-F687-4f45-9708-019B960494DF}">
-                  <a14:hiddenLine xmlns:a14="http://schemas.microsoft.com/office/drawing/2010/main" xmlns="" w="9525">
+                  <a14:hiddenLine xmlns="" xmlns:a14="http://schemas.microsoft.com/office/drawing/2010/main" w="9525">
                     <a:solidFill>
                       <a:srgbClr val="000000"/>
                     </a:solidFill>
@@ -18420,7 +18435,7 @@
               </a:ln>
               <a:extLst>
                 <a:ext uri="{91240B29-F687-4f45-9708-019B960494DF}">
-                  <a14:hiddenLine xmlns:a14="http://schemas.microsoft.com/office/drawing/2010/main" xmlns="" w="9525">
+                  <a14:hiddenLine xmlns="" xmlns:a14="http://schemas.microsoft.com/office/drawing/2010/main" w="9525">
                     <a:solidFill>
                       <a:srgbClr val="000000"/>
                     </a:solidFill>
@@ -18482,7 +18497,7 @@
               </a:ln>
               <a:extLst>
                 <a:ext uri="{91240B29-F687-4f45-9708-019B960494DF}">
-                  <a14:hiddenLine xmlns:a14="http://schemas.microsoft.com/office/drawing/2010/main" xmlns="" w="9525">
+                  <a14:hiddenLine xmlns="" xmlns:a14="http://schemas.microsoft.com/office/drawing/2010/main" w="9525">
                     <a:solidFill>
                       <a:srgbClr val="000000"/>
                     </a:solidFill>
@@ -18572,7 +18587,7 @@
               </a:ln>
               <a:extLst>
                 <a:ext uri="{91240B29-F687-4f45-9708-019B960494DF}">
-                  <a14:hiddenLine xmlns:a14="http://schemas.microsoft.com/office/drawing/2010/main" xmlns="" w="9525">
+                  <a14:hiddenLine xmlns="" xmlns:a14="http://schemas.microsoft.com/office/drawing/2010/main" w="9525">
                     <a:solidFill>
                       <a:srgbClr val="000000"/>
                     </a:solidFill>
@@ -18606,7 +18621,7 @@
               </a:ln>
               <a:extLst>
                 <a:ext uri="{91240B29-F687-4f45-9708-019B960494DF}">
-                  <a14:hiddenLine xmlns:a14="http://schemas.microsoft.com/office/drawing/2010/main" xmlns="" w="9525">
+                  <a14:hiddenLine xmlns="" xmlns:a14="http://schemas.microsoft.com/office/drawing/2010/main" w="9525">
                     <a:solidFill>
                       <a:srgbClr val="000000"/>
                     </a:solidFill>
@@ -18671,7 +18686,7 @@
               </a:ln>
               <a:extLst>
                 <a:ext uri="{91240B29-F687-4f45-9708-019B960494DF}">
-                  <a14:hiddenLine xmlns:a14="http://schemas.microsoft.com/office/drawing/2010/main" xmlns="" w="9525">
+                  <a14:hiddenLine xmlns="" xmlns:a14="http://schemas.microsoft.com/office/drawing/2010/main" w="9525">
                     <a:solidFill>
                       <a:srgbClr val="000000"/>
                     </a:solidFill>
@@ -18761,7 +18776,7 @@
               </a:ln>
               <a:extLst>
                 <a:ext uri="{91240B29-F687-4f45-9708-019B960494DF}">
-                  <a14:hiddenLine xmlns:a14="http://schemas.microsoft.com/office/drawing/2010/main" xmlns="" w="9525">
+                  <a14:hiddenLine xmlns="" xmlns:a14="http://schemas.microsoft.com/office/drawing/2010/main" w="9525">
                     <a:solidFill>
                       <a:srgbClr val="000000"/>
                     </a:solidFill>
@@ -18823,7 +18838,7 @@
               </a:ln>
               <a:extLst>
                 <a:ext uri="{91240B29-F687-4f45-9708-019B960494DF}">
-                  <a14:hiddenLine xmlns:a14="http://schemas.microsoft.com/office/drawing/2010/main" xmlns="" w="9525">
+                  <a14:hiddenLine xmlns="" xmlns:a14="http://schemas.microsoft.com/office/drawing/2010/main" w="9525">
                     <a:solidFill>
                       <a:srgbClr val="000000"/>
                     </a:solidFill>
@@ -18913,7 +18928,7 @@
               </a:ln>
               <a:extLst>
                 <a:ext uri="{91240B29-F687-4f45-9708-019B960494DF}">
-                  <a14:hiddenLine xmlns:a14="http://schemas.microsoft.com/office/drawing/2010/main" xmlns="" w="9525">
+                  <a14:hiddenLine xmlns="" xmlns:a14="http://schemas.microsoft.com/office/drawing/2010/main" w="9525">
                     <a:solidFill>
                       <a:srgbClr val="000000"/>
                     </a:solidFill>
@@ -18978,7 +18993,7 @@
               </a:ln>
               <a:extLst>
                 <a:ext uri="{91240B29-F687-4f45-9708-019B960494DF}">
-                  <a14:hiddenLine xmlns:a14="http://schemas.microsoft.com/office/drawing/2010/main" xmlns="" w="9525">
+                  <a14:hiddenLine xmlns="" xmlns:a14="http://schemas.microsoft.com/office/drawing/2010/main" w="9525">
                     <a:solidFill>
                       <a:srgbClr val="000000"/>
                     </a:solidFill>
@@ -19040,7 +19055,7 @@
               </a:ln>
               <a:extLst>
                 <a:ext uri="{91240B29-F687-4f45-9708-019B960494DF}">
-                  <a14:hiddenLine xmlns:a14="http://schemas.microsoft.com/office/drawing/2010/main" xmlns="" w="9525">
+                  <a14:hiddenLine xmlns="" xmlns:a14="http://schemas.microsoft.com/office/drawing/2010/main" w="9525">
                     <a:solidFill>
                       <a:srgbClr val="000000"/>
                     </a:solidFill>
@@ -19130,7 +19145,7 @@
               </a:ln>
               <a:extLst>
                 <a:ext uri="{91240B29-F687-4f45-9708-019B960494DF}">
-                  <a14:hiddenLine xmlns:a14="http://schemas.microsoft.com/office/drawing/2010/main" xmlns="" w="9525">
+                  <a14:hiddenLine xmlns="" xmlns:a14="http://schemas.microsoft.com/office/drawing/2010/main" w="9525">
                     <a:solidFill>
                       <a:srgbClr val="000000"/>
                     </a:solidFill>
@@ -19220,7 +19235,7 @@
               </a:ln>
               <a:extLst>
                 <a:ext uri="{91240B29-F687-4f45-9708-019B960494DF}">
-                  <a14:hiddenLine xmlns:a14="http://schemas.microsoft.com/office/drawing/2010/main" xmlns="" w="9525">
+                  <a14:hiddenLine xmlns="" xmlns:a14="http://schemas.microsoft.com/office/drawing/2010/main" w="9525">
                     <a:solidFill>
                       <a:srgbClr val="000000"/>
                     </a:solidFill>
@@ -19285,7 +19300,7 @@
               </a:ln>
               <a:extLst>
                 <a:ext uri="{91240B29-F687-4f45-9708-019B960494DF}">
-                  <a14:hiddenLine xmlns:a14="http://schemas.microsoft.com/office/drawing/2010/main" xmlns="" w="9525">
+                  <a14:hiddenLine xmlns="" xmlns:a14="http://schemas.microsoft.com/office/drawing/2010/main" w="9525">
                     <a:solidFill>
                       <a:srgbClr val="000000"/>
                     </a:solidFill>
@@ -19405,7 +19420,7 @@
               </a:ln>
               <a:extLst>
                 <a:ext uri="{91240B29-F687-4f45-9708-019B960494DF}">
-                  <a14:hiddenLine xmlns:a14="http://schemas.microsoft.com/office/drawing/2010/main" xmlns="" w="9525">
+                  <a14:hiddenLine xmlns="" xmlns:a14="http://schemas.microsoft.com/office/drawing/2010/main" w="9525">
                     <a:solidFill>
                       <a:srgbClr val="000000"/>
                     </a:solidFill>
@@ -19486,7 +19501,7 @@
               </a:ln>
               <a:extLst>
                 <a:ext uri="{91240B29-F687-4f45-9708-019B960494DF}">
-                  <a14:hiddenLine xmlns:a14="http://schemas.microsoft.com/office/drawing/2010/main" xmlns="" w="9525">
+                  <a14:hiddenLine xmlns="" xmlns:a14="http://schemas.microsoft.com/office/drawing/2010/main" w="9525">
                     <a:solidFill>
                       <a:srgbClr val="000000"/>
                     </a:solidFill>
@@ -19601,7 +19616,7 @@
               </a:ln>
               <a:extLst>
                 <a:ext uri="{91240B29-F687-4f45-9708-019B960494DF}">
-                  <a14:hiddenLine xmlns:a14="http://schemas.microsoft.com/office/drawing/2010/main" xmlns="" w="9525">
+                  <a14:hiddenLine xmlns="" xmlns:a14="http://schemas.microsoft.com/office/drawing/2010/main" w="9525">
                     <a:solidFill>
                       <a:srgbClr val="000000"/>
                     </a:solidFill>
@@ -19691,7 +19706,7 @@
               </a:ln>
               <a:extLst>
                 <a:ext uri="{91240B29-F687-4f45-9708-019B960494DF}">
-                  <a14:hiddenLine xmlns:a14="http://schemas.microsoft.com/office/drawing/2010/main" xmlns="" w="9525">
+                  <a14:hiddenLine xmlns="" xmlns:a14="http://schemas.microsoft.com/office/drawing/2010/main" w="9525">
                     <a:solidFill>
                       <a:srgbClr val="000000"/>
                     </a:solidFill>
@@ -19756,7 +19771,7 @@
               </a:ln>
               <a:extLst>
                 <a:ext uri="{91240B29-F687-4f45-9708-019B960494DF}">
-                  <a14:hiddenLine xmlns:a14="http://schemas.microsoft.com/office/drawing/2010/main" xmlns="" w="9525">
+                  <a14:hiddenLine xmlns="" xmlns:a14="http://schemas.microsoft.com/office/drawing/2010/main" w="9525">
                     <a:solidFill>
                       <a:srgbClr val="000000"/>
                     </a:solidFill>
@@ -19846,7 +19861,7 @@
               </a:ln>
               <a:extLst>
                 <a:ext uri="{91240B29-F687-4f45-9708-019B960494DF}">
-                  <a14:hiddenLine xmlns:a14="http://schemas.microsoft.com/office/drawing/2010/main" xmlns="" w="9525">
+                  <a14:hiddenLine xmlns="" xmlns:a14="http://schemas.microsoft.com/office/drawing/2010/main" w="9525">
                     <a:solidFill>
                       <a:srgbClr val="000000"/>
                     </a:solidFill>
@@ -19914,7 +19929,7 @@
               </a:ln>
               <a:extLst>
                 <a:ext uri="{91240B29-F687-4f45-9708-019B960494DF}">
-                  <a14:hiddenLine xmlns:a14="http://schemas.microsoft.com/office/drawing/2010/main" xmlns="" w="9525">
+                  <a14:hiddenLine xmlns="" xmlns:a14="http://schemas.microsoft.com/office/drawing/2010/main" w="9525">
                     <a:solidFill>
                       <a:srgbClr val="000000"/>
                     </a:solidFill>
@@ -20004,7 +20019,7 @@
               </a:ln>
               <a:extLst>
                 <a:ext uri="{91240B29-F687-4f45-9708-019B960494DF}">
-                  <a14:hiddenLine xmlns:a14="http://schemas.microsoft.com/office/drawing/2010/main" xmlns="" w="9525">
+                  <a14:hiddenLine xmlns="" xmlns:a14="http://schemas.microsoft.com/office/drawing/2010/main" w="9525">
                     <a:solidFill>
                       <a:srgbClr val="000000"/>
                     </a:solidFill>
@@ -20072,7 +20087,7 @@
               </a:ln>
               <a:extLst>
                 <a:ext uri="{91240B29-F687-4f45-9708-019B960494DF}">
-                  <a14:hiddenLine xmlns:a14="http://schemas.microsoft.com/office/drawing/2010/main" xmlns="" w="9525">
+                  <a14:hiddenLine xmlns="" xmlns:a14="http://schemas.microsoft.com/office/drawing/2010/main" w="9525">
                     <a:solidFill>
                       <a:srgbClr val="000000"/>
                     </a:solidFill>
@@ -20162,7 +20177,7 @@
               </a:ln>
               <a:extLst>
                 <a:ext uri="{91240B29-F687-4f45-9708-019B960494DF}">
-                  <a14:hiddenLine xmlns:a14="http://schemas.microsoft.com/office/drawing/2010/main" xmlns="" w="9525">
+                  <a14:hiddenLine xmlns="" xmlns:a14="http://schemas.microsoft.com/office/drawing/2010/main" w="9525">
                     <a:solidFill>
                       <a:srgbClr val="000000"/>
                     </a:solidFill>
@@ -20196,7 +20211,7 @@
               </a:ln>
               <a:extLst>
                 <a:ext uri="{91240B29-F687-4f45-9708-019B960494DF}">
-                  <a14:hiddenLine xmlns:a14="http://schemas.microsoft.com/office/drawing/2010/main" xmlns="" w="9525">
+                  <a14:hiddenLine xmlns="" xmlns:a14="http://schemas.microsoft.com/office/drawing/2010/main" w="9525">
                     <a:solidFill>
                       <a:srgbClr val="000000"/>
                     </a:solidFill>
@@ -22564,8 +22579,8 @@
         </p:nvSpPr>
         <p:spPr>
           <a:xfrm>
-            <a:off x="1446334" y="3982914"/>
-            <a:ext cx="7992207" cy="646331"/>
+            <a:off x="1484207" y="3718679"/>
+            <a:ext cx="7992207" cy="2585323"/>
           </a:xfrm>
           <a:prstGeom prst="rect">
             <a:avLst/>
@@ -22578,10 +22593,78 @@
           </a:bodyPr>
           <a:lstStyle/>
           <a:p>
+            <a:pPr marL="285750" indent="-285750">
+              <a:buFont typeface="Wingdings" panose="05000000000000000000" pitchFamily="2" charset="2"/>
+              <a:buChar char="§"/>
+            </a:pPr>
             <a:r>
-              <a:rPr lang="en-US" dirty="0"/>
-              <a:t>Features with the highest weightings were related to the educational attainment levels of the population. </a:t>
+              <a:rPr lang="en-US" b="0" i="0" dirty="0">
+                <a:effectLst/>
+                <a:latin typeface="Slack-Lato"/>
+              </a:rPr>
+              <a:t>Multiple Linear Regression is a generalization of Linear Regression, in which there is more than one feature variable for the single outcome variable. </a:t>
             </a:r>
+            <a:endParaRPr lang="en-US" dirty="0"/>
+          </a:p>
+          <a:p>
+            <a:pPr marL="285750" indent="-285750">
+              <a:buFont typeface="Wingdings" panose="05000000000000000000" pitchFamily="2" charset="2"/>
+              <a:buChar char="§"/>
+            </a:pPr>
+            <a:r>
+              <a:rPr lang="en-US" b="0" i="0" dirty="0">
+                <a:effectLst/>
+                <a:latin typeface="Slack-Lato"/>
+              </a:rPr>
+              <a:t>For each feature in our dataset, there is a corresponding weight that effects the outcome y. </a:t>
+            </a:r>
+          </a:p>
+          <a:p>
+            <a:pPr marL="742950" lvl="1" indent="-285750">
+              <a:buFont typeface="Wingdings" panose="05000000000000000000" pitchFamily="2" charset="2"/>
+              <a:buChar char="§"/>
+            </a:pPr>
+            <a:r>
+              <a:rPr lang="en-US" b="0" i="0" dirty="0">
+                <a:effectLst/>
+                <a:latin typeface="Slack-Lato"/>
+              </a:rPr>
+              <a:t>Some weights are positive, while others are negative. </a:t>
+            </a:r>
+          </a:p>
+          <a:p>
+            <a:pPr marL="742950" lvl="1" indent="-285750">
+              <a:buFont typeface="Wingdings" panose="05000000000000000000" pitchFamily="2" charset="2"/>
+              <a:buChar char="§"/>
+            </a:pPr>
+            <a:r>
+              <a:rPr lang="en-US" b="0" i="0" dirty="0">
+                <a:effectLst/>
+                <a:latin typeface="Slack-Lato"/>
+              </a:rPr>
+              <a:t>Together the weights add up and give the predicted outcome for our model.</a:t>
+            </a:r>
+          </a:p>
+          <a:p>
+            <a:pPr marL="742950" lvl="1" indent="-285750">
+              <a:buFont typeface="Wingdings" panose="05000000000000000000" pitchFamily="2" charset="2"/>
+              <a:buChar char="§"/>
+            </a:pPr>
+            <a:r>
+              <a:rPr lang="en-US" b="0" i="0" dirty="0">
+                <a:effectLst/>
+                <a:latin typeface="Slack-Lato"/>
+              </a:rPr>
+              <a:t>The degree to which the weights give the final product are measured by their scale; Greater values have more of an impact than lesser values.</a:t>
+            </a:r>
+            <a:endParaRPr lang="en-US" dirty="0"/>
+          </a:p>
+          <a:p>
+            <a:pPr marL="285750" indent="-285750">
+              <a:buFont typeface="Wingdings" panose="05000000000000000000" pitchFamily="2" charset="2"/>
+              <a:buChar char="§"/>
+            </a:pPr>
+            <a:endParaRPr lang="en-US" dirty="0"/>
           </a:p>
         </p:txBody>
       </p:sp>
@@ -24388,20 +24471,20 @@
 </file>
 
 <file path=customXml/item1.xml><?xml version="1.0" encoding="utf-8"?>
+<p:properties xmlns:p="http://schemas.microsoft.com/office/2006/metadata/properties" xmlns:xsi="http://www.w3.org/2001/XMLSchema-instance" xmlns:pc="http://schemas.microsoft.com/office/infopath/2007/PartnerControls">
+  <documentManagement>
+    <MediaServiceKeyPoints xmlns="71af3243-3dd4-4a8d-8c0d-dd76da1f02a5" xsi:nil="true"/>
+  </documentManagement>
+</p:properties>
+</file>
+
+<file path=customXml/item2.xml><?xml version="1.0" encoding="utf-8"?>
 <?mso-contentType ?>
 <FormTemplates xmlns="http://schemas.microsoft.com/sharepoint/v3/contenttype/forms">
   <Display>DocumentLibraryForm</Display>
   <Edit>DocumentLibraryForm</Edit>
   <New>DocumentLibraryForm</New>
 </FormTemplates>
-</file>
-
-<file path=customXml/item2.xml><?xml version="1.0" encoding="utf-8"?>
-<p:properties xmlns:p="http://schemas.microsoft.com/office/2006/metadata/properties" xmlns:xsi="http://www.w3.org/2001/XMLSchema-instance" xmlns:pc="http://schemas.microsoft.com/office/infopath/2007/PartnerControls">
-  <documentManagement>
-    <MediaServiceKeyPoints xmlns="71af3243-3dd4-4a8d-8c0d-dd76da1f02a5" xsi:nil="true"/>
-  </documentManagement>
-</p:properties>
 </file>
 
 <file path=customXml/item3.xml><?xml version="1.0" encoding="utf-8"?>
@@ -24616,19 +24699,19 @@
 </file>
 
 <file path=customXml/itemProps1.xml><?xml version="1.0" encoding="utf-8"?>
-<ds:datastoreItem xmlns:ds="http://schemas.openxmlformats.org/officeDocument/2006/customXml" ds:itemID="{B579702B-25C7-40D7-9E29-7686B11A9660}">
+<ds:datastoreItem xmlns:ds="http://schemas.openxmlformats.org/officeDocument/2006/customXml" ds:itemID="{E7866CFD-F94E-4AE5-ACEA-86FEC0F48A10}">
   <ds:schemaRefs>
-    <ds:schemaRef ds:uri="http://schemas.microsoft.com/sharepoint/v3/contenttype/forms"/>
+    <ds:schemaRef ds:uri="http://schemas.microsoft.com/office/2006/metadata/properties"/>
+    <ds:schemaRef ds:uri="http://schemas.microsoft.com/office/infopath/2007/PartnerControls"/>
+    <ds:schemaRef ds:uri="71af3243-3dd4-4a8d-8c0d-dd76da1f02a5"/>
   </ds:schemaRefs>
 </ds:datastoreItem>
 </file>
 
 <file path=customXml/itemProps2.xml><?xml version="1.0" encoding="utf-8"?>
-<ds:datastoreItem xmlns:ds="http://schemas.openxmlformats.org/officeDocument/2006/customXml" ds:itemID="{E7866CFD-F94E-4AE5-ACEA-86FEC0F48A10}">
+<ds:datastoreItem xmlns:ds="http://schemas.openxmlformats.org/officeDocument/2006/customXml" ds:itemID="{B579702B-25C7-40D7-9E29-7686B11A9660}">
   <ds:schemaRefs>
-    <ds:schemaRef ds:uri="http://schemas.microsoft.com/office/2006/metadata/properties"/>
-    <ds:schemaRef ds:uri="http://schemas.microsoft.com/office/infopath/2007/PartnerControls"/>
-    <ds:schemaRef ds:uri="71af3243-3dd4-4a8d-8c0d-dd76da1f02a5"/>
+    <ds:schemaRef ds:uri="http://schemas.microsoft.com/sharepoint/v3/contenttype/forms"/>
   </ds:schemaRefs>
 </ds:datastoreItem>
 </file>
